--- a/javaWorks/자료/java_ppt/7장. 배열 객체와 ArrayList.pptx
+++ b/javaWorks/자료/java_ppt/7장. 배열 객체와 ArrayList.pptx
@@ -5,36 +5,38 @@
     <p:sldMasterId id="2147483648" r:id="rId1"/>
   </p:sldMasterIdLst>
   <p:notesMasterIdLst>
-    <p:notesMasterId r:id="rId29"/>
+    <p:notesMasterId r:id="rId31"/>
   </p:notesMasterIdLst>
   <p:sldIdLst>
     <p:sldId id="256" r:id="rId2"/>
     <p:sldId id="398" r:id="rId3"/>
-    <p:sldId id="380" r:id="rId4"/>
-    <p:sldId id="397" r:id="rId5"/>
-    <p:sldId id="411" r:id="rId6"/>
-    <p:sldId id="333" r:id="rId7"/>
-    <p:sldId id="331" r:id="rId8"/>
-    <p:sldId id="412" r:id="rId9"/>
-    <p:sldId id="335" r:id="rId10"/>
-    <p:sldId id="413" r:id="rId11"/>
-    <p:sldId id="336" r:id="rId12"/>
-    <p:sldId id="405" r:id="rId13"/>
-    <p:sldId id="401" r:id="rId14"/>
-    <p:sldId id="402" r:id="rId15"/>
-    <p:sldId id="403" r:id="rId16"/>
-    <p:sldId id="389" r:id="rId17"/>
-    <p:sldId id="391" r:id="rId18"/>
-    <p:sldId id="400" r:id="rId19"/>
-    <p:sldId id="407" r:id="rId20"/>
-    <p:sldId id="392" r:id="rId21"/>
-    <p:sldId id="377" r:id="rId22"/>
-    <p:sldId id="406" r:id="rId23"/>
-    <p:sldId id="378" r:id="rId24"/>
-    <p:sldId id="414" r:id="rId25"/>
-    <p:sldId id="415" r:id="rId26"/>
-    <p:sldId id="416" r:id="rId27"/>
-    <p:sldId id="417" r:id="rId28"/>
+    <p:sldId id="418" r:id="rId4"/>
+    <p:sldId id="380" r:id="rId5"/>
+    <p:sldId id="397" r:id="rId6"/>
+    <p:sldId id="411" r:id="rId7"/>
+    <p:sldId id="333" r:id="rId8"/>
+    <p:sldId id="331" r:id="rId9"/>
+    <p:sldId id="412" r:id="rId10"/>
+    <p:sldId id="335" r:id="rId11"/>
+    <p:sldId id="419" r:id="rId12"/>
+    <p:sldId id="413" r:id="rId13"/>
+    <p:sldId id="336" r:id="rId14"/>
+    <p:sldId id="405" r:id="rId15"/>
+    <p:sldId id="401" r:id="rId16"/>
+    <p:sldId id="402" r:id="rId17"/>
+    <p:sldId id="403" r:id="rId18"/>
+    <p:sldId id="389" r:id="rId19"/>
+    <p:sldId id="391" r:id="rId20"/>
+    <p:sldId id="400" r:id="rId21"/>
+    <p:sldId id="407" r:id="rId22"/>
+    <p:sldId id="392" r:id="rId23"/>
+    <p:sldId id="377" r:id="rId24"/>
+    <p:sldId id="406" r:id="rId25"/>
+    <p:sldId id="378" r:id="rId26"/>
+    <p:sldId id="414" r:id="rId27"/>
+    <p:sldId id="415" r:id="rId28"/>
+    <p:sldId id="416" r:id="rId29"/>
+    <p:sldId id="417" r:id="rId30"/>
   </p:sldIdLst>
   <p:sldSz cx="9906000" cy="6858000" type="A4"/>
   <p:notesSz cx="6858000" cy="9144000"/>
@@ -135,7 +137,7 @@
   </p:defaultTextStyle>
   <p:extLst>
     <p:ext uri="{EFAFB233-063F-42B5-8137-9DF3F51BA10A}">
-      <p15:sldGuideLst xmlns="" xmlns:p15="http://schemas.microsoft.com/office/powerpoint/2012/main">
+      <p15:sldGuideLst xmlns:p15="http://schemas.microsoft.com/office/powerpoint/2012/main">
         <p15:guide id="1" orient="horz" pos="2160">
           <p15:clr>
             <a:srgbClr val="A4A3A4"/>
@@ -234,7 +236,7 @@
           <a:p>
             <a:fld id="{7665CDAC-D627-4E87-877A-1B781DD4CADC}" type="datetimeFigureOut">
               <a:rPr lang="ko-KR" altLang="en-US" smtClean="0"/>
-              <a:t>2022-07-01</a:t>
+              <a:t>2023-05-21</a:t>
             </a:fld>
             <a:endParaRPr lang="ko-KR" altLang="en-US"/>
           </a:p>
@@ -772,7 +774,7 @@
           <a:p>
             <a:fld id="{F4AC81B4-D91A-4578-85B3-829E63FCFE17}" type="datetime1">
               <a:rPr lang="ko-KR" altLang="en-US" smtClean="0"/>
-              <a:t>2022-07-01</a:t>
+              <a:t>2023-05-21</a:t>
             </a:fld>
             <a:endParaRPr lang="ko-KR" altLang="en-US"/>
           </a:p>
@@ -1147,7 +1149,7 @@
           <a:p>
             <a:fld id="{F5B77542-37E5-48F2-BAE7-80CC6B0EB6A3}" type="datetime1">
               <a:rPr lang="ko-KR" altLang="en-US" smtClean="0"/>
-              <a:t>2022-07-01</a:t>
+              <a:t>2023-05-21</a:t>
             </a:fld>
             <a:endParaRPr lang="ko-KR" altLang="en-US"/>
           </a:p>
@@ -1327,7 +1329,7 @@
           <a:p>
             <a:fld id="{227CF174-B5AC-4A98-B673-0BE8126D3F27}" type="datetime1">
               <a:rPr lang="ko-KR" altLang="en-US" smtClean="0"/>
-              <a:t>2022-07-01</a:t>
+              <a:t>2023-05-21</a:t>
             </a:fld>
             <a:endParaRPr lang="ko-KR" altLang="en-US"/>
           </a:p>
@@ -1501,7 +1503,7 @@
           <a:p>
             <a:fld id="{E20FDEC8-1339-42E8-9704-2977280C2FD3}" type="datetime1">
               <a:rPr lang="ko-KR" altLang="en-US" smtClean="0"/>
-              <a:t>2022-07-01</a:t>
+              <a:t>2023-05-21</a:t>
             </a:fld>
             <a:endParaRPr lang="ko-KR" altLang="en-US"/>
           </a:p>
@@ -1747,7 +1749,7 @@
           <a:p>
             <a:fld id="{4D18DC76-A282-4817-B790-197F054E1215}" type="datetime1">
               <a:rPr lang="ko-KR" altLang="en-US" smtClean="0"/>
-              <a:t>2022-07-01</a:t>
+              <a:t>2023-05-21</a:t>
             </a:fld>
             <a:endParaRPr lang="ko-KR" altLang="en-US"/>
           </a:p>
@@ -2035,7 +2037,7 @@
           <a:p>
             <a:fld id="{6680AA6C-13D8-43E4-90F0-E6C88A2B9F16}" type="datetime1">
               <a:rPr lang="ko-KR" altLang="en-US" smtClean="0"/>
-              <a:t>2022-07-01</a:t>
+              <a:t>2023-05-21</a:t>
             </a:fld>
             <a:endParaRPr lang="ko-KR" altLang="en-US"/>
           </a:p>
@@ -2457,7 +2459,7 @@
           <a:p>
             <a:fld id="{3EF5B03B-20CC-436E-8601-C933C6C1F4A6}" type="datetime1">
               <a:rPr lang="ko-KR" altLang="en-US" smtClean="0"/>
-              <a:t>2022-07-01</a:t>
+              <a:t>2023-05-21</a:t>
             </a:fld>
             <a:endParaRPr lang="ko-KR" altLang="en-US"/>
           </a:p>
@@ -2575,7 +2577,7 @@
           <a:p>
             <a:fld id="{87B5A15D-8B08-482F-AB47-E416EC355EB6}" type="datetime1">
               <a:rPr lang="ko-KR" altLang="en-US" smtClean="0"/>
-              <a:t>2022-07-01</a:t>
+              <a:t>2023-05-21</a:t>
             </a:fld>
             <a:endParaRPr lang="ko-KR" altLang="en-US"/>
           </a:p>
@@ -2670,7 +2672,7 @@
           <a:p>
             <a:fld id="{A877D7F8-7B64-44F8-A411-CBD22F28CBFF}" type="datetime1">
               <a:rPr lang="ko-KR" altLang="en-US" smtClean="0"/>
-              <a:t>2022-07-01</a:t>
+              <a:t>2023-05-21</a:t>
             </a:fld>
             <a:endParaRPr lang="ko-KR" altLang="en-US"/>
           </a:p>
@@ -2947,7 +2949,7 @@
           <a:p>
             <a:fld id="{E12DBD9B-2BB6-4D1F-BCB4-1E48829C93C3}" type="datetime1">
               <a:rPr lang="ko-KR" altLang="en-US" smtClean="0"/>
-              <a:t>2022-07-01</a:t>
+              <a:t>2023-05-21</a:t>
             </a:fld>
             <a:endParaRPr lang="ko-KR" altLang="en-US"/>
           </a:p>
@@ -3200,7 +3202,7 @@
           <a:p>
             <a:fld id="{17564C48-0CD7-40EB-BE64-BBF4DB8C56AF}" type="datetime1">
               <a:rPr lang="ko-KR" altLang="en-US" smtClean="0"/>
-              <a:t>2022-07-01</a:t>
+              <a:t>2023-05-21</a:t>
             </a:fld>
             <a:endParaRPr lang="ko-KR" altLang="en-US"/>
           </a:p>
@@ -3380,7 +3382,7 @@
           <a:p>
             <a:fld id="{C116BCB4-B68B-4638-8167-F4BDC0A30DA1}" type="datetime1">
               <a:rPr lang="ko-KR" altLang="en-US" smtClean="0"/>
-              <a:t>2022-07-01</a:t>
+              <a:t>2023-05-21</a:t>
             </a:fld>
             <a:endParaRPr lang="ko-KR" altLang="en-US"/>
           </a:p>
@@ -4203,8 +4205,12 @@
               <a:t>– </a:t>
             </a:r>
             <a:r>
+              <a:rPr lang="ko-KR" altLang="en-US" dirty="0" smtClean="0"/>
+              <a:t>깊은 </a:t>
+            </a:r>
+            <a:r>
               <a:rPr lang="ko-KR" altLang="en-US" dirty="0"/>
-              <a:t>깊은 복사</a:t>
+              <a:t>복사</a:t>
             </a:r>
           </a:p>
         </p:txBody>
@@ -4237,7 +4243,1630 @@
           <p:cNvPr id="7" name="내용 개체 틀 2">
             <a:extLst>
               <a:ext uri="{FF2B5EF4-FFF2-40B4-BE49-F238E27FC236}">
-                <a16:creationId xmlns:a16="http://schemas.microsoft.com/office/drawing/2014/main" xmlns="" id="{98AF3A4E-7D90-4241-89FE-799D6F9D5A94}"/>
+                <a16:creationId xmlns:a16="http://schemas.microsoft.com/office/drawing/2014/main" id="{98AF3A4E-7D90-4241-89FE-799D6F9D5A94}"/>
+              </a:ext>
+            </a:extLst>
+          </p:cNvPr>
+          <p:cNvSpPr txBox="1">
+            <a:spLocks/>
+          </p:cNvSpPr>
+          <p:nvPr/>
+        </p:nvSpPr>
+        <p:spPr>
+          <a:xfrm>
+            <a:off x="1130218" y="1162780"/>
+            <a:ext cx="5190934" cy="610036"/>
+          </a:xfrm>
+          <a:prstGeom prst="rect">
+            <a:avLst/>
+          </a:prstGeom>
+        </p:spPr>
+        <p:txBody>
+          <a:bodyPr/>
+          <a:lstStyle>
+            <a:lvl1pPr marL="228600" indent="-228600" algn="l" defTabSz="914400" rtl="0" eaLnBrk="1" latinLnBrk="1" hangingPunct="1">
+              <a:lnSpc>
+                <a:spcPct val="90000"/>
+              </a:lnSpc>
+              <a:spcBef>
+                <a:spcPts val="1000"/>
+              </a:spcBef>
+              <a:buFont typeface="Arial" panose="020B0604020202020204" pitchFamily="34" charset="0"/>
+              <a:buChar char="•"/>
+              <a:defRPr sz="2800" kern="1200">
+                <a:solidFill>
+                  <a:schemeClr val="tx1"/>
+                </a:solidFill>
+                <a:latin typeface="+mn-lt"/>
+                <a:ea typeface="+mn-ea"/>
+                <a:cs typeface="+mn-cs"/>
+              </a:defRPr>
+            </a:lvl1pPr>
+            <a:lvl2pPr marL="685800" indent="-228600" algn="l" defTabSz="914400" rtl="0" eaLnBrk="1" latinLnBrk="1" hangingPunct="1">
+              <a:lnSpc>
+                <a:spcPct val="90000"/>
+              </a:lnSpc>
+              <a:spcBef>
+                <a:spcPts val="500"/>
+              </a:spcBef>
+              <a:buFont typeface="Arial" panose="020B0604020202020204" pitchFamily="34" charset="0"/>
+              <a:buChar char="•"/>
+              <a:defRPr sz="2400" kern="1200">
+                <a:solidFill>
+                  <a:schemeClr val="tx1"/>
+                </a:solidFill>
+                <a:latin typeface="+mn-lt"/>
+                <a:ea typeface="+mn-ea"/>
+                <a:cs typeface="+mn-cs"/>
+              </a:defRPr>
+            </a:lvl2pPr>
+            <a:lvl3pPr marL="1143000" indent="-228600" algn="l" defTabSz="914400" rtl="0" eaLnBrk="1" latinLnBrk="1" hangingPunct="1">
+              <a:lnSpc>
+                <a:spcPct val="90000"/>
+              </a:lnSpc>
+              <a:spcBef>
+                <a:spcPts val="500"/>
+              </a:spcBef>
+              <a:buFont typeface="Arial" panose="020B0604020202020204" pitchFamily="34" charset="0"/>
+              <a:buChar char="•"/>
+              <a:defRPr sz="2000" kern="1200">
+                <a:solidFill>
+                  <a:schemeClr val="tx1"/>
+                </a:solidFill>
+                <a:latin typeface="+mn-lt"/>
+                <a:ea typeface="+mn-ea"/>
+                <a:cs typeface="+mn-cs"/>
+              </a:defRPr>
+            </a:lvl3pPr>
+            <a:lvl4pPr marL="1600200" indent="-228600" algn="l" defTabSz="914400" rtl="0" eaLnBrk="1" latinLnBrk="1" hangingPunct="1">
+              <a:lnSpc>
+                <a:spcPct val="90000"/>
+              </a:lnSpc>
+              <a:spcBef>
+                <a:spcPts val="500"/>
+              </a:spcBef>
+              <a:buFont typeface="Arial" panose="020B0604020202020204" pitchFamily="34" charset="0"/>
+              <a:buChar char="•"/>
+              <a:defRPr sz="1800" kern="1200">
+                <a:solidFill>
+                  <a:schemeClr val="tx1"/>
+                </a:solidFill>
+                <a:latin typeface="+mn-lt"/>
+                <a:ea typeface="+mn-ea"/>
+                <a:cs typeface="+mn-cs"/>
+              </a:defRPr>
+            </a:lvl4pPr>
+            <a:lvl5pPr marL="2057400" indent="-228600" algn="l" defTabSz="914400" rtl="0" eaLnBrk="1" latinLnBrk="1" hangingPunct="1">
+              <a:lnSpc>
+                <a:spcPct val="90000"/>
+              </a:lnSpc>
+              <a:spcBef>
+                <a:spcPts val="500"/>
+              </a:spcBef>
+              <a:buFont typeface="Arial" panose="020B0604020202020204" pitchFamily="34" charset="0"/>
+              <a:buChar char="•"/>
+              <a:defRPr sz="1800" kern="1200">
+                <a:solidFill>
+                  <a:schemeClr val="tx1"/>
+                </a:solidFill>
+                <a:latin typeface="+mn-lt"/>
+                <a:ea typeface="+mn-ea"/>
+                <a:cs typeface="+mn-cs"/>
+              </a:defRPr>
+            </a:lvl5pPr>
+            <a:lvl6pPr marL="2514600" indent="-228600" algn="l" defTabSz="914400" rtl="0" eaLnBrk="1" latinLnBrk="1" hangingPunct="1">
+              <a:lnSpc>
+                <a:spcPct val="90000"/>
+              </a:lnSpc>
+              <a:spcBef>
+                <a:spcPts val="500"/>
+              </a:spcBef>
+              <a:buFont typeface="Arial" panose="020B0604020202020204" pitchFamily="34" charset="0"/>
+              <a:buChar char="•"/>
+              <a:defRPr sz="1800" kern="1200">
+                <a:solidFill>
+                  <a:schemeClr val="tx1"/>
+                </a:solidFill>
+                <a:latin typeface="+mn-lt"/>
+                <a:ea typeface="+mn-ea"/>
+                <a:cs typeface="+mn-cs"/>
+              </a:defRPr>
+            </a:lvl6pPr>
+            <a:lvl7pPr marL="2971800" indent="-228600" algn="l" defTabSz="914400" rtl="0" eaLnBrk="1" latinLnBrk="1" hangingPunct="1">
+              <a:lnSpc>
+                <a:spcPct val="90000"/>
+              </a:lnSpc>
+              <a:spcBef>
+                <a:spcPts val="500"/>
+              </a:spcBef>
+              <a:buFont typeface="Arial" panose="020B0604020202020204" pitchFamily="34" charset="0"/>
+              <a:buChar char="•"/>
+              <a:defRPr sz="1800" kern="1200">
+                <a:solidFill>
+                  <a:schemeClr val="tx1"/>
+                </a:solidFill>
+                <a:latin typeface="+mn-lt"/>
+                <a:ea typeface="+mn-ea"/>
+                <a:cs typeface="+mn-cs"/>
+              </a:defRPr>
+            </a:lvl7pPr>
+            <a:lvl8pPr marL="3429000" indent="-228600" algn="l" defTabSz="914400" rtl="0" eaLnBrk="1" latinLnBrk="1" hangingPunct="1">
+              <a:lnSpc>
+                <a:spcPct val="90000"/>
+              </a:lnSpc>
+              <a:spcBef>
+                <a:spcPts val="500"/>
+              </a:spcBef>
+              <a:buFont typeface="Arial" panose="020B0604020202020204" pitchFamily="34" charset="0"/>
+              <a:buChar char="•"/>
+              <a:defRPr sz="1800" kern="1200">
+                <a:solidFill>
+                  <a:schemeClr val="tx1"/>
+                </a:solidFill>
+                <a:latin typeface="+mn-lt"/>
+                <a:ea typeface="+mn-ea"/>
+                <a:cs typeface="+mn-cs"/>
+              </a:defRPr>
+            </a:lvl8pPr>
+            <a:lvl9pPr marL="3886200" indent="-228600" algn="l" defTabSz="914400" rtl="0" eaLnBrk="1" latinLnBrk="1" hangingPunct="1">
+              <a:lnSpc>
+                <a:spcPct val="90000"/>
+              </a:lnSpc>
+              <a:spcBef>
+                <a:spcPts val="500"/>
+              </a:spcBef>
+              <a:buFont typeface="Arial" panose="020B0604020202020204" pitchFamily="34" charset="0"/>
+              <a:buChar char="•"/>
+              <a:defRPr sz="1800" kern="1200">
+                <a:solidFill>
+                  <a:schemeClr val="tx1"/>
+                </a:solidFill>
+                <a:latin typeface="+mn-lt"/>
+                <a:ea typeface="+mn-ea"/>
+                <a:cs typeface="+mn-cs"/>
+              </a:defRPr>
+            </a:lvl9pPr>
+          </a:lstStyle>
+          <a:p>
+            <a:pPr>
+              <a:lnSpc>
+                <a:spcPct val="150000"/>
+              </a:lnSpc>
+              <a:buFont typeface="Wingdings" panose="05000000000000000000" pitchFamily="2" charset="2"/>
+              <a:buChar char="§"/>
+            </a:pPr>
+            <a:r>
+              <a:rPr lang="ko-KR" altLang="en-US" sz="2000" b="1" dirty="0" smtClean="0">
+                <a:solidFill>
+                  <a:srgbClr val="C00000"/>
+                </a:solidFill>
+              </a:rPr>
+              <a:t>객체 배열의 깊은 복사</a:t>
+            </a:r>
+            <a:r>
+              <a:rPr lang="en-US" altLang="ko-KR" sz="2000" b="1" dirty="0" smtClean="0">
+                <a:solidFill>
+                  <a:srgbClr val="C00000"/>
+                </a:solidFill>
+              </a:rPr>
+              <a:t>(deep copy)</a:t>
+            </a:r>
+          </a:p>
+        </p:txBody>
+      </p:sp>
+      <p:graphicFrame>
+        <p:nvGraphicFramePr>
+          <p:cNvPr id="29" name="표 28"/>
+          <p:cNvGraphicFramePr>
+            <a:graphicFrameLocks noGrp="1"/>
+          </p:cNvGraphicFramePr>
+          <p:nvPr>
+            <p:extLst>
+              <p:ext uri="{D42A27DB-BD31-4B8C-83A1-F6EECF244321}">
+                <p14:modId xmlns:p14="http://schemas.microsoft.com/office/powerpoint/2010/main" val="1012866908"/>
+              </p:ext>
+            </p:extLst>
+          </p:nvPr>
+        </p:nvGraphicFramePr>
+        <p:xfrm>
+          <a:off x="1803914" y="2269664"/>
+          <a:ext cx="4813062" cy="396912"/>
+        </p:xfrm>
+        <a:graphic>
+          <a:graphicData uri="http://schemas.openxmlformats.org/drawingml/2006/table">
+            <a:tbl>
+              <a:tblPr firstRow="1" bandRow="1">
+                <a:tableStyleId>{5940675A-B579-460E-94D1-54222C63F5DA}</a:tableStyleId>
+              </a:tblPr>
+              <a:tblGrid>
+                <a:gridCol w="1604354">
+                  <a:extLst>
+                    <a:ext uri="{9D8B030D-6E8A-4147-A177-3AD203B41FA5}">
+                      <a16:colId xmlns:a16="http://schemas.microsoft.com/office/drawing/2014/main" val="20000"/>
+                    </a:ext>
+                  </a:extLst>
+                </a:gridCol>
+                <a:gridCol w="1604354">
+                  <a:extLst>
+                    <a:ext uri="{9D8B030D-6E8A-4147-A177-3AD203B41FA5}">
+                      <a16:colId xmlns:a16="http://schemas.microsoft.com/office/drawing/2014/main" val="20001"/>
+                    </a:ext>
+                  </a:extLst>
+                </a:gridCol>
+                <a:gridCol w="1604354">
+                  <a:extLst>
+                    <a:ext uri="{9D8B030D-6E8A-4147-A177-3AD203B41FA5}">
+                      <a16:colId xmlns:a16="http://schemas.microsoft.com/office/drawing/2014/main" val="20002"/>
+                    </a:ext>
+                  </a:extLst>
+                </a:gridCol>
+              </a:tblGrid>
+              <a:tr h="396912">
+                <a:tc>
+                  <a:txBody>
+                    <a:bodyPr/>
+                    <a:lstStyle/>
+                    <a:p>
+                      <a:pPr algn="ctr" latinLnBrk="1"/>
+                      <a:endParaRPr lang="ko-KR" altLang="en-US" dirty="0">
+                        <a:solidFill>
+                          <a:srgbClr val="002060"/>
+                        </a:solidFill>
+                      </a:endParaRPr>
+                    </a:p>
+                  </a:txBody>
+                  <a:tcPr anchor="ctr"/>
+                </a:tc>
+                <a:tc>
+                  <a:txBody>
+                    <a:bodyPr/>
+                    <a:lstStyle/>
+                    <a:p>
+                      <a:pPr algn="ctr" latinLnBrk="1"/>
+                      <a:endParaRPr lang="ko-KR" altLang="en-US" dirty="0"/>
+                    </a:p>
+                  </a:txBody>
+                  <a:tcPr anchor="ctr"/>
+                </a:tc>
+                <a:tc>
+                  <a:txBody>
+                    <a:bodyPr/>
+                    <a:lstStyle/>
+                    <a:p>
+                      <a:pPr algn="ctr" latinLnBrk="1"/>
+                      <a:endParaRPr lang="ko-KR" altLang="en-US" dirty="0"/>
+                    </a:p>
+                  </a:txBody>
+                  <a:tcPr anchor="ctr"/>
+                </a:tc>
+                <a:extLst>
+                  <a:ext uri="{0D108BD9-81ED-4DB2-BD59-A6C34878D82A}">
+                    <a16:rowId xmlns:a16="http://schemas.microsoft.com/office/drawing/2014/main" val="10000"/>
+                  </a:ext>
+                </a:extLst>
+              </a:tr>
+            </a:tbl>
+          </a:graphicData>
+        </a:graphic>
+      </p:graphicFrame>
+      <p:sp>
+        <p:nvSpPr>
+          <p:cNvPr id="30" name="TextBox 29"/>
+          <p:cNvSpPr txBox="1"/>
+          <p:nvPr/>
+        </p:nvSpPr>
+        <p:spPr>
+          <a:xfrm>
+            <a:off x="1784648" y="1844824"/>
+            <a:ext cx="1584176" cy="369332"/>
+          </a:xfrm>
+          <a:prstGeom prst="rect">
+            <a:avLst/>
+          </a:prstGeom>
+          <a:noFill/>
+        </p:spPr>
+        <p:txBody>
+          <a:bodyPr wrap="square" rtlCol="0">
+            <a:spAutoFit/>
+          </a:bodyPr>
+          <a:lstStyle/>
+          <a:p>
+            <a:pPr algn="ctr"/>
+            <a:r>
+              <a:rPr lang="en-US" altLang="ko-KR" dirty="0" smtClean="0"/>
+              <a:t>array1[0]</a:t>
+            </a:r>
+            <a:endParaRPr lang="ko-KR" altLang="en-US" dirty="0"/>
+          </a:p>
+        </p:txBody>
+      </p:sp>
+      <p:sp>
+        <p:nvSpPr>
+          <p:cNvPr id="31" name="모서리가 둥근 직사각형 30"/>
+          <p:cNvSpPr/>
+          <p:nvPr/>
+        </p:nvSpPr>
+        <p:spPr>
+          <a:xfrm>
+            <a:off x="1856656" y="2894918"/>
+            <a:ext cx="1386902" cy="680788"/>
+          </a:xfrm>
+          <a:prstGeom prst="roundRect">
+            <a:avLst>
+              <a:gd name="adj" fmla="val 13110"/>
+            </a:avLst>
+          </a:prstGeom>
+          <a:ln/>
+        </p:spPr>
+        <p:style>
+          <a:lnRef idx="1">
+            <a:schemeClr val="dk1"/>
+          </a:lnRef>
+          <a:fillRef idx="2">
+            <a:schemeClr val="dk1"/>
+          </a:fillRef>
+          <a:effectRef idx="1">
+            <a:schemeClr val="dk1"/>
+          </a:effectRef>
+          <a:fontRef idx="minor">
+            <a:schemeClr val="dk1"/>
+          </a:fontRef>
+        </p:style>
+        <p:txBody>
+          <a:bodyPr rtlCol="0" anchor="ctr"/>
+          <a:lstStyle/>
+          <a:p>
+            <a:pPr algn="ctr"/>
+            <a:r>
+              <a:rPr lang="ko-KR" altLang="en-US" sz="1600" dirty="0" smtClean="0"/>
+              <a:t>미생</a:t>
+            </a:r>
+            <a:r>
+              <a:rPr lang="en-US" altLang="ko-KR" sz="1600" dirty="0" smtClean="0"/>
+              <a:t>1</a:t>
+            </a:r>
+            <a:endParaRPr lang="en-US" altLang="ko-KR" sz="1600" dirty="0"/>
+          </a:p>
+          <a:p>
+            <a:pPr algn="ctr"/>
+            <a:r>
+              <a:rPr lang="ko-KR" altLang="en-US" sz="1600" dirty="0"/>
+              <a:t>윤태호</a:t>
+            </a:r>
+          </a:p>
+        </p:txBody>
+      </p:sp>
+      <p:cxnSp>
+        <p:nvCxnSpPr>
+          <p:cNvPr id="32" name="직선 화살표 연결선 31"/>
+          <p:cNvCxnSpPr/>
+          <p:nvPr/>
+        </p:nvCxnSpPr>
+        <p:spPr>
+          <a:xfrm>
+            <a:off x="2607862" y="2498648"/>
+            <a:ext cx="0" cy="286944"/>
+          </a:xfrm>
+          <a:prstGeom prst="straightConnector1">
+            <a:avLst/>
+          </a:prstGeom>
+          <a:ln w="19050">
+            <a:solidFill>
+              <a:srgbClr val="00B050"/>
+            </a:solidFill>
+            <a:tailEnd type="triangle"/>
+          </a:ln>
+        </p:spPr>
+        <p:style>
+          <a:lnRef idx="1">
+            <a:schemeClr val="accent1"/>
+          </a:lnRef>
+          <a:fillRef idx="0">
+            <a:schemeClr val="accent1"/>
+          </a:fillRef>
+          <a:effectRef idx="0">
+            <a:schemeClr val="accent1"/>
+          </a:effectRef>
+          <a:fontRef idx="minor">
+            <a:schemeClr val="tx1"/>
+          </a:fontRef>
+        </p:style>
+      </p:cxnSp>
+      <p:cxnSp>
+        <p:nvCxnSpPr>
+          <p:cNvPr id="33" name="직선 화살표 연결선 32"/>
+          <p:cNvCxnSpPr/>
+          <p:nvPr/>
+        </p:nvCxnSpPr>
+        <p:spPr>
+          <a:xfrm>
+            <a:off x="4176324" y="2498648"/>
+            <a:ext cx="0" cy="286944"/>
+          </a:xfrm>
+          <a:prstGeom prst="straightConnector1">
+            <a:avLst/>
+          </a:prstGeom>
+          <a:ln w="19050">
+            <a:solidFill>
+              <a:srgbClr val="00B050"/>
+            </a:solidFill>
+            <a:tailEnd type="triangle"/>
+          </a:ln>
+        </p:spPr>
+        <p:style>
+          <a:lnRef idx="1">
+            <a:schemeClr val="accent1"/>
+          </a:lnRef>
+          <a:fillRef idx="0">
+            <a:schemeClr val="accent1"/>
+          </a:fillRef>
+          <a:effectRef idx="0">
+            <a:schemeClr val="accent1"/>
+          </a:effectRef>
+          <a:fontRef idx="minor">
+            <a:schemeClr val="tx1"/>
+          </a:fontRef>
+        </p:style>
+      </p:cxnSp>
+      <p:cxnSp>
+        <p:nvCxnSpPr>
+          <p:cNvPr id="34" name="직선 화살표 연결선 33"/>
+          <p:cNvCxnSpPr/>
+          <p:nvPr/>
+        </p:nvCxnSpPr>
+        <p:spPr>
+          <a:xfrm>
+            <a:off x="5817096" y="2498648"/>
+            <a:ext cx="0" cy="286944"/>
+          </a:xfrm>
+          <a:prstGeom prst="straightConnector1">
+            <a:avLst/>
+          </a:prstGeom>
+          <a:ln w="19050">
+            <a:solidFill>
+              <a:srgbClr val="00B050"/>
+            </a:solidFill>
+            <a:tailEnd type="triangle"/>
+          </a:ln>
+        </p:spPr>
+        <p:style>
+          <a:lnRef idx="1">
+            <a:schemeClr val="accent1"/>
+          </a:lnRef>
+          <a:fillRef idx="0">
+            <a:schemeClr val="accent1"/>
+          </a:fillRef>
+          <a:effectRef idx="0">
+            <a:schemeClr val="accent1"/>
+          </a:effectRef>
+          <a:fontRef idx="minor">
+            <a:schemeClr val="tx1"/>
+          </a:fontRef>
+        </p:style>
+      </p:cxnSp>
+      <p:sp>
+        <p:nvSpPr>
+          <p:cNvPr id="35" name="TextBox 34"/>
+          <p:cNvSpPr txBox="1"/>
+          <p:nvPr/>
+        </p:nvSpPr>
+        <p:spPr>
+          <a:xfrm>
+            <a:off x="3418358" y="1844824"/>
+            <a:ext cx="1584176" cy="369332"/>
+          </a:xfrm>
+          <a:prstGeom prst="rect">
+            <a:avLst/>
+          </a:prstGeom>
+          <a:noFill/>
+        </p:spPr>
+        <p:txBody>
+          <a:bodyPr wrap="square" rtlCol="0">
+            <a:spAutoFit/>
+          </a:bodyPr>
+          <a:lstStyle/>
+          <a:p>
+            <a:pPr algn="ctr"/>
+            <a:r>
+              <a:rPr lang="en-US" altLang="ko-KR" dirty="0"/>
+              <a:t>array1[1</a:t>
+            </a:r>
+            <a:r>
+              <a:rPr lang="en-US" altLang="ko-KR" dirty="0" smtClean="0"/>
+              <a:t>]</a:t>
+            </a:r>
+            <a:endParaRPr lang="ko-KR" altLang="en-US" dirty="0"/>
+          </a:p>
+        </p:txBody>
+      </p:sp>
+      <p:sp>
+        <p:nvSpPr>
+          <p:cNvPr id="36" name="TextBox 35"/>
+          <p:cNvSpPr txBox="1"/>
+          <p:nvPr/>
+        </p:nvSpPr>
+        <p:spPr>
+          <a:xfrm>
+            <a:off x="5052068" y="1844824"/>
+            <a:ext cx="1584176" cy="369332"/>
+          </a:xfrm>
+          <a:prstGeom prst="rect">
+            <a:avLst/>
+          </a:prstGeom>
+          <a:noFill/>
+        </p:spPr>
+        <p:txBody>
+          <a:bodyPr wrap="square" rtlCol="0">
+            <a:spAutoFit/>
+          </a:bodyPr>
+          <a:lstStyle/>
+          <a:p>
+            <a:pPr algn="ctr"/>
+            <a:r>
+              <a:rPr lang="en-US" altLang="ko-KR" dirty="0"/>
+              <a:t>array1[2</a:t>
+            </a:r>
+            <a:r>
+              <a:rPr lang="en-US" altLang="ko-KR" dirty="0" smtClean="0"/>
+              <a:t>]</a:t>
+            </a:r>
+            <a:endParaRPr lang="ko-KR" altLang="en-US" dirty="0"/>
+          </a:p>
+        </p:txBody>
+      </p:sp>
+      <p:sp>
+        <p:nvSpPr>
+          <p:cNvPr id="37" name="모서리가 둥근 직사각형 36"/>
+          <p:cNvSpPr/>
+          <p:nvPr/>
+        </p:nvSpPr>
+        <p:spPr>
+          <a:xfrm>
+            <a:off x="3584848" y="2898366"/>
+            <a:ext cx="1329161" cy="680788"/>
+          </a:xfrm>
+          <a:prstGeom prst="roundRect">
+            <a:avLst>
+              <a:gd name="adj" fmla="val 13110"/>
+            </a:avLst>
+          </a:prstGeom>
+          <a:ln/>
+        </p:spPr>
+        <p:style>
+          <a:lnRef idx="2">
+            <a:schemeClr val="accent3"/>
+          </a:lnRef>
+          <a:fillRef idx="1">
+            <a:schemeClr val="lt1"/>
+          </a:fillRef>
+          <a:effectRef idx="0">
+            <a:schemeClr val="accent3"/>
+          </a:effectRef>
+          <a:fontRef idx="minor">
+            <a:schemeClr val="dk1"/>
+          </a:fontRef>
+        </p:style>
+        <p:txBody>
+          <a:bodyPr rtlCol="0" anchor="ctr"/>
+          <a:lstStyle/>
+          <a:p>
+            <a:pPr algn="ctr"/>
+            <a:r>
+              <a:rPr lang="ko-KR" altLang="en-US" sz="1600" dirty="0" err="1"/>
+              <a:t>파이썬</a:t>
+            </a:r>
+            <a:endParaRPr lang="en-US" altLang="ko-KR" sz="1600" dirty="0"/>
+          </a:p>
+          <a:p>
+            <a:pPr algn="ctr"/>
+            <a:r>
+              <a:rPr lang="ko-KR" altLang="en-US" sz="1600" dirty="0"/>
+              <a:t>박응용</a:t>
+            </a:r>
+          </a:p>
+        </p:txBody>
+      </p:sp>
+      <p:sp>
+        <p:nvSpPr>
+          <p:cNvPr id="38" name="모서리가 둥근 직사각형 37"/>
+          <p:cNvSpPr/>
+          <p:nvPr/>
+        </p:nvSpPr>
+        <p:spPr>
+          <a:xfrm>
+            <a:off x="5169024" y="2898366"/>
+            <a:ext cx="1416724" cy="680788"/>
+          </a:xfrm>
+          <a:prstGeom prst="roundRect">
+            <a:avLst>
+              <a:gd name="adj" fmla="val 13110"/>
+            </a:avLst>
+          </a:prstGeom>
+          <a:ln/>
+        </p:spPr>
+        <p:style>
+          <a:lnRef idx="2">
+            <a:schemeClr val="accent3"/>
+          </a:lnRef>
+          <a:fillRef idx="1">
+            <a:schemeClr val="lt1"/>
+          </a:fillRef>
+          <a:effectRef idx="0">
+            <a:schemeClr val="accent3"/>
+          </a:effectRef>
+          <a:fontRef idx="minor">
+            <a:schemeClr val="dk1"/>
+          </a:fontRef>
+        </p:style>
+        <p:txBody>
+          <a:bodyPr rtlCol="0" anchor="ctr"/>
+          <a:lstStyle/>
+          <a:p>
+            <a:pPr algn="ctr"/>
+            <a:r>
+              <a:rPr lang="ko-KR" altLang="en-US" sz="1600" dirty="0" err="1"/>
+              <a:t>천개의</a:t>
+            </a:r>
+            <a:r>
+              <a:rPr lang="ko-KR" altLang="en-US" sz="1600" dirty="0"/>
+              <a:t> 파랑</a:t>
+            </a:r>
+            <a:endParaRPr lang="en-US" altLang="ko-KR" sz="1600" dirty="0"/>
+          </a:p>
+          <a:p>
+            <a:pPr algn="ctr"/>
+            <a:r>
+              <a:rPr lang="ko-KR" altLang="en-US" sz="1600" dirty="0" err="1"/>
+              <a:t>천선란</a:t>
+            </a:r>
+            <a:endParaRPr lang="ko-KR" altLang="en-US" sz="1600" dirty="0"/>
+          </a:p>
+        </p:txBody>
+      </p:sp>
+      <p:sp>
+        <p:nvSpPr>
+          <p:cNvPr id="40" name="TextBox 39"/>
+          <p:cNvSpPr txBox="1"/>
+          <p:nvPr/>
+        </p:nvSpPr>
+        <p:spPr>
+          <a:xfrm>
+            <a:off x="1784648" y="5435932"/>
+            <a:ext cx="1584176" cy="369332"/>
+          </a:xfrm>
+          <a:prstGeom prst="rect">
+            <a:avLst/>
+          </a:prstGeom>
+          <a:noFill/>
+        </p:spPr>
+        <p:txBody>
+          <a:bodyPr wrap="square" rtlCol="0">
+            <a:spAutoFit/>
+          </a:bodyPr>
+          <a:lstStyle/>
+          <a:p>
+            <a:pPr algn="ctr"/>
+            <a:r>
+              <a:rPr lang="en-US" altLang="ko-KR" dirty="0" smtClean="0"/>
+              <a:t>array2[0]</a:t>
+            </a:r>
+            <a:endParaRPr lang="ko-KR" altLang="en-US" dirty="0"/>
+          </a:p>
+        </p:txBody>
+      </p:sp>
+      <p:sp>
+        <p:nvSpPr>
+          <p:cNvPr id="56" name="TextBox 55"/>
+          <p:cNvSpPr txBox="1"/>
+          <p:nvPr/>
+        </p:nvSpPr>
+        <p:spPr>
+          <a:xfrm>
+            <a:off x="3418358" y="5435932"/>
+            <a:ext cx="1584176" cy="369332"/>
+          </a:xfrm>
+          <a:prstGeom prst="rect">
+            <a:avLst/>
+          </a:prstGeom>
+          <a:noFill/>
+        </p:spPr>
+        <p:txBody>
+          <a:bodyPr wrap="square" rtlCol="0">
+            <a:spAutoFit/>
+          </a:bodyPr>
+          <a:lstStyle/>
+          <a:p>
+            <a:pPr algn="ctr"/>
+            <a:r>
+              <a:rPr lang="en-US" altLang="ko-KR" dirty="0" smtClean="0"/>
+              <a:t>array2[1]</a:t>
+            </a:r>
+            <a:endParaRPr lang="ko-KR" altLang="en-US" dirty="0"/>
+          </a:p>
+        </p:txBody>
+      </p:sp>
+      <p:sp>
+        <p:nvSpPr>
+          <p:cNvPr id="57" name="TextBox 56"/>
+          <p:cNvSpPr txBox="1"/>
+          <p:nvPr/>
+        </p:nvSpPr>
+        <p:spPr>
+          <a:xfrm>
+            <a:off x="5052068" y="5435932"/>
+            <a:ext cx="1584176" cy="369332"/>
+          </a:xfrm>
+          <a:prstGeom prst="rect">
+            <a:avLst/>
+          </a:prstGeom>
+          <a:noFill/>
+        </p:spPr>
+        <p:txBody>
+          <a:bodyPr wrap="square" rtlCol="0">
+            <a:spAutoFit/>
+          </a:bodyPr>
+          <a:lstStyle/>
+          <a:p>
+            <a:pPr algn="ctr"/>
+            <a:r>
+              <a:rPr lang="en-US" altLang="ko-KR" dirty="0" smtClean="0"/>
+              <a:t>array2[2]</a:t>
+            </a:r>
+            <a:endParaRPr lang="ko-KR" altLang="en-US" dirty="0"/>
+          </a:p>
+        </p:txBody>
+      </p:sp>
+      <p:sp>
+        <p:nvSpPr>
+          <p:cNvPr id="61" name="모서리가 둥근 직사각형 60"/>
+          <p:cNvSpPr/>
+          <p:nvPr/>
+        </p:nvSpPr>
+        <p:spPr>
+          <a:xfrm>
+            <a:off x="3584848" y="4044356"/>
+            <a:ext cx="1329161" cy="680788"/>
+          </a:xfrm>
+          <a:prstGeom prst="roundRect">
+            <a:avLst>
+              <a:gd name="adj" fmla="val 13110"/>
+            </a:avLst>
+          </a:prstGeom>
+          <a:ln/>
+        </p:spPr>
+        <p:style>
+          <a:lnRef idx="2">
+            <a:schemeClr val="accent3"/>
+          </a:lnRef>
+          <a:fillRef idx="1">
+            <a:schemeClr val="lt1"/>
+          </a:fillRef>
+          <a:effectRef idx="0">
+            <a:schemeClr val="accent3"/>
+          </a:effectRef>
+          <a:fontRef idx="minor">
+            <a:schemeClr val="dk1"/>
+          </a:fontRef>
+        </p:style>
+        <p:txBody>
+          <a:bodyPr rtlCol="0" anchor="ctr"/>
+          <a:lstStyle/>
+          <a:p>
+            <a:pPr algn="ctr"/>
+            <a:r>
+              <a:rPr lang="ko-KR" altLang="en-US" sz="1600" dirty="0" err="1"/>
+              <a:t>파이썬</a:t>
+            </a:r>
+            <a:endParaRPr lang="en-US" altLang="ko-KR" sz="1600" dirty="0"/>
+          </a:p>
+          <a:p>
+            <a:pPr algn="ctr"/>
+            <a:r>
+              <a:rPr lang="ko-KR" altLang="en-US" sz="1600" dirty="0"/>
+              <a:t>박응용</a:t>
+            </a:r>
+          </a:p>
+        </p:txBody>
+      </p:sp>
+      <p:sp>
+        <p:nvSpPr>
+          <p:cNvPr id="62" name="모서리가 둥근 직사각형 61"/>
+          <p:cNvSpPr/>
+          <p:nvPr/>
+        </p:nvSpPr>
+        <p:spPr>
+          <a:xfrm>
+            <a:off x="5169024" y="4044356"/>
+            <a:ext cx="1416724" cy="680788"/>
+          </a:xfrm>
+          <a:prstGeom prst="roundRect">
+            <a:avLst>
+              <a:gd name="adj" fmla="val 13110"/>
+            </a:avLst>
+          </a:prstGeom>
+          <a:ln/>
+        </p:spPr>
+        <p:style>
+          <a:lnRef idx="2">
+            <a:schemeClr val="accent3"/>
+          </a:lnRef>
+          <a:fillRef idx="1">
+            <a:schemeClr val="lt1"/>
+          </a:fillRef>
+          <a:effectRef idx="0">
+            <a:schemeClr val="accent3"/>
+          </a:effectRef>
+          <a:fontRef idx="minor">
+            <a:schemeClr val="dk1"/>
+          </a:fontRef>
+        </p:style>
+        <p:txBody>
+          <a:bodyPr rtlCol="0" anchor="ctr"/>
+          <a:lstStyle/>
+          <a:p>
+            <a:pPr algn="ctr"/>
+            <a:r>
+              <a:rPr lang="ko-KR" altLang="en-US" sz="1600" dirty="0" err="1"/>
+              <a:t>천개의</a:t>
+            </a:r>
+            <a:r>
+              <a:rPr lang="ko-KR" altLang="en-US" sz="1600" dirty="0"/>
+              <a:t> 파랑</a:t>
+            </a:r>
+            <a:endParaRPr lang="en-US" altLang="ko-KR" sz="1600" dirty="0"/>
+          </a:p>
+          <a:p>
+            <a:pPr algn="ctr"/>
+            <a:r>
+              <a:rPr lang="ko-KR" altLang="en-US" sz="1600" dirty="0" err="1"/>
+              <a:t>천선란</a:t>
+            </a:r>
+            <a:endParaRPr lang="ko-KR" altLang="en-US" sz="1600" dirty="0"/>
+          </a:p>
+        </p:txBody>
+      </p:sp>
+      <p:graphicFrame>
+        <p:nvGraphicFramePr>
+          <p:cNvPr id="63" name="표 62"/>
+          <p:cNvGraphicFramePr>
+            <a:graphicFrameLocks noGrp="1"/>
+          </p:cNvGraphicFramePr>
+          <p:nvPr>
+            <p:extLst>
+              <p:ext uri="{D42A27DB-BD31-4B8C-83A1-F6EECF244321}">
+                <p14:modId xmlns:p14="http://schemas.microsoft.com/office/powerpoint/2010/main" val="3036841282"/>
+              </p:ext>
+            </p:extLst>
+          </p:nvPr>
+        </p:nvGraphicFramePr>
+        <p:xfrm>
+          <a:off x="1803914" y="4941168"/>
+          <a:ext cx="4813062" cy="396912"/>
+        </p:xfrm>
+        <a:graphic>
+          <a:graphicData uri="http://schemas.openxmlformats.org/drawingml/2006/table">
+            <a:tbl>
+              <a:tblPr firstRow="1" bandRow="1">
+                <a:tableStyleId>{5940675A-B579-460E-94D1-54222C63F5DA}</a:tableStyleId>
+              </a:tblPr>
+              <a:tblGrid>
+                <a:gridCol w="1604354">
+                  <a:extLst>
+                    <a:ext uri="{9D8B030D-6E8A-4147-A177-3AD203B41FA5}">
+                      <a16:colId xmlns:a16="http://schemas.microsoft.com/office/drawing/2014/main" val="20000"/>
+                    </a:ext>
+                  </a:extLst>
+                </a:gridCol>
+                <a:gridCol w="1604354">
+                  <a:extLst>
+                    <a:ext uri="{9D8B030D-6E8A-4147-A177-3AD203B41FA5}">
+                      <a16:colId xmlns:a16="http://schemas.microsoft.com/office/drawing/2014/main" val="20001"/>
+                    </a:ext>
+                  </a:extLst>
+                </a:gridCol>
+                <a:gridCol w="1604354">
+                  <a:extLst>
+                    <a:ext uri="{9D8B030D-6E8A-4147-A177-3AD203B41FA5}">
+                      <a16:colId xmlns:a16="http://schemas.microsoft.com/office/drawing/2014/main" val="20002"/>
+                    </a:ext>
+                  </a:extLst>
+                </a:gridCol>
+              </a:tblGrid>
+              <a:tr h="396912">
+                <a:tc>
+                  <a:txBody>
+                    <a:bodyPr/>
+                    <a:lstStyle/>
+                    <a:p>
+                      <a:pPr algn="ctr" latinLnBrk="1"/>
+                      <a:endParaRPr lang="ko-KR" altLang="en-US" dirty="0">
+                        <a:solidFill>
+                          <a:srgbClr val="002060"/>
+                        </a:solidFill>
+                      </a:endParaRPr>
+                    </a:p>
+                  </a:txBody>
+                  <a:tcPr anchor="ctr"/>
+                </a:tc>
+                <a:tc>
+                  <a:txBody>
+                    <a:bodyPr/>
+                    <a:lstStyle/>
+                    <a:p>
+                      <a:pPr algn="ctr" latinLnBrk="1"/>
+                      <a:endParaRPr lang="ko-KR" altLang="en-US" dirty="0"/>
+                    </a:p>
+                  </a:txBody>
+                  <a:tcPr anchor="ctr"/>
+                </a:tc>
+                <a:tc>
+                  <a:txBody>
+                    <a:bodyPr/>
+                    <a:lstStyle/>
+                    <a:p>
+                      <a:pPr algn="ctr" latinLnBrk="1"/>
+                      <a:endParaRPr lang="ko-KR" altLang="en-US" dirty="0"/>
+                    </a:p>
+                  </a:txBody>
+                  <a:tcPr anchor="ctr"/>
+                </a:tc>
+                <a:extLst>
+                  <a:ext uri="{0D108BD9-81ED-4DB2-BD59-A6C34878D82A}">
+                    <a16:rowId xmlns:a16="http://schemas.microsoft.com/office/drawing/2014/main" val="10000"/>
+                  </a:ext>
+                </a:extLst>
+              </a:tr>
+            </a:tbl>
+          </a:graphicData>
+        </a:graphic>
+      </p:graphicFrame>
+      <p:cxnSp>
+        <p:nvCxnSpPr>
+          <p:cNvPr id="64" name="직선 화살표 연결선 63"/>
+          <p:cNvCxnSpPr/>
+          <p:nvPr/>
+        </p:nvCxnSpPr>
+        <p:spPr>
+          <a:xfrm flipV="1">
+            <a:off x="2607862" y="4869160"/>
+            <a:ext cx="0" cy="286944"/>
+          </a:xfrm>
+          <a:prstGeom prst="straightConnector1">
+            <a:avLst/>
+          </a:prstGeom>
+          <a:ln w="19050">
+            <a:solidFill>
+              <a:srgbClr val="00B050"/>
+            </a:solidFill>
+            <a:tailEnd type="triangle"/>
+          </a:ln>
+        </p:spPr>
+        <p:style>
+          <a:lnRef idx="1">
+            <a:schemeClr val="accent1"/>
+          </a:lnRef>
+          <a:fillRef idx="0">
+            <a:schemeClr val="accent1"/>
+          </a:fillRef>
+          <a:effectRef idx="0">
+            <a:schemeClr val="accent1"/>
+          </a:effectRef>
+          <a:fontRef idx="minor">
+            <a:schemeClr val="tx1"/>
+          </a:fontRef>
+        </p:style>
+      </p:cxnSp>
+      <p:cxnSp>
+        <p:nvCxnSpPr>
+          <p:cNvPr id="65" name="직선 화살표 연결선 64"/>
+          <p:cNvCxnSpPr/>
+          <p:nvPr/>
+        </p:nvCxnSpPr>
+        <p:spPr>
+          <a:xfrm flipV="1">
+            <a:off x="4176324" y="4869160"/>
+            <a:ext cx="0" cy="286944"/>
+          </a:xfrm>
+          <a:prstGeom prst="straightConnector1">
+            <a:avLst/>
+          </a:prstGeom>
+          <a:ln w="19050">
+            <a:solidFill>
+              <a:srgbClr val="00B050"/>
+            </a:solidFill>
+            <a:tailEnd type="triangle"/>
+          </a:ln>
+        </p:spPr>
+        <p:style>
+          <a:lnRef idx="1">
+            <a:schemeClr val="accent1"/>
+          </a:lnRef>
+          <a:fillRef idx="0">
+            <a:schemeClr val="accent1"/>
+          </a:fillRef>
+          <a:effectRef idx="0">
+            <a:schemeClr val="accent1"/>
+          </a:effectRef>
+          <a:fontRef idx="minor">
+            <a:schemeClr val="tx1"/>
+          </a:fontRef>
+        </p:style>
+      </p:cxnSp>
+      <p:cxnSp>
+        <p:nvCxnSpPr>
+          <p:cNvPr id="66" name="직선 화살표 연결선 65"/>
+          <p:cNvCxnSpPr/>
+          <p:nvPr/>
+        </p:nvCxnSpPr>
+        <p:spPr>
+          <a:xfrm flipV="1">
+            <a:off x="5817096" y="4869160"/>
+            <a:ext cx="0" cy="286944"/>
+          </a:xfrm>
+          <a:prstGeom prst="straightConnector1">
+            <a:avLst/>
+          </a:prstGeom>
+          <a:ln w="19050">
+            <a:solidFill>
+              <a:srgbClr val="00B050"/>
+            </a:solidFill>
+            <a:tailEnd type="triangle"/>
+          </a:ln>
+        </p:spPr>
+        <p:style>
+          <a:lnRef idx="1">
+            <a:schemeClr val="accent1"/>
+          </a:lnRef>
+          <a:fillRef idx="0">
+            <a:schemeClr val="accent1"/>
+          </a:fillRef>
+          <a:effectRef idx="0">
+            <a:schemeClr val="accent1"/>
+          </a:effectRef>
+          <a:fontRef idx="minor">
+            <a:schemeClr val="tx1"/>
+          </a:fontRef>
+        </p:style>
+      </p:cxnSp>
+      <p:sp>
+        <p:nvSpPr>
+          <p:cNvPr id="67" name="모서리가 둥근 직사각형 66"/>
+          <p:cNvSpPr/>
+          <p:nvPr/>
+        </p:nvSpPr>
+        <p:spPr>
+          <a:xfrm>
+            <a:off x="1885526" y="4044356"/>
+            <a:ext cx="1329161" cy="680788"/>
+          </a:xfrm>
+          <a:prstGeom prst="roundRect">
+            <a:avLst>
+              <a:gd name="adj" fmla="val 13110"/>
+            </a:avLst>
+          </a:prstGeom>
+          <a:ln/>
+        </p:spPr>
+        <p:style>
+          <a:lnRef idx="2">
+            <a:schemeClr val="accent3"/>
+          </a:lnRef>
+          <a:fillRef idx="1">
+            <a:schemeClr val="lt1"/>
+          </a:fillRef>
+          <a:effectRef idx="0">
+            <a:schemeClr val="accent3"/>
+          </a:effectRef>
+          <a:fontRef idx="minor">
+            <a:schemeClr val="dk1"/>
+          </a:fontRef>
+        </p:style>
+        <p:txBody>
+          <a:bodyPr rtlCol="0" anchor="ctr"/>
+          <a:lstStyle/>
+          <a:p>
+            <a:pPr algn="ctr"/>
+            <a:r>
+              <a:rPr lang="ko-KR" altLang="en-US" sz="1600" dirty="0" smtClean="0"/>
+              <a:t>자바</a:t>
+            </a:r>
+            <a:endParaRPr lang="en-US" altLang="ko-KR" sz="1600" dirty="0" smtClean="0"/>
+          </a:p>
+          <a:p>
+            <a:pPr algn="ctr"/>
+            <a:r>
+              <a:rPr lang="ko-KR" altLang="en-US" sz="1600" dirty="0" smtClean="0"/>
+              <a:t>박은종</a:t>
+            </a:r>
+            <a:endParaRPr lang="ko-KR" altLang="en-US" sz="1600" dirty="0"/>
+          </a:p>
+        </p:txBody>
+      </p:sp>
+    </p:spTree>
+    <p:extLst>
+      <p:ext uri="{BB962C8B-B14F-4D97-AF65-F5344CB8AC3E}">
+        <p14:creationId xmlns:p14="http://schemas.microsoft.com/office/powerpoint/2010/main" val="1300883803"/>
+      </p:ext>
+    </p:extLst>
+  </p:cSld>
+  <p:clrMapOvr>
+    <a:masterClrMapping/>
+  </p:clrMapOvr>
+  <p:timing>
+    <p:tnLst>
+      <p:par>
+        <p:cTn id="1" dur="indefinite" restart="never" nodeType="tmRoot"/>
+      </p:par>
+    </p:tnLst>
+  </p:timing>
+</p:sld>
+</file>
+
+<file path=ppt/slides/slide11.xml><?xml version="1.0" encoding="utf-8"?>
+<p:sld xmlns:a="http://schemas.openxmlformats.org/drawingml/2006/main" xmlns:r="http://schemas.openxmlformats.org/officeDocument/2006/relationships" xmlns:p="http://schemas.openxmlformats.org/presentationml/2006/main">
+  <p:cSld>
+    <p:spTree>
+      <p:nvGrpSpPr>
+        <p:cNvPr id="1" name=""/>
+        <p:cNvGrpSpPr/>
+        <p:nvPr/>
+      </p:nvGrpSpPr>
+      <p:grpSpPr>
+        <a:xfrm>
+          <a:off x="0" y="0"/>
+          <a:ext cx="0" cy="0"/>
+          <a:chOff x="0" y="0"/>
+          <a:chExt cx="0" cy="0"/>
+        </a:xfrm>
+      </p:grpSpPr>
+      <p:sp>
+        <p:nvSpPr>
+          <p:cNvPr id="6" name="제목 5"/>
+          <p:cNvSpPr>
+            <a:spLocks noGrp="1"/>
+          </p:cNvSpPr>
+          <p:nvPr>
+            <p:ph type="title"/>
+          </p:nvPr>
+        </p:nvSpPr>
+        <p:spPr/>
+        <p:txBody>
+          <a:bodyPr/>
+          <a:lstStyle/>
+          <a:p>
+            <a:r>
+              <a:rPr lang="en-US" altLang="ko-KR" dirty="0" smtClean="0"/>
+              <a:t> </a:t>
+            </a:r>
+            <a:r>
+              <a:rPr lang="ko-KR" altLang="en-US" dirty="0" smtClean="0"/>
+              <a:t>객체 배열 </a:t>
+            </a:r>
+            <a:r>
+              <a:rPr lang="en-US" altLang="ko-KR" dirty="0"/>
+              <a:t>– </a:t>
+            </a:r>
+            <a:r>
+              <a:rPr lang="ko-KR" altLang="en-US" dirty="0" smtClean="0"/>
+              <a:t>깊은 </a:t>
+            </a:r>
+            <a:r>
+              <a:rPr lang="ko-KR" altLang="en-US" dirty="0"/>
+              <a:t>복사</a:t>
+            </a:r>
+          </a:p>
+        </p:txBody>
+      </p:sp>
+      <p:sp>
+        <p:nvSpPr>
+          <p:cNvPr id="5" name="슬라이드 번호 개체 틀 4"/>
+          <p:cNvSpPr>
+            <a:spLocks noGrp="1"/>
+          </p:cNvSpPr>
+          <p:nvPr>
+            <p:ph type="sldNum" sz="quarter" idx="12"/>
+          </p:nvPr>
+        </p:nvSpPr>
+        <p:spPr/>
+        <p:txBody>
+          <a:bodyPr/>
+          <a:lstStyle/>
+          <a:p>
+            <a:fld id="{1BDE3FE7-3AEA-4B05-AC5A-802D1816ACF0}" type="slidenum">
+              <a:rPr lang="ko-KR" altLang="en-US" smtClean="0"/>
+              <a:t>11</a:t>
+            </a:fld>
+            <a:endParaRPr lang="ko-KR" altLang="en-US"/>
+          </a:p>
+        </p:txBody>
+      </p:sp>
+      <p:sp>
+        <p:nvSpPr>
+          <p:cNvPr id="7" name="내용 개체 틀 2">
+            <a:extLst>
+              <a:ext uri="{FF2B5EF4-FFF2-40B4-BE49-F238E27FC236}">
+                <a16:creationId xmlns:a16="http://schemas.microsoft.com/office/drawing/2014/main" id="{98AF3A4E-7D90-4241-89FE-799D6F9D5A94}"/>
+              </a:ext>
+            </a:extLst>
+          </p:cNvPr>
+          <p:cNvSpPr txBox="1">
+            <a:spLocks/>
+          </p:cNvSpPr>
+          <p:nvPr/>
+        </p:nvSpPr>
+        <p:spPr>
+          <a:xfrm>
+            <a:off x="1130218" y="1162780"/>
+            <a:ext cx="5190934" cy="610036"/>
+          </a:xfrm>
+          <a:prstGeom prst="rect">
+            <a:avLst/>
+          </a:prstGeom>
+        </p:spPr>
+        <p:txBody>
+          <a:bodyPr/>
+          <a:lstStyle>
+            <a:lvl1pPr marL="228600" indent="-228600" algn="l" defTabSz="914400" rtl="0" eaLnBrk="1" latinLnBrk="1" hangingPunct="1">
+              <a:lnSpc>
+                <a:spcPct val="90000"/>
+              </a:lnSpc>
+              <a:spcBef>
+                <a:spcPts val="1000"/>
+              </a:spcBef>
+              <a:buFont typeface="Arial" panose="020B0604020202020204" pitchFamily="34" charset="0"/>
+              <a:buChar char="•"/>
+              <a:defRPr sz="2800" kern="1200">
+                <a:solidFill>
+                  <a:schemeClr val="tx1"/>
+                </a:solidFill>
+                <a:latin typeface="+mn-lt"/>
+                <a:ea typeface="+mn-ea"/>
+                <a:cs typeface="+mn-cs"/>
+              </a:defRPr>
+            </a:lvl1pPr>
+            <a:lvl2pPr marL="685800" indent="-228600" algn="l" defTabSz="914400" rtl="0" eaLnBrk="1" latinLnBrk="1" hangingPunct="1">
+              <a:lnSpc>
+                <a:spcPct val="90000"/>
+              </a:lnSpc>
+              <a:spcBef>
+                <a:spcPts val="500"/>
+              </a:spcBef>
+              <a:buFont typeface="Arial" panose="020B0604020202020204" pitchFamily="34" charset="0"/>
+              <a:buChar char="•"/>
+              <a:defRPr sz="2400" kern="1200">
+                <a:solidFill>
+                  <a:schemeClr val="tx1"/>
+                </a:solidFill>
+                <a:latin typeface="+mn-lt"/>
+                <a:ea typeface="+mn-ea"/>
+                <a:cs typeface="+mn-cs"/>
+              </a:defRPr>
+            </a:lvl2pPr>
+            <a:lvl3pPr marL="1143000" indent="-228600" algn="l" defTabSz="914400" rtl="0" eaLnBrk="1" latinLnBrk="1" hangingPunct="1">
+              <a:lnSpc>
+                <a:spcPct val="90000"/>
+              </a:lnSpc>
+              <a:spcBef>
+                <a:spcPts val="500"/>
+              </a:spcBef>
+              <a:buFont typeface="Arial" panose="020B0604020202020204" pitchFamily="34" charset="0"/>
+              <a:buChar char="•"/>
+              <a:defRPr sz="2000" kern="1200">
+                <a:solidFill>
+                  <a:schemeClr val="tx1"/>
+                </a:solidFill>
+                <a:latin typeface="+mn-lt"/>
+                <a:ea typeface="+mn-ea"/>
+                <a:cs typeface="+mn-cs"/>
+              </a:defRPr>
+            </a:lvl3pPr>
+            <a:lvl4pPr marL="1600200" indent="-228600" algn="l" defTabSz="914400" rtl="0" eaLnBrk="1" latinLnBrk="1" hangingPunct="1">
+              <a:lnSpc>
+                <a:spcPct val="90000"/>
+              </a:lnSpc>
+              <a:spcBef>
+                <a:spcPts val="500"/>
+              </a:spcBef>
+              <a:buFont typeface="Arial" panose="020B0604020202020204" pitchFamily="34" charset="0"/>
+              <a:buChar char="•"/>
+              <a:defRPr sz="1800" kern="1200">
+                <a:solidFill>
+                  <a:schemeClr val="tx1"/>
+                </a:solidFill>
+                <a:latin typeface="+mn-lt"/>
+                <a:ea typeface="+mn-ea"/>
+                <a:cs typeface="+mn-cs"/>
+              </a:defRPr>
+            </a:lvl4pPr>
+            <a:lvl5pPr marL="2057400" indent="-228600" algn="l" defTabSz="914400" rtl="0" eaLnBrk="1" latinLnBrk="1" hangingPunct="1">
+              <a:lnSpc>
+                <a:spcPct val="90000"/>
+              </a:lnSpc>
+              <a:spcBef>
+                <a:spcPts val="500"/>
+              </a:spcBef>
+              <a:buFont typeface="Arial" panose="020B0604020202020204" pitchFamily="34" charset="0"/>
+              <a:buChar char="•"/>
+              <a:defRPr sz="1800" kern="1200">
+                <a:solidFill>
+                  <a:schemeClr val="tx1"/>
+                </a:solidFill>
+                <a:latin typeface="+mn-lt"/>
+                <a:ea typeface="+mn-ea"/>
+                <a:cs typeface="+mn-cs"/>
+              </a:defRPr>
+            </a:lvl5pPr>
+            <a:lvl6pPr marL="2514600" indent="-228600" algn="l" defTabSz="914400" rtl="0" eaLnBrk="1" latinLnBrk="1" hangingPunct="1">
+              <a:lnSpc>
+                <a:spcPct val="90000"/>
+              </a:lnSpc>
+              <a:spcBef>
+                <a:spcPts val="500"/>
+              </a:spcBef>
+              <a:buFont typeface="Arial" panose="020B0604020202020204" pitchFamily="34" charset="0"/>
+              <a:buChar char="•"/>
+              <a:defRPr sz="1800" kern="1200">
+                <a:solidFill>
+                  <a:schemeClr val="tx1"/>
+                </a:solidFill>
+                <a:latin typeface="+mn-lt"/>
+                <a:ea typeface="+mn-ea"/>
+                <a:cs typeface="+mn-cs"/>
+              </a:defRPr>
+            </a:lvl6pPr>
+            <a:lvl7pPr marL="2971800" indent="-228600" algn="l" defTabSz="914400" rtl="0" eaLnBrk="1" latinLnBrk="1" hangingPunct="1">
+              <a:lnSpc>
+                <a:spcPct val="90000"/>
+              </a:lnSpc>
+              <a:spcBef>
+                <a:spcPts val="500"/>
+              </a:spcBef>
+              <a:buFont typeface="Arial" panose="020B0604020202020204" pitchFamily="34" charset="0"/>
+              <a:buChar char="•"/>
+              <a:defRPr sz="1800" kern="1200">
+                <a:solidFill>
+                  <a:schemeClr val="tx1"/>
+                </a:solidFill>
+                <a:latin typeface="+mn-lt"/>
+                <a:ea typeface="+mn-ea"/>
+                <a:cs typeface="+mn-cs"/>
+              </a:defRPr>
+            </a:lvl7pPr>
+            <a:lvl8pPr marL="3429000" indent="-228600" algn="l" defTabSz="914400" rtl="0" eaLnBrk="1" latinLnBrk="1" hangingPunct="1">
+              <a:lnSpc>
+                <a:spcPct val="90000"/>
+              </a:lnSpc>
+              <a:spcBef>
+                <a:spcPts val="500"/>
+              </a:spcBef>
+              <a:buFont typeface="Arial" panose="020B0604020202020204" pitchFamily="34" charset="0"/>
+              <a:buChar char="•"/>
+              <a:defRPr sz="1800" kern="1200">
+                <a:solidFill>
+                  <a:schemeClr val="tx1"/>
+                </a:solidFill>
+                <a:latin typeface="+mn-lt"/>
+                <a:ea typeface="+mn-ea"/>
+                <a:cs typeface="+mn-cs"/>
+              </a:defRPr>
+            </a:lvl8pPr>
+            <a:lvl9pPr marL="3886200" indent="-228600" algn="l" defTabSz="914400" rtl="0" eaLnBrk="1" latinLnBrk="1" hangingPunct="1">
+              <a:lnSpc>
+                <a:spcPct val="90000"/>
+              </a:lnSpc>
+              <a:spcBef>
+                <a:spcPts val="500"/>
+              </a:spcBef>
+              <a:buFont typeface="Arial" panose="020B0604020202020204" pitchFamily="34" charset="0"/>
+              <a:buChar char="•"/>
+              <a:defRPr sz="1800" kern="1200">
+                <a:solidFill>
+                  <a:schemeClr val="tx1"/>
+                </a:solidFill>
+                <a:latin typeface="+mn-lt"/>
+                <a:ea typeface="+mn-ea"/>
+                <a:cs typeface="+mn-cs"/>
+              </a:defRPr>
+            </a:lvl9pPr>
+          </a:lstStyle>
+          <a:p>
+            <a:pPr>
+              <a:lnSpc>
+                <a:spcPct val="150000"/>
+              </a:lnSpc>
+              <a:buFont typeface="Wingdings" panose="05000000000000000000" pitchFamily="2" charset="2"/>
+              <a:buChar char="§"/>
+            </a:pPr>
+            <a:r>
+              <a:rPr lang="ko-KR" altLang="en-US" sz="2000" b="1" dirty="0" smtClean="0">
+                <a:solidFill>
+                  <a:srgbClr val="C00000"/>
+                </a:solidFill>
+              </a:rPr>
+              <a:t>객체 배열의 깊은 복사</a:t>
+            </a:r>
+            <a:r>
+              <a:rPr lang="en-US" altLang="ko-KR" sz="2000" b="1" dirty="0" smtClean="0">
+                <a:solidFill>
+                  <a:srgbClr val="C00000"/>
+                </a:solidFill>
+              </a:rPr>
+              <a:t>(deep copy)</a:t>
+            </a:r>
+          </a:p>
+        </p:txBody>
+      </p:sp>
+      <p:pic>
+        <p:nvPicPr>
+          <p:cNvPr id="2" name="그림 1"/>
+          <p:cNvPicPr>
+            <a:picLocks noChangeAspect="1"/>
+          </p:cNvPicPr>
+          <p:nvPr/>
+        </p:nvPicPr>
+        <p:blipFill>
+          <a:blip r:embed="rId2">
+            <a:extLst>
+              <a:ext uri="{28A0092B-C50C-407E-A947-70E740481C1C}">
+                <a14:useLocalDpi xmlns:a14="http://schemas.microsoft.com/office/drawing/2010/main" val="0"/>
+              </a:ext>
+            </a:extLst>
+          </a:blip>
+          <a:stretch>
+            <a:fillRect/>
+          </a:stretch>
+        </p:blipFill>
+        <p:spPr>
+          <a:xfrm>
+            <a:off x="1640632" y="1700808"/>
+            <a:ext cx="5400600" cy="4619019"/>
+          </a:xfrm>
+          <a:prstGeom prst="rect">
+            <a:avLst/>
+          </a:prstGeom>
+          <a:ln>
+            <a:solidFill>
+              <a:schemeClr val="bg1">
+                <a:lumMod val="85000"/>
+              </a:schemeClr>
+            </a:solidFill>
+          </a:ln>
+        </p:spPr>
+      </p:pic>
+      <p:cxnSp>
+        <p:nvCxnSpPr>
+          <p:cNvPr id="4" name="직선 연결선 3"/>
+          <p:cNvCxnSpPr/>
+          <p:nvPr/>
+        </p:nvCxnSpPr>
+        <p:spPr>
+          <a:xfrm>
+            <a:off x="1496616" y="2852936"/>
+            <a:ext cx="5040560" cy="0"/>
+          </a:xfrm>
+          <a:prstGeom prst="line">
+            <a:avLst/>
+          </a:prstGeom>
+          <a:ln w="28575">
+            <a:solidFill>
+              <a:srgbClr val="C00000"/>
+            </a:solidFill>
+          </a:ln>
+        </p:spPr>
+        <p:style>
+          <a:lnRef idx="1">
+            <a:schemeClr val="accent1"/>
+          </a:lnRef>
+          <a:fillRef idx="0">
+            <a:schemeClr val="accent1"/>
+          </a:fillRef>
+          <a:effectRef idx="0">
+            <a:schemeClr val="accent1"/>
+          </a:effectRef>
+          <a:fontRef idx="minor">
+            <a:schemeClr val="tx1"/>
+          </a:fontRef>
+        </p:style>
+      </p:cxnSp>
+    </p:spTree>
+    <p:extLst>
+      <p:ext uri="{BB962C8B-B14F-4D97-AF65-F5344CB8AC3E}">
+        <p14:creationId xmlns:p14="http://schemas.microsoft.com/office/powerpoint/2010/main" val="1202173990"/>
+      </p:ext>
+    </p:extLst>
+  </p:cSld>
+  <p:clrMapOvr>
+    <a:masterClrMapping/>
+  </p:clrMapOvr>
+  <p:timing>
+    <p:tnLst>
+      <p:par>
+        <p:cTn id="1" dur="indefinite" restart="never" nodeType="tmRoot"/>
+      </p:par>
+    </p:tnLst>
+  </p:timing>
+</p:sld>
+</file>
+
+<file path=ppt/slides/slide12.xml><?xml version="1.0" encoding="utf-8"?>
+<p:sld xmlns:a="http://schemas.openxmlformats.org/drawingml/2006/main" xmlns:r="http://schemas.openxmlformats.org/officeDocument/2006/relationships" xmlns:p="http://schemas.openxmlformats.org/presentationml/2006/main">
+  <p:cSld>
+    <p:spTree>
+      <p:nvGrpSpPr>
+        <p:cNvPr id="1" name=""/>
+        <p:cNvGrpSpPr/>
+        <p:nvPr/>
+      </p:nvGrpSpPr>
+      <p:grpSpPr>
+        <a:xfrm>
+          <a:off x="0" y="0"/>
+          <a:ext cx="0" cy="0"/>
+          <a:chOff x="0" y="0"/>
+          <a:chExt cx="0" cy="0"/>
+        </a:xfrm>
+      </p:grpSpPr>
+      <p:sp>
+        <p:nvSpPr>
+          <p:cNvPr id="6" name="제목 5"/>
+          <p:cNvSpPr>
+            <a:spLocks noGrp="1"/>
+          </p:cNvSpPr>
+          <p:nvPr>
+            <p:ph type="title"/>
+          </p:nvPr>
+        </p:nvSpPr>
+        <p:spPr/>
+        <p:txBody>
+          <a:bodyPr/>
+          <a:lstStyle/>
+          <a:p>
+            <a:r>
+              <a:rPr lang="en-US" altLang="ko-KR" dirty="0" smtClean="0"/>
+              <a:t> </a:t>
+            </a:r>
+            <a:r>
+              <a:rPr lang="ko-KR" altLang="en-US" dirty="0" smtClean="0"/>
+              <a:t>객체 배열 </a:t>
+            </a:r>
+            <a:r>
+              <a:rPr lang="en-US" altLang="ko-KR" dirty="0"/>
+              <a:t>– </a:t>
+            </a:r>
+            <a:r>
+              <a:rPr lang="ko-KR" altLang="en-US" dirty="0"/>
+              <a:t>깊은 복사</a:t>
+            </a:r>
+          </a:p>
+        </p:txBody>
+      </p:sp>
+      <p:sp>
+        <p:nvSpPr>
+          <p:cNvPr id="5" name="슬라이드 번호 개체 틀 4"/>
+          <p:cNvSpPr>
+            <a:spLocks noGrp="1"/>
+          </p:cNvSpPr>
+          <p:nvPr>
+            <p:ph type="sldNum" sz="quarter" idx="12"/>
+          </p:nvPr>
+        </p:nvSpPr>
+        <p:spPr/>
+        <p:txBody>
+          <a:bodyPr/>
+          <a:lstStyle/>
+          <a:p>
+            <a:fld id="{1BDE3FE7-3AEA-4B05-AC5A-802D1816ACF0}" type="slidenum">
+              <a:rPr lang="ko-KR" altLang="en-US" smtClean="0"/>
+              <a:t>12</a:t>
+            </a:fld>
+            <a:endParaRPr lang="ko-KR" altLang="en-US"/>
+          </a:p>
+        </p:txBody>
+      </p:sp>
+      <p:sp>
+        <p:nvSpPr>
+          <p:cNvPr id="7" name="내용 개체 틀 2">
+            <a:extLst>
+              <a:ext uri="{FF2B5EF4-FFF2-40B4-BE49-F238E27FC236}">
+                <a16:creationId xmlns:a16="http://schemas.microsoft.com/office/drawing/2014/main" id="{98AF3A4E-7D90-4241-89FE-799D6F9D5A94}"/>
               </a:ext>
             </a:extLst>
           </p:cNvPr>
@@ -4630,7 +6259,7 @@
 </p:sld>
 </file>
 
-<file path=ppt/slides/slide11.xml><?xml version="1.0" encoding="utf-8"?>
+<file path=ppt/slides/slide13.xml><?xml version="1.0" encoding="utf-8"?>
 <p:sld xmlns:a="http://schemas.openxmlformats.org/drawingml/2006/main" xmlns:r="http://schemas.openxmlformats.org/officeDocument/2006/relationships" xmlns:p="http://schemas.openxmlformats.org/presentationml/2006/main">
   <p:cSld>
     <p:spTree>
@@ -4698,7 +6327,7 @@
           <a:p>
             <a:fld id="{1BDE3FE7-3AEA-4B05-AC5A-802D1816ACF0}" type="slidenum">
               <a:rPr lang="ko-KR" altLang="en-US" smtClean="0"/>
-              <a:t>11</a:t>
+              <a:t>13</a:t>
             </a:fld>
             <a:endParaRPr lang="ko-KR" altLang="en-US"/>
           </a:p>
@@ -4709,7 +6338,7 @@
           <p:cNvPr id="7" name="내용 개체 틀 2">
             <a:extLst>
               <a:ext uri="{FF2B5EF4-FFF2-40B4-BE49-F238E27FC236}">
-                <a16:creationId xmlns:a16="http://schemas.microsoft.com/office/drawing/2014/main" xmlns="" id="{98AF3A4E-7D90-4241-89FE-799D6F9D5A94}"/>
+                <a16:creationId xmlns:a16="http://schemas.microsoft.com/office/drawing/2014/main" id="{98AF3A4E-7D90-4241-89FE-799D6F9D5A94}"/>
               </a:ext>
             </a:extLst>
           </p:cNvPr>
@@ -5011,7 +6640,7 @@
 </p:sld>
 </file>
 
-<file path=ppt/slides/slide12.xml><?xml version="1.0" encoding="utf-8"?>
+<file path=ppt/slides/slide14.xml><?xml version="1.0" encoding="utf-8"?>
 <p:sld xmlns:a="http://schemas.openxmlformats.org/drawingml/2006/main" xmlns:r="http://schemas.openxmlformats.org/officeDocument/2006/relationships" xmlns:p="http://schemas.openxmlformats.org/presentationml/2006/main">
   <p:cSld>
     <p:spTree>
@@ -5080,7 +6709,7 @@
           <a:p>
             <a:fld id="{1BDE3FE7-3AEA-4B05-AC5A-802D1816ACF0}" type="slidenum">
               <a:rPr lang="ko-KR" altLang="en-US" smtClean="0"/>
-              <a:t>12</a:t>
+              <a:t>14</a:t>
             </a:fld>
             <a:endParaRPr lang="ko-KR" altLang="en-US"/>
           </a:p>
@@ -5091,7 +6720,7 @@
           <p:cNvPr id="7" name="내용 개체 틀 2">
             <a:extLst>
               <a:ext uri="{FF2B5EF4-FFF2-40B4-BE49-F238E27FC236}">
-                <a16:creationId xmlns="" xmlns:a16="http://schemas.microsoft.com/office/drawing/2014/main" id="{98AF3A4E-7D90-4241-89FE-799D6F9D5A94}"/>
+                <a16:creationId xmlns:a16="http://schemas.microsoft.com/office/drawing/2014/main" id="{98AF3A4E-7D90-4241-89FE-799D6F9D5A94}"/>
               </a:ext>
             </a:extLst>
           </p:cNvPr>
@@ -5495,7 +7124,7 @@
 </p:sld>
 </file>
 
-<file path=ppt/slides/slide13.xml><?xml version="1.0" encoding="utf-8"?>
+<file path=ppt/slides/slide15.xml><?xml version="1.0" encoding="utf-8"?>
 <p:sld xmlns:a="http://schemas.openxmlformats.org/drawingml/2006/main" xmlns:r="http://schemas.openxmlformats.org/officeDocument/2006/relationships" xmlns:p="http://schemas.openxmlformats.org/presentationml/2006/main">
   <p:cSld>
     <p:spTree>
@@ -5564,7 +7193,7 @@
           <a:p>
             <a:fld id="{1BDE3FE7-3AEA-4B05-AC5A-802D1816ACF0}" type="slidenum">
               <a:rPr lang="ko-KR" altLang="en-US" smtClean="0"/>
-              <a:t>13</a:t>
+              <a:t>15</a:t>
             </a:fld>
             <a:endParaRPr lang="ko-KR" altLang="en-US"/>
           </a:p>
@@ -5575,7 +7204,7 @@
           <p:cNvPr id="7" name="내용 개체 틀 2">
             <a:extLst>
               <a:ext uri="{FF2B5EF4-FFF2-40B4-BE49-F238E27FC236}">
-                <a16:creationId xmlns="" xmlns:a16="http://schemas.microsoft.com/office/drawing/2014/main" id="{98AF3A4E-7D90-4241-89FE-799D6F9D5A94}"/>
+                <a16:creationId xmlns:a16="http://schemas.microsoft.com/office/drawing/2014/main" id="{98AF3A4E-7D90-4241-89FE-799D6F9D5A94}"/>
               </a:ext>
             </a:extLst>
           </p:cNvPr>
@@ -5832,8 +7461,20 @@
                 <a:tableStyleId>{5940675A-B579-460E-94D1-54222C63F5DA}</a:tableStyleId>
               </a:tblPr>
               <a:tblGrid>
-                <a:gridCol w="2115118"/>
-                <a:gridCol w="5013674"/>
+                <a:gridCol w="2115118">
+                  <a:extLst>
+                    <a:ext uri="{9D8B030D-6E8A-4147-A177-3AD203B41FA5}">
+                      <a16:colId xmlns:a16="http://schemas.microsoft.com/office/drawing/2014/main" val="20000"/>
+                    </a:ext>
+                  </a:extLst>
+                </a:gridCol>
+                <a:gridCol w="5013674">
+                  <a:extLst>
+                    <a:ext uri="{9D8B030D-6E8A-4147-A177-3AD203B41FA5}">
+                      <a16:colId xmlns:a16="http://schemas.microsoft.com/office/drawing/2014/main" val="20001"/>
+                    </a:ext>
+                  </a:extLst>
+                </a:gridCol>
               </a:tblGrid>
               <a:tr h="401274">
                 <a:tc>
@@ -5880,6 +7521,11 @@
                     </a:solidFill>
                   </a:tcPr>
                 </a:tc>
+                <a:extLst>
+                  <a:ext uri="{0D108BD9-81ED-4DB2-BD59-A6C34878D82A}">
+                    <a16:rowId xmlns:a16="http://schemas.microsoft.com/office/drawing/2014/main" val="10000"/>
+                  </a:ext>
+                </a:extLst>
               </a:tr>
               <a:tr h="394998">
                 <a:tc>
@@ -5923,6 +7569,11 @@
                   </a:txBody>
                   <a:tcPr anchor="ctr"/>
                 </a:tc>
+                <a:extLst>
+                  <a:ext uri="{0D108BD9-81ED-4DB2-BD59-A6C34878D82A}">
+                    <a16:rowId xmlns:a16="http://schemas.microsoft.com/office/drawing/2014/main" val="10001"/>
+                  </a:ext>
+                </a:extLst>
               </a:tr>
               <a:tr h="394998">
                 <a:tc>
@@ -5970,6 +7621,11 @@
                   </a:txBody>
                   <a:tcPr anchor="ctr"/>
                 </a:tc>
+                <a:extLst>
+                  <a:ext uri="{0D108BD9-81ED-4DB2-BD59-A6C34878D82A}">
+                    <a16:rowId xmlns:a16="http://schemas.microsoft.com/office/drawing/2014/main" val="10002"/>
+                  </a:ext>
+                </a:extLst>
               </a:tr>
               <a:tr h="394998">
                 <a:tc>
@@ -6021,6 +7677,11 @@
                   </a:txBody>
                   <a:tcPr anchor="ctr"/>
                 </a:tc>
+                <a:extLst>
+                  <a:ext uri="{0D108BD9-81ED-4DB2-BD59-A6C34878D82A}">
+                    <a16:rowId xmlns:a16="http://schemas.microsoft.com/office/drawing/2014/main" val="10003"/>
+                  </a:ext>
+                </a:extLst>
               </a:tr>
               <a:tr h="394998">
                 <a:tc>
@@ -6080,6 +7741,11 @@
                   </a:txBody>
                   <a:tcPr anchor="ctr"/>
                 </a:tc>
+                <a:extLst>
+                  <a:ext uri="{0D108BD9-81ED-4DB2-BD59-A6C34878D82A}">
+                    <a16:rowId xmlns:a16="http://schemas.microsoft.com/office/drawing/2014/main" val="10004"/>
+                  </a:ext>
+                </a:extLst>
               </a:tr>
               <a:tr h="394998">
                 <a:tc>
@@ -6127,6 +7793,11 @@
                   </a:txBody>
                   <a:tcPr anchor="ctr"/>
                 </a:tc>
+                <a:extLst>
+                  <a:ext uri="{0D108BD9-81ED-4DB2-BD59-A6C34878D82A}">
+                    <a16:rowId xmlns:a16="http://schemas.microsoft.com/office/drawing/2014/main" val="10005"/>
+                  </a:ext>
+                </a:extLst>
               </a:tr>
               <a:tr h="394998">
                 <a:tc>
@@ -6182,6 +7853,11 @@
                   </a:txBody>
                   <a:tcPr anchor="ctr"/>
                 </a:tc>
+                <a:extLst>
+                  <a:ext uri="{0D108BD9-81ED-4DB2-BD59-A6C34878D82A}">
+                    <a16:rowId xmlns:a16="http://schemas.microsoft.com/office/drawing/2014/main" val="10006"/>
+                  </a:ext>
+                </a:extLst>
               </a:tr>
             </a:tbl>
           </a:graphicData>
@@ -6192,7 +7868,7 @@
           <p:cNvPr id="8" name="내용 개체 틀 2">
             <a:extLst>
               <a:ext uri="{FF2B5EF4-FFF2-40B4-BE49-F238E27FC236}">
-                <a16:creationId xmlns="" xmlns:a16="http://schemas.microsoft.com/office/drawing/2014/main" id="{98AF3A4E-7D90-4241-89FE-799D6F9D5A94}"/>
+                <a16:creationId xmlns:a16="http://schemas.microsoft.com/office/drawing/2014/main" id="{98AF3A4E-7D90-4241-89FE-799D6F9D5A94}"/>
               </a:ext>
             </a:extLst>
           </p:cNvPr>
@@ -6630,7 +8306,7 @@
 </p:sld>
 </file>
 
-<file path=ppt/slides/slide14.xml><?xml version="1.0" encoding="utf-8"?>
+<file path=ppt/slides/slide16.xml><?xml version="1.0" encoding="utf-8"?>
 <p:sld xmlns:a="http://schemas.openxmlformats.org/drawingml/2006/main" xmlns:r="http://schemas.openxmlformats.org/officeDocument/2006/relationships" xmlns:p="http://schemas.openxmlformats.org/presentationml/2006/main">
   <p:cSld>
     <p:spTree>
@@ -6711,7 +8387,7 @@
           <a:p>
             <a:fld id="{1BDE3FE7-3AEA-4B05-AC5A-802D1816ACF0}" type="slidenum">
               <a:rPr lang="ko-KR" altLang="en-US" smtClean="0"/>
-              <a:t>14</a:t>
+              <a:t>16</a:t>
             </a:fld>
             <a:endParaRPr lang="ko-KR" altLang="en-US"/>
           </a:p>
@@ -6722,7 +8398,7 @@
           <p:cNvPr id="11" name="내용 개체 틀 2">
             <a:extLst>
               <a:ext uri="{FF2B5EF4-FFF2-40B4-BE49-F238E27FC236}">
-                <a16:creationId xmlns="" xmlns:a16="http://schemas.microsoft.com/office/drawing/2014/main" id="{98AF3A4E-7D90-4241-89FE-799D6F9D5A94}"/>
+                <a16:creationId xmlns:a16="http://schemas.microsoft.com/office/drawing/2014/main" id="{98AF3A4E-7D90-4241-89FE-799D6F9D5A94}"/>
               </a:ext>
             </a:extLst>
           </p:cNvPr>
@@ -6995,7 +8671,7 @@
 </p:sld>
 </file>
 
-<file path=ppt/slides/slide15.xml><?xml version="1.0" encoding="utf-8"?>
+<file path=ppt/slides/slide17.xml><?xml version="1.0" encoding="utf-8"?>
 <p:sld xmlns:a="http://schemas.openxmlformats.org/drawingml/2006/main" xmlns:r="http://schemas.openxmlformats.org/officeDocument/2006/relationships" xmlns:p="http://schemas.openxmlformats.org/presentationml/2006/main">
   <p:cSld>
     <p:spTree>
@@ -7064,7 +8740,7 @@
           <a:p>
             <a:fld id="{1BDE3FE7-3AEA-4B05-AC5A-802D1816ACF0}" type="slidenum">
               <a:rPr lang="ko-KR" altLang="en-US" smtClean="0"/>
-              <a:t>15</a:t>
+              <a:t>17</a:t>
             </a:fld>
             <a:endParaRPr lang="ko-KR" altLang="en-US"/>
           </a:p>
@@ -7075,7 +8751,7 @@
           <p:cNvPr id="7" name="내용 개체 틀 2">
             <a:extLst>
               <a:ext uri="{FF2B5EF4-FFF2-40B4-BE49-F238E27FC236}">
-                <a16:creationId xmlns="" xmlns:a16="http://schemas.microsoft.com/office/drawing/2014/main" id="{98AF3A4E-7D90-4241-89FE-799D6F9D5A94}"/>
+                <a16:creationId xmlns:a16="http://schemas.microsoft.com/office/drawing/2014/main" id="{98AF3A4E-7D90-4241-89FE-799D6F9D5A94}"/>
               </a:ext>
             </a:extLst>
           </p:cNvPr>
@@ -7356,7 +9032,7 @@
 </p:sld>
 </file>
 
-<file path=ppt/slides/slide16.xml><?xml version="1.0" encoding="utf-8"?>
+<file path=ppt/slides/slide18.xml><?xml version="1.0" encoding="utf-8"?>
 <p:sld xmlns:a="http://schemas.openxmlformats.org/drawingml/2006/main" xmlns:r="http://schemas.openxmlformats.org/officeDocument/2006/relationships" xmlns:p="http://schemas.openxmlformats.org/presentationml/2006/main">
   <p:cSld>
     <p:spTree>
@@ -7437,7 +9113,7 @@
           <a:p>
             <a:fld id="{1BDE3FE7-3AEA-4B05-AC5A-802D1816ACF0}" type="slidenum">
               <a:rPr lang="ko-KR" altLang="en-US" smtClean="0"/>
-              <a:t>16</a:t>
+              <a:t>18</a:t>
             </a:fld>
             <a:endParaRPr lang="ko-KR" altLang="en-US"/>
           </a:p>
@@ -8443,7 +10119,7 @@
 </p:sld>
 </file>
 
-<file path=ppt/slides/slide17.xml><?xml version="1.0" encoding="utf-8"?>
+<file path=ppt/slides/slide19.xml><?xml version="1.0" encoding="utf-8"?>
 <p:sld xmlns:a="http://schemas.openxmlformats.org/drawingml/2006/main" xmlns:r="http://schemas.openxmlformats.org/officeDocument/2006/relationships" xmlns:p="http://schemas.openxmlformats.org/presentationml/2006/main">
   <p:cSld>
     <p:spTree>
@@ -8519,7 +10195,7 @@
           <a:p>
             <a:fld id="{1BDE3FE7-3AEA-4B05-AC5A-802D1816ACF0}" type="slidenum">
               <a:rPr lang="ko-KR" altLang="en-US" smtClean="0"/>
-              <a:t>17</a:t>
+              <a:t>19</a:t>
             </a:fld>
             <a:endParaRPr lang="ko-KR" altLang="en-US"/>
           </a:p>
@@ -8530,7 +10206,7 @@
           <p:cNvPr id="7" name="내용 개체 틀 2">
             <a:extLst>
               <a:ext uri="{FF2B5EF4-FFF2-40B4-BE49-F238E27FC236}">
-                <a16:creationId xmlns:a16="http://schemas.microsoft.com/office/drawing/2014/main" xmlns="" id="{98AF3A4E-7D90-4241-89FE-799D6F9D5A94}"/>
+                <a16:creationId xmlns:a16="http://schemas.microsoft.com/office/drawing/2014/main" id="{98AF3A4E-7D90-4241-89FE-799D6F9D5A94}"/>
               </a:ext>
             </a:extLst>
           </p:cNvPr>
@@ -8795,7 +10471,7 @@
 </p:sld>
 </file>
 
-<file path=ppt/slides/slide18.xml><?xml version="1.0" encoding="utf-8"?>
+<file path=ppt/slides/slide2.xml><?xml version="1.0" encoding="utf-8"?>
 <p:sld xmlns:a="http://schemas.openxmlformats.org/drawingml/2006/main" xmlns:r="http://schemas.openxmlformats.org/officeDocument/2006/relationships" xmlns:p="http://schemas.openxmlformats.org/presentationml/2006/main">
   <p:cSld>
     <p:spTree>
@@ -8829,28 +10505,13 @@
           <a:p>
             <a:r>
               <a:rPr lang="en-US" altLang="ko-KR" dirty="0" smtClean="0"/>
-              <a:t>  </a:t>
-            </a:r>
-            <a:r>
-              <a:rPr lang="ko-KR" altLang="en-US" dirty="0"/>
-              <a:t>클래스</a:t>
-            </a:r>
-            <a:r>
-              <a:rPr lang="en-US" altLang="ko-KR" dirty="0"/>
-              <a:t>(</a:t>
-            </a:r>
-            <a:r>
-              <a:rPr lang="ko-KR" altLang="en-US" dirty="0" err="1"/>
-              <a:t>자료형</a:t>
-            </a:r>
-            <a:r>
-              <a:rPr lang="en-US" altLang="ko-KR" dirty="0"/>
-              <a:t>)</a:t>
-            </a:r>
-            <a:r>
-              <a:rPr lang="ko-KR" altLang="en-US" dirty="0"/>
-              <a:t> 참조</a:t>
-            </a:r>
+              <a:t> </a:t>
+            </a:r>
+            <a:r>
+              <a:rPr lang="ko-KR" altLang="en-US" dirty="0" smtClean="0"/>
+              <a:t>객체 배열 만들기</a:t>
+            </a:r>
+            <a:endParaRPr lang="ko-KR" altLang="en-US" dirty="0"/>
           </a:p>
         </p:txBody>
       </p:sp>
@@ -8871,7 +10532,434 @@
           <a:p>
             <a:fld id="{1BDE3FE7-3AEA-4B05-AC5A-802D1816ACF0}" type="slidenum">
               <a:rPr lang="ko-KR" altLang="en-US" smtClean="0"/>
-              <a:t>18</a:t>
+              <a:t>2</a:t>
+            </a:fld>
+            <a:endParaRPr lang="ko-KR" altLang="en-US"/>
+          </a:p>
+        </p:txBody>
+      </p:sp>
+      <p:sp>
+        <p:nvSpPr>
+          <p:cNvPr id="7" name="내용 개체 틀 2">
+            <a:extLst>
+              <a:ext uri="{FF2B5EF4-FFF2-40B4-BE49-F238E27FC236}">
+                <a16:creationId xmlns:a16="http://schemas.microsoft.com/office/drawing/2014/main" id="{98AF3A4E-7D90-4241-89FE-799D6F9D5A94}"/>
+              </a:ext>
+            </a:extLst>
+          </p:cNvPr>
+          <p:cNvSpPr txBox="1">
+            <a:spLocks/>
+          </p:cNvSpPr>
+          <p:nvPr/>
+        </p:nvSpPr>
+        <p:spPr>
+          <a:xfrm>
+            <a:off x="877255" y="1117775"/>
+            <a:ext cx="2059521" cy="432048"/>
+          </a:xfrm>
+          <a:prstGeom prst="rect">
+            <a:avLst/>
+          </a:prstGeom>
+        </p:spPr>
+        <p:txBody>
+          <a:bodyPr/>
+          <a:lstStyle>
+            <a:lvl1pPr marL="228600" indent="-228600" algn="l" defTabSz="914400" rtl="0" eaLnBrk="1" latinLnBrk="1" hangingPunct="1">
+              <a:lnSpc>
+                <a:spcPct val="90000"/>
+              </a:lnSpc>
+              <a:spcBef>
+                <a:spcPts val="1000"/>
+              </a:spcBef>
+              <a:buFont typeface="Arial" panose="020B0604020202020204" pitchFamily="34" charset="0"/>
+              <a:buChar char="•"/>
+              <a:defRPr sz="2800" kern="1200">
+                <a:solidFill>
+                  <a:schemeClr val="tx1"/>
+                </a:solidFill>
+                <a:latin typeface="+mn-lt"/>
+                <a:ea typeface="+mn-ea"/>
+                <a:cs typeface="+mn-cs"/>
+              </a:defRPr>
+            </a:lvl1pPr>
+            <a:lvl2pPr marL="685800" indent="-228600" algn="l" defTabSz="914400" rtl="0" eaLnBrk="1" latinLnBrk="1" hangingPunct="1">
+              <a:lnSpc>
+                <a:spcPct val="90000"/>
+              </a:lnSpc>
+              <a:spcBef>
+                <a:spcPts val="500"/>
+              </a:spcBef>
+              <a:buFont typeface="Arial" panose="020B0604020202020204" pitchFamily="34" charset="0"/>
+              <a:buChar char="•"/>
+              <a:defRPr sz="2400" kern="1200">
+                <a:solidFill>
+                  <a:schemeClr val="tx1"/>
+                </a:solidFill>
+                <a:latin typeface="+mn-lt"/>
+                <a:ea typeface="+mn-ea"/>
+                <a:cs typeface="+mn-cs"/>
+              </a:defRPr>
+            </a:lvl2pPr>
+            <a:lvl3pPr marL="1143000" indent="-228600" algn="l" defTabSz="914400" rtl="0" eaLnBrk="1" latinLnBrk="1" hangingPunct="1">
+              <a:lnSpc>
+                <a:spcPct val="90000"/>
+              </a:lnSpc>
+              <a:spcBef>
+                <a:spcPts val="500"/>
+              </a:spcBef>
+              <a:buFont typeface="Arial" panose="020B0604020202020204" pitchFamily="34" charset="0"/>
+              <a:buChar char="•"/>
+              <a:defRPr sz="2000" kern="1200">
+                <a:solidFill>
+                  <a:schemeClr val="tx1"/>
+                </a:solidFill>
+                <a:latin typeface="+mn-lt"/>
+                <a:ea typeface="+mn-ea"/>
+                <a:cs typeface="+mn-cs"/>
+              </a:defRPr>
+            </a:lvl3pPr>
+            <a:lvl4pPr marL="1600200" indent="-228600" algn="l" defTabSz="914400" rtl="0" eaLnBrk="1" latinLnBrk="1" hangingPunct="1">
+              <a:lnSpc>
+                <a:spcPct val="90000"/>
+              </a:lnSpc>
+              <a:spcBef>
+                <a:spcPts val="500"/>
+              </a:spcBef>
+              <a:buFont typeface="Arial" panose="020B0604020202020204" pitchFamily="34" charset="0"/>
+              <a:buChar char="•"/>
+              <a:defRPr sz="1800" kern="1200">
+                <a:solidFill>
+                  <a:schemeClr val="tx1"/>
+                </a:solidFill>
+                <a:latin typeface="+mn-lt"/>
+                <a:ea typeface="+mn-ea"/>
+                <a:cs typeface="+mn-cs"/>
+              </a:defRPr>
+            </a:lvl4pPr>
+            <a:lvl5pPr marL="2057400" indent="-228600" algn="l" defTabSz="914400" rtl="0" eaLnBrk="1" latinLnBrk="1" hangingPunct="1">
+              <a:lnSpc>
+                <a:spcPct val="90000"/>
+              </a:lnSpc>
+              <a:spcBef>
+                <a:spcPts val="500"/>
+              </a:spcBef>
+              <a:buFont typeface="Arial" panose="020B0604020202020204" pitchFamily="34" charset="0"/>
+              <a:buChar char="•"/>
+              <a:defRPr sz="1800" kern="1200">
+                <a:solidFill>
+                  <a:schemeClr val="tx1"/>
+                </a:solidFill>
+                <a:latin typeface="+mn-lt"/>
+                <a:ea typeface="+mn-ea"/>
+                <a:cs typeface="+mn-cs"/>
+              </a:defRPr>
+            </a:lvl5pPr>
+            <a:lvl6pPr marL="2514600" indent="-228600" algn="l" defTabSz="914400" rtl="0" eaLnBrk="1" latinLnBrk="1" hangingPunct="1">
+              <a:lnSpc>
+                <a:spcPct val="90000"/>
+              </a:lnSpc>
+              <a:spcBef>
+                <a:spcPts val="500"/>
+              </a:spcBef>
+              <a:buFont typeface="Arial" panose="020B0604020202020204" pitchFamily="34" charset="0"/>
+              <a:buChar char="•"/>
+              <a:defRPr sz="1800" kern="1200">
+                <a:solidFill>
+                  <a:schemeClr val="tx1"/>
+                </a:solidFill>
+                <a:latin typeface="+mn-lt"/>
+                <a:ea typeface="+mn-ea"/>
+                <a:cs typeface="+mn-cs"/>
+              </a:defRPr>
+            </a:lvl6pPr>
+            <a:lvl7pPr marL="2971800" indent="-228600" algn="l" defTabSz="914400" rtl="0" eaLnBrk="1" latinLnBrk="1" hangingPunct="1">
+              <a:lnSpc>
+                <a:spcPct val="90000"/>
+              </a:lnSpc>
+              <a:spcBef>
+                <a:spcPts val="500"/>
+              </a:spcBef>
+              <a:buFont typeface="Arial" panose="020B0604020202020204" pitchFamily="34" charset="0"/>
+              <a:buChar char="•"/>
+              <a:defRPr sz="1800" kern="1200">
+                <a:solidFill>
+                  <a:schemeClr val="tx1"/>
+                </a:solidFill>
+                <a:latin typeface="+mn-lt"/>
+                <a:ea typeface="+mn-ea"/>
+                <a:cs typeface="+mn-cs"/>
+              </a:defRPr>
+            </a:lvl7pPr>
+            <a:lvl8pPr marL="3429000" indent="-228600" algn="l" defTabSz="914400" rtl="0" eaLnBrk="1" latinLnBrk="1" hangingPunct="1">
+              <a:lnSpc>
+                <a:spcPct val="90000"/>
+              </a:lnSpc>
+              <a:spcBef>
+                <a:spcPts val="500"/>
+              </a:spcBef>
+              <a:buFont typeface="Arial" panose="020B0604020202020204" pitchFamily="34" charset="0"/>
+              <a:buChar char="•"/>
+              <a:defRPr sz="1800" kern="1200">
+                <a:solidFill>
+                  <a:schemeClr val="tx1"/>
+                </a:solidFill>
+                <a:latin typeface="+mn-lt"/>
+                <a:ea typeface="+mn-ea"/>
+                <a:cs typeface="+mn-cs"/>
+              </a:defRPr>
+            </a:lvl8pPr>
+            <a:lvl9pPr marL="3886200" indent="-228600" algn="l" defTabSz="914400" rtl="0" eaLnBrk="1" latinLnBrk="1" hangingPunct="1">
+              <a:lnSpc>
+                <a:spcPct val="90000"/>
+              </a:lnSpc>
+              <a:spcBef>
+                <a:spcPts val="500"/>
+              </a:spcBef>
+              <a:buFont typeface="Arial" panose="020B0604020202020204" pitchFamily="34" charset="0"/>
+              <a:buChar char="•"/>
+              <a:defRPr sz="1800" kern="1200">
+                <a:solidFill>
+                  <a:schemeClr val="tx1"/>
+                </a:solidFill>
+                <a:latin typeface="+mn-lt"/>
+                <a:ea typeface="+mn-ea"/>
+                <a:cs typeface="+mn-cs"/>
+              </a:defRPr>
+            </a:lvl9pPr>
+          </a:lstStyle>
+          <a:p>
+            <a:pPr>
+              <a:lnSpc>
+                <a:spcPct val="150000"/>
+              </a:lnSpc>
+              <a:buFont typeface="Wingdings" panose="05000000000000000000" pitchFamily="2" charset="2"/>
+              <a:buChar char="§"/>
+            </a:pPr>
+            <a:r>
+              <a:rPr lang="ko-KR" altLang="en-US" sz="2000" b="1" dirty="0" smtClean="0">
+                <a:solidFill>
+                  <a:srgbClr val="C00000"/>
+                </a:solidFill>
+              </a:rPr>
+              <a:t>객체 배열</a:t>
+            </a:r>
+            <a:endParaRPr lang="en-US" altLang="ko-KR" sz="2000" b="1" dirty="0" smtClean="0">
+              <a:solidFill>
+                <a:srgbClr val="C00000"/>
+              </a:solidFill>
+            </a:endParaRPr>
+          </a:p>
+        </p:txBody>
+      </p:sp>
+      <p:sp>
+        <p:nvSpPr>
+          <p:cNvPr id="24" name="TextBox 23"/>
+          <p:cNvSpPr txBox="1"/>
+          <p:nvPr/>
+        </p:nvSpPr>
+        <p:spPr>
+          <a:xfrm>
+            <a:off x="1136576" y="1575597"/>
+            <a:ext cx="7848872" cy="923330"/>
+          </a:xfrm>
+          <a:prstGeom prst="rect">
+            <a:avLst/>
+          </a:prstGeom>
+          <a:noFill/>
+        </p:spPr>
+        <p:txBody>
+          <a:bodyPr wrap="square" rtlCol="0">
+            <a:spAutoFit/>
+          </a:bodyPr>
+          <a:lstStyle/>
+          <a:p>
+            <a:pPr>
+              <a:lnSpc>
+                <a:spcPct val="150000"/>
+              </a:lnSpc>
+            </a:pPr>
+            <a:r>
+              <a:rPr lang="ko-KR" altLang="en-US" dirty="0" smtClean="0"/>
+              <a:t>동일한 기본 </a:t>
+            </a:r>
+            <a:r>
+              <a:rPr lang="ko-KR" altLang="en-US" dirty="0" err="1" smtClean="0"/>
+              <a:t>자료형</a:t>
+            </a:r>
+            <a:r>
+              <a:rPr lang="en-US" altLang="ko-KR" dirty="0" smtClean="0"/>
+              <a:t>(</a:t>
+            </a:r>
+            <a:r>
+              <a:rPr lang="en-US" altLang="ko-KR" dirty="0" err="1" smtClean="0"/>
+              <a:t>int</a:t>
+            </a:r>
+            <a:r>
+              <a:rPr lang="en-US" altLang="ko-KR" dirty="0" smtClean="0"/>
+              <a:t> </a:t>
+            </a:r>
+            <a:r>
+              <a:rPr lang="ko-KR" altLang="en-US" dirty="0" smtClean="0"/>
+              <a:t>등</a:t>
+            </a:r>
+            <a:r>
+              <a:rPr lang="en-US" altLang="ko-KR" dirty="0" smtClean="0"/>
+              <a:t>) </a:t>
+            </a:r>
+            <a:r>
+              <a:rPr lang="ko-KR" altLang="en-US" dirty="0" smtClean="0"/>
+              <a:t>변수 여러 개를 배열로 사용할 수 있듯이 참조 </a:t>
+            </a:r>
+            <a:r>
+              <a:rPr lang="ko-KR" altLang="en-US" dirty="0" err="1" smtClean="0"/>
+              <a:t>자료형</a:t>
+            </a:r>
+            <a:r>
+              <a:rPr lang="ko-KR" altLang="en-US" dirty="0" smtClean="0"/>
+              <a:t> 변수도 여러 개를 배열로 사용할 수 있다</a:t>
+            </a:r>
+            <a:r>
+              <a:rPr lang="en-US" altLang="ko-KR" dirty="0" smtClean="0"/>
+              <a:t>.</a:t>
+            </a:r>
+            <a:endParaRPr lang="ko-KR" altLang="en-US" dirty="0"/>
+          </a:p>
+        </p:txBody>
+      </p:sp>
+      <p:pic>
+        <p:nvPicPr>
+          <p:cNvPr id="8" name="그림 7"/>
+          <p:cNvPicPr>
+            <a:picLocks noChangeAspect="1"/>
+          </p:cNvPicPr>
+          <p:nvPr/>
+        </p:nvPicPr>
+        <p:blipFill>
+          <a:blip r:embed="rId2">
+            <a:extLst>
+              <a:ext uri="{28A0092B-C50C-407E-A947-70E740481C1C}">
+                <a14:useLocalDpi xmlns:a14="http://schemas.microsoft.com/office/drawing/2010/main" val="0"/>
+              </a:ext>
+            </a:extLst>
+          </a:blip>
+          <a:stretch>
+            <a:fillRect/>
+          </a:stretch>
+        </p:blipFill>
+        <p:spPr>
+          <a:xfrm>
+            <a:off x="1856656" y="2636912"/>
+            <a:ext cx="5980575" cy="2952328"/>
+          </a:xfrm>
+          <a:prstGeom prst="rect">
+            <a:avLst/>
+          </a:prstGeom>
+          <a:ln>
+            <a:solidFill>
+              <a:schemeClr val="bg1">
+                <a:lumMod val="85000"/>
+              </a:schemeClr>
+            </a:solidFill>
+          </a:ln>
+        </p:spPr>
+      </p:pic>
+    </p:spTree>
+    <p:extLst>
+      <p:ext uri="{BB962C8B-B14F-4D97-AF65-F5344CB8AC3E}">
+        <p14:creationId xmlns:p14="http://schemas.microsoft.com/office/powerpoint/2010/main" val="3281892071"/>
+      </p:ext>
+    </p:extLst>
+  </p:cSld>
+  <p:clrMapOvr>
+    <a:masterClrMapping/>
+  </p:clrMapOvr>
+  <p:timing>
+    <p:tnLst>
+      <p:par>
+        <p:cTn id="1" dur="indefinite" restart="never" nodeType="tmRoot"/>
+      </p:par>
+    </p:tnLst>
+  </p:timing>
+</p:sld>
+</file>
+
+<file path=ppt/slides/slide20.xml><?xml version="1.0" encoding="utf-8"?>
+<p:sld xmlns:a="http://schemas.openxmlformats.org/drawingml/2006/main" xmlns:r="http://schemas.openxmlformats.org/officeDocument/2006/relationships" xmlns:p="http://schemas.openxmlformats.org/presentationml/2006/main">
+  <p:cSld>
+    <p:spTree>
+      <p:nvGrpSpPr>
+        <p:cNvPr id="1" name=""/>
+        <p:cNvGrpSpPr/>
+        <p:nvPr/>
+      </p:nvGrpSpPr>
+      <p:grpSpPr>
+        <a:xfrm>
+          <a:off x="0" y="0"/>
+          <a:ext cx="0" cy="0"/>
+          <a:chOff x="0" y="0"/>
+          <a:chExt cx="0" cy="0"/>
+        </a:xfrm>
+      </p:grpSpPr>
+      <p:sp>
+        <p:nvSpPr>
+          <p:cNvPr id="6" name="제목 5"/>
+          <p:cNvSpPr>
+            <a:spLocks noGrp="1"/>
+          </p:cNvSpPr>
+          <p:nvPr>
+            <p:ph type="title"/>
+          </p:nvPr>
+        </p:nvSpPr>
+        <p:spPr/>
+        <p:txBody>
+          <a:bodyPr/>
+          <a:lstStyle/>
+          <a:p>
+            <a:r>
+              <a:rPr lang="en-US" altLang="ko-KR" dirty="0" smtClean="0"/>
+              <a:t>  </a:t>
+            </a:r>
+            <a:r>
+              <a:rPr lang="ko-KR" altLang="en-US" dirty="0"/>
+              <a:t>클래스</a:t>
+            </a:r>
+            <a:r>
+              <a:rPr lang="en-US" altLang="ko-KR" dirty="0"/>
+              <a:t>(</a:t>
+            </a:r>
+            <a:r>
+              <a:rPr lang="ko-KR" altLang="en-US" dirty="0" err="1"/>
+              <a:t>자료형</a:t>
+            </a:r>
+            <a:r>
+              <a:rPr lang="en-US" altLang="ko-KR" dirty="0"/>
+              <a:t>)</a:t>
+            </a:r>
+            <a:r>
+              <a:rPr lang="ko-KR" altLang="en-US" dirty="0"/>
+              <a:t> 참조</a:t>
+            </a:r>
+          </a:p>
+        </p:txBody>
+      </p:sp>
+      <p:sp>
+        <p:nvSpPr>
+          <p:cNvPr id="5" name="슬라이드 번호 개체 틀 4"/>
+          <p:cNvSpPr>
+            <a:spLocks noGrp="1"/>
+          </p:cNvSpPr>
+          <p:nvPr>
+            <p:ph type="sldNum" sz="quarter" idx="12"/>
+          </p:nvPr>
+        </p:nvSpPr>
+        <p:spPr/>
+        <p:txBody>
+          <a:bodyPr/>
+          <a:lstStyle/>
+          <a:p>
+            <a:fld id="{1BDE3FE7-3AEA-4B05-AC5A-802D1816ACF0}" type="slidenum">
+              <a:rPr lang="ko-KR" altLang="en-US" smtClean="0"/>
+              <a:t>20</a:t>
             </a:fld>
             <a:endParaRPr lang="ko-KR" altLang="en-US"/>
           </a:p>
@@ -8882,7 +10970,7 @@
           <p:cNvPr id="11" name="내용 개체 틀 2">
             <a:extLst>
               <a:ext uri="{FF2B5EF4-FFF2-40B4-BE49-F238E27FC236}">
-                <a16:creationId xmlns:a16="http://schemas.microsoft.com/office/drawing/2014/main" xmlns="" id="{98AF3A4E-7D90-4241-89FE-799D6F9D5A94}"/>
+                <a16:creationId xmlns:a16="http://schemas.microsoft.com/office/drawing/2014/main" id="{98AF3A4E-7D90-4241-89FE-799D6F9D5A94}"/>
               </a:ext>
             </a:extLst>
           </p:cNvPr>
@@ -9162,7 +11250,7 @@
 </p:sld>
 </file>
 
-<file path=ppt/slides/slide19.xml><?xml version="1.0" encoding="utf-8"?>
+<file path=ppt/slides/slide21.xml><?xml version="1.0" encoding="utf-8"?>
 <p:sld xmlns:a="http://schemas.openxmlformats.org/drawingml/2006/main" xmlns:r="http://schemas.openxmlformats.org/officeDocument/2006/relationships" xmlns:p="http://schemas.openxmlformats.org/presentationml/2006/main">
   <p:cSld>
     <p:spTree>
@@ -9238,7 +11326,7 @@
           <a:p>
             <a:fld id="{1BDE3FE7-3AEA-4B05-AC5A-802D1816ACF0}" type="slidenum">
               <a:rPr lang="ko-KR" altLang="en-US" smtClean="0"/>
-              <a:t>19</a:t>
+              <a:t>21</a:t>
             </a:fld>
             <a:endParaRPr lang="ko-KR" altLang="en-US"/>
           </a:p>
@@ -9249,7 +11337,7 @@
           <p:cNvPr id="11" name="내용 개체 틀 2">
             <a:extLst>
               <a:ext uri="{FF2B5EF4-FFF2-40B4-BE49-F238E27FC236}">
-                <a16:creationId xmlns:a16="http://schemas.microsoft.com/office/drawing/2014/main" xmlns="" id="{98AF3A4E-7D90-4241-89FE-799D6F9D5A94}"/>
+                <a16:creationId xmlns:a16="http://schemas.microsoft.com/office/drawing/2014/main" id="{98AF3A4E-7D90-4241-89FE-799D6F9D5A94}"/>
               </a:ext>
             </a:extLst>
           </p:cNvPr>
@@ -9530,7 +11618,7 @@
 </p:sld>
 </file>
 
-<file path=ppt/slides/slide2.xml><?xml version="1.0" encoding="utf-8"?>
+<file path=ppt/slides/slide22.xml><?xml version="1.0" encoding="utf-8"?>
 <p:sld xmlns:a="http://schemas.openxmlformats.org/drawingml/2006/main" xmlns:r="http://schemas.openxmlformats.org/officeDocument/2006/relationships" xmlns:p="http://schemas.openxmlformats.org/presentationml/2006/main">
   <p:cSld>
     <p:spTree>
@@ -9564,13 +11652,28 @@
           <a:p>
             <a:r>
               <a:rPr lang="en-US" altLang="ko-KR" dirty="0" smtClean="0"/>
-              <a:t> </a:t>
-            </a:r>
-            <a:r>
-              <a:rPr lang="ko-KR" altLang="en-US" dirty="0" smtClean="0"/>
-              <a:t>객체 배열 만들기</a:t>
-            </a:r>
-            <a:endParaRPr lang="ko-KR" altLang="en-US" dirty="0"/>
+              <a:t>  </a:t>
+            </a:r>
+            <a:r>
+              <a:rPr lang="ko-KR" altLang="en-US" dirty="0"/>
+              <a:t>클래스</a:t>
+            </a:r>
+            <a:r>
+              <a:rPr lang="en-US" altLang="ko-KR" dirty="0"/>
+              <a:t>(</a:t>
+            </a:r>
+            <a:r>
+              <a:rPr lang="ko-KR" altLang="en-US" dirty="0" err="1"/>
+              <a:t>자료형</a:t>
+            </a:r>
+            <a:r>
+              <a:rPr lang="en-US" altLang="ko-KR" dirty="0"/>
+              <a:t>)</a:t>
+            </a:r>
+            <a:r>
+              <a:rPr lang="ko-KR" altLang="en-US" dirty="0"/>
+              <a:t> 참조</a:t>
+            </a:r>
           </a:p>
         </p:txBody>
       </p:sp>
@@ -9591,7 +11694,7 @@
           <a:p>
             <a:fld id="{1BDE3FE7-3AEA-4B05-AC5A-802D1816ACF0}" type="slidenum">
               <a:rPr lang="ko-KR" altLang="en-US" smtClean="0"/>
-              <a:t>2</a:t>
+              <a:t>22</a:t>
             </a:fld>
             <a:endParaRPr lang="ko-KR" altLang="en-US"/>
           </a:p>
@@ -9602,471 +11705,7 @@
           <p:cNvPr id="7" name="내용 개체 틀 2">
             <a:extLst>
               <a:ext uri="{FF2B5EF4-FFF2-40B4-BE49-F238E27FC236}">
-                <a16:creationId xmlns:a16="http://schemas.microsoft.com/office/drawing/2014/main" xmlns="" id="{98AF3A4E-7D90-4241-89FE-799D6F9D5A94}"/>
-              </a:ext>
-            </a:extLst>
-          </p:cNvPr>
-          <p:cNvSpPr txBox="1">
-            <a:spLocks/>
-          </p:cNvSpPr>
-          <p:nvPr/>
-        </p:nvSpPr>
-        <p:spPr>
-          <a:xfrm>
-            <a:off x="877255" y="1117775"/>
-            <a:ext cx="2059521" cy="432048"/>
-          </a:xfrm>
-          <a:prstGeom prst="rect">
-            <a:avLst/>
-          </a:prstGeom>
-        </p:spPr>
-        <p:txBody>
-          <a:bodyPr/>
-          <a:lstStyle>
-            <a:lvl1pPr marL="228600" indent="-228600" algn="l" defTabSz="914400" rtl="0" eaLnBrk="1" latinLnBrk="1" hangingPunct="1">
-              <a:lnSpc>
-                <a:spcPct val="90000"/>
-              </a:lnSpc>
-              <a:spcBef>
-                <a:spcPts val="1000"/>
-              </a:spcBef>
-              <a:buFont typeface="Arial" panose="020B0604020202020204" pitchFamily="34" charset="0"/>
-              <a:buChar char="•"/>
-              <a:defRPr sz="2800" kern="1200">
-                <a:solidFill>
-                  <a:schemeClr val="tx1"/>
-                </a:solidFill>
-                <a:latin typeface="+mn-lt"/>
-                <a:ea typeface="+mn-ea"/>
-                <a:cs typeface="+mn-cs"/>
-              </a:defRPr>
-            </a:lvl1pPr>
-            <a:lvl2pPr marL="685800" indent="-228600" algn="l" defTabSz="914400" rtl="0" eaLnBrk="1" latinLnBrk="1" hangingPunct="1">
-              <a:lnSpc>
-                <a:spcPct val="90000"/>
-              </a:lnSpc>
-              <a:spcBef>
-                <a:spcPts val="500"/>
-              </a:spcBef>
-              <a:buFont typeface="Arial" panose="020B0604020202020204" pitchFamily="34" charset="0"/>
-              <a:buChar char="•"/>
-              <a:defRPr sz="2400" kern="1200">
-                <a:solidFill>
-                  <a:schemeClr val="tx1"/>
-                </a:solidFill>
-                <a:latin typeface="+mn-lt"/>
-                <a:ea typeface="+mn-ea"/>
-                <a:cs typeface="+mn-cs"/>
-              </a:defRPr>
-            </a:lvl2pPr>
-            <a:lvl3pPr marL="1143000" indent="-228600" algn="l" defTabSz="914400" rtl="0" eaLnBrk="1" latinLnBrk="1" hangingPunct="1">
-              <a:lnSpc>
-                <a:spcPct val="90000"/>
-              </a:lnSpc>
-              <a:spcBef>
-                <a:spcPts val="500"/>
-              </a:spcBef>
-              <a:buFont typeface="Arial" panose="020B0604020202020204" pitchFamily="34" charset="0"/>
-              <a:buChar char="•"/>
-              <a:defRPr sz="2000" kern="1200">
-                <a:solidFill>
-                  <a:schemeClr val="tx1"/>
-                </a:solidFill>
-                <a:latin typeface="+mn-lt"/>
-                <a:ea typeface="+mn-ea"/>
-                <a:cs typeface="+mn-cs"/>
-              </a:defRPr>
-            </a:lvl3pPr>
-            <a:lvl4pPr marL="1600200" indent="-228600" algn="l" defTabSz="914400" rtl="0" eaLnBrk="1" latinLnBrk="1" hangingPunct="1">
-              <a:lnSpc>
-                <a:spcPct val="90000"/>
-              </a:lnSpc>
-              <a:spcBef>
-                <a:spcPts val="500"/>
-              </a:spcBef>
-              <a:buFont typeface="Arial" panose="020B0604020202020204" pitchFamily="34" charset="0"/>
-              <a:buChar char="•"/>
-              <a:defRPr sz="1800" kern="1200">
-                <a:solidFill>
-                  <a:schemeClr val="tx1"/>
-                </a:solidFill>
-                <a:latin typeface="+mn-lt"/>
-                <a:ea typeface="+mn-ea"/>
-                <a:cs typeface="+mn-cs"/>
-              </a:defRPr>
-            </a:lvl4pPr>
-            <a:lvl5pPr marL="2057400" indent="-228600" algn="l" defTabSz="914400" rtl="0" eaLnBrk="1" latinLnBrk="1" hangingPunct="1">
-              <a:lnSpc>
-                <a:spcPct val="90000"/>
-              </a:lnSpc>
-              <a:spcBef>
-                <a:spcPts val="500"/>
-              </a:spcBef>
-              <a:buFont typeface="Arial" panose="020B0604020202020204" pitchFamily="34" charset="0"/>
-              <a:buChar char="•"/>
-              <a:defRPr sz="1800" kern="1200">
-                <a:solidFill>
-                  <a:schemeClr val="tx1"/>
-                </a:solidFill>
-                <a:latin typeface="+mn-lt"/>
-                <a:ea typeface="+mn-ea"/>
-                <a:cs typeface="+mn-cs"/>
-              </a:defRPr>
-            </a:lvl5pPr>
-            <a:lvl6pPr marL="2514600" indent="-228600" algn="l" defTabSz="914400" rtl="0" eaLnBrk="1" latinLnBrk="1" hangingPunct="1">
-              <a:lnSpc>
-                <a:spcPct val="90000"/>
-              </a:lnSpc>
-              <a:spcBef>
-                <a:spcPts val="500"/>
-              </a:spcBef>
-              <a:buFont typeface="Arial" panose="020B0604020202020204" pitchFamily="34" charset="0"/>
-              <a:buChar char="•"/>
-              <a:defRPr sz="1800" kern="1200">
-                <a:solidFill>
-                  <a:schemeClr val="tx1"/>
-                </a:solidFill>
-                <a:latin typeface="+mn-lt"/>
-                <a:ea typeface="+mn-ea"/>
-                <a:cs typeface="+mn-cs"/>
-              </a:defRPr>
-            </a:lvl6pPr>
-            <a:lvl7pPr marL="2971800" indent="-228600" algn="l" defTabSz="914400" rtl="0" eaLnBrk="1" latinLnBrk="1" hangingPunct="1">
-              <a:lnSpc>
-                <a:spcPct val="90000"/>
-              </a:lnSpc>
-              <a:spcBef>
-                <a:spcPts val="500"/>
-              </a:spcBef>
-              <a:buFont typeface="Arial" panose="020B0604020202020204" pitchFamily="34" charset="0"/>
-              <a:buChar char="•"/>
-              <a:defRPr sz="1800" kern="1200">
-                <a:solidFill>
-                  <a:schemeClr val="tx1"/>
-                </a:solidFill>
-                <a:latin typeface="+mn-lt"/>
-                <a:ea typeface="+mn-ea"/>
-                <a:cs typeface="+mn-cs"/>
-              </a:defRPr>
-            </a:lvl7pPr>
-            <a:lvl8pPr marL="3429000" indent="-228600" algn="l" defTabSz="914400" rtl="0" eaLnBrk="1" latinLnBrk="1" hangingPunct="1">
-              <a:lnSpc>
-                <a:spcPct val="90000"/>
-              </a:lnSpc>
-              <a:spcBef>
-                <a:spcPts val="500"/>
-              </a:spcBef>
-              <a:buFont typeface="Arial" panose="020B0604020202020204" pitchFamily="34" charset="0"/>
-              <a:buChar char="•"/>
-              <a:defRPr sz="1800" kern="1200">
-                <a:solidFill>
-                  <a:schemeClr val="tx1"/>
-                </a:solidFill>
-                <a:latin typeface="+mn-lt"/>
-                <a:ea typeface="+mn-ea"/>
-                <a:cs typeface="+mn-cs"/>
-              </a:defRPr>
-            </a:lvl8pPr>
-            <a:lvl9pPr marL="3886200" indent="-228600" algn="l" defTabSz="914400" rtl="0" eaLnBrk="1" latinLnBrk="1" hangingPunct="1">
-              <a:lnSpc>
-                <a:spcPct val="90000"/>
-              </a:lnSpc>
-              <a:spcBef>
-                <a:spcPts val="500"/>
-              </a:spcBef>
-              <a:buFont typeface="Arial" panose="020B0604020202020204" pitchFamily="34" charset="0"/>
-              <a:buChar char="•"/>
-              <a:defRPr sz="1800" kern="1200">
-                <a:solidFill>
-                  <a:schemeClr val="tx1"/>
-                </a:solidFill>
-                <a:latin typeface="+mn-lt"/>
-                <a:ea typeface="+mn-ea"/>
-                <a:cs typeface="+mn-cs"/>
-              </a:defRPr>
-            </a:lvl9pPr>
-          </a:lstStyle>
-          <a:p>
-            <a:pPr>
-              <a:lnSpc>
-                <a:spcPct val="150000"/>
-              </a:lnSpc>
-              <a:buFont typeface="Wingdings" panose="05000000000000000000" pitchFamily="2" charset="2"/>
-              <a:buChar char="§"/>
-            </a:pPr>
-            <a:r>
-              <a:rPr lang="ko-KR" altLang="en-US" sz="2000" b="1" dirty="0" smtClean="0">
-                <a:solidFill>
-                  <a:srgbClr val="C00000"/>
-                </a:solidFill>
-              </a:rPr>
-              <a:t>객체 배열</a:t>
-            </a:r>
-            <a:endParaRPr lang="en-US" altLang="ko-KR" sz="2000" b="1" dirty="0" smtClean="0">
-              <a:solidFill>
-                <a:srgbClr val="C00000"/>
-              </a:solidFill>
-            </a:endParaRPr>
-          </a:p>
-        </p:txBody>
-      </p:sp>
-      <p:sp>
-        <p:nvSpPr>
-          <p:cNvPr id="24" name="TextBox 23"/>
-          <p:cNvSpPr txBox="1"/>
-          <p:nvPr/>
-        </p:nvSpPr>
-        <p:spPr>
-          <a:xfrm>
-            <a:off x="1136576" y="1575597"/>
-            <a:ext cx="7848872" cy="923330"/>
-          </a:xfrm>
-          <a:prstGeom prst="rect">
-            <a:avLst/>
-          </a:prstGeom>
-          <a:noFill/>
-        </p:spPr>
-        <p:txBody>
-          <a:bodyPr wrap="square" rtlCol="0">
-            <a:spAutoFit/>
-          </a:bodyPr>
-          <a:lstStyle/>
-          <a:p>
-            <a:pPr>
-              <a:lnSpc>
-                <a:spcPct val="150000"/>
-              </a:lnSpc>
-            </a:pPr>
-            <a:r>
-              <a:rPr lang="ko-KR" altLang="en-US" dirty="0" smtClean="0"/>
-              <a:t>동일한 기본 </a:t>
-            </a:r>
-            <a:r>
-              <a:rPr lang="ko-KR" altLang="en-US" dirty="0" err="1" smtClean="0"/>
-              <a:t>자료형</a:t>
-            </a:r>
-            <a:r>
-              <a:rPr lang="en-US" altLang="ko-KR" dirty="0" smtClean="0"/>
-              <a:t>(</a:t>
-            </a:r>
-            <a:r>
-              <a:rPr lang="en-US" altLang="ko-KR" dirty="0" err="1" smtClean="0"/>
-              <a:t>int</a:t>
-            </a:r>
-            <a:r>
-              <a:rPr lang="en-US" altLang="ko-KR" dirty="0" smtClean="0"/>
-              <a:t> </a:t>
-            </a:r>
-            <a:r>
-              <a:rPr lang="ko-KR" altLang="en-US" dirty="0" smtClean="0"/>
-              <a:t>등</a:t>
-            </a:r>
-            <a:r>
-              <a:rPr lang="en-US" altLang="ko-KR" dirty="0" smtClean="0"/>
-              <a:t>) </a:t>
-            </a:r>
-            <a:r>
-              <a:rPr lang="ko-KR" altLang="en-US" dirty="0" smtClean="0"/>
-              <a:t>변수 여러 개를 배열로 사용할 수 있듯이 참조 </a:t>
-            </a:r>
-            <a:r>
-              <a:rPr lang="ko-KR" altLang="en-US" dirty="0" err="1" smtClean="0"/>
-              <a:t>자료형</a:t>
-            </a:r>
-            <a:r>
-              <a:rPr lang="ko-KR" altLang="en-US" dirty="0" smtClean="0"/>
-              <a:t> 변수도 여러 개를 배열로 사용할 수 있다</a:t>
-            </a:r>
-            <a:r>
-              <a:rPr lang="en-US" altLang="ko-KR" dirty="0" smtClean="0"/>
-              <a:t>.</a:t>
-            </a:r>
-            <a:endParaRPr lang="ko-KR" altLang="en-US" dirty="0"/>
-          </a:p>
-        </p:txBody>
-      </p:sp>
-      <p:pic>
-        <p:nvPicPr>
-          <p:cNvPr id="8" name="그림 7"/>
-          <p:cNvPicPr>
-            <a:picLocks noChangeAspect="1"/>
-          </p:cNvPicPr>
-          <p:nvPr/>
-        </p:nvPicPr>
-        <p:blipFill>
-          <a:blip r:embed="rId2">
-            <a:extLst>
-              <a:ext uri="{28A0092B-C50C-407E-A947-70E740481C1C}">
-                <a14:useLocalDpi xmlns:a14="http://schemas.microsoft.com/office/drawing/2010/main" val="0"/>
-              </a:ext>
-            </a:extLst>
-          </a:blip>
-          <a:stretch>
-            <a:fillRect/>
-          </a:stretch>
-        </p:blipFill>
-        <p:spPr>
-          <a:xfrm>
-            <a:off x="1208583" y="2634072"/>
-            <a:ext cx="5402857" cy="2667136"/>
-          </a:xfrm>
-          <a:prstGeom prst="rect">
-            <a:avLst/>
-          </a:prstGeom>
-          <a:ln>
-            <a:solidFill>
-              <a:schemeClr val="bg1">
-                <a:lumMod val="85000"/>
-              </a:schemeClr>
-            </a:solidFill>
-          </a:ln>
-        </p:spPr>
-      </p:pic>
-      <p:pic>
-        <p:nvPicPr>
-          <p:cNvPr id="2" name="그림 1"/>
-          <p:cNvPicPr>
-            <a:picLocks noChangeAspect="1"/>
-          </p:cNvPicPr>
-          <p:nvPr/>
-        </p:nvPicPr>
-        <p:blipFill>
-          <a:blip r:embed="rId3">
-            <a:extLst>
-              <a:ext uri="{28A0092B-C50C-407E-A947-70E740481C1C}">
-                <a14:useLocalDpi xmlns:a14="http://schemas.microsoft.com/office/drawing/2010/main" val="0"/>
-              </a:ext>
-            </a:extLst>
-          </a:blip>
-          <a:stretch>
-            <a:fillRect/>
-          </a:stretch>
-        </p:blipFill>
-        <p:spPr>
-          <a:xfrm>
-            <a:off x="5169024" y="3140968"/>
-            <a:ext cx="4312320" cy="2808312"/>
-          </a:xfrm>
-          <a:prstGeom prst="rect">
-            <a:avLst/>
-          </a:prstGeom>
-          <a:ln>
-            <a:solidFill>
-              <a:schemeClr val="bg1">
-                <a:lumMod val="75000"/>
-              </a:schemeClr>
-            </a:solidFill>
-          </a:ln>
-        </p:spPr>
-      </p:pic>
-    </p:spTree>
-    <p:extLst>
-      <p:ext uri="{BB962C8B-B14F-4D97-AF65-F5344CB8AC3E}">
-        <p14:creationId xmlns:p14="http://schemas.microsoft.com/office/powerpoint/2010/main" val="3281892071"/>
-      </p:ext>
-    </p:extLst>
-  </p:cSld>
-  <p:clrMapOvr>
-    <a:masterClrMapping/>
-  </p:clrMapOvr>
-  <p:timing>
-    <p:tnLst>
-      <p:par>
-        <p:cTn id="1" dur="indefinite" restart="never" nodeType="tmRoot"/>
-      </p:par>
-    </p:tnLst>
-  </p:timing>
-</p:sld>
-</file>
-
-<file path=ppt/slides/slide20.xml><?xml version="1.0" encoding="utf-8"?>
-<p:sld xmlns:a="http://schemas.openxmlformats.org/drawingml/2006/main" xmlns:r="http://schemas.openxmlformats.org/officeDocument/2006/relationships" xmlns:p="http://schemas.openxmlformats.org/presentationml/2006/main">
-  <p:cSld>
-    <p:spTree>
-      <p:nvGrpSpPr>
-        <p:cNvPr id="1" name=""/>
-        <p:cNvGrpSpPr/>
-        <p:nvPr/>
-      </p:nvGrpSpPr>
-      <p:grpSpPr>
-        <a:xfrm>
-          <a:off x="0" y="0"/>
-          <a:ext cx="0" cy="0"/>
-          <a:chOff x="0" y="0"/>
-          <a:chExt cx="0" cy="0"/>
-        </a:xfrm>
-      </p:grpSpPr>
-      <p:sp>
-        <p:nvSpPr>
-          <p:cNvPr id="6" name="제목 5"/>
-          <p:cNvSpPr>
-            <a:spLocks noGrp="1"/>
-          </p:cNvSpPr>
-          <p:nvPr>
-            <p:ph type="title"/>
-          </p:nvPr>
-        </p:nvSpPr>
-        <p:spPr/>
-        <p:txBody>
-          <a:bodyPr/>
-          <a:lstStyle/>
-          <a:p>
-            <a:r>
-              <a:rPr lang="en-US" altLang="ko-KR" dirty="0" smtClean="0"/>
-              <a:t>  </a:t>
-            </a:r>
-            <a:r>
-              <a:rPr lang="ko-KR" altLang="en-US" dirty="0"/>
-              <a:t>클래스</a:t>
-            </a:r>
-            <a:r>
-              <a:rPr lang="en-US" altLang="ko-KR" dirty="0"/>
-              <a:t>(</a:t>
-            </a:r>
-            <a:r>
-              <a:rPr lang="ko-KR" altLang="en-US" dirty="0" err="1"/>
-              <a:t>자료형</a:t>
-            </a:r>
-            <a:r>
-              <a:rPr lang="en-US" altLang="ko-KR" dirty="0"/>
-              <a:t>)</a:t>
-            </a:r>
-            <a:r>
-              <a:rPr lang="ko-KR" altLang="en-US" dirty="0"/>
-              <a:t> 참조</a:t>
-            </a:r>
-          </a:p>
-        </p:txBody>
-      </p:sp>
-      <p:sp>
-        <p:nvSpPr>
-          <p:cNvPr id="5" name="슬라이드 번호 개체 틀 4"/>
-          <p:cNvSpPr>
-            <a:spLocks noGrp="1"/>
-          </p:cNvSpPr>
-          <p:nvPr>
-            <p:ph type="sldNum" sz="quarter" idx="12"/>
-          </p:nvPr>
-        </p:nvSpPr>
-        <p:spPr/>
-        <p:txBody>
-          <a:bodyPr/>
-          <a:lstStyle/>
-          <a:p>
-            <a:fld id="{1BDE3FE7-3AEA-4B05-AC5A-802D1816ACF0}" type="slidenum">
-              <a:rPr lang="ko-KR" altLang="en-US" smtClean="0"/>
-              <a:t>20</a:t>
-            </a:fld>
-            <a:endParaRPr lang="ko-KR" altLang="en-US"/>
-          </a:p>
-        </p:txBody>
-      </p:sp>
-      <p:sp>
-        <p:nvSpPr>
-          <p:cNvPr id="7" name="내용 개체 틀 2">
-            <a:extLst>
-              <a:ext uri="{FF2B5EF4-FFF2-40B4-BE49-F238E27FC236}">
-                <a16:creationId xmlns:a16="http://schemas.microsoft.com/office/drawing/2014/main" xmlns="" id="{98AF3A4E-7D90-4241-89FE-799D6F9D5A94}"/>
+                <a16:creationId xmlns:a16="http://schemas.microsoft.com/office/drawing/2014/main" id="{98AF3A4E-7D90-4241-89FE-799D6F9D5A94}"/>
               </a:ext>
             </a:extLst>
           </p:cNvPr>
@@ -10375,7 +12014,7 @@
 </p:sld>
 </file>
 
-<file path=ppt/slides/slide21.xml><?xml version="1.0" encoding="utf-8"?>
+<file path=ppt/slides/slide23.xml><?xml version="1.0" encoding="utf-8"?>
 <p:sld xmlns:a="http://schemas.openxmlformats.org/drawingml/2006/main" xmlns:r="http://schemas.openxmlformats.org/officeDocument/2006/relationships" xmlns:p="http://schemas.openxmlformats.org/presentationml/2006/main">
   <p:cSld>
     <p:spTree>
@@ -10443,7 +12082,7 @@
           <a:p>
             <a:fld id="{1BDE3FE7-3AEA-4B05-AC5A-802D1816ACF0}" type="slidenum">
               <a:rPr lang="ko-KR" altLang="en-US" smtClean="0"/>
-              <a:t>21</a:t>
+              <a:t>23</a:t>
             </a:fld>
             <a:endParaRPr lang="ko-KR" altLang="en-US"/>
           </a:p>
@@ -10454,7 +12093,7 @@
           <p:cNvPr id="7" name="내용 개체 틀 2">
             <a:extLst>
               <a:ext uri="{FF2B5EF4-FFF2-40B4-BE49-F238E27FC236}">
-                <a16:creationId xmlns:a16="http://schemas.microsoft.com/office/drawing/2014/main" xmlns="" id="{98AF3A4E-7D90-4241-89FE-799D6F9D5A94}"/>
+                <a16:creationId xmlns:a16="http://schemas.microsoft.com/office/drawing/2014/main" id="{98AF3A4E-7D90-4241-89FE-799D6F9D5A94}"/>
               </a:ext>
             </a:extLst>
           </p:cNvPr>
@@ -10767,7 +12406,7 @@
 </p:sld>
 </file>
 
-<file path=ppt/slides/slide22.xml><?xml version="1.0" encoding="utf-8"?>
+<file path=ppt/slides/slide24.xml><?xml version="1.0" encoding="utf-8"?>
 <p:sld xmlns:a="http://schemas.openxmlformats.org/drawingml/2006/main" xmlns:r="http://schemas.openxmlformats.org/officeDocument/2006/relationships" xmlns:p="http://schemas.openxmlformats.org/presentationml/2006/main">
   <p:cSld>
     <p:spTree>
@@ -10835,7 +12474,7 @@
           <a:p>
             <a:fld id="{1BDE3FE7-3AEA-4B05-AC5A-802D1816ACF0}" type="slidenum">
               <a:rPr lang="ko-KR" altLang="en-US" smtClean="0"/>
-              <a:t>22</a:t>
+              <a:t>24</a:t>
             </a:fld>
             <a:endParaRPr lang="ko-KR" altLang="en-US"/>
           </a:p>
@@ -10898,7 +12537,7 @@
 </p:sld>
 </file>
 
-<file path=ppt/slides/slide23.xml><?xml version="1.0" encoding="utf-8"?>
+<file path=ppt/slides/slide25.xml><?xml version="1.0" encoding="utf-8"?>
 <p:sld xmlns:a="http://schemas.openxmlformats.org/drawingml/2006/main" xmlns:r="http://schemas.openxmlformats.org/officeDocument/2006/relationships" xmlns:p="http://schemas.openxmlformats.org/presentationml/2006/main">
   <p:cSld>
     <p:spTree>
@@ -10966,7 +12605,7 @@
           <a:p>
             <a:fld id="{1BDE3FE7-3AEA-4B05-AC5A-802D1816ACF0}" type="slidenum">
               <a:rPr lang="ko-KR" altLang="en-US" smtClean="0"/>
-              <a:t>23</a:t>
+              <a:t>25</a:t>
             </a:fld>
             <a:endParaRPr lang="ko-KR" altLang="en-US"/>
           </a:p>
@@ -11066,7 +12705,7 @@
 </p:sld>
 </file>
 
-<file path=ppt/slides/slide24.xml><?xml version="1.0" encoding="utf-8"?>
+<file path=ppt/slides/slide26.xml><?xml version="1.0" encoding="utf-8"?>
 <p:sld xmlns:a="http://schemas.openxmlformats.org/drawingml/2006/main" xmlns:r="http://schemas.openxmlformats.org/officeDocument/2006/relationships" xmlns:p="http://schemas.openxmlformats.org/presentationml/2006/main">
   <p:cSld>
     <p:spTree>
@@ -11134,7 +12773,7 @@
           <a:p>
             <a:fld id="{1BDE3FE7-3AEA-4B05-AC5A-802D1816ACF0}" type="slidenum">
               <a:rPr lang="ko-KR" altLang="en-US" smtClean="0"/>
-              <a:t>24</a:t>
+              <a:t>26</a:t>
             </a:fld>
             <a:endParaRPr lang="ko-KR" altLang="en-US"/>
           </a:p>
@@ -11145,7 +12784,7 @@
           <p:cNvPr id="7" name="내용 개체 틀 2">
             <a:extLst>
               <a:ext uri="{FF2B5EF4-FFF2-40B4-BE49-F238E27FC236}">
-                <a16:creationId xmlns="" xmlns:a16="http://schemas.microsoft.com/office/drawing/2014/main" id="{98AF3A4E-7D90-4241-89FE-799D6F9D5A94}"/>
+                <a16:creationId xmlns:a16="http://schemas.microsoft.com/office/drawing/2014/main" id="{98AF3A4E-7D90-4241-89FE-799D6F9D5A94}"/>
               </a:ext>
             </a:extLst>
           </p:cNvPr>
@@ -11351,7 +12990,7 @@
         <p:spPr>
           <a:xfrm>
             <a:off x="714152" y="1497557"/>
-            <a:ext cx="8703344" cy="1754326"/>
+            <a:ext cx="8703344" cy="2308324"/>
           </a:xfrm>
           <a:prstGeom prst="rect">
             <a:avLst/>
@@ -11363,150 +13002,180 @@
           </a:bodyPr>
           <a:lstStyle/>
           <a:p>
-            <a:r>
-              <a:rPr lang="en-US" altLang="ko-KR" dirty="0" smtClean="0"/>
+            <a:pPr>
+              <a:lnSpc>
+                <a:spcPct val="150000"/>
+              </a:lnSpc>
+            </a:pPr>
+            <a:r>
+              <a:rPr lang="en-US" altLang="ko-KR" sz="1600" dirty="0" smtClean="0"/>
               <a:t>-----------------------------------------------------------------------------------------</a:t>
             </a:r>
           </a:p>
           <a:p>
-            <a:r>
-              <a:rPr lang="en-US" altLang="ko-KR" dirty="0"/>
+            <a:pPr>
+              <a:lnSpc>
+                <a:spcPct val="150000"/>
+              </a:lnSpc>
+            </a:pPr>
+            <a:r>
+              <a:rPr lang="en-US" altLang="ko-KR" sz="1600" dirty="0"/>
               <a:t> </a:t>
             </a:r>
             <a:r>
-              <a:rPr lang="en-US" altLang="ko-KR" dirty="0" smtClean="0"/>
+              <a:rPr lang="en-US" altLang="ko-KR" sz="1600" dirty="0" smtClean="0"/>
               <a:t>  </a:t>
             </a:r>
             <a:r>
-              <a:rPr lang="ko-KR" altLang="en-US" dirty="0" smtClean="0"/>
+              <a:rPr lang="ko-KR" altLang="en-US" sz="1600" dirty="0" smtClean="0"/>
               <a:t>다음과 같이 </a:t>
             </a:r>
             <a:r>
-              <a:rPr lang="en-US" altLang="ko-KR" dirty="0" smtClean="0"/>
+              <a:rPr lang="en-US" altLang="ko-KR" sz="1600" dirty="0" smtClean="0"/>
               <a:t>Dog </a:t>
             </a:r>
             <a:r>
-              <a:rPr lang="ko-KR" altLang="en-US" dirty="0" smtClean="0"/>
+              <a:rPr lang="ko-KR" altLang="en-US" sz="1600" dirty="0" smtClean="0"/>
               <a:t>클래스가 있다</a:t>
             </a:r>
             <a:r>
-              <a:rPr lang="en-US" altLang="ko-KR" dirty="0" smtClean="0"/>
+              <a:rPr lang="en-US" altLang="ko-KR" sz="1600" dirty="0" smtClean="0"/>
               <a:t>. </a:t>
             </a:r>
           </a:p>
           <a:p>
-            <a:r>
-              <a:rPr lang="en-US" altLang="ko-KR" dirty="0"/>
+            <a:pPr>
+              <a:lnSpc>
+                <a:spcPct val="150000"/>
+              </a:lnSpc>
+            </a:pPr>
+            <a:r>
+              <a:rPr lang="en-US" altLang="ko-KR" sz="1600" dirty="0"/>
               <a:t> </a:t>
             </a:r>
             <a:r>
-              <a:rPr lang="en-US" altLang="ko-KR" dirty="0" smtClean="0"/>
+              <a:rPr lang="en-US" altLang="ko-KR" sz="1600" dirty="0" smtClean="0"/>
               <a:t>  </a:t>
             </a:r>
             <a:r>
-              <a:rPr lang="en-US" altLang="ko-KR" dirty="0" err="1" smtClean="0"/>
+              <a:rPr lang="en-US" altLang="ko-KR" sz="1600" dirty="0" err="1" smtClean="0"/>
               <a:t>DogArrayList</a:t>
             </a:r>
             <a:r>
-              <a:rPr lang="en-US" altLang="ko-KR" dirty="0" smtClean="0"/>
+              <a:rPr lang="en-US" altLang="ko-KR" sz="1600" dirty="0" smtClean="0"/>
               <a:t> </a:t>
             </a:r>
             <a:r>
-              <a:rPr lang="ko-KR" altLang="en-US" dirty="0" smtClean="0"/>
+              <a:rPr lang="ko-KR" altLang="en-US" sz="1600" dirty="0" smtClean="0"/>
               <a:t>클래스를 만들어 멤버변수로 </a:t>
             </a:r>
             <a:r>
-              <a:rPr lang="en-US" altLang="ko-KR" dirty="0" err="1" smtClean="0"/>
+              <a:rPr lang="en-US" altLang="ko-KR" sz="1600" dirty="0" err="1" smtClean="0"/>
               <a:t>ArrayList</a:t>
             </a:r>
             <a:r>
-              <a:rPr lang="ko-KR" altLang="en-US" dirty="0" smtClean="0"/>
+              <a:rPr lang="ko-KR" altLang="en-US" sz="1600" dirty="0" smtClean="0"/>
               <a:t>를 사용한다</a:t>
             </a:r>
             <a:r>
-              <a:rPr lang="en-US" altLang="ko-KR" dirty="0" smtClean="0"/>
+              <a:rPr lang="en-US" altLang="ko-KR" sz="1600" dirty="0" smtClean="0"/>
               <a:t>.</a:t>
             </a:r>
           </a:p>
           <a:p>
-            <a:r>
-              <a:rPr lang="en-US" altLang="ko-KR" dirty="0"/>
+            <a:pPr>
+              <a:lnSpc>
+                <a:spcPct val="150000"/>
+              </a:lnSpc>
+            </a:pPr>
+            <a:r>
+              <a:rPr lang="en-US" altLang="ko-KR" sz="1600" dirty="0"/>
               <a:t> </a:t>
             </a:r>
             <a:r>
-              <a:rPr lang="en-US" altLang="ko-KR" dirty="0" smtClean="0"/>
+              <a:rPr lang="en-US" altLang="ko-KR" sz="1600" dirty="0" smtClean="0"/>
               <a:t>  Dog </a:t>
             </a:r>
             <a:r>
-              <a:rPr lang="ko-KR" altLang="en-US" dirty="0" err="1" smtClean="0"/>
+              <a:rPr lang="ko-KR" altLang="en-US" sz="1600" dirty="0" err="1" smtClean="0"/>
               <a:t>인스턴스</a:t>
             </a:r>
             <a:r>
-              <a:rPr lang="ko-KR" altLang="en-US" dirty="0" smtClean="0"/>
+              <a:rPr lang="ko-KR" altLang="en-US" sz="1600" dirty="0" smtClean="0"/>
               <a:t> </a:t>
             </a:r>
             <a:r>
-              <a:rPr lang="en-US" altLang="ko-KR" dirty="0" smtClean="0"/>
+              <a:rPr lang="en-US" altLang="ko-KR" sz="1600" dirty="0" smtClean="0"/>
               <a:t>5</a:t>
             </a:r>
             <a:r>
-              <a:rPr lang="ko-KR" altLang="en-US" dirty="0" smtClean="0"/>
+              <a:rPr lang="ko-KR" altLang="en-US" sz="1600" dirty="0" smtClean="0"/>
               <a:t>개를 생성하여 </a:t>
             </a:r>
             <a:r>
-              <a:rPr lang="en-US" altLang="ko-KR" dirty="0" err="1" smtClean="0"/>
+              <a:rPr lang="en-US" altLang="ko-KR" sz="1600" dirty="0" err="1" smtClean="0"/>
               <a:t>ArrayList</a:t>
             </a:r>
             <a:r>
-              <a:rPr lang="ko-KR" altLang="en-US" dirty="0" smtClean="0"/>
+              <a:rPr lang="ko-KR" altLang="en-US" sz="1600" dirty="0" smtClean="0"/>
               <a:t>에 추가하고</a:t>
             </a:r>
             <a:r>
-              <a:rPr lang="en-US" altLang="ko-KR" dirty="0" smtClean="0"/>
+              <a:rPr lang="en-US" altLang="ko-KR" sz="1600" dirty="0" smtClean="0"/>
               <a:t>,</a:t>
             </a:r>
             <a:r>
-              <a:rPr lang="ko-KR" altLang="en-US" dirty="0" smtClean="0"/>
+              <a:rPr lang="ko-KR" altLang="en-US" sz="1600" dirty="0" smtClean="0"/>
               <a:t> </a:t>
             </a:r>
             <a:r>
-              <a:rPr lang="en-US" altLang="ko-KR" dirty="0" err="1" smtClean="0"/>
+              <a:rPr lang="en-US" altLang="ko-KR" sz="1600" dirty="0" err="1" smtClean="0"/>
               <a:t>ArrayList</a:t>
             </a:r>
             <a:r>
-              <a:rPr lang="en-US" altLang="ko-KR" dirty="0" smtClean="0"/>
+              <a:rPr lang="en-US" altLang="ko-KR" sz="1600" dirty="0" smtClean="0"/>
               <a:t> </a:t>
             </a:r>
             <a:r>
-              <a:rPr lang="ko-KR" altLang="en-US" dirty="0" smtClean="0"/>
+              <a:rPr lang="ko-KR" altLang="en-US" sz="1600" dirty="0" smtClean="0"/>
               <a:t>정보를 출력하는 </a:t>
             </a:r>
-            <a:endParaRPr lang="en-US" altLang="ko-KR" dirty="0" smtClean="0"/>
-          </a:p>
-          <a:p>
-            <a:r>
-              <a:rPr lang="en-US" altLang="ko-KR" dirty="0"/>
+            <a:endParaRPr lang="en-US" altLang="ko-KR" sz="1600" dirty="0" smtClean="0"/>
+          </a:p>
+          <a:p>
+            <a:pPr>
+              <a:lnSpc>
+                <a:spcPct val="150000"/>
+              </a:lnSpc>
+            </a:pPr>
+            <a:r>
+              <a:rPr lang="en-US" altLang="ko-KR" sz="1600" dirty="0"/>
               <a:t> </a:t>
             </a:r>
             <a:r>
-              <a:rPr lang="en-US" altLang="ko-KR" dirty="0" smtClean="0"/>
+              <a:rPr lang="en-US" altLang="ko-KR" sz="1600" dirty="0" smtClean="0"/>
               <a:t>  </a:t>
             </a:r>
             <a:r>
-              <a:rPr lang="ko-KR" altLang="en-US" dirty="0" smtClean="0"/>
+              <a:rPr lang="ko-KR" altLang="en-US" sz="1600" dirty="0" smtClean="0"/>
               <a:t>코드를 작성하세요</a:t>
             </a:r>
             <a:r>
-              <a:rPr lang="en-US" altLang="ko-KR" dirty="0" smtClean="0"/>
+              <a:rPr lang="en-US" altLang="ko-KR" sz="1600" dirty="0" smtClean="0"/>
               <a:t>.</a:t>
             </a:r>
           </a:p>
           <a:p>
-            <a:r>
-              <a:rPr lang="en-US" altLang="ko-KR" dirty="0" smtClean="0"/>
+            <a:pPr>
+              <a:lnSpc>
+                <a:spcPct val="150000"/>
+              </a:lnSpc>
+            </a:pPr>
+            <a:r>
+              <a:rPr lang="en-US" altLang="ko-KR" sz="1600" dirty="0" smtClean="0"/>
               <a:t>------------------------------------------------------------------------------------------</a:t>
             </a:r>
-            <a:endParaRPr lang="ko-KR" altLang="en-US" dirty="0"/>
+            <a:endParaRPr lang="ko-KR" altLang="en-US" sz="1600" dirty="0"/>
           </a:p>
         </p:txBody>
       </p:sp>
@@ -11532,8 +13201,8 @@
         </p:blipFill>
         <p:spPr>
           <a:xfrm>
-            <a:off x="1568624" y="3403442"/>
-            <a:ext cx="1368152" cy="1302556"/>
+            <a:off x="1496616" y="3933056"/>
+            <a:ext cx="1512685" cy="1440160"/>
           </a:xfrm>
           <a:prstGeom prst="rect">
             <a:avLst/>
@@ -11567,7 +13236,7 @@
 </p:sld>
 </file>
 
-<file path=ppt/slides/slide25.xml><?xml version="1.0" encoding="utf-8"?>
+<file path=ppt/slides/slide27.xml><?xml version="1.0" encoding="utf-8"?>
 <p:sld xmlns:a="http://schemas.openxmlformats.org/drawingml/2006/main" xmlns:r="http://schemas.openxmlformats.org/officeDocument/2006/relationships" xmlns:p="http://schemas.openxmlformats.org/presentationml/2006/main">
   <p:cSld>
     <p:spTree>
@@ -11635,7 +13304,7 @@
           <a:p>
             <a:fld id="{1BDE3FE7-3AEA-4B05-AC5A-802D1816ACF0}" type="slidenum">
               <a:rPr lang="ko-KR" altLang="en-US" smtClean="0"/>
-              <a:t>25</a:t>
+              <a:t>27</a:t>
             </a:fld>
             <a:endParaRPr lang="ko-KR" altLang="en-US"/>
           </a:p>
@@ -11697,7 +13366,7 @@
 </p:sld>
 </file>
 
-<file path=ppt/slides/slide26.xml><?xml version="1.0" encoding="utf-8"?>
+<file path=ppt/slides/slide28.xml><?xml version="1.0" encoding="utf-8"?>
 <p:sld xmlns:a="http://schemas.openxmlformats.org/drawingml/2006/main" xmlns:r="http://schemas.openxmlformats.org/officeDocument/2006/relationships" xmlns:p="http://schemas.openxmlformats.org/presentationml/2006/main">
   <p:cSld>
     <p:spTree>
@@ -11765,7 +13434,7 @@
           <a:p>
             <a:fld id="{1BDE3FE7-3AEA-4B05-AC5A-802D1816ACF0}" type="slidenum">
               <a:rPr lang="ko-KR" altLang="en-US" smtClean="0"/>
-              <a:t>26</a:t>
+              <a:t>28</a:t>
             </a:fld>
             <a:endParaRPr lang="ko-KR" altLang="en-US"/>
           </a:p>
@@ -11865,7 +13534,7 @@
 </p:sld>
 </file>
 
-<file path=ppt/slides/slide27.xml><?xml version="1.0" encoding="utf-8"?>
+<file path=ppt/slides/slide29.xml><?xml version="1.0" encoding="utf-8"?>
 <p:sld xmlns:a="http://schemas.openxmlformats.org/drawingml/2006/main" xmlns:r="http://schemas.openxmlformats.org/officeDocument/2006/relationships" xmlns:p="http://schemas.openxmlformats.org/presentationml/2006/main">
   <p:cSld>
     <p:spTree>
@@ -11933,7 +13602,7 @@
           <a:p>
             <a:fld id="{1BDE3FE7-3AEA-4B05-AC5A-802D1816ACF0}" type="slidenum">
               <a:rPr lang="ko-KR" altLang="en-US" smtClean="0"/>
-              <a:t>27</a:t>
+              <a:t>29</a:t>
             </a:fld>
             <a:endParaRPr lang="ko-KR" altLang="en-US"/>
           </a:p>
@@ -12034,7 +13703,7 @@
             </a:r>
             <a:r>
               <a:rPr lang="ko-KR" altLang="en-US" dirty="0" smtClean="0"/>
-              <a:t>객체 배열</a:t>
+              <a:t>객체 배열 만들기</a:t>
             </a:r>
             <a:endParaRPr lang="ko-KR" altLang="en-US" dirty="0"/>
           </a:p>
@@ -12068,7 +13737,419 @@
           <p:cNvPr id="7" name="내용 개체 틀 2">
             <a:extLst>
               <a:ext uri="{FF2B5EF4-FFF2-40B4-BE49-F238E27FC236}">
-                <a16:creationId xmlns:a16="http://schemas.microsoft.com/office/drawing/2014/main" xmlns="" id="{98AF3A4E-7D90-4241-89FE-799D6F9D5A94}"/>
+                <a16:creationId xmlns:a16="http://schemas.microsoft.com/office/drawing/2014/main" id="{98AF3A4E-7D90-4241-89FE-799D6F9D5A94}"/>
+              </a:ext>
+            </a:extLst>
+          </p:cNvPr>
+          <p:cNvSpPr txBox="1">
+            <a:spLocks/>
+          </p:cNvSpPr>
+          <p:nvPr/>
+        </p:nvSpPr>
+        <p:spPr>
+          <a:xfrm>
+            <a:off x="877255" y="1117775"/>
+            <a:ext cx="2059521" cy="432048"/>
+          </a:xfrm>
+          <a:prstGeom prst="rect">
+            <a:avLst/>
+          </a:prstGeom>
+        </p:spPr>
+        <p:txBody>
+          <a:bodyPr/>
+          <a:lstStyle>
+            <a:lvl1pPr marL="228600" indent="-228600" algn="l" defTabSz="914400" rtl="0" eaLnBrk="1" latinLnBrk="1" hangingPunct="1">
+              <a:lnSpc>
+                <a:spcPct val="90000"/>
+              </a:lnSpc>
+              <a:spcBef>
+                <a:spcPts val="1000"/>
+              </a:spcBef>
+              <a:buFont typeface="Arial" panose="020B0604020202020204" pitchFamily="34" charset="0"/>
+              <a:buChar char="•"/>
+              <a:defRPr sz="2800" kern="1200">
+                <a:solidFill>
+                  <a:schemeClr val="tx1"/>
+                </a:solidFill>
+                <a:latin typeface="+mn-lt"/>
+                <a:ea typeface="+mn-ea"/>
+                <a:cs typeface="+mn-cs"/>
+              </a:defRPr>
+            </a:lvl1pPr>
+            <a:lvl2pPr marL="685800" indent="-228600" algn="l" defTabSz="914400" rtl="0" eaLnBrk="1" latinLnBrk="1" hangingPunct="1">
+              <a:lnSpc>
+                <a:spcPct val="90000"/>
+              </a:lnSpc>
+              <a:spcBef>
+                <a:spcPts val="500"/>
+              </a:spcBef>
+              <a:buFont typeface="Arial" panose="020B0604020202020204" pitchFamily="34" charset="0"/>
+              <a:buChar char="•"/>
+              <a:defRPr sz="2400" kern="1200">
+                <a:solidFill>
+                  <a:schemeClr val="tx1"/>
+                </a:solidFill>
+                <a:latin typeface="+mn-lt"/>
+                <a:ea typeface="+mn-ea"/>
+                <a:cs typeface="+mn-cs"/>
+              </a:defRPr>
+            </a:lvl2pPr>
+            <a:lvl3pPr marL="1143000" indent="-228600" algn="l" defTabSz="914400" rtl="0" eaLnBrk="1" latinLnBrk="1" hangingPunct="1">
+              <a:lnSpc>
+                <a:spcPct val="90000"/>
+              </a:lnSpc>
+              <a:spcBef>
+                <a:spcPts val="500"/>
+              </a:spcBef>
+              <a:buFont typeface="Arial" panose="020B0604020202020204" pitchFamily="34" charset="0"/>
+              <a:buChar char="•"/>
+              <a:defRPr sz="2000" kern="1200">
+                <a:solidFill>
+                  <a:schemeClr val="tx1"/>
+                </a:solidFill>
+                <a:latin typeface="+mn-lt"/>
+                <a:ea typeface="+mn-ea"/>
+                <a:cs typeface="+mn-cs"/>
+              </a:defRPr>
+            </a:lvl3pPr>
+            <a:lvl4pPr marL="1600200" indent="-228600" algn="l" defTabSz="914400" rtl="0" eaLnBrk="1" latinLnBrk="1" hangingPunct="1">
+              <a:lnSpc>
+                <a:spcPct val="90000"/>
+              </a:lnSpc>
+              <a:spcBef>
+                <a:spcPts val="500"/>
+              </a:spcBef>
+              <a:buFont typeface="Arial" panose="020B0604020202020204" pitchFamily="34" charset="0"/>
+              <a:buChar char="•"/>
+              <a:defRPr sz="1800" kern="1200">
+                <a:solidFill>
+                  <a:schemeClr val="tx1"/>
+                </a:solidFill>
+                <a:latin typeface="+mn-lt"/>
+                <a:ea typeface="+mn-ea"/>
+                <a:cs typeface="+mn-cs"/>
+              </a:defRPr>
+            </a:lvl4pPr>
+            <a:lvl5pPr marL="2057400" indent="-228600" algn="l" defTabSz="914400" rtl="0" eaLnBrk="1" latinLnBrk="1" hangingPunct="1">
+              <a:lnSpc>
+                <a:spcPct val="90000"/>
+              </a:lnSpc>
+              <a:spcBef>
+                <a:spcPts val="500"/>
+              </a:spcBef>
+              <a:buFont typeface="Arial" panose="020B0604020202020204" pitchFamily="34" charset="0"/>
+              <a:buChar char="•"/>
+              <a:defRPr sz="1800" kern="1200">
+                <a:solidFill>
+                  <a:schemeClr val="tx1"/>
+                </a:solidFill>
+                <a:latin typeface="+mn-lt"/>
+                <a:ea typeface="+mn-ea"/>
+                <a:cs typeface="+mn-cs"/>
+              </a:defRPr>
+            </a:lvl5pPr>
+            <a:lvl6pPr marL="2514600" indent="-228600" algn="l" defTabSz="914400" rtl="0" eaLnBrk="1" latinLnBrk="1" hangingPunct="1">
+              <a:lnSpc>
+                <a:spcPct val="90000"/>
+              </a:lnSpc>
+              <a:spcBef>
+                <a:spcPts val="500"/>
+              </a:spcBef>
+              <a:buFont typeface="Arial" panose="020B0604020202020204" pitchFamily="34" charset="0"/>
+              <a:buChar char="•"/>
+              <a:defRPr sz="1800" kern="1200">
+                <a:solidFill>
+                  <a:schemeClr val="tx1"/>
+                </a:solidFill>
+                <a:latin typeface="+mn-lt"/>
+                <a:ea typeface="+mn-ea"/>
+                <a:cs typeface="+mn-cs"/>
+              </a:defRPr>
+            </a:lvl6pPr>
+            <a:lvl7pPr marL="2971800" indent="-228600" algn="l" defTabSz="914400" rtl="0" eaLnBrk="1" latinLnBrk="1" hangingPunct="1">
+              <a:lnSpc>
+                <a:spcPct val="90000"/>
+              </a:lnSpc>
+              <a:spcBef>
+                <a:spcPts val="500"/>
+              </a:spcBef>
+              <a:buFont typeface="Arial" panose="020B0604020202020204" pitchFamily="34" charset="0"/>
+              <a:buChar char="•"/>
+              <a:defRPr sz="1800" kern="1200">
+                <a:solidFill>
+                  <a:schemeClr val="tx1"/>
+                </a:solidFill>
+                <a:latin typeface="+mn-lt"/>
+                <a:ea typeface="+mn-ea"/>
+                <a:cs typeface="+mn-cs"/>
+              </a:defRPr>
+            </a:lvl7pPr>
+            <a:lvl8pPr marL="3429000" indent="-228600" algn="l" defTabSz="914400" rtl="0" eaLnBrk="1" latinLnBrk="1" hangingPunct="1">
+              <a:lnSpc>
+                <a:spcPct val="90000"/>
+              </a:lnSpc>
+              <a:spcBef>
+                <a:spcPts val="500"/>
+              </a:spcBef>
+              <a:buFont typeface="Arial" panose="020B0604020202020204" pitchFamily="34" charset="0"/>
+              <a:buChar char="•"/>
+              <a:defRPr sz="1800" kern="1200">
+                <a:solidFill>
+                  <a:schemeClr val="tx1"/>
+                </a:solidFill>
+                <a:latin typeface="+mn-lt"/>
+                <a:ea typeface="+mn-ea"/>
+                <a:cs typeface="+mn-cs"/>
+              </a:defRPr>
+            </a:lvl8pPr>
+            <a:lvl9pPr marL="3886200" indent="-228600" algn="l" defTabSz="914400" rtl="0" eaLnBrk="1" latinLnBrk="1" hangingPunct="1">
+              <a:lnSpc>
+                <a:spcPct val="90000"/>
+              </a:lnSpc>
+              <a:spcBef>
+                <a:spcPts val="500"/>
+              </a:spcBef>
+              <a:buFont typeface="Arial" panose="020B0604020202020204" pitchFamily="34" charset="0"/>
+              <a:buChar char="•"/>
+              <a:defRPr sz="1800" kern="1200">
+                <a:solidFill>
+                  <a:schemeClr val="tx1"/>
+                </a:solidFill>
+                <a:latin typeface="+mn-lt"/>
+                <a:ea typeface="+mn-ea"/>
+                <a:cs typeface="+mn-cs"/>
+              </a:defRPr>
+            </a:lvl9pPr>
+          </a:lstStyle>
+          <a:p>
+            <a:pPr>
+              <a:lnSpc>
+                <a:spcPct val="150000"/>
+              </a:lnSpc>
+              <a:buFont typeface="Wingdings" panose="05000000000000000000" pitchFamily="2" charset="2"/>
+              <a:buChar char="§"/>
+            </a:pPr>
+            <a:r>
+              <a:rPr lang="ko-KR" altLang="en-US" sz="2000" b="1" dirty="0" smtClean="0">
+                <a:solidFill>
+                  <a:srgbClr val="C00000"/>
+                </a:solidFill>
+              </a:rPr>
+              <a:t>객체 배열</a:t>
+            </a:r>
+            <a:endParaRPr lang="en-US" altLang="ko-KR" sz="2000" b="1" dirty="0" smtClean="0">
+              <a:solidFill>
+                <a:srgbClr val="C00000"/>
+              </a:solidFill>
+            </a:endParaRPr>
+          </a:p>
+        </p:txBody>
+      </p:sp>
+      <p:sp>
+        <p:nvSpPr>
+          <p:cNvPr id="24" name="TextBox 23"/>
+          <p:cNvSpPr txBox="1"/>
+          <p:nvPr/>
+        </p:nvSpPr>
+        <p:spPr>
+          <a:xfrm>
+            <a:off x="1136576" y="1575597"/>
+            <a:ext cx="7848872" cy="923330"/>
+          </a:xfrm>
+          <a:prstGeom prst="rect">
+            <a:avLst/>
+          </a:prstGeom>
+          <a:noFill/>
+        </p:spPr>
+        <p:txBody>
+          <a:bodyPr wrap="square" rtlCol="0">
+            <a:spAutoFit/>
+          </a:bodyPr>
+          <a:lstStyle/>
+          <a:p>
+            <a:pPr>
+              <a:lnSpc>
+                <a:spcPct val="150000"/>
+              </a:lnSpc>
+            </a:pPr>
+            <a:r>
+              <a:rPr lang="ko-KR" altLang="en-US" dirty="0" smtClean="0"/>
+              <a:t>동일한 기본 </a:t>
+            </a:r>
+            <a:r>
+              <a:rPr lang="ko-KR" altLang="en-US" dirty="0" err="1" smtClean="0"/>
+              <a:t>자료형</a:t>
+            </a:r>
+            <a:r>
+              <a:rPr lang="en-US" altLang="ko-KR" dirty="0" smtClean="0"/>
+              <a:t>(</a:t>
+            </a:r>
+            <a:r>
+              <a:rPr lang="en-US" altLang="ko-KR" dirty="0" err="1" smtClean="0"/>
+              <a:t>int</a:t>
+            </a:r>
+            <a:r>
+              <a:rPr lang="en-US" altLang="ko-KR" dirty="0" smtClean="0"/>
+              <a:t> </a:t>
+            </a:r>
+            <a:r>
+              <a:rPr lang="ko-KR" altLang="en-US" dirty="0" smtClean="0"/>
+              <a:t>등</a:t>
+            </a:r>
+            <a:r>
+              <a:rPr lang="en-US" altLang="ko-KR" dirty="0" smtClean="0"/>
+              <a:t>) </a:t>
+            </a:r>
+            <a:r>
+              <a:rPr lang="ko-KR" altLang="en-US" dirty="0" smtClean="0"/>
+              <a:t>변수 여러 개를 배열로 사용할 수 있듯이 참조 </a:t>
+            </a:r>
+            <a:r>
+              <a:rPr lang="ko-KR" altLang="en-US" dirty="0" err="1" smtClean="0"/>
+              <a:t>자료형</a:t>
+            </a:r>
+            <a:r>
+              <a:rPr lang="ko-KR" altLang="en-US" dirty="0" smtClean="0"/>
+              <a:t> 변수도 여러 개를 배열로 사용할 수 있다</a:t>
+            </a:r>
+            <a:r>
+              <a:rPr lang="en-US" altLang="ko-KR" dirty="0" smtClean="0"/>
+              <a:t>.</a:t>
+            </a:r>
+            <a:endParaRPr lang="ko-KR" altLang="en-US" dirty="0"/>
+          </a:p>
+        </p:txBody>
+      </p:sp>
+      <p:pic>
+        <p:nvPicPr>
+          <p:cNvPr id="2" name="그림 1"/>
+          <p:cNvPicPr>
+            <a:picLocks noChangeAspect="1"/>
+          </p:cNvPicPr>
+          <p:nvPr/>
+        </p:nvPicPr>
+        <p:blipFill>
+          <a:blip r:embed="rId2">
+            <a:extLst>
+              <a:ext uri="{28A0092B-C50C-407E-A947-70E740481C1C}">
+                <a14:useLocalDpi xmlns:a14="http://schemas.microsoft.com/office/drawing/2010/main" val="0"/>
+              </a:ext>
+            </a:extLst>
+          </a:blip>
+          <a:stretch>
+            <a:fillRect/>
+          </a:stretch>
+        </p:blipFill>
+        <p:spPr>
+          <a:xfrm>
+            <a:off x="2000672" y="2636912"/>
+            <a:ext cx="5086326" cy="3312368"/>
+          </a:xfrm>
+          <a:prstGeom prst="rect">
+            <a:avLst/>
+          </a:prstGeom>
+          <a:ln>
+            <a:solidFill>
+              <a:schemeClr val="bg1">
+                <a:lumMod val="75000"/>
+              </a:schemeClr>
+            </a:solidFill>
+          </a:ln>
+        </p:spPr>
+      </p:pic>
+    </p:spTree>
+    <p:extLst>
+      <p:ext uri="{BB962C8B-B14F-4D97-AF65-F5344CB8AC3E}">
+        <p14:creationId xmlns:p14="http://schemas.microsoft.com/office/powerpoint/2010/main" val="2387636528"/>
+      </p:ext>
+    </p:extLst>
+  </p:cSld>
+  <p:clrMapOvr>
+    <a:masterClrMapping/>
+  </p:clrMapOvr>
+  <p:timing>
+    <p:tnLst>
+      <p:par>
+        <p:cTn id="1" dur="indefinite" restart="never" nodeType="tmRoot"/>
+      </p:par>
+    </p:tnLst>
+  </p:timing>
+</p:sld>
+</file>
+
+<file path=ppt/slides/slide4.xml><?xml version="1.0" encoding="utf-8"?>
+<p:sld xmlns:a="http://schemas.openxmlformats.org/drawingml/2006/main" xmlns:r="http://schemas.openxmlformats.org/officeDocument/2006/relationships" xmlns:p="http://schemas.openxmlformats.org/presentationml/2006/main">
+  <p:cSld>
+    <p:spTree>
+      <p:nvGrpSpPr>
+        <p:cNvPr id="1" name=""/>
+        <p:cNvGrpSpPr/>
+        <p:nvPr/>
+      </p:nvGrpSpPr>
+      <p:grpSpPr>
+        <a:xfrm>
+          <a:off x="0" y="0"/>
+          <a:ext cx="0" cy="0"/>
+          <a:chOff x="0" y="0"/>
+          <a:chExt cx="0" cy="0"/>
+        </a:xfrm>
+      </p:grpSpPr>
+      <p:sp>
+        <p:nvSpPr>
+          <p:cNvPr id="6" name="제목 5"/>
+          <p:cNvSpPr>
+            <a:spLocks noGrp="1"/>
+          </p:cNvSpPr>
+          <p:nvPr>
+            <p:ph type="title"/>
+          </p:nvPr>
+        </p:nvSpPr>
+        <p:spPr/>
+        <p:txBody>
+          <a:bodyPr/>
+          <a:lstStyle/>
+          <a:p>
+            <a:r>
+              <a:rPr lang="en-US" altLang="ko-KR" dirty="0" smtClean="0"/>
+              <a:t> </a:t>
+            </a:r>
+            <a:r>
+              <a:rPr lang="ko-KR" altLang="en-US" dirty="0" smtClean="0"/>
+              <a:t>객체 배열</a:t>
+            </a:r>
+            <a:endParaRPr lang="ko-KR" altLang="en-US" dirty="0"/>
+          </a:p>
+        </p:txBody>
+      </p:sp>
+      <p:sp>
+        <p:nvSpPr>
+          <p:cNvPr id="5" name="슬라이드 번호 개체 틀 4"/>
+          <p:cNvSpPr>
+            <a:spLocks noGrp="1"/>
+          </p:cNvSpPr>
+          <p:nvPr>
+            <p:ph type="sldNum" sz="quarter" idx="12"/>
+          </p:nvPr>
+        </p:nvSpPr>
+        <p:spPr/>
+        <p:txBody>
+          <a:bodyPr/>
+          <a:lstStyle/>
+          <a:p>
+            <a:fld id="{1BDE3FE7-3AEA-4B05-AC5A-802D1816ACF0}" type="slidenum">
+              <a:rPr lang="ko-KR" altLang="en-US" smtClean="0"/>
+              <a:t>4</a:t>
+            </a:fld>
+            <a:endParaRPr lang="ko-KR" altLang="en-US"/>
+          </a:p>
+        </p:txBody>
+      </p:sp>
+      <p:sp>
+        <p:nvSpPr>
+          <p:cNvPr id="7" name="내용 개체 틀 2">
+            <a:extLst>
+              <a:ext uri="{FF2B5EF4-FFF2-40B4-BE49-F238E27FC236}">
+                <a16:creationId xmlns:a16="http://schemas.microsoft.com/office/drawing/2014/main" id="{98AF3A4E-7D90-4241-89FE-799D6F9D5A94}"/>
               </a:ext>
             </a:extLst>
           </p:cNvPr>
@@ -12329,11 +14410,41 @@
                 <a:tableStyleId>{5940675A-B579-460E-94D1-54222C63F5DA}</a:tableStyleId>
               </a:tblPr>
               <a:tblGrid>
-                <a:gridCol w="1382457"/>
-                <a:gridCol w="1382457"/>
-                <a:gridCol w="1382457"/>
-                <a:gridCol w="1382457"/>
-                <a:gridCol w="1382457"/>
+                <a:gridCol w="1382457">
+                  <a:extLst>
+                    <a:ext uri="{9D8B030D-6E8A-4147-A177-3AD203B41FA5}">
+                      <a16:colId xmlns:a16="http://schemas.microsoft.com/office/drawing/2014/main" val="20000"/>
+                    </a:ext>
+                  </a:extLst>
+                </a:gridCol>
+                <a:gridCol w="1382457">
+                  <a:extLst>
+                    <a:ext uri="{9D8B030D-6E8A-4147-A177-3AD203B41FA5}">
+                      <a16:colId xmlns:a16="http://schemas.microsoft.com/office/drawing/2014/main" val="20001"/>
+                    </a:ext>
+                  </a:extLst>
+                </a:gridCol>
+                <a:gridCol w="1382457">
+                  <a:extLst>
+                    <a:ext uri="{9D8B030D-6E8A-4147-A177-3AD203B41FA5}">
+                      <a16:colId xmlns:a16="http://schemas.microsoft.com/office/drawing/2014/main" val="20002"/>
+                    </a:ext>
+                  </a:extLst>
+                </a:gridCol>
+                <a:gridCol w="1382457">
+                  <a:extLst>
+                    <a:ext uri="{9D8B030D-6E8A-4147-A177-3AD203B41FA5}">
+                      <a16:colId xmlns:a16="http://schemas.microsoft.com/office/drawing/2014/main" val="20003"/>
+                    </a:ext>
+                  </a:extLst>
+                </a:gridCol>
+                <a:gridCol w="1382457">
+                  <a:extLst>
+                    <a:ext uri="{9D8B030D-6E8A-4147-A177-3AD203B41FA5}">
+                      <a16:colId xmlns:a16="http://schemas.microsoft.com/office/drawing/2014/main" val="20004"/>
+                    </a:ext>
+                  </a:extLst>
+                </a:gridCol>
               </a:tblGrid>
               <a:tr h="542336">
                 <a:tc>
@@ -12419,6 +14530,11 @@
                   </a:txBody>
                   <a:tcPr anchor="ctr"/>
                 </a:tc>
+                <a:extLst>
+                  <a:ext uri="{0D108BD9-81ED-4DB2-BD59-A6C34878D82A}">
+                    <a16:rowId xmlns:a16="http://schemas.microsoft.com/office/drawing/2014/main" val="10000"/>
+                  </a:ext>
+                </a:extLst>
               </a:tr>
             </a:tbl>
           </a:graphicData>
@@ -12652,7 +14768,7 @@
 </p:sld>
 </file>
 
-<file path=ppt/slides/slide4.xml><?xml version="1.0" encoding="utf-8"?>
+<file path=ppt/slides/slide5.xml><?xml version="1.0" encoding="utf-8"?>
 <p:sld xmlns:a="http://schemas.openxmlformats.org/drawingml/2006/main" xmlns:r="http://schemas.openxmlformats.org/officeDocument/2006/relationships" xmlns:p="http://schemas.openxmlformats.org/presentationml/2006/main">
   <p:cSld>
     <p:spTree>
@@ -12713,7 +14829,7 @@
           <a:p>
             <a:fld id="{1BDE3FE7-3AEA-4B05-AC5A-802D1816ACF0}" type="slidenum">
               <a:rPr lang="ko-KR" altLang="en-US" smtClean="0"/>
-              <a:t>4</a:t>
+              <a:t>5</a:t>
             </a:fld>
             <a:endParaRPr lang="ko-KR" altLang="en-US"/>
           </a:p>
@@ -12744,11 +14860,41 @@
                 <a:tableStyleId>{5940675A-B579-460E-94D1-54222C63F5DA}</a:tableStyleId>
               </a:tblPr>
               <a:tblGrid>
-                <a:gridCol w="1361471"/>
-                <a:gridCol w="1361471"/>
-                <a:gridCol w="1361471"/>
-                <a:gridCol w="1361471"/>
-                <a:gridCol w="1361471"/>
+                <a:gridCol w="1361471">
+                  <a:extLst>
+                    <a:ext uri="{9D8B030D-6E8A-4147-A177-3AD203B41FA5}">
+                      <a16:colId xmlns:a16="http://schemas.microsoft.com/office/drawing/2014/main" val="20000"/>
+                    </a:ext>
+                  </a:extLst>
+                </a:gridCol>
+                <a:gridCol w="1361471">
+                  <a:extLst>
+                    <a:ext uri="{9D8B030D-6E8A-4147-A177-3AD203B41FA5}">
+                      <a16:colId xmlns:a16="http://schemas.microsoft.com/office/drawing/2014/main" val="20001"/>
+                    </a:ext>
+                  </a:extLst>
+                </a:gridCol>
+                <a:gridCol w="1361471">
+                  <a:extLst>
+                    <a:ext uri="{9D8B030D-6E8A-4147-A177-3AD203B41FA5}">
+                      <a16:colId xmlns:a16="http://schemas.microsoft.com/office/drawing/2014/main" val="20002"/>
+                    </a:ext>
+                  </a:extLst>
+                </a:gridCol>
+                <a:gridCol w="1361471">
+                  <a:extLst>
+                    <a:ext uri="{9D8B030D-6E8A-4147-A177-3AD203B41FA5}">
+                      <a16:colId xmlns:a16="http://schemas.microsoft.com/office/drawing/2014/main" val="20003"/>
+                    </a:ext>
+                  </a:extLst>
+                </a:gridCol>
+                <a:gridCol w="1361471">
+                  <a:extLst>
+                    <a:ext uri="{9D8B030D-6E8A-4147-A177-3AD203B41FA5}">
+                      <a16:colId xmlns:a16="http://schemas.microsoft.com/office/drawing/2014/main" val="20004"/>
+                    </a:ext>
+                  </a:extLst>
+                </a:gridCol>
               </a:tblGrid>
               <a:tr h="396912">
                 <a:tc>
@@ -12810,6 +14956,11 @@
                   </a:txBody>
                   <a:tcPr anchor="ctr"/>
                 </a:tc>
+                <a:extLst>
+                  <a:ext uri="{0D108BD9-81ED-4DB2-BD59-A6C34878D82A}">
+                    <a16:rowId xmlns:a16="http://schemas.microsoft.com/office/drawing/2014/main" val="10000"/>
+                  </a:ext>
+                </a:extLst>
               </a:tr>
             </a:tbl>
           </a:graphicData>
@@ -13498,7 +15649,7 @@
 </p:sld>
 </file>
 
-<file path=ppt/slides/slide5.xml><?xml version="1.0" encoding="utf-8"?>
+<file path=ppt/slides/slide6.xml><?xml version="1.0" encoding="utf-8"?>
 <p:sld xmlns:a="http://schemas.openxmlformats.org/drawingml/2006/main" xmlns:r="http://schemas.openxmlformats.org/officeDocument/2006/relationships" xmlns:p="http://schemas.openxmlformats.org/presentationml/2006/main">
   <p:cSld>
     <p:spTree>
@@ -13559,7 +15710,7 @@
           <a:p>
             <a:fld id="{1BDE3FE7-3AEA-4B05-AC5A-802D1816ACF0}" type="slidenum">
               <a:rPr lang="ko-KR" altLang="en-US" smtClean="0"/>
-              <a:t>5</a:t>
+              <a:t>6</a:t>
             </a:fld>
             <a:endParaRPr lang="ko-KR" altLang="en-US"/>
           </a:p>
@@ -13570,7 +15721,7 @@
           <p:cNvPr id="7" name="내용 개체 틀 2">
             <a:extLst>
               <a:ext uri="{FF2B5EF4-FFF2-40B4-BE49-F238E27FC236}">
-                <a16:creationId xmlns:a16="http://schemas.microsoft.com/office/drawing/2014/main" xmlns="" id="{98AF3A4E-7D90-4241-89FE-799D6F9D5A94}"/>
+                <a16:creationId xmlns:a16="http://schemas.microsoft.com/office/drawing/2014/main" id="{98AF3A4E-7D90-4241-89FE-799D6F9D5A94}"/>
               </a:ext>
             </a:extLst>
           </p:cNvPr>
@@ -13843,7 +15994,7 @@
 </p:sld>
 </file>
 
-<file path=ppt/slides/slide6.xml><?xml version="1.0" encoding="utf-8"?>
+<file path=ppt/slides/slide7.xml><?xml version="1.0" encoding="utf-8"?>
 <p:sld xmlns:a="http://schemas.openxmlformats.org/drawingml/2006/main" xmlns:r="http://schemas.openxmlformats.org/officeDocument/2006/relationships" xmlns:p="http://schemas.openxmlformats.org/presentationml/2006/main">
   <p:cSld>
     <p:spTree>
@@ -13912,7 +16063,7 @@
           <a:p>
             <a:fld id="{1BDE3FE7-3AEA-4B05-AC5A-802D1816ACF0}" type="slidenum">
               <a:rPr lang="ko-KR" altLang="en-US" smtClean="0"/>
-              <a:t>6</a:t>
+              <a:t>7</a:t>
             </a:fld>
             <a:endParaRPr lang="ko-KR" altLang="en-US"/>
           </a:p>
@@ -13923,7 +16074,7 @@
           <p:cNvPr id="7" name="내용 개체 틀 2">
             <a:extLst>
               <a:ext uri="{FF2B5EF4-FFF2-40B4-BE49-F238E27FC236}">
-                <a16:creationId xmlns:a16="http://schemas.microsoft.com/office/drawing/2014/main" xmlns="" id="{98AF3A4E-7D90-4241-89FE-799D6F9D5A94}"/>
+                <a16:creationId xmlns:a16="http://schemas.microsoft.com/office/drawing/2014/main" id="{98AF3A4E-7D90-4241-89FE-799D6F9D5A94}"/>
               </a:ext>
             </a:extLst>
           </p:cNvPr>
@@ -14159,9 +16310,27 @@
                 <a:tableStyleId>{5940675A-B579-460E-94D1-54222C63F5DA}</a:tableStyleId>
               </a:tblPr>
               <a:tblGrid>
-                <a:gridCol w="1604354"/>
-                <a:gridCol w="1604354"/>
-                <a:gridCol w="1604354"/>
+                <a:gridCol w="1604354">
+                  <a:extLst>
+                    <a:ext uri="{9D8B030D-6E8A-4147-A177-3AD203B41FA5}">
+                      <a16:colId xmlns:a16="http://schemas.microsoft.com/office/drawing/2014/main" val="20000"/>
+                    </a:ext>
+                  </a:extLst>
+                </a:gridCol>
+                <a:gridCol w="1604354">
+                  <a:extLst>
+                    <a:ext uri="{9D8B030D-6E8A-4147-A177-3AD203B41FA5}">
+                      <a16:colId xmlns:a16="http://schemas.microsoft.com/office/drawing/2014/main" val="20001"/>
+                    </a:ext>
+                  </a:extLst>
+                </a:gridCol>
+                <a:gridCol w="1604354">
+                  <a:extLst>
+                    <a:ext uri="{9D8B030D-6E8A-4147-A177-3AD203B41FA5}">
+                      <a16:colId xmlns:a16="http://schemas.microsoft.com/office/drawing/2014/main" val="20002"/>
+                    </a:ext>
+                  </a:extLst>
+                </a:gridCol>
               </a:tblGrid>
               <a:tr h="396912">
                 <a:tc>
@@ -14201,6 +16370,11 @@
                   </a:txBody>
                   <a:tcPr anchor="ctr"/>
                 </a:tc>
+                <a:extLst>
+                  <a:ext uri="{0D108BD9-81ED-4DB2-BD59-A6C34878D82A}">
+                    <a16:rowId xmlns:a16="http://schemas.microsoft.com/office/drawing/2014/main" val="10000"/>
+                  </a:ext>
+                </a:extLst>
               </a:tr>
             </a:tbl>
           </a:graphicData>
@@ -14605,9 +16779,27 @@
                 <a:tableStyleId>{5940675A-B579-460E-94D1-54222C63F5DA}</a:tableStyleId>
               </a:tblPr>
               <a:tblGrid>
-                <a:gridCol w="1604354"/>
-                <a:gridCol w="1604354"/>
-                <a:gridCol w="1604354"/>
+                <a:gridCol w="1604354">
+                  <a:extLst>
+                    <a:ext uri="{9D8B030D-6E8A-4147-A177-3AD203B41FA5}">
+                      <a16:colId xmlns:a16="http://schemas.microsoft.com/office/drawing/2014/main" val="20000"/>
+                    </a:ext>
+                  </a:extLst>
+                </a:gridCol>
+                <a:gridCol w="1604354">
+                  <a:extLst>
+                    <a:ext uri="{9D8B030D-6E8A-4147-A177-3AD203B41FA5}">
+                      <a16:colId xmlns:a16="http://schemas.microsoft.com/office/drawing/2014/main" val="20001"/>
+                    </a:ext>
+                  </a:extLst>
+                </a:gridCol>
+                <a:gridCol w="1604354">
+                  <a:extLst>
+                    <a:ext uri="{9D8B030D-6E8A-4147-A177-3AD203B41FA5}">
+                      <a16:colId xmlns:a16="http://schemas.microsoft.com/office/drawing/2014/main" val="20002"/>
+                    </a:ext>
+                  </a:extLst>
+                </a:gridCol>
               </a:tblGrid>
               <a:tr h="396912">
                 <a:tc>
@@ -14647,6 +16839,11 @@
                   </a:txBody>
                   <a:tcPr anchor="ctr"/>
                 </a:tc>
+                <a:extLst>
+                  <a:ext uri="{0D108BD9-81ED-4DB2-BD59-A6C34878D82A}">
+                    <a16:rowId xmlns:a16="http://schemas.microsoft.com/office/drawing/2014/main" val="10000"/>
+                  </a:ext>
+                </a:extLst>
               </a:tr>
             </a:tbl>
           </a:graphicData>
@@ -14873,7 +17070,7 @@
 </p:sld>
 </file>
 
-<file path=ppt/slides/slide7.xml><?xml version="1.0" encoding="utf-8"?>
+<file path=ppt/slides/slide8.xml><?xml version="1.0" encoding="utf-8"?>
 <p:sld xmlns:a="http://schemas.openxmlformats.org/drawingml/2006/main" xmlns:r="http://schemas.openxmlformats.org/officeDocument/2006/relationships" xmlns:p="http://schemas.openxmlformats.org/presentationml/2006/main">
   <p:cSld>
     <p:spTree>
@@ -14941,7 +17138,7 @@
           <a:p>
             <a:fld id="{1BDE3FE7-3AEA-4B05-AC5A-802D1816ACF0}" type="slidenum">
               <a:rPr lang="ko-KR" altLang="en-US" smtClean="0"/>
-              <a:t>7</a:t>
+              <a:t>8</a:t>
             </a:fld>
             <a:endParaRPr lang="ko-KR" altLang="en-US"/>
           </a:p>
@@ -14952,7 +17149,7 @@
           <p:cNvPr id="7" name="내용 개체 틀 2">
             <a:extLst>
               <a:ext uri="{FF2B5EF4-FFF2-40B4-BE49-F238E27FC236}">
-                <a16:creationId xmlns:a16="http://schemas.microsoft.com/office/drawing/2014/main" xmlns="" id="{98AF3A4E-7D90-4241-89FE-799D6F9D5A94}"/>
+                <a16:creationId xmlns:a16="http://schemas.microsoft.com/office/drawing/2014/main" id="{98AF3A4E-7D90-4241-89FE-799D6F9D5A94}"/>
               </a:ext>
             </a:extLst>
           </p:cNvPr>
@@ -15266,7 +17463,7 @@
 </p:sld>
 </file>
 
-<file path=ppt/slides/slide8.xml><?xml version="1.0" encoding="utf-8"?>
+<file path=ppt/slides/slide9.xml><?xml version="1.0" encoding="utf-8"?>
 <p:sld xmlns:a="http://schemas.openxmlformats.org/drawingml/2006/main" xmlns:r="http://schemas.openxmlformats.org/officeDocument/2006/relationships" xmlns:p="http://schemas.openxmlformats.org/presentationml/2006/main">
   <p:cSld>
     <p:spTree>
@@ -15334,7 +17531,7 @@
           <a:p>
             <a:fld id="{1BDE3FE7-3AEA-4B05-AC5A-802D1816ACF0}" type="slidenum">
               <a:rPr lang="ko-KR" altLang="en-US" smtClean="0"/>
-              <a:t>8</a:t>
+              <a:t>9</a:t>
             </a:fld>
             <a:endParaRPr lang="ko-KR" altLang="en-US"/>
           </a:p>
@@ -15345,7 +17542,7 @@
           <p:cNvPr id="7" name="내용 개체 틀 2">
             <a:extLst>
               <a:ext uri="{FF2B5EF4-FFF2-40B4-BE49-F238E27FC236}">
-                <a16:creationId xmlns:a16="http://schemas.microsoft.com/office/drawing/2014/main" xmlns="" id="{98AF3A4E-7D90-4241-89FE-799D6F9D5A94}"/>
+                <a16:creationId xmlns:a16="http://schemas.microsoft.com/office/drawing/2014/main" id="{98AF3A4E-7D90-4241-89FE-799D6F9D5A94}"/>
               </a:ext>
             </a:extLst>
           </p:cNvPr>
@@ -15631,1201 +17828,6 @@
     <p:extLst>
       <p:ext uri="{BB962C8B-B14F-4D97-AF65-F5344CB8AC3E}">
         <p14:creationId xmlns:p14="http://schemas.microsoft.com/office/powerpoint/2010/main" val="3895660654"/>
-      </p:ext>
-    </p:extLst>
-  </p:cSld>
-  <p:clrMapOvr>
-    <a:masterClrMapping/>
-  </p:clrMapOvr>
-  <p:timing>
-    <p:tnLst>
-      <p:par>
-        <p:cTn id="1" dur="indefinite" restart="never" nodeType="tmRoot"/>
-      </p:par>
-    </p:tnLst>
-  </p:timing>
-</p:sld>
-</file>
-
-<file path=ppt/slides/slide9.xml><?xml version="1.0" encoding="utf-8"?>
-<p:sld xmlns:a="http://schemas.openxmlformats.org/drawingml/2006/main" xmlns:r="http://schemas.openxmlformats.org/officeDocument/2006/relationships" xmlns:p="http://schemas.openxmlformats.org/presentationml/2006/main">
-  <p:cSld>
-    <p:spTree>
-      <p:nvGrpSpPr>
-        <p:cNvPr id="1" name=""/>
-        <p:cNvGrpSpPr/>
-        <p:nvPr/>
-      </p:nvGrpSpPr>
-      <p:grpSpPr>
-        <a:xfrm>
-          <a:off x="0" y="0"/>
-          <a:ext cx="0" cy="0"/>
-          <a:chOff x="0" y="0"/>
-          <a:chExt cx="0" cy="0"/>
-        </a:xfrm>
-      </p:grpSpPr>
-      <p:sp>
-        <p:nvSpPr>
-          <p:cNvPr id="6" name="제목 5"/>
-          <p:cNvSpPr>
-            <a:spLocks noGrp="1"/>
-          </p:cNvSpPr>
-          <p:nvPr>
-            <p:ph type="title"/>
-          </p:nvPr>
-        </p:nvSpPr>
-        <p:spPr/>
-        <p:txBody>
-          <a:bodyPr/>
-          <a:lstStyle/>
-          <a:p>
-            <a:r>
-              <a:rPr lang="en-US" altLang="ko-KR" dirty="0" smtClean="0"/>
-              <a:t> </a:t>
-            </a:r>
-            <a:r>
-              <a:rPr lang="ko-KR" altLang="en-US" dirty="0" smtClean="0"/>
-              <a:t>객체 배열 </a:t>
-            </a:r>
-            <a:r>
-              <a:rPr lang="en-US" altLang="ko-KR" dirty="0"/>
-              <a:t>– </a:t>
-            </a:r>
-            <a:r>
-              <a:rPr lang="ko-KR" altLang="en-US" dirty="0" smtClean="0"/>
-              <a:t>깊은 </a:t>
-            </a:r>
-            <a:r>
-              <a:rPr lang="ko-KR" altLang="en-US" dirty="0"/>
-              <a:t>복사</a:t>
-            </a:r>
-          </a:p>
-        </p:txBody>
-      </p:sp>
-      <p:sp>
-        <p:nvSpPr>
-          <p:cNvPr id="5" name="슬라이드 번호 개체 틀 4"/>
-          <p:cNvSpPr>
-            <a:spLocks noGrp="1"/>
-          </p:cNvSpPr>
-          <p:nvPr>
-            <p:ph type="sldNum" sz="quarter" idx="12"/>
-          </p:nvPr>
-        </p:nvSpPr>
-        <p:spPr/>
-        <p:txBody>
-          <a:bodyPr/>
-          <a:lstStyle/>
-          <a:p>
-            <a:fld id="{1BDE3FE7-3AEA-4B05-AC5A-802D1816ACF0}" type="slidenum">
-              <a:rPr lang="ko-KR" altLang="en-US" smtClean="0"/>
-              <a:t>9</a:t>
-            </a:fld>
-            <a:endParaRPr lang="ko-KR" altLang="en-US"/>
-          </a:p>
-        </p:txBody>
-      </p:sp>
-      <p:sp>
-        <p:nvSpPr>
-          <p:cNvPr id="7" name="내용 개체 틀 2">
-            <a:extLst>
-              <a:ext uri="{FF2B5EF4-FFF2-40B4-BE49-F238E27FC236}">
-                <a16:creationId xmlns:a16="http://schemas.microsoft.com/office/drawing/2014/main" xmlns="" id="{98AF3A4E-7D90-4241-89FE-799D6F9D5A94}"/>
-              </a:ext>
-            </a:extLst>
-          </p:cNvPr>
-          <p:cNvSpPr txBox="1">
-            <a:spLocks/>
-          </p:cNvSpPr>
-          <p:nvPr/>
-        </p:nvSpPr>
-        <p:spPr>
-          <a:xfrm>
-            <a:off x="1130218" y="1162780"/>
-            <a:ext cx="5190934" cy="610036"/>
-          </a:xfrm>
-          <a:prstGeom prst="rect">
-            <a:avLst/>
-          </a:prstGeom>
-        </p:spPr>
-        <p:txBody>
-          <a:bodyPr/>
-          <a:lstStyle>
-            <a:lvl1pPr marL="228600" indent="-228600" algn="l" defTabSz="914400" rtl="0" eaLnBrk="1" latinLnBrk="1" hangingPunct="1">
-              <a:lnSpc>
-                <a:spcPct val="90000"/>
-              </a:lnSpc>
-              <a:spcBef>
-                <a:spcPts val="1000"/>
-              </a:spcBef>
-              <a:buFont typeface="Arial" panose="020B0604020202020204" pitchFamily="34" charset="0"/>
-              <a:buChar char="•"/>
-              <a:defRPr sz="2800" kern="1200">
-                <a:solidFill>
-                  <a:schemeClr val="tx1"/>
-                </a:solidFill>
-                <a:latin typeface="+mn-lt"/>
-                <a:ea typeface="+mn-ea"/>
-                <a:cs typeface="+mn-cs"/>
-              </a:defRPr>
-            </a:lvl1pPr>
-            <a:lvl2pPr marL="685800" indent="-228600" algn="l" defTabSz="914400" rtl="0" eaLnBrk="1" latinLnBrk="1" hangingPunct="1">
-              <a:lnSpc>
-                <a:spcPct val="90000"/>
-              </a:lnSpc>
-              <a:spcBef>
-                <a:spcPts val="500"/>
-              </a:spcBef>
-              <a:buFont typeface="Arial" panose="020B0604020202020204" pitchFamily="34" charset="0"/>
-              <a:buChar char="•"/>
-              <a:defRPr sz="2400" kern="1200">
-                <a:solidFill>
-                  <a:schemeClr val="tx1"/>
-                </a:solidFill>
-                <a:latin typeface="+mn-lt"/>
-                <a:ea typeface="+mn-ea"/>
-                <a:cs typeface="+mn-cs"/>
-              </a:defRPr>
-            </a:lvl2pPr>
-            <a:lvl3pPr marL="1143000" indent="-228600" algn="l" defTabSz="914400" rtl="0" eaLnBrk="1" latinLnBrk="1" hangingPunct="1">
-              <a:lnSpc>
-                <a:spcPct val="90000"/>
-              </a:lnSpc>
-              <a:spcBef>
-                <a:spcPts val="500"/>
-              </a:spcBef>
-              <a:buFont typeface="Arial" panose="020B0604020202020204" pitchFamily="34" charset="0"/>
-              <a:buChar char="•"/>
-              <a:defRPr sz="2000" kern="1200">
-                <a:solidFill>
-                  <a:schemeClr val="tx1"/>
-                </a:solidFill>
-                <a:latin typeface="+mn-lt"/>
-                <a:ea typeface="+mn-ea"/>
-                <a:cs typeface="+mn-cs"/>
-              </a:defRPr>
-            </a:lvl3pPr>
-            <a:lvl4pPr marL="1600200" indent="-228600" algn="l" defTabSz="914400" rtl="0" eaLnBrk="1" latinLnBrk="1" hangingPunct="1">
-              <a:lnSpc>
-                <a:spcPct val="90000"/>
-              </a:lnSpc>
-              <a:spcBef>
-                <a:spcPts val="500"/>
-              </a:spcBef>
-              <a:buFont typeface="Arial" panose="020B0604020202020204" pitchFamily="34" charset="0"/>
-              <a:buChar char="•"/>
-              <a:defRPr sz="1800" kern="1200">
-                <a:solidFill>
-                  <a:schemeClr val="tx1"/>
-                </a:solidFill>
-                <a:latin typeface="+mn-lt"/>
-                <a:ea typeface="+mn-ea"/>
-                <a:cs typeface="+mn-cs"/>
-              </a:defRPr>
-            </a:lvl4pPr>
-            <a:lvl5pPr marL="2057400" indent="-228600" algn="l" defTabSz="914400" rtl="0" eaLnBrk="1" latinLnBrk="1" hangingPunct="1">
-              <a:lnSpc>
-                <a:spcPct val="90000"/>
-              </a:lnSpc>
-              <a:spcBef>
-                <a:spcPts val="500"/>
-              </a:spcBef>
-              <a:buFont typeface="Arial" panose="020B0604020202020204" pitchFamily="34" charset="0"/>
-              <a:buChar char="•"/>
-              <a:defRPr sz="1800" kern="1200">
-                <a:solidFill>
-                  <a:schemeClr val="tx1"/>
-                </a:solidFill>
-                <a:latin typeface="+mn-lt"/>
-                <a:ea typeface="+mn-ea"/>
-                <a:cs typeface="+mn-cs"/>
-              </a:defRPr>
-            </a:lvl5pPr>
-            <a:lvl6pPr marL="2514600" indent="-228600" algn="l" defTabSz="914400" rtl="0" eaLnBrk="1" latinLnBrk="1" hangingPunct="1">
-              <a:lnSpc>
-                <a:spcPct val="90000"/>
-              </a:lnSpc>
-              <a:spcBef>
-                <a:spcPts val="500"/>
-              </a:spcBef>
-              <a:buFont typeface="Arial" panose="020B0604020202020204" pitchFamily="34" charset="0"/>
-              <a:buChar char="•"/>
-              <a:defRPr sz="1800" kern="1200">
-                <a:solidFill>
-                  <a:schemeClr val="tx1"/>
-                </a:solidFill>
-                <a:latin typeface="+mn-lt"/>
-                <a:ea typeface="+mn-ea"/>
-                <a:cs typeface="+mn-cs"/>
-              </a:defRPr>
-            </a:lvl6pPr>
-            <a:lvl7pPr marL="2971800" indent="-228600" algn="l" defTabSz="914400" rtl="0" eaLnBrk="1" latinLnBrk="1" hangingPunct="1">
-              <a:lnSpc>
-                <a:spcPct val="90000"/>
-              </a:lnSpc>
-              <a:spcBef>
-                <a:spcPts val="500"/>
-              </a:spcBef>
-              <a:buFont typeface="Arial" panose="020B0604020202020204" pitchFamily="34" charset="0"/>
-              <a:buChar char="•"/>
-              <a:defRPr sz="1800" kern="1200">
-                <a:solidFill>
-                  <a:schemeClr val="tx1"/>
-                </a:solidFill>
-                <a:latin typeface="+mn-lt"/>
-                <a:ea typeface="+mn-ea"/>
-                <a:cs typeface="+mn-cs"/>
-              </a:defRPr>
-            </a:lvl7pPr>
-            <a:lvl8pPr marL="3429000" indent="-228600" algn="l" defTabSz="914400" rtl="0" eaLnBrk="1" latinLnBrk="1" hangingPunct="1">
-              <a:lnSpc>
-                <a:spcPct val="90000"/>
-              </a:lnSpc>
-              <a:spcBef>
-                <a:spcPts val="500"/>
-              </a:spcBef>
-              <a:buFont typeface="Arial" panose="020B0604020202020204" pitchFamily="34" charset="0"/>
-              <a:buChar char="•"/>
-              <a:defRPr sz="1800" kern="1200">
-                <a:solidFill>
-                  <a:schemeClr val="tx1"/>
-                </a:solidFill>
-                <a:latin typeface="+mn-lt"/>
-                <a:ea typeface="+mn-ea"/>
-                <a:cs typeface="+mn-cs"/>
-              </a:defRPr>
-            </a:lvl8pPr>
-            <a:lvl9pPr marL="3886200" indent="-228600" algn="l" defTabSz="914400" rtl="0" eaLnBrk="1" latinLnBrk="1" hangingPunct="1">
-              <a:lnSpc>
-                <a:spcPct val="90000"/>
-              </a:lnSpc>
-              <a:spcBef>
-                <a:spcPts val="500"/>
-              </a:spcBef>
-              <a:buFont typeface="Arial" panose="020B0604020202020204" pitchFamily="34" charset="0"/>
-              <a:buChar char="•"/>
-              <a:defRPr sz="1800" kern="1200">
-                <a:solidFill>
-                  <a:schemeClr val="tx1"/>
-                </a:solidFill>
-                <a:latin typeface="+mn-lt"/>
-                <a:ea typeface="+mn-ea"/>
-                <a:cs typeface="+mn-cs"/>
-              </a:defRPr>
-            </a:lvl9pPr>
-          </a:lstStyle>
-          <a:p>
-            <a:pPr>
-              <a:lnSpc>
-                <a:spcPct val="150000"/>
-              </a:lnSpc>
-              <a:buFont typeface="Wingdings" panose="05000000000000000000" pitchFamily="2" charset="2"/>
-              <a:buChar char="§"/>
-            </a:pPr>
-            <a:r>
-              <a:rPr lang="ko-KR" altLang="en-US" sz="2000" b="1" dirty="0" smtClean="0">
-                <a:solidFill>
-                  <a:srgbClr val="C00000"/>
-                </a:solidFill>
-              </a:rPr>
-              <a:t>객체 배열의 깊은 복사</a:t>
-            </a:r>
-            <a:r>
-              <a:rPr lang="en-US" altLang="ko-KR" sz="2000" b="1" dirty="0" smtClean="0">
-                <a:solidFill>
-                  <a:srgbClr val="C00000"/>
-                </a:solidFill>
-              </a:rPr>
-              <a:t>(deep copy)</a:t>
-            </a:r>
-          </a:p>
-        </p:txBody>
-      </p:sp>
-      <p:graphicFrame>
-        <p:nvGraphicFramePr>
-          <p:cNvPr id="29" name="표 28"/>
-          <p:cNvGraphicFramePr>
-            <a:graphicFrameLocks noGrp="1"/>
-          </p:cNvGraphicFramePr>
-          <p:nvPr>
-            <p:extLst>
-              <p:ext uri="{D42A27DB-BD31-4B8C-83A1-F6EECF244321}">
-                <p14:modId xmlns:p14="http://schemas.microsoft.com/office/powerpoint/2010/main" val="1012866908"/>
-              </p:ext>
-            </p:extLst>
-          </p:nvPr>
-        </p:nvGraphicFramePr>
-        <p:xfrm>
-          <a:off x="1803914" y="2269664"/>
-          <a:ext cx="4813062" cy="396912"/>
-        </p:xfrm>
-        <a:graphic>
-          <a:graphicData uri="http://schemas.openxmlformats.org/drawingml/2006/table">
-            <a:tbl>
-              <a:tblPr firstRow="1" bandRow="1">
-                <a:tableStyleId>{5940675A-B579-460E-94D1-54222C63F5DA}</a:tableStyleId>
-              </a:tblPr>
-              <a:tblGrid>
-                <a:gridCol w="1604354"/>
-                <a:gridCol w="1604354"/>
-                <a:gridCol w="1604354"/>
-              </a:tblGrid>
-              <a:tr h="396912">
-                <a:tc>
-                  <a:txBody>
-                    <a:bodyPr/>
-                    <a:lstStyle/>
-                    <a:p>
-                      <a:pPr algn="ctr" latinLnBrk="1"/>
-                      <a:endParaRPr lang="ko-KR" altLang="en-US" dirty="0">
-                        <a:solidFill>
-                          <a:srgbClr val="002060"/>
-                        </a:solidFill>
-                      </a:endParaRPr>
-                    </a:p>
-                  </a:txBody>
-                  <a:tcPr anchor="ctr"/>
-                </a:tc>
-                <a:tc>
-                  <a:txBody>
-                    <a:bodyPr/>
-                    <a:lstStyle/>
-                    <a:p>
-                      <a:pPr algn="ctr" latinLnBrk="1"/>
-                      <a:endParaRPr lang="ko-KR" altLang="en-US" dirty="0"/>
-                    </a:p>
-                  </a:txBody>
-                  <a:tcPr anchor="ctr"/>
-                </a:tc>
-                <a:tc>
-                  <a:txBody>
-                    <a:bodyPr/>
-                    <a:lstStyle/>
-                    <a:p>
-                      <a:pPr algn="ctr" latinLnBrk="1"/>
-                      <a:endParaRPr lang="ko-KR" altLang="en-US" dirty="0"/>
-                    </a:p>
-                  </a:txBody>
-                  <a:tcPr anchor="ctr"/>
-                </a:tc>
-              </a:tr>
-            </a:tbl>
-          </a:graphicData>
-        </a:graphic>
-      </p:graphicFrame>
-      <p:sp>
-        <p:nvSpPr>
-          <p:cNvPr id="30" name="TextBox 29"/>
-          <p:cNvSpPr txBox="1"/>
-          <p:nvPr/>
-        </p:nvSpPr>
-        <p:spPr>
-          <a:xfrm>
-            <a:off x="1784648" y="1844824"/>
-            <a:ext cx="1584176" cy="369332"/>
-          </a:xfrm>
-          <a:prstGeom prst="rect">
-            <a:avLst/>
-          </a:prstGeom>
-          <a:noFill/>
-        </p:spPr>
-        <p:txBody>
-          <a:bodyPr wrap="square" rtlCol="0">
-            <a:spAutoFit/>
-          </a:bodyPr>
-          <a:lstStyle/>
-          <a:p>
-            <a:pPr algn="ctr"/>
-            <a:r>
-              <a:rPr lang="en-US" altLang="ko-KR" dirty="0" smtClean="0"/>
-              <a:t>array1[0]</a:t>
-            </a:r>
-            <a:endParaRPr lang="ko-KR" altLang="en-US" dirty="0"/>
-          </a:p>
-        </p:txBody>
-      </p:sp>
-      <p:sp>
-        <p:nvSpPr>
-          <p:cNvPr id="31" name="모서리가 둥근 직사각형 30"/>
-          <p:cNvSpPr/>
-          <p:nvPr/>
-        </p:nvSpPr>
-        <p:spPr>
-          <a:xfrm>
-            <a:off x="1856656" y="2894918"/>
-            <a:ext cx="1386902" cy="680788"/>
-          </a:xfrm>
-          <a:prstGeom prst="roundRect">
-            <a:avLst>
-              <a:gd name="adj" fmla="val 13110"/>
-            </a:avLst>
-          </a:prstGeom>
-          <a:ln/>
-        </p:spPr>
-        <p:style>
-          <a:lnRef idx="1">
-            <a:schemeClr val="dk1"/>
-          </a:lnRef>
-          <a:fillRef idx="2">
-            <a:schemeClr val="dk1"/>
-          </a:fillRef>
-          <a:effectRef idx="1">
-            <a:schemeClr val="dk1"/>
-          </a:effectRef>
-          <a:fontRef idx="minor">
-            <a:schemeClr val="dk1"/>
-          </a:fontRef>
-        </p:style>
-        <p:txBody>
-          <a:bodyPr rtlCol="0" anchor="ctr"/>
-          <a:lstStyle/>
-          <a:p>
-            <a:pPr algn="ctr"/>
-            <a:r>
-              <a:rPr lang="ko-KR" altLang="en-US" sz="1600" dirty="0" smtClean="0"/>
-              <a:t>미생</a:t>
-            </a:r>
-            <a:r>
-              <a:rPr lang="en-US" altLang="ko-KR" sz="1600" dirty="0" smtClean="0"/>
-              <a:t>1</a:t>
-            </a:r>
-            <a:endParaRPr lang="en-US" altLang="ko-KR" sz="1600" dirty="0"/>
-          </a:p>
-          <a:p>
-            <a:pPr algn="ctr"/>
-            <a:r>
-              <a:rPr lang="ko-KR" altLang="en-US" sz="1600" dirty="0"/>
-              <a:t>윤태호</a:t>
-            </a:r>
-          </a:p>
-        </p:txBody>
-      </p:sp>
-      <p:cxnSp>
-        <p:nvCxnSpPr>
-          <p:cNvPr id="32" name="직선 화살표 연결선 31"/>
-          <p:cNvCxnSpPr/>
-          <p:nvPr/>
-        </p:nvCxnSpPr>
-        <p:spPr>
-          <a:xfrm>
-            <a:off x="2607862" y="2498648"/>
-            <a:ext cx="0" cy="286944"/>
-          </a:xfrm>
-          <a:prstGeom prst="straightConnector1">
-            <a:avLst/>
-          </a:prstGeom>
-          <a:ln w="19050">
-            <a:solidFill>
-              <a:srgbClr val="00B050"/>
-            </a:solidFill>
-            <a:tailEnd type="triangle"/>
-          </a:ln>
-        </p:spPr>
-        <p:style>
-          <a:lnRef idx="1">
-            <a:schemeClr val="accent1"/>
-          </a:lnRef>
-          <a:fillRef idx="0">
-            <a:schemeClr val="accent1"/>
-          </a:fillRef>
-          <a:effectRef idx="0">
-            <a:schemeClr val="accent1"/>
-          </a:effectRef>
-          <a:fontRef idx="minor">
-            <a:schemeClr val="tx1"/>
-          </a:fontRef>
-        </p:style>
-      </p:cxnSp>
-      <p:cxnSp>
-        <p:nvCxnSpPr>
-          <p:cNvPr id="33" name="직선 화살표 연결선 32"/>
-          <p:cNvCxnSpPr/>
-          <p:nvPr/>
-        </p:nvCxnSpPr>
-        <p:spPr>
-          <a:xfrm>
-            <a:off x="4176324" y="2498648"/>
-            <a:ext cx="0" cy="286944"/>
-          </a:xfrm>
-          <a:prstGeom prst="straightConnector1">
-            <a:avLst/>
-          </a:prstGeom>
-          <a:ln w="19050">
-            <a:solidFill>
-              <a:srgbClr val="00B050"/>
-            </a:solidFill>
-            <a:tailEnd type="triangle"/>
-          </a:ln>
-        </p:spPr>
-        <p:style>
-          <a:lnRef idx="1">
-            <a:schemeClr val="accent1"/>
-          </a:lnRef>
-          <a:fillRef idx="0">
-            <a:schemeClr val="accent1"/>
-          </a:fillRef>
-          <a:effectRef idx="0">
-            <a:schemeClr val="accent1"/>
-          </a:effectRef>
-          <a:fontRef idx="minor">
-            <a:schemeClr val="tx1"/>
-          </a:fontRef>
-        </p:style>
-      </p:cxnSp>
-      <p:cxnSp>
-        <p:nvCxnSpPr>
-          <p:cNvPr id="34" name="직선 화살표 연결선 33"/>
-          <p:cNvCxnSpPr/>
-          <p:nvPr/>
-        </p:nvCxnSpPr>
-        <p:spPr>
-          <a:xfrm>
-            <a:off x="5817096" y="2498648"/>
-            <a:ext cx="0" cy="286944"/>
-          </a:xfrm>
-          <a:prstGeom prst="straightConnector1">
-            <a:avLst/>
-          </a:prstGeom>
-          <a:ln w="19050">
-            <a:solidFill>
-              <a:srgbClr val="00B050"/>
-            </a:solidFill>
-            <a:tailEnd type="triangle"/>
-          </a:ln>
-        </p:spPr>
-        <p:style>
-          <a:lnRef idx="1">
-            <a:schemeClr val="accent1"/>
-          </a:lnRef>
-          <a:fillRef idx="0">
-            <a:schemeClr val="accent1"/>
-          </a:fillRef>
-          <a:effectRef idx="0">
-            <a:schemeClr val="accent1"/>
-          </a:effectRef>
-          <a:fontRef idx="minor">
-            <a:schemeClr val="tx1"/>
-          </a:fontRef>
-        </p:style>
-      </p:cxnSp>
-      <p:sp>
-        <p:nvSpPr>
-          <p:cNvPr id="35" name="TextBox 34"/>
-          <p:cNvSpPr txBox="1"/>
-          <p:nvPr/>
-        </p:nvSpPr>
-        <p:spPr>
-          <a:xfrm>
-            <a:off x="3418358" y="1844824"/>
-            <a:ext cx="1584176" cy="369332"/>
-          </a:xfrm>
-          <a:prstGeom prst="rect">
-            <a:avLst/>
-          </a:prstGeom>
-          <a:noFill/>
-        </p:spPr>
-        <p:txBody>
-          <a:bodyPr wrap="square" rtlCol="0">
-            <a:spAutoFit/>
-          </a:bodyPr>
-          <a:lstStyle/>
-          <a:p>
-            <a:pPr algn="ctr"/>
-            <a:r>
-              <a:rPr lang="en-US" altLang="ko-KR" dirty="0"/>
-              <a:t>array1[1</a:t>
-            </a:r>
-            <a:r>
-              <a:rPr lang="en-US" altLang="ko-KR" dirty="0" smtClean="0"/>
-              <a:t>]</a:t>
-            </a:r>
-            <a:endParaRPr lang="ko-KR" altLang="en-US" dirty="0"/>
-          </a:p>
-        </p:txBody>
-      </p:sp>
-      <p:sp>
-        <p:nvSpPr>
-          <p:cNvPr id="36" name="TextBox 35"/>
-          <p:cNvSpPr txBox="1"/>
-          <p:nvPr/>
-        </p:nvSpPr>
-        <p:spPr>
-          <a:xfrm>
-            <a:off x="5052068" y="1844824"/>
-            <a:ext cx="1584176" cy="369332"/>
-          </a:xfrm>
-          <a:prstGeom prst="rect">
-            <a:avLst/>
-          </a:prstGeom>
-          <a:noFill/>
-        </p:spPr>
-        <p:txBody>
-          <a:bodyPr wrap="square" rtlCol="0">
-            <a:spAutoFit/>
-          </a:bodyPr>
-          <a:lstStyle/>
-          <a:p>
-            <a:pPr algn="ctr"/>
-            <a:r>
-              <a:rPr lang="en-US" altLang="ko-KR" dirty="0"/>
-              <a:t>array1[2</a:t>
-            </a:r>
-            <a:r>
-              <a:rPr lang="en-US" altLang="ko-KR" dirty="0" smtClean="0"/>
-              <a:t>]</a:t>
-            </a:r>
-            <a:endParaRPr lang="ko-KR" altLang="en-US" dirty="0"/>
-          </a:p>
-        </p:txBody>
-      </p:sp>
-      <p:sp>
-        <p:nvSpPr>
-          <p:cNvPr id="37" name="모서리가 둥근 직사각형 36"/>
-          <p:cNvSpPr/>
-          <p:nvPr/>
-        </p:nvSpPr>
-        <p:spPr>
-          <a:xfrm>
-            <a:off x="3584848" y="2898366"/>
-            <a:ext cx="1329161" cy="680788"/>
-          </a:xfrm>
-          <a:prstGeom prst="roundRect">
-            <a:avLst>
-              <a:gd name="adj" fmla="val 13110"/>
-            </a:avLst>
-          </a:prstGeom>
-          <a:ln/>
-        </p:spPr>
-        <p:style>
-          <a:lnRef idx="2">
-            <a:schemeClr val="accent3"/>
-          </a:lnRef>
-          <a:fillRef idx="1">
-            <a:schemeClr val="lt1"/>
-          </a:fillRef>
-          <a:effectRef idx="0">
-            <a:schemeClr val="accent3"/>
-          </a:effectRef>
-          <a:fontRef idx="minor">
-            <a:schemeClr val="dk1"/>
-          </a:fontRef>
-        </p:style>
-        <p:txBody>
-          <a:bodyPr rtlCol="0" anchor="ctr"/>
-          <a:lstStyle/>
-          <a:p>
-            <a:pPr algn="ctr"/>
-            <a:r>
-              <a:rPr lang="ko-KR" altLang="en-US" sz="1600" dirty="0" err="1"/>
-              <a:t>파이썬</a:t>
-            </a:r>
-            <a:endParaRPr lang="en-US" altLang="ko-KR" sz="1600" dirty="0"/>
-          </a:p>
-          <a:p>
-            <a:pPr algn="ctr"/>
-            <a:r>
-              <a:rPr lang="ko-KR" altLang="en-US" sz="1600" dirty="0"/>
-              <a:t>박응용</a:t>
-            </a:r>
-          </a:p>
-        </p:txBody>
-      </p:sp>
-      <p:sp>
-        <p:nvSpPr>
-          <p:cNvPr id="38" name="모서리가 둥근 직사각형 37"/>
-          <p:cNvSpPr/>
-          <p:nvPr/>
-        </p:nvSpPr>
-        <p:spPr>
-          <a:xfrm>
-            <a:off x="5169024" y="2898366"/>
-            <a:ext cx="1416724" cy="680788"/>
-          </a:xfrm>
-          <a:prstGeom prst="roundRect">
-            <a:avLst>
-              <a:gd name="adj" fmla="val 13110"/>
-            </a:avLst>
-          </a:prstGeom>
-          <a:ln/>
-        </p:spPr>
-        <p:style>
-          <a:lnRef idx="2">
-            <a:schemeClr val="accent3"/>
-          </a:lnRef>
-          <a:fillRef idx="1">
-            <a:schemeClr val="lt1"/>
-          </a:fillRef>
-          <a:effectRef idx="0">
-            <a:schemeClr val="accent3"/>
-          </a:effectRef>
-          <a:fontRef idx="minor">
-            <a:schemeClr val="dk1"/>
-          </a:fontRef>
-        </p:style>
-        <p:txBody>
-          <a:bodyPr rtlCol="0" anchor="ctr"/>
-          <a:lstStyle/>
-          <a:p>
-            <a:pPr algn="ctr"/>
-            <a:r>
-              <a:rPr lang="ko-KR" altLang="en-US" sz="1600" dirty="0" err="1"/>
-              <a:t>천개의</a:t>
-            </a:r>
-            <a:r>
-              <a:rPr lang="ko-KR" altLang="en-US" sz="1600" dirty="0"/>
-              <a:t> 파랑</a:t>
-            </a:r>
-            <a:endParaRPr lang="en-US" altLang="ko-KR" sz="1600" dirty="0"/>
-          </a:p>
-          <a:p>
-            <a:pPr algn="ctr"/>
-            <a:r>
-              <a:rPr lang="ko-KR" altLang="en-US" sz="1600" dirty="0" err="1"/>
-              <a:t>천선란</a:t>
-            </a:r>
-            <a:endParaRPr lang="ko-KR" altLang="en-US" sz="1600" dirty="0"/>
-          </a:p>
-        </p:txBody>
-      </p:sp>
-      <p:sp>
-        <p:nvSpPr>
-          <p:cNvPr id="40" name="TextBox 39"/>
-          <p:cNvSpPr txBox="1"/>
-          <p:nvPr/>
-        </p:nvSpPr>
-        <p:spPr>
-          <a:xfrm>
-            <a:off x="1784648" y="5435932"/>
-            <a:ext cx="1584176" cy="369332"/>
-          </a:xfrm>
-          <a:prstGeom prst="rect">
-            <a:avLst/>
-          </a:prstGeom>
-          <a:noFill/>
-        </p:spPr>
-        <p:txBody>
-          <a:bodyPr wrap="square" rtlCol="0">
-            <a:spAutoFit/>
-          </a:bodyPr>
-          <a:lstStyle/>
-          <a:p>
-            <a:pPr algn="ctr"/>
-            <a:r>
-              <a:rPr lang="en-US" altLang="ko-KR" dirty="0" smtClean="0"/>
-              <a:t>array2[0]</a:t>
-            </a:r>
-            <a:endParaRPr lang="ko-KR" altLang="en-US" dirty="0"/>
-          </a:p>
-        </p:txBody>
-      </p:sp>
-      <p:sp>
-        <p:nvSpPr>
-          <p:cNvPr id="56" name="TextBox 55"/>
-          <p:cNvSpPr txBox="1"/>
-          <p:nvPr/>
-        </p:nvSpPr>
-        <p:spPr>
-          <a:xfrm>
-            <a:off x="3418358" y="5435932"/>
-            <a:ext cx="1584176" cy="369332"/>
-          </a:xfrm>
-          <a:prstGeom prst="rect">
-            <a:avLst/>
-          </a:prstGeom>
-          <a:noFill/>
-        </p:spPr>
-        <p:txBody>
-          <a:bodyPr wrap="square" rtlCol="0">
-            <a:spAutoFit/>
-          </a:bodyPr>
-          <a:lstStyle/>
-          <a:p>
-            <a:pPr algn="ctr"/>
-            <a:r>
-              <a:rPr lang="en-US" altLang="ko-KR" dirty="0" smtClean="0"/>
-              <a:t>array2[1]</a:t>
-            </a:r>
-            <a:endParaRPr lang="ko-KR" altLang="en-US" dirty="0"/>
-          </a:p>
-        </p:txBody>
-      </p:sp>
-      <p:sp>
-        <p:nvSpPr>
-          <p:cNvPr id="57" name="TextBox 56"/>
-          <p:cNvSpPr txBox="1"/>
-          <p:nvPr/>
-        </p:nvSpPr>
-        <p:spPr>
-          <a:xfrm>
-            <a:off x="5052068" y="5435932"/>
-            <a:ext cx="1584176" cy="369332"/>
-          </a:xfrm>
-          <a:prstGeom prst="rect">
-            <a:avLst/>
-          </a:prstGeom>
-          <a:noFill/>
-        </p:spPr>
-        <p:txBody>
-          <a:bodyPr wrap="square" rtlCol="0">
-            <a:spAutoFit/>
-          </a:bodyPr>
-          <a:lstStyle/>
-          <a:p>
-            <a:pPr algn="ctr"/>
-            <a:r>
-              <a:rPr lang="en-US" altLang="ko-KR" dirty="0" smtClean="0"/>
-              <a:t>array2[2]</a:t>
-            </a:r>
-            <a:endParaRPr lang="ko-KR" altLang="en-US" dirty="0"/>
-          </a:p>
-        </p:txBody>
-      </p:sp>
-      <p:sp>
-        <p:nvSpPr>
-          <p:cNvPr id="61" name="모서리가 둥근 직사각형 60"/>
-          <p:cNvSpPr/>
-          <p:nvPr/>
-        </p:nvSpPr>
-        <p:spPr>
-          <a:xfrm>
-            <a:off x="3584848" y="4044356"/>
-            <a:ext cx="1329161" cy="680788"/>
-          </a:xfrm>
-          <a:prstGeom prst="roundRect">
-            <a:avLst>
-              <a:gd name="adj" fmla="val 13110"/>
-            </a:avLst>
-          </a:prstGeom>
-          <a:ln/>
-        </p:spPr>
-        <p:style>
-          <a:lnRef idx="2">
-            <a:schemeClr val="accent3"/>
-          </a:lnRef>
-          <a:fillRef idx="1">
-            <a:schemeClr val="lt1"/>
-          </a:fillRef>
-          <a:effectRef idx="0">
-            <a:schemeClr val="accent3"/>
-          </a:effectRef>
-          <a:fontRef idx="minor">
-            <a:schemeClr val="dk1"/>
-          </a:fontRef>
-        </p:style>
-        <p:txBody>
-          <a:bodyPr rtlCol="0" anchor="ctr"/>
-          <a:lstStyle/>
-          <a:p>
-            <a:pPr algn="ctr"/>
-            <a:r>
-              <a:rPr lang="ko-KR" altLang="en-US" sz="1600" dirty="0" err="1"/>
-              <a:t>파이썬</a:t>
-            </a:r>
-            <a:endParaRPr lang="en-US" altLang="ko-KR" sz="1600" dirty="0"/>
-          </a:p>
-          <a:p>
-            <a:pPr algn="ctr"/>
-            <a:r>
-              <a:rPr lang="ko-KR" altLang="en-US" sz="1600" dirty="0"/>
-              <a:t>박응용</a:t>
-            </a:r>
-          </a:p>
-        </p:txBody>
-      </p:sp>
-      <p:sp>
-        <p:nvSpPr>
-          <p:cNvPr id="62" name="모서리가 둥근 직사각형 61"/>
-          <p:cNvSpPr/>
-          <p:nvPr/>
-        </p:nvSpPr>
-        <p:spPr>
-          <a:xfrm>
-            <a:off x="5169024" y="4044356"/>
-            <a:ext cx="1416724" cy="680788"/>
-          </a:xfrm>
-          <a:prstGeom prst="roundRect">
-            <a:avLst>
-              <a:gd name="adj" fmla="val 13110"/>
-            </a:avLst>
-          </a:prstGeom>
-          <a:ln/>
-        </p:spPr>
-        <p:style>
-          <a:lnRef idx="2">
-            <a:schemeClr val="accent3"/>
-          </a:lnRef>
-          <a:fillRef idx="1">
-            <a:schemeClr val="lt1"/>
-          </a:fillRef>
-          <a:effectRef idx="0">
-            <a:schemeClr val="accent3"/>
-          </a:effectRef>
-          <a:fontRef idx="minor">
-            <a:schemeClr val="dk1"/>
-          </a:fontRef>
-        </p:style>
-        <p:txBody>
-          <a:bodyPr rtlCol="0" anchor="ctr"/>
-          <a:lstStyle/>
-          <a:p>
-            <a:pPr algn="ctr"/>
-            <a:r>
-              <a:rPr lang="ko-KR" altLang="en-US" sz="1600" dirty="0" err="1"/>
-              <a:t>천개의</a:t>
-            </a:r>
-            <a:r>
-              <a:rPr lang="ko-KR" altLang="en-US" sz="1600" dirty="0"/>
-              <a:t> 파랑</a:t>
-            </a:r>
-            <a:endParaRPr lang="en-US" altLang="ko-KR" sz="1600" dirty="0"/>
-          </a:p>
-          <a:p>
-            <a:pPr algn="ctr"/>
-            <a:r>
-              <a:rPr lang="ko-KR" altLang="en-US" sz="1600" dirty="0" err="1"/>
-              <a:t>천선란</a:t>
-            </a:r>
-            <a:endParaRPr lang="ko-KR" altLang="en-US" sz="1600" dirty="0"/>
-          </a:p>
-        </p:txBody>
-      </p:sp>
-      <p:graphicFrame>
-        <p:nvGraphicFramePr>
-          <p:cNvPr id="63" name="표 62"/>
-          <p:cNvGraphicFramePr>
-            <a:graphicFrameLocks noGrp="1"/>
-          </p:cNvGraphicFramePr>
-          <p:nvPr>
-            <p:extLst>
-              <p:ext uri="{D42A27DB-BD31-4B8C-83A1-F6EECF244321}">
-                <p14:modId xmlns:p14="http://schemas.microsoft.com/office/powerpoint/2010/main" val="3036841282"/>
-              </p:ext>
-            </p:extLst>
-          </p:nvPr>
-        </p:nvGraphicFramePr>
-        <p:xfrm>
-          <a:off x="1803914" y="4941168"/>
-          <a:ext cx="4813062" cy="396912"/>
-        </p:xfrm>
-        <a:graphic>
-          <a:graphicData uri="http://schemas.openxmlformats.org/drawingml/2006/table">
-            <a:tbl>
-              <a:tblPr firstRow="1" bandRow="1">
-                <a:tableStyleId>{5940675A-B579-460E-94D1-54222C63F5DA}</a:tableStyleId>
-              </a:tblPr>
-              <a:tblGrid>
-                <a:gridCol w="1604354"/>
-                <a:gridCol w="1604354"/>
-                <a:gridCol w="1604354"/>
-              </a:tblGrid>
-              <a:tr h="396912">
-                <a:tc>
-                  <a:txBody>
-                    <a:bodyPr/>
-                    <a:lstStyle/>
-                    <a:p>
-                      <a:pPr algn="ctr" latinLnBrk="1"/>
-                      <a:endParaRPr lang="ko-KR" altLang="en-US" dirty="0">
-                        <a:solidFill>
-                          <a:srgbClr val="002060"/>
-                        </a:solidFill>
-                      </a:endParaRPr>
-                    </a:p>
-                  </a:txBody>
-                  <a:tcPr anchor="ctr"/>
-                </a:tc>
-                <a:tc>
-                  <a:txBody>
-                    <a:bodyPr/>
-                    <a:lstStyle/>
-                    <a:p>
-                      <a:pPr algn="ctr" latinLnBrk="1"/>
-                      <a:endParaRPr lang="ko-KR" altLang="en-US" dirty="0"/>
-                    </a:p>
-                  </a:txBody>
-                  <a:tcPr anchor="ctr"/>
-                </a:tc>
-                <a:tc>
-                  <a:txBody>
-                    <a:bodyPr/>
-                    <a:lstStyle/>
-                    <a:p>
-                      <a:pPr algn="ctr" latinLnBrk="1"/>
-                      <a:endParaRPr lang="ko-KR" altLang="en-US" dirty="0"/>
-                    </a:p>
-                  </a:txBody>
-                  <a:tcPr anchor="ctr"/>
-                </a:tc>
-              </a:tr>
-            </a:tbl>
-          </a:graphicData>
-        </a:graphic>
-      </p:graphicFrame>
-      <p:cxnSp>
-        <p:nvCxnSpPr>
-          <p:cNvPr id="64" name="직선 화살표 연결선 63"/>
-          <p:cNvCxnSpPr/>
-          <p:nvPr/>
-        </p:nvCxnSpPr>
-        <p:spPr>
-          <a:xfrm flipV="1">
-            <a:off x="2607862" y="4869160"/>
-            <a:ext cx="0" cy="286944"/>
-          </a:xfrm>
-          <a:prstGeom prst="straightConnector1">
-            <a:avLst/>
-          </a:prstGeom>
-          <a:ln w="19050">
-            <a:solidFill>
-              <a:srgbClr val="00B050"/>
-            </a:solidFill>
-            <a:tailEnd type="triangle"/>
-          </a:ln>
-        </p:spPr>
-        <p:style>
-          <a:lnRef idx="1">
-            <a:schemeClr val="accent1"/>
-          </a:lnRef>
-          <a:fillRef idx="0">
-            <a:schemeClr val="accent1"/>
-          </a:fillRef>
-          <a:effectRef idx="0">
-            <a:schemeClr val="accent1"/>
-          </a:effectRef>
-          <a:fontRef idx="minor">
-            <a:schemeClr val="tx1"/>
-          </a:fontRef>
-        </p:style>
-      </p:cxnSp>
-      <p:cxnSp>
-        <p:nvCxnSpPr>
-          <p:cNvPr id="65" name="직선 화살표 연결선 64"/>
-          <p:cNvCxnSpPr/>
-          <p:nvPr/>
-        </p:nvCxnSpPr>
-        <p:spPr>
-          <a:xfrm flipV="1">
-            <a:off x="4176324" y="4869160"/>
-            <a:ext cx="0" cy="286944"/>
-          </a:xfrm>
-          <a:prstGeom prst="straightConnector1">
-            <a:avLst/>
-          </a:prstGeom>
-          <a:ln w="19050">
-            <a:solidFill>
-              <a:srgbClr val="00B050"/>
-            </a:solidFill>
-            <a:tailEnd type="triangle"/>
-          </a:ln>
-        </p:spPr>
-        <p:style>
-          <a:lnRef idx="1">
-            <a:schemeClr val="accent1"/>
-          </a:lnRef>
-          <a:fillRef idx="0">
-            <a:schemeClr val="accent1"/>
-          </a:fillRef>
-          <a:effectRef idx="0">
-            <a:schemeClr val="accent1"/>
-          </a:effectRef>
-          <a:fontRef idx="minor">
-            <a:schemeClr val="tx1"/>
-          </a:fontRef>
-        </p:style>
-      </p:cxnSp>
-      <p:cxnSp>
-        <p:nvCxnSpPr>
-          <p:cNvPr id="66" name="직선 화살표 연결선 65"/>
-          <p:cNvCxnSpPr/>
-          <p:nvPr/>
-        </p:nvCxnSpPr>
-        <p:spPr>
-          <a:xfrm flipV="1">
-            <a:off x="5817096" y="4869160"/>
-            <a:ext cx="0" cy="286944"/>
-          </a:xfrm>
-          <a:prstGeom prst="straightConnector1">
-            <a:avLst/>
-          </a:prstGeom>
-          <a:ln w="19050">
-            <a:solidFill>
-              <a:srgbClr val="00B050"/>
-            </a:solidFill>
-            <a:tailEnd type="triangle"/>
-          </a:ln>
-        </p:spPr>
-        <p:style>
-          <a:lnRef idx="1">
-            <a:schemeClr val="accent1"/>
-          </a:lnRef>
-          <a:fillRef idx="0">
-            <a:schemeClr val="accent1"/>
-          </a:fillRef>
-          <a:effectRef idx="0">
-            <a:schemeClr val="accent1"/>
-          </a:effectRef>
-          <a:fontRef idx="minor">
-            <a:schemeClr val="tx1"/>
-          </a:fontRef>
-        </p:style>
-      </p:cxnSp>
-      <p:sp>
-        <p:nvSpPr>
-          <p:cNvPr id="67" name="모서리가 둥근 직사각형 66"/>
-          <p:cNvSpPr/>
-          <p:nvPr/>
-        </p:nvSpPr>
-        <p:spPr>
-          <a:xfrm>
-            <a:off x="1885526" y="4044356"/>
-            <a:ext cx="1329161" cy="680788"/>
-          </a:xfrm>
-          <a:prstGeom prst="roundRect">
-            <a:avLst>
-              <a:gd name="adj" fmla="val 13110"/>
-            </a:avLst>
-          </a:prstGeom>
-          <a:ln/>
-        </p:spPr>
-        <p:style>
-          <a:lnRef idx="2">
-            <a:schemeClr val="accent3"/>
-          </a:lnRef>
-          <a:fillRef idx="1">
-            <a:schemeClr val="lt1"/>
-          </a:fillRef>
-          <a:effectRef idx="0">
-            <a:schemeClr val="accent3"/>
-          </a:effectRef>
-          <a:fontRef idx="minor">
-            <a:schemeClr val="dk1"/>
-          </a:fontRef>
-        </p:style>
-        <p:txBody>
-          <a:bodyPr rtlCol="0" anchor="ctr"/>
-          <a:lstStyle/>
-          <a:p>
-            <a:pPr algn="ctr"/>
-            <a:r>
-              <a:rPr lang="ko-KR" altLang="en-US" sz="1600" dirty="0" smtClean="0"/>
-              <a:t>자바</a:t>
-            </a:r>
-            <a:endParaRPr lang="en-US" altLang="ko-KR" sz="1600" dirty="0" smtClean="0"/>
-          </a:p>
-          <a:p>
-            <a:pPr algn="ctr"/>
-            <a:r>
-              <a:rPr lang="ko-KR" altLang="en-US" sz="1600" dirty="0" smtClean="0"/>
-              <a:t>박은종</a:t>
-            </a:r>
-            <a:endParaRPr lang="ko-KR" altLang="en-US" sz="1600" dirty="0"/>
-          </a:p>
-        </p:txBody>
-      </p:sp>
-    </p:spTree>
-    <p:extLst>
-      <p:ext uri="{BB962C8B-B14F-4D97-AF65-F5344CB8AC3E}">
-        <p14:creationId xmlns:p14="http://schemas.microsoft.com/office/powerpoint/2010/main" val="1300883803"/>
       </p:ext>
     </p:extLst>
   </p:cSld>

--- a/javaWorks/자료/java_ppt/7장. 배열 객체와 ArrayList.pptx
+++ b/javaWorks/자료/java_ppt/7장. 배열 객체와 ArrayList.pptx
@@ -5,7 +5,7 @@
     <p:sldMasterId id="2147483648" r:id="rId1"/>
   </p:sldMasterIdLst>
   <p:notesMasterIdLst>
-    <p:notesMasterId r:id="rId31"/>
+    <p:notesMasterId r:id="rId34"/>
   </p:notesMasterIdLst>
   <p:sldIdLst>
     <p:sldId id="256" r:id="rId2"/>
@@ -24,19 +24,22 @@
     <p:sldId id="405" r:id="rId15"/>
     <p:sldId id="401" r:id="rId16"/>
     <p:sldId id="402" r:id="rId17"/>
-    <p:sldId id="403" r:id="rId18"/>
-    <p:sldId id="389" r:id="rId19"/>
-    <p:sldId id="391" r:id="rId20"/>
-    <p:sldId id="400" r:id="rId21"/>
-    <p:sldId id="407" r:id="rId22"/>
-    <p:sldId id="392" r:id="rId23"/>
-    <p:sldId id="377" r:id="rId24"/>
-    <p:sldId id="406" r:id="rId25"/>
-    <p:sldId id="378" r:id="rId26"/>
-    <p:sldId id="414" r:id="rId27"/>
-    <p:sldId id="415" r:id="rId28"/>
-    <p:sldId id="416" r:id="rId29"/>
-    <p:sldId id="417" r:id="rId30"/>
+    <p:sldId id="420" r:id="rId18"/>
+    <p:sldId id="403" r:id="rId19"/>
+    <p:sldId id="421" r:id="rId20"/>
+    <p:sldId id="389" r:id="rId21"/>
+    <p:sldId id="422" r:id="rId22"/>
+    <p:sldId id="391" r:id="rId23"/>
+    <p:sldId id="400" r:id="rId24"/>
+    <p:sldId id="407" r:id="rId25"/>
+    <p:sldId id="392" r:id="rId26"/>
+    <p:sldId id="377" r:id="rId27"/>
+    <p:sldId id="406" r:id="rId28"/>
+    <p:sldId id="378" r:id="rId29"/>
+    <p:sldId id="414" r:id="rId30"/>
+    <p:sldId id="415" r:id="rId31"/>
+    <p:sldId id="416" r:id="rId32"/>
+    <p:sldId id="417" r:id="rId33"/>
   </p:sldIdLst>
   <p:sldSz cx="9906000" cy="6858000" type="A4"/>
   <p:notesSz cx="6858000" cy="9144000"/>
@@ -236,7 +239,7 @@
           <a:p>
             <a:fld id="{7665CDAC-D627-4E87-877A-1B781DD4CADC}" type="datetimeFigureOut">
               <a:rPr lang="ko-KR" altLang="en-US" smtClean="0"/>
-              <a:t>2023-05-21</a:t>
+              <a:t>2023-05-23</a:t>
             </a:fld>
             <a:endParaRPr lang="ko-KR" altLang="en-US"/>
           </a:p>
@@ -774,7 +777,7 @@
           <a:p>
             <a:fld id="{F4AC81B4-D91A-4578-85B3-829E63FCFE17}" type="datetime1">
               <a:rPr lang="ko-KR" altLang="en-US" smtClean="0"/>
-              <a:t>2023-05-21</a:t>
+              <a:t>2023-05-23</a:t>
             </a:fld>
             <a:endParaRPr lang="ko-KR" altLang="en-US"/>
           </a:p>
@@ -1149,7 +1152,7 @@
           <a:p>
             <a:fld id="{F5B77542-37E5-48F2-BAE7-80CC6B0EB6A3}" type="datetime1">
               <a:rPr lang="ko-KR" altLang="en-US" smtClean="0"/>
-              <a:t>2023-05-21</a:t>
+              <a:t>2023-05-23</a:t>
             </a:fld>
             <a:endParaRPr lang="ko-KR" altLang="en-US"/>
           </a:p>
@@ -1329,7 +1332,7 @@
           <a:p>
             <a:fld id="{227CF174-B5AC-4A98-B673-0BE8126D3F27}" type="datetime1">
               <a:rPr lang="ko-KR" altLang="en-US" smtClean="0"/>
-              <a:t>2023-05-21</a:t>
+              <a:t>2023-05-23</a:t>
             </a:fld>
             <a:endParaRPr lang="ko-KR" altLang="en-US"/>
           </a:p>
@@ -1503,7 +1506,7 @@
           <a:p>
             <a:fld id="{E20FDEC8-1339-42E8-9704-2977280C2FD3}" type="datetime1">
               <a:rPr lang="ko-KR" altLang="en-US" smtClean="0"/>
-              <a:t>2023-05-21</a:t>
+              <a:t>2023-05-23</a:t>
             </a:fld>
             <a:endParaRPr lang="ko-KR" altLang="en-US"/>
           </a:p>
@@ -1749,7 +1752,7 @@
           <a:p>
             <a:fld id="{4D18DC76-A282-4817-B790-197F054E1215}" type="datetime1">
               <a:rPr lang="ko-KR" altLang="en-US" smtClean="0"/>
-              <a:t>2023-05-21</a:t>
+              <a:t>2023-05-23</a:t>
             </a:fld>
             <a:endParaRPr lang="ko-KR" altLang="en-US"/>
           </a:p>
@@ -2037,7 +2040,7 @@
           <a:p>
             <a:fld id="{6680AA6C-13D8-43E4-90F0-E6C88A2B9F16}" type="datetime1">
               <a:rPr lang="ko-KR" altLang="en-US" smtClean="0"/>
-              <a:t>2023-05-21</a:t>
+              <a:t>2023-05-23</a:t>
             </a:fld>
             <a:endParaRPr lang="ko-KR" altLang="en-US"/>
           </a:p>
@@ -2459,7 +2462,7 @@
           <a:p>
             <a:fld id="{3EF5B03B-20CC-436E-8601-C933C6C1F4A6}" type="datetime1">
               <a:rPr lang="ko-KR" altLang="en-US" smtClean="0"/>
-              <a:t>2023-05-21</a:t>
+              <a:t>2023-05-23</a:t>
             </a:fld>
             <a:endParaRPr lang="ko-KR" altLang="en-US"/>
           </a:p>
@@ -2577,7 +2580,7 @@
           <a:p>
             <a:fld id="{87B5A15D-8B08-482F-AB47-E416EC355EB6}" type="datetime1">
               <a:rPr lang="ko-KR" altLang="en-US" smtClean="0"/>
-              <a:t>2023-05-21</a:t>
+              <a:t>2023-05-23</a:t>
             </a:fld>
             <a:endParaRPr lang="ko-KR" altLang="en-US"/>
           </a:p>
@@ -2672,7 +2675,7 @@
           <a:p>
             <a:fld id="{A877D7F8-7B64-44F8-A411-CBD22F28CBFF}" type="datetime1">
               <a:rPr lang="ko-KR" altLang="en-US" smtClean="0"/>
-              <a:t>2023-05-21</a:t>
+              <a:t>2023-05-23</a:t>
             </a:fld>
             <a:endParaRPr lang="ko-KR" altLang="en-US"/>
           </a:p>
@@ -2949,7 +2952,7 @@
           <a:p>
             <a:fld id="{E12DBD9B-2BB6-4D1F-BCB4-1E48829C93C3}" type="datetime1">
               <a:rPr lang="ko-KR" altLang="en-US" smtClean="0"/>
-              <a:t>2023-05-21</a:t>
+              <a:t>2023-05-23</a:t>
             </a:fld>
             <a:endParaRPr lang="ko-KR" altLang="en-US"/>
           </a:p>
@@ -3202,7 +3205,7 @@
           <a:p>
             <a:fld id="{17564C48-0CD7-40EB-BE64-BBF4DB8C56AF}" type="datetime1">
               <a:rPr lang="ko-KR" altLang="en-US" smtClean="0"/>
-              <a:t>2023-05-21</a:t>
+              <a:t>2023-05-23</a:t>
             </a:fld>
             <a:endParaRPr lang="ko-KR" altLang="en-US"/>
           </a:p>
@@ -3382,7 +3385,7 @@
           <a:p>
             <a:fld id="{C116BCB4-B68B-4638-8167-F4BDC0A30DA1}" type="datetime1">
               <a:rPr lang="ko-KR" altLang="en-US" smtClean="0"/>
-              <a:t>2023-05-21</a:t>
+              <a:t>2023-05-23</a:t>
             </a:fld>
             <a:endParaRPr lang="ko-KR" altLang="en-US"/>
           </a:p>
@@ -8409,8 +8412,8 @@
         </p:nvSpPr>
         <p:spPr>
           <a:xfrm>
-            <a:off x="416496" y="1340768"/>
-            <a:ext cx="2376264" cy="1080120"/>
+            <a:off x="889450" y="1124744"/>
+            <a:ext cx="5328592" cy="576064"/>
           </a:xfrm>
           <a:prstGeom prst="rect">
             <a:avLst/>
@@ -8591,32 +8594,32 @@
               <a:buChar char="§"/>
             </a:pPr>
             <a:r>
-              <a:rPr lang="en-US" altLang="ko-KR" sz="1800" b="1" dirty="0" smtClean="0"/>
+              <a:rPr lang="en-US" altLang="ko-KR" sz="2000" b="1" dirty="0" smtClean="0"/>
               <a:t>String </a:t>
             </a:r>
             <a:r>
-              <a:rPr lang="ko-KR" altLang="en-US" sz="1800" b="1" dirty="0" smtClean="0"/>
+              <a:rPr lang="ko-KR" altLang="en-US" sz="2000" b="1" dirty="0" smtClean="0"/>
               <a:t>클래스로 </a:t>
             </a:r>
             <a:r>
-              <a:rPr lang="en-US" altLang="ko-KR" sz="1800" b="1" dirty="0" err="1" smtClean="0"/>
+              <a:rPr lang="en-US" altLang="ko-KR" sz="2000" b="1" dirty="0" err="1" smtClean="0"/>
               <a:t>ArrayList</a:t>
             </a:r>
             <a:r>
-              <a:rPr lang="ko-KR" altLang="en-US" sz="1800" b="1" dirty="0"/>
+              <a:rPr lang="ko-KR" altLang="en-US" sz="2000" b="1" dirty="0"/>
               <a:t>로</a:t>
             </a:r>
             <a:r>
-              <a:rPr lang="ko-KR" altLang="en-US" sz="1800" b="1" dirty="0" smtClean="0"/>
+              <a:rPr lang="ko-KR" altLang="en-US" sz="2000" b="1" dirty="0" smtClean="0"/>
               <a:t> 구현 </a:t>
             </a:r>
-            <a:endParaRPr lang="en-US" altLang="ko-KR" sz="1800" b="1" dirty="0" smtClean="0"/>
+            <a:endParaRPr lang="en-US" altLang="ko-KR" sz="2000" b="1" dirty="0" smtClean="0"/>
           </a:p>
         </p:txBody>
       </p:sp>
       <p:pic>
         <p:nvPicPr>
-          <p:cNvPr id="3" name="그림 2"/>
+          <p:cNvPr id="2" name="그림 1"/>
           <p:cNvPicPr>
             <a:picLocks noChangeAspect="1"/>
           </p:cNvPicPr>
@@ -8636,8 +8639,8 @@
         </p:blipFill>
         <p:spPr>
           <a:xfrm>
-            <a:off x="3008784" y="908719"/>
-            <a:ext cx="5400600" cy="5792745"/>
+            <a:off x="1280592" y="1844824"/>
+            <a:ext cx="6759597" cy="4248472"/>
           </a:xfrm>
           <a:prstGeom prst="rect">
             <a:avLst/>
@@ -8719,6 +8722,18 @@
               <a:rPr lang="ko-KR" altLang="en-US" dirty="0" smtClean="0"/>
               <a:t>클래스</a:t>
             </a:r>
+            <a:r>
+              <a:rPr lang="en-US" altLang="ko-KR" dirty="0" smtClean="0"/>
+              <a:t>(</a:t>
+            </a:r>
+            <a:r>
+              <a:rPr lang="ko-KR" altLang="en-US" dirty="0" smtClean="0"/>
+              <a:t>객체</a:t>
+            </a:r>
+            <a:r>
+              <a:rPr lang="en-US" altLang="ko-KR" dirty="0" smtClean="0"/>
+              <a:t>)</a:t>
+            </a:r>
             <a:endParaRPr lang="ko-KR" altLang="en-US" dirty="0"/>
           </a:p>
         </p:txBody>
@@ -8743,235 +8758,6 @@
               <a:t>17</a:t>
             </a:fld>
             <a:endParaRPr lang="ko-KR" altLang="en-US"/>
-          </a:p>
-        </p:txBody>
-      </p:sp>
-      <p:sp>
-        <p:nvSpPr>
-          <p:cNvPr id="7" name="내용 개체 틀 2">
-            <a:extLst>
-              <a:ext uri="{FF2B5EF4-FFF2-40B4-BE49-F238E27FC236}">
-                <a16:creationId xmlns:a16="http://schemas.microsoft.com/office/drawing/2014/main" id="{98AF3A4E-7D90-4241-89FE-799D6F9D5A94}"/>
-              </a:ext>
-            </a:extLst>
-          </p:cNvPr>
-          <p:cNvSpPr txBox="1">
-            <a:spLocks/>
-          </p:cNvSpPr>
-          <p:nvPr/>
-        </p:nvSpPr>
-        <p:spPr>
-          <a:xfrm>
-            <a:off x="914194" y="1052736"/>
-            <a:ext cx="4830894" cy="576064"/>
-          </a:xfrm>
-          <a:prstGeom prst="rect">
-            <a:avLst/>
-          </a:prstGeom>
-        </p:spPr>
-        <p:txBody>
-          <a:bodyPr/>
-          <a:lstStyle>
-            <a:lvl1pPr marL="228600" indent="-228600" algn="l" defTabSz="914400" rtl="0" eaLnBrk="1" latinLnBrk="1" hangingPunct="1">
-              <a:lnSpc>
-                <a:spcPct val="90000"/>
-              </a:lnSpc>
-              <a:spcBef>
-                <a:spcPts val="1000"/>
-              </a:spcBef>
-              <a:buFont typeface="Arial" panose="020B0604020202020204" pitchFamily="34" charset="0"/>
-              <a:buChar char="•"/>
-              <a:defRPr sz="2800" kern="1200">
-                <a:solidFill>
-                  <a:schemeClr val="tx1"/>
-                </a:solidFill>
-                <a:latin typeface="+mn-lt"/>
-                <a:ea typeface="+mn-ea"/>
-                <a:cs typeface="+mn-cs"/>
-              </a:defRPr>
-            </a:lvl1pPr>
-            <a:lvl2pPr marL="685800" indent="-228600" algn="l" defTabSz="914400" rtl="0" eaLnBrk="1" latinLnBrk="1" hangingPunct="1">
-              <a:lnSpc>
-                <a:spcPct val="90000"/>
-              </a:lnSpc>
-              <a:spcBef>
-                <a:spcPts val="500"/>
-              </a:spcBef>
-              <a:buFont typeface="Arial" panose="020B0604020202020204" pitchFamily="34" charset="0"/>
-              <a:buChar char="•"/>
-              <a:defRPr sz="2400" kern="1200">
-                <a:solidFill>
-                  <a:schemeClr val="tx1"/>
-                </a:solidFill>
-                <a:latin typeface="+mn-lt"/>
-                <a:ea typeface="+mn-ea"/>
-                <a:cs typeface="+mn-cs"/>
-              </a:defRPr>
-            </a:lvl2pPr>
-            <a:lvl3pPr marL="1143000" indent="-228600" algn="l" defTabSz="914400" rtl="0" eaLnBrk="1" latinLnBrk="1" hangingPunct="1">
-              <a:lnSpc>
-                <a:spcPct val="90000"/>
-              </a:lnSpc>
-              <a:spcBef>
-                <a:spcPts val="500"/>
-              </a:spcBef>
-              <a:buFont typeface="Arial" panose="020B0604020202020204" pitchFamily="34" charset="0"/>
-              <a:buChar char="•"/>
-              <a:defRPr sz="2000" kern="1200">
-                <a:solidFill>
-                  <a:schemeClr val="tx1"/>
-                </a:solidFill>
-                <a:latin typeface="+mn-lt"/>
-                <a:ea typeface="+mn-ea"/>
-                <a:cs typeface="+mn-cs"/>
-              </a:defRPr>
-            </a:lvl3pPr>
-            <a:lvl4pPr marL="1600200" indent="-228600" algn="l" defTabSz="914400" rtl="0" eaLnBrk="1" latinLnBrk="1" hangingPunct="1">
-              <a:lnSpc>
-                <a:spcPct val="90000"/>
-              </a:lnSpc>
-              <a:spcBef>
-                <a:spcPts val="500"/>
-              </a:spcBef>
-              <a:buFont typeface="Arial" panose="020B0604020202020204" pitchFamily="34" charset="0"/>
-              <a:buChar char="•"/>
-              <a:defRPr sz="1800" kern="1200">
-                <a:solidFill>
-                  <a:schemeClr val="tx1"/>
-                </a:solidFill>
-                <a:latin typeface="+mn-lt"/>
-                <a:ea typeface="+mn-ea"/>
-                <a:cs typeface="+mn-cs"/>
-              </a:defRPr>
-            </a:lvl4pPr>
-            <a:lvl5pPr marL="2057400" indent="-228600" algn="l" defTabSz="914400" rtl="0" eaLnBrk="1" latinLnBrk="1" hangingPunct="1">
-              <a:lnSpc>
-                <a:spcPct val="90000"/>
-              </a:lnSpc>
-              <a:spcBef>
-                <a:spcPts val="500"/>
-              </a:spcBef>
-              <a:buFont typeface="Arial" panose="020B0604020202020204" pitchFamily="34" charset="0"/>
-              <a:buChar char="•"/>
-              <a:defRPr sz="1800" kern="1200">
-                <a:solidFill>
-                  <a:schemeClr val="tx1"/>
-                </a:solidFill>
-                <a:latin typeface="+mn-lt"/>
-                <a:ea typeface="+mn-ea"/>
-                <a:cs typeface="+mn-cs"/>
-              </a:defRPr>
-            </a:lvl5pPr>
-            <a:lvl6pPr marL="2514600" indent="-228600" algn="l" defTabSz="914400" rtl="0" eaLnBrk="1" latinLnBrk="1" hangingPunct="1">
-              <a:lnSpc>
-                <a:spcPct val="90000"/>
-              </a:lnSpc>
-              <a:spcBef>
-                <a:spcPts val="500"/>
-              </a:spcBef>
-              <a:buFont typeface="Arial" panose="020B0604020202020204" pitchFamily="34" charset="0"/>
-              <a:buChar char="•"/>
-              <a:defRPr sz="1800" kern="1200">
-                <a:solidFill>
-                  <a:schemeClr val="tx1"/>
-                </a:solidFill>
-                <a:latin typeface="+mn-lt"/>
-                <a:ea typeface="+mn-ea"/>
-                <a:cs typeface="+mn-cs"/>
-              </a:defRPr>
-            </a:lvl6pPr>
-            <a:lvl7pPr marL="2971800" indent="-228600" algn="l" defTabSz="914400" rtl="0" eaLnBrk="1" latinLnBrk="1" hangingPunct="1">
-              <a:lnSpc>
-                <a:spcPct val="90000"/>
-              </a:lnSpc>
-              <a:spcBef>
-                <a:spcPts val="500"/>
-              </a:spcBef>
-              <a:buFont typeface="Arial" panose="020B0604020202020204" pitchFamily="34" charset="0"/>
-              <a:buChar char="•"/>
-              <a:defRPr sz="1800" kern="1200">
-                <a:solidFill>
-                  <a:schemeClr val="tx1"/>
-                </a:solidFill>
-                <a:latin typeface="+mn-lt"/>
-                <a:ea typeface="+mn-ea"/>
-                <a:cs typeface="+mn-cs"/>
-              </a:defRPr>
-            </a:lvl7pPr>
-            <a:lvl8pPr marL="3429000" indent="-228600" algn="l" defTabSz="914400" rtl="0" eaLnBrk="1" latinLnBrk="1" hangingPunct="1">
-              <a:lnSpc>
-                <a:spcPct val="90000"/>
-              </a:lnSpc>
-              <a:spcBef>
-                <a:spcPts val="500"/>
-              </a:spcBef>
-              <a:buFont typeface="Arial" panose="020B0604020202020204" pitchFamily="34" charset="0"/>
-              <a:buChar char="•"/>
-              <a:defRPr sz="1800" kern="1200">
-                <a:solidFill>
-                  <a:schemeClr val="tx1"/>
-                </a:solidFill>
-                <a:latin typeface="+mn-lt"/>
-                <a:ea typeface="+mn-ea"/>
-                <a:cs typeface="+mn-cs"/>
-              </a:defRPr>
-            </a:lvl8pPr>
-            <a:lvl9pPr marL="3886200" indent="-228600" algn="l" defTabSz="914400" rtl="0" eaLnBrk="1" latinLnBrk="1" hangingPunct="1">
-              <a:lnSpc>
-                <a:spcPct val="90000"/>
-              </a:lnSpc>
-              <a:spcBef>
-                <a:spcPts val="500"/>
-              </a:spcBef>
-              <a:buFont typeface="Arial" panose="020B0604020202020204" pitchFamily="34" charset="0"/>
-              <a:buChar char="•"/>
-              <a:defRPr sz="1800" kern="1200">
-                <a:solidFill>
-                  <a:schemeClr val="tx1"/>
-                </a:solidFill>
-                <a:latin typeface="+mn-lt"/>
-                <a:ea typeface="+mn-ea"/>
-                <a:cs typeface="+mn-cs"/>
-              </a:defRPr>
-            </a:lvl9pPr>
-          </a:lstStyle>
-          <a:p>
-            <a:pPr>
-              <a:lnSpc>
-                <a:spcPct val="150000"/>
-              </a:lnSpc>
-              <a:buFont typeface="Wingdings" panose="05000000000000000000" pitchFamily="2" charset="2"/>
-              <a:buChar char="§"/>
-            </a:pPr>
-            <a:r>
-              <a:rPr lang="en-US" altLang="ko-KR" sz="1800" b="1" dirty="0" smtClean="0"/>
-              <a:t>Book </a:t>
-            </a:r>
-            <a:r>
-              <a:rPr lang="ko-KR" altLang="en-US" sz="1800" b="1" dirty="0" smtClean="0"/>
-              <a:t>클래스</a:t>
-            </a:r>
-            <a:r>
-              <a:rPr lang="ko-KR" altLang="en-US" sz="1800" b="1" dirty="0"/>
-              <a:t>로</a:t>
-            </a:r>
-            <a:r>
-              <a:rPr lang="ko-KR" altLang="en-US" sz="1800" b="1" dirty="0" smtClean="0"/>
-              <a:t> </a:t>
-            </a:r>
-            <a:r>
-              <a:rPr lang="en-US" altLang="ko-KR" sz="1800" b="1" dirty="0" err="1" smtClean="0"/>
-              <a:t>ArrayList</a:t>
-            </a:r>
-            <a:r>
-              <a:rPr lang="ko-KR" altLang="en-US" sz="1800" b="1" dirty="0"/>
-              <a:t>로</a:t>
-            </a:r>
-            <a:r>
-              <a:rPr lang="ko-KR" altLang="en-US" sz="1800" b="1" dirty="0" smtClean="0"/>
-              <a:t> 구현 </a:t>
-            </a:r>
-            <a:endParaRPr lang="en-US" altLang="ko-KR" sz="1800" b="1" dirty="0" smtClean="0"/>
           </a:p>
         </p:txBody>
       </p:sp>
@@ -8997,8 +8783,8 @@
         </p:blipFill>
         <p:spPr>
           <a:xfrm>
-            <a:off x="1568624" y="1606082"/>
-            <a:ext cx="6348011" cy="4625741"/>
+            <a:off x="1352600" y="1052736"/>
+            <a:ext cx="6192688" cy="5025093"/>
           </a:xfrm>
           <a:prstGeom prst="rect">
             <a:avLst/>
@@ -9006,7 +8792,7 @@
           <a:ln>
             <a:solidFill>
               <a:schemeClr val="bg1">
-                <a:lumMod val="75000"/>
+                <a:lumMod val="85000"/>
               </a:schemeClr>
             </a:solidFill>
           </a:ln>
@@ -9015,7 +8801,7 @@
     </p:spTree>
     <p:extLst>
       <p:ext uri="{BB962C8B-B14F-4D97-AF65-F5344CB8AC3E}">
-        <p14:creationId xmlns:p14="http://schemas.microsoft.com/office/powerpoint/2010/main" val="1950272320"/>
+        <p14:creationId xmlns:p14="http://schemas.microsoft.com/office/powerpoint/2010/main" val="2502864881"/>
       </p:ext>
     </p:extLst>
   </p:cSld>
@@ -9069,28 +8855,16 @@
               <a:t> </a:t>
             </a:r>
             <a:r>
-              <a:rPr lang="ko-KR" altLang="en-US" dirty="0"/>
+              <a:rPr lang="en-US" altLang="ko-KR" dirty="0" err="1" smtClean="0"/>
+              <a:t>ArrayList</a:t>
+            </a:r>
+            <a:r>
+              <a:rPr lang="en-US" altLang="ko-KR" dirty="0" smtClean="0"/>
               <a:t> </a:t>
             </a:r>
             <a:r>
               <a:rPr lang="ko-KR" altLang="en-US" dirty="0" smtClean="0"/>
               <a:t>클래스</a:t>
-            </a:r>
-            <a:r>
-              <a:rPr lang="en-US" altLang="ko-KR" dirty="0" smtClean="0"/>
-              <a:t>(</a:t>
-            </a:r>
-            <a:r>
-              <a:rPr lang="ko-KR" altLang="en-US" dirty="0" err="1" smtClean="0"/>
-              <a:t>자료형</a:t>
-            </a:r>
-            <a:r>
-              <a:rPr lang="en-US" altLang="ko-KR" dirty="0" smtClean="0"/>
-              <a:t>)</a:t>
-            </a:r>
-            <a:r>
-              <a:rPr lang="ko-KR" altLang="en-US" dirty="0" smtClean="0"/>
-              <a:t> 참조</a:t>
             </a:r>
             <a:endParaRPr lang="ko-KR" altLang="en-US" dirty="0"/>
           </a:p>
@@ -9121,988 +8895,274 @@
       </p:sp>
       <p:sp>
         <p:nvSpPr>
-          <p:cNvPr id="21" name="직사각형 20"/>
-          <p:cNvSpPr/>
+          <p:cNvPr id="7" name="내용 개체 틀 2">
+            <a:extLst>
+              <a:ext uri="{FF2B5EF4-FFF2-40B4-BE49-F238E27FC236}">
+                <a16:creationId xmlns:a16="http://schemas.microsoft.com/office/drawing/2014/main" id="{98AF3A4E-7D90-4241-89FE-799D6F9D5A94}"/>
+              </a:ext>
+            </a:extLst>
+          </p:cNvPr>
+          <p:cNvSpPr txBox="1">
+            <a:spLocks/>
+          </p:cNvSpPr>
           <p:nvPr/>
         </p:nvSpPr>
         <p:spPr>
           <a:xfrm>
-            <a:off x="1013641" y="1549818"/>
-            <a:ext cx="2160240" cy="1443222"/>
-          </a:xfrm>
-          <a:prstGeom prst="rect">
-            <a:avLst/>
-          </a:prstGeom>
-          <a:ln w="19050"/>
-        </p:spPr>
-        <p:style>
-          <a:lnRef idx="2">
-            <a:schemeClr val="accent4"/>
-          </a:lnRef>
-          <a:fillRef idx="1">
-            <a:schemeClr val="lt1"/>
-          </a:fillRef>
-          <a:effectRef idx="0">
-            <a:schemeClr val="accent4"/>
-          </a:effectRef>
-          <a:fontRef idx="minor">
-            <a:schemeClr val="dk1"/>
-          </a:fontRef>
-        </p:style>
-        <p:txBody>
-          <a:bodyPr rtlCol="0" anchor="ctr"/>
-          <a:lstStyle/>
-          <a:p>
-            <a:r>
-              <a:rPr lang="ko-KR" altLang="en-US" sz="1600" dirty="0" smtClean="0">
-                <a:latin typeface="+mn-ea"/>
-              </a:rPr>
-              <a:t> 학번</a:t>
-            </a:r>
-            <a:endParaRPr lang="en-US" altLang="ko-KR" sz="1600" dirty="0" smtClean="0">
-              <a:latin typeface="+mn-ea"/>
-            </a:endParaRPr>
-          </a:p>
-          <a:p>
-            <a:r>
-              <a:rPr lang="ko-KR" altLang="en-US" sz="1600" dirty="0" smtClean="0">
-                <a:latin typeface="+mn-ea"/>
-              </a:rPr>
-              <a:t> 학생 이름</a:t>
-            </a:r>
-            <a:endParaRPr lang="en-US" altLang="ko-KR" sz="1600" dirty="0" smtClean="0">
-              <a:latin typeface="+mn-ea"/>
-            </a:endParaRPr>
-          </a:p>
-          <a:p>
-            <a:r>
-              <a:rPr lang="ko-KR" altLang="en-US" sz="1600" dirty="0" smtClean="0">
-                <a:latin typeface="+mn-ea"/>
-              </a:rPr>
-              <a:t> 국어 성적</a:t>
-            </a:r>
-            <a:endParaRPr lang="en-US" altLang="ko-KR" sz="1600" dirty="0" smtClean="0">
-              <a:latin typeface="+mn-ea"/>
-            </a:endParaRPr>
-          </a:p>
-          <a:p>
-            <a:r>
-              <a:rPr lang="ko-KR" altLang="en-US" sz="1600" dirty="0" smtClean="0">
-                <a:latin typeface="+mn-ea"/>
-              </a:rPr>
-              <a:t> 수학 성적</a:t>
-            </a:r>
-            <a:endParaRPr lang="en-US" altLang="ko-KR" sz="1600" dirty="0" smtClean="0">
-              <a:latin typeface="+mn-ea"/>
-            </a:endParaRPr>
-          </a:p>
-          <a:p>
-            <a:r>
-              <a:rPr lang="ko-KR" altLang="en-US" sz="1600" dirty="0" smtClean="0">
-                <a:latin typeface="+mn-ea"/>
-              </a:rPr>
-              <a:t> 수강 과목 이름</a:t>
-            </a:r>
-            <a:endParaRPr lang="ko-KR" altLang="en-US" sz="1600" dirty="0">
-              <a:latin typeface="+mn-ea"/>
-            </a:endParaRPr>
-          </a:p>
-        </p:txBody>
-      </p:sp>
-      <p:sp>
-        <p:nvSpPr>
-          <p:cNvPr id="23" name="TextBox 22"/>
-          <p:cNvSpPr txBox="1"/>
-          <p:nvPr/>
-        </p:nvSpPr>
-        <p:spPr>
-          <a:xfrm>
-            <a:off x="1528299" y="1180486"/>
-            <a:ext cx="781486" cy="338554"/>
-          </a:xfrm>
-          <a:prstGeom prst="rect">
-            <a:avLst/>
-          </a:prstGeom>
-          <a:noFill/>
-          <a:ln w="19050">
-            <a:solidFill>
-              <a:schemeClr val="tx1"/>
-            </a:solidFill>
-            <a:prstDash val="sysDot"/>
-          </a:ln>
-        </p:spPr>
-        <p:txBody>
-          <a:bodyPr wrap="square" rtlCol="0">
-            <a:spAutoFit/>
-          </a:bodyPr>
-          <a:lstStyle/>
-          <a:p>
-            <a:r>
-              <a:rPr lang="ko-KR" altLang="en-US" sz="1600" dirty="0" smtClean="0"/>
-              <a:t>학생</a:t>
-            </a:r>
-            <a:endParaRPr lang="en-US" altLang="ko-KR" sz="1600" dirty="0" smtClean="0"/>
-          </a:p>
-        </p:txBody>
-      </p:sp>
-      <p:sp>
-        <p:nvSpPr>
-          <p:cNvPr id="24" name="직사각형 23"/>
-          <p:cNvSpPr/>
-          <p:nvPr/>
-        </p:nvSpPr>
-        <p:spPr>
-          <a:xfrm>
-            <a:off x="3749945" y="1549818"/>
-            <a:ext cx="2160240" cy="1443222"/>
-          </a:xfrm>
-          <a:prstGeom prst="rect">
-            <a:avLst/>
-          </a:prstGeom>
-          <a:ln w="19050"/>
-        </p:spPr>
-        <p:style>
-          <a:lnRef idx="2">
-            <a:schemeClr val="accent4"/>
-          </a:lnRef>
-          <a:fillRef idx="1">
-            <a:schemeClr val="lt1"/>
-          </a:fillRef>
-          <a:effectRef idx="0">
-            <a:schemeClr val="accent4"/>
-          </a:effectRef>
-          <a:fontRef idx="minor">
-            <a:schemeClr val="dk1"/>
-          </a:fontRef>
-        </p:style>
-        <p:txBody>
-          <a:bodyPr rtlCol="0" anchor="ctr"/>
-          <a:lstStyle/>
-          <a:p>
-            <a:r>
-              <a:rPr lang="ko-KR" altLang="en-US" sz="1600" dirty="0" smtClean="0">
-                <a:latin typeface="+mn-ea"/>
-              </a:rPr>
-              <a:t> 학번</a:t>
-            </a:r>
-            <a:endParaRPr lang="en-US" altLang="ko-KR" sz="1600" dirty="0" smtClean="0">
-              <a:latin typeface="+mn-ea"/>
-            </a:endParaRPr>
-          </a:p>
-          <a:p>
-            <a:r>
-              <a:rPr lang="ko-KR" altLang="en-US" sz="1600" dirty="0" smtClean="0">
-                <a:latin typeface="+mn-ea"/>
-              </a:rPr>
-              <a:t> 학생 이름</a:t>
-            </a:r>
-            <a:endParaRPr lang="en-US" altLang="ko-KR" sz="1600" dirty="0" smtClean="0">
-              <a:latin typeface="+mn-ea"/>
-            </a:endParaRPr>
-          </a:p>
-          <a:p>
-            <a:r>
-              <a:rPr lang="ko-KR" altLang="en-US" sz="1600" dirty="0" smtClean="0">
-                <a:latin typeface="+mn-ea"/>
-              </a:rPr>
-              <a:t> 국어 과목</a:t>
-            </a:r>
-            <a:endParaRPr lang="en-US" altLang="ko-KR" sz="1600" dirty="0" smtClean="0">
-              <a:latin typeface="+mn-ea"/>
-            </a:endParaRPr>
-          </a:p>
-          <a:p>
-            <a:r>
-              <a:rPr lang="ko-KR" altLang="en-US" sz="1600" dirty="0" smtClean="0">
-                <a:latin typeface="+mn-ea"/>
-              </a:rPr>
-              <a:t> 수학 과목</a:t>
-            </a:r>
-            <a:endParaRPr lang="en-US" altLang="ko-KR" sz="1600" dirty="0" smtClean="0">
-              <a:latin typeface="+mn-ea"/>
-            </a:endParaRPr>
-          </a:p>
-          <a:p>
-            <a:endParaRPr lang="en-US" altLang="ko-KR" sz="1600" dirty="0" smtClean="0">
-              <a:latin typeface="+mn-ea"/>
-            </a:endParaRPr>
-          </a:p>
-        </p:txBody>
-      </p:sp>
-      <p:sp>
-        <p:nvSpPr>
-          <p:cNvPr id="25" name="TextBox 24"/>
-          <p:cNvSpPr txBox="1"/>
-          <p:nvPr/>
-        </p:nvSpPr>
-        <p:spPr>
-          <a:xfrm>
-            <a:off x="4264603" y="1180486"/>
-            <a:ext cx="781486" cy="338554"/>
-          </a:xfrm>
-          <a:prstGeom prst="rect">
-            <a:avLst/>
-          </a:prstGeom>
-          <a:noFill/>
-          <a:ln w="19050">
-            <a:solidFill>
-              <a:schemeClr val="tx1"/>
-            </a:solidFill>
-            <a:prstDash val="sysDot"/>
-          </a:ln>
-        </p:spPr>
-        <p:txBody>
-          <a:bodyPr wrap="square" rtlCol="0">
-            <a:spAutoFit/>
-          </a:bodyPr>
-          <a:lstStyle/>
-          <a:p>
-            <a:r>
-              <a:rPr lang="ko-KR" altLang="en-US" sz="1600" dirty="0" smtClean="0"/>
-              <a:t>학생</a:t>
-            </a:r>
-            <a:endParaRPr lang="en-US" altLang="ko-KR" sz="1600" dirty="0" smtClean="0"/>
-          </a:p>
-        </p:txBody>
-      </p:sp>
-      <p:sp>
-        <p:nvSpPr>
-          <p:cNvPr id="26" name="직사각형 25"/>
-          <p:cNvSpPr/>
-          <p:nvPr/>
-        </p:nvSpPr>
-        <p:spPr>
-          <a:xfrm>
-            <a:off x="6393160" y="1549818"/>
-            <a:ext cx="2160240" cy="1443222"/>
-          </a:xfrm>
-          <a:prstGeom prst="rect">
-            <a:avLst/>
-          </a:prstGeom>
-          <a:ln w="19050"/>
-        </p:spPr>
-        <p:style>
-          <a:lnRef idx="2">
-            <a:schemeClr val="accent4"/>
-          </a:lnRef>
-          <a:fillRef idx="1">
-            <a:schemeClr val="lt1"/>
-          </a:fillRef>
-          <a:effectRef idx="0">
-            <a:schemeClr val="accent4"/>
-          </a:effectRef>
-          <a:fontRef idx="minor">
-            <a:schemeClr val="dk1"/>
-          </a:fontRef>
-        </p:style>
-        <p:txBody>
-          <a:bodyPr rtlCol="0" anchor="ctr"/>
-          <a:lstStyle/>
-          <a:p>
-            <a:r>
-              <a:rPr lang="ko-KR" altLang="en-US" sz="1600" dirty="0" smtClean="0">
-                <a:latin typeface="+mn-ea"/>
-              </a:rPr>
-              <a:t> 과목 이름</a:t>
-            </a:r>
-            <a:endParaRPr lang="en-US" altLang="ko-KR" sz="1600" dirty="0" smtClean="0">
-              <a:latin typeface="+mn-ea"/>
-            </a:endParaRPr>
-          </a:p>
-          <a:p>
-            <a:r>
-              <a:rPr lang="ko-KR" altLang="en-US" sz="1600" dirty="0" smtClean="0">
-                <a:latin typeface="+mn-ea"/>
-              </a:rPr>
-              <a:t> 과목 점수</a:t>
-            </a:r>
-            <a:endParaRPr lang="en-US" altLang="ko-KR" sz="1600" dirty="0" smtClean="0">
-              <a:latin typeface="+mn-ea"/>
-            </a:endParaRPr>
-          </a:p>
-          <a:p>
-            <a:endParaRPr lang="en-US" altLang="ko-KR" sz="1600" dirty="0">
-              <a:latin typeface="+mn-ea"/>
-            </a:endParaRPr>
-          </a:p>
-          <a:p>
-            <a:endParaRPr lang="en-US" altLang="ko-KR" sz="1600" dirty="0" smtClean="0">
-              <a:latin typeface="+mn-ea"/>
-            </a:endParaRPr>
-          </a:p>
-          <a:p>
-            <a:endParaRPr lang="ko-KR" altLang="en-US" sz="1600" dirty="0">
-              <a:latin typeface="+mn-ea"/>
-            </a:endParaRPr>
-          </a:p>
-        </p:txBody>
-      </p:sp>
-      <p:sp>
-        <p:nvSpPr>
-          <p:cNvPr id="28" name="아래쪽 화살표 27"/>
-          <p:cNvSpPr/>
-          <p:nvPr/>
-        </p:nvSpPr>
-        <p:spPr>
-          <a:xfrm rot="16200000">
-            <a:off x="3384736" y="2046375"/>
-            <a:ext cx="192406" cy="434585"/>
-          </a:xfrm>
-          <a:prstGeom prst="downArrow">
-            <a:avLst/>
-          </a:prstGeom>
-          <a:solidFill>
-            <a:schemeClr val="accent6">
-              <a:lumMod val="75000"/>
-            </a:schemeClr>
-          </a:solidFill>
-          <a:ln w="19050">
-            <a:solidFill>
-              <a:schemeClr val="tx1"/>
-            </a:solidFill>
-          </a:ln>
-        </p:spPr>
-        <p:style>
-          <a:lnRef idx="2">
-            <a:schemeClr val="accent1">
-              <a:shade val="50000"/>
-            </a:schemeClr>
-          </a:lnRef>
-          <a:fillRef idx="1">
-            <a:schemeClr val="accent1"/>
-          </a:fillRef>
-          <a:effectRef idx="0">
-            <a:schemeClr val="accent1"/>
-          </a:effectRef>
-          <a:fontRef idx="minor">
-            <a:schemeClr val="lt1"/>
-          </a:fontRef>
-        </p:style>
-        <p:txBody>
-          <a:bodyPr rtlCol="0" anchor="ctr"/>
-          <a:lstStyle/>
-          <a:p>
-            <a:pPr algn="ctr"/>
-            <a:endParaRPr lang="ko-KR" altLang="en-US" sz="1600"/>
-          </a:p>
-        </p:txBody>
-      </p:sp>
-      <p:sp>
-        <p:nvSpPr>
-          <p:cNvPr id="29" name="TextBox 28"/>
-          <p:cNvSpPr txBox="1"/>
-          <p:nvPr/>
-        </p:nvSpPr>
-        <p:spPr>
-          <a:xfrm>
-            <a:off x="5971143" y="2079001"/>
-            <a:ext cx="365279" cy="338554"/>
-          </a:xfrm>
-          <a:prstGeom prst="rect">
-            <a:avLst/>
-          </a:prstGeom>
-          <a:noFill/>
-          <a:ln w="19050">
-            <a:solidFill>
-              <a:schemeClr val="tx1"/>
-            </a:solidFill>
-            <a:prstDash val="sysDot"/>
-          </a:ln>
-        </p:spPr>
-        <p:txBody>
-          <a:bodyPr wrap="square" rtlCol="0">
-            <a:spAutoFit/>
-          </a:bodyPr>
-          <a:lstStyle/>
-          <a:p>
-            <a:r>
-              <a:rPr lang="en-US" altLang="ko-KR" sz="1600" b="1" dirty="0"/>
-              <a:t>+</a:t>
-            </a:r>
-            <a:endParaRPr lang="en-US" altLang="ko-KR" sz="1600" b="1" dirty="0" smtClean="0"/>
-          </a:p>
-        </p:txBody>
-      </p:sp>
-      <p:sp>
-        <p:nvSpPr>
-          <p:cNvPr id="34" name="직사각형 33"/>
-          <p:cNvSpPr/>
-          <p:nvPr/>
-        </p:nvSpPr>
-        <p:spPr>
-          <a:xfrm>
-            <a:off x="761613" y="5157192"/>
-            <a:ext cx="8568952" cy="923330"/>
+            <a:off x="914194" y="1052736"/>
+            <a:ext cx="4830894" cy="576064"/>
           </a:xfrm>
           <a:prstGeom prst="rect">
             <a:avLst/>
           </a:prstGeom>
         </p:spPr>
         <p:txBody>
-          <a:bodyPr wrap="square">
-            <a:spAutoFit/>
-          </a:bodyPr>
-          <a:lstStyle/>
+          <a:bodyPr/>
+          <a:lstStyle>
+            <a:lvl1pPr marL="228600" indent="-228600" algn="l" defTabSz="914400" rtl="0" eaLnBrk="1" latinLnBrk="1" hangingPunct="1">
+              <a:lnSpc>
+                <a:spcPct val="90000"/>
+              </a:lnSpc>
+              <a:spcBef>
+                <a:spcPts val="1000"/>
+              </a:spcBef>
+              <a:buFont typeface="Arial" panose="020B0604020202020204" pitchFamily="34" charset="0"/>
+              <a:buChar char="•"/>
+              <a:defRPr sz="2800" kern="1200">
+                <a:solidFill>
+                  <a:schemeClr val="tx1"/>
+                </a:solidFill>
+                <a:latin typeface="+mn-lt"/>
+                <a:ea typeface="+mn-ea"/>
+                <a:cs typeface="+mn-cs"/>
+              </a:defRPr>
+            </a:lvl1pPr>
+            <a:lvl2pPr marL="685800" indent="-228600" algn="l" defTabSz="914400" rtl="0" eaLnBrk="1" latinLnBrk="1" hangingPunct="1">
+              <a:lnSpc>
+                <a:spcPct val="90000"/>
+              </a:lnSpc>
+              <a:spcBef>
+                <a:spcPts val="500"/>
+              </a:spcBef>
+              <a:buFont typeface="Arial" panose="020B0604020202020204" pitchFamily="34" charset="0"/>
+              <a:buChar char="•"/>
+              <a:defRPr sz="2400" kern="1200">
+                <a:solidFill>
+                  <a:schemeClr val="tx1"/>
+                </a:solidFill>
+                <a:latin typeface="+mn-lt"/>
+                <a:ea typeface="+mn-ea"/>
+                <a:cs typeface="+mn-cs"/>
+              </a:defRPr>
+            </a:lvl2pPr>
+            <a:lvl3pPr marL="1143000" indent="-228600" algn="l" defTabSz="914400" rtl="0" eaLnBrk="1" latinLnBrk="1" hangingPunct="1">
+              <a:lnSpc>
+                <a:spcPct val="90000"/>
+              </a:lnSpc>
+              <a:spcBef>
+                <a:spcPts val="500"/>
+              </a:spcBef>
+              <a:buFont typeface="Arial" panose="020B0604020202020204" pitchFamily="34" charset="0"/>
+              <a:buChar char="•"/>
+              <a:defRPr sz="2000" kern="1200">
+                <a:solidFill>
+                  <a:schemeClr val="tx1"/>
+                </a:solidFill>
+                <a:latin typeface="+mn-lt"/>
+                <a:ea typeface="+mn-ea"/>
+                <a:cs typeface="+mn-cs"/>
+              </a:defRPr>
+            </a:lvl3pPr>
+            <a:lvl4pPr marL="1600200" indent="-228600" algn="l" defTabSz="914400" rtl="0" eaLnBrk="1" latinLnBrk="1" hangingPunct="1">
+              <a:lnSpc>
+                <a:spcPct val="90000"/>
+              </a:lnSpc>
+              <a:spcBef>
+                <a:spcPts val="500"/>
+              </a:spcBef>
+              <a:buFont typeface="Arial" panose="020B0604020202020204" pitchFamily="34" charset="0"/>
+              <a:buChar char="•"/>
+              <a:defRPr sz="1800" kern="1200">
+                <a:solidFill>
+                  <a:schemeClr val="tx1"/>
+                </a:solidFill>
+                <a:latin typeface="+mn-lt"/>
+                <a:ea typeface="+mn-ea"/>
+                <a:cs typeface="+mn-cs"/>
+              </a:defRPr>
+            </a:lvl4pPr>
+            <a:lvl5pPr marL="2057400" indent="-228600" algn="l" defTabSz="914400" rtl="0" eaLnBrk="1" latinLnBrk="1" hangingPunct="1">
+              <a:lnSpc>
+                <a:spcPct val="90000"/>
+              </a:lnSpc>
+              <a:spcBef>
+                <a:spcPts val="500"/>
+              </a:spcBef>
+              <a:buFont typeface="Arial" panose="020B0604020202020204" pitchFamily="34" charset="0"/>
+              <a:buChar char="•"/>
+              <a:defRPr sz="1800" kern="1200">
+                <a:solidFill>
+                  <a:schemeClr val="tx1"/>
+                </a:solidFill>
+                <a:latin typeface="+mn-lt"/>
+                <a:ea typeface="+mn-ea"/>
+                <a:cs typeface="+mn-cs"/>
+              </a:defRPr>
+            </a:lvl5pPr>
+            <a:lvl6pPr marL="2514600" indent="-228600" algn="l" defTabSz="914400" rtl="0" eaLnBrk="1" latinLnBrk="1" hangingPunct="1">
+              <a:lnSpc>
+                <a:spcPct val="90000"/>
+              </a:lnSpc>
+              <a:spcBef>
+                <a:spcPts val="500"/>
+              </a:spcBef>
+              <a:buFont typeface="Arial" panose="020B0604020202020204" pitchFamily="34" charset="0"/>
+              <a:buChar char="•"/>
+              <a:defRPr sz="1800" kern="1200">
+                <a:solidFill>
+                  <a:schemeClr val="tx1"/>
+                </a:solidFill>
+                <a:latin typeface="+mn-lt"/>
+                <a:ea typeface="+mn-ea"/>
+                <a:cs typeface="+mn-cs"/>
+              </a:defRPr>
+            </a:lvl6pPr>
+            <a:lvl7pPr marL="2971800" indent="-228600" algn="l" defTabSz="914400" rtl="0" eaLnBrk="1" latinLnBrk="1" hangingPunct="1">
+              <a:lnSpc>
+                <a:spcPct val="90000"/>
+              </a:lnSpc>
+              <a:spcBef>
+                <a:spcPts val="500"/>
+              </a:spcBef>
+              <a:buFont typeface="Arial" panose="020B0604020202020204" pitchFamily="34" charset="0"/>
+              <a:buChar char="•"/>
+              <a:defRPr sz="1800" kern="1200">
+                <a:solidFill>
+                  <a:schemeClr val="tx1"/>
+                </a:solidFill>
+                <a:latin typeface="+mn-lt"/>
+                <a:ea typeface="+mn-ea"/>
+                <a:cs typeface="+mn-cs"/>
+              </a:defRPr>
+            </a:lvl7pPr>
+            <a:lvl8pPr marL="3429000" indent="-228600" algn="l" defTabSz="914400" rtl="0" eaLnBrk="1" latinLnBrk="1" hangingPunct="1">
+              <a:lnSpc>
+                <a:spcPct val="90000"/>
+              </a:lnSpc>
+              <a:spcBef>
+                <a:spcPts val="500"/>
+              </a:spcBef>
+              <a:buFont typeface="Arial" panose="020B0604020202020204" pitchFamily="34" charset="0"/>
+              <a:buChar char="•"/>
+              <a:defRPr sz="1800" kern="1200">
+                <a:solidFill>
+                  <a:schemeClr val="tx1"/>
+                </a:solidFill>
+                <a:latin typeface="+mn-lt"/>
+                <a:ea typeface="+mn-ea"/>
+                <a:cs typeface="+mn-cs"/>
+              </a:defRPr>
+            </a:lvl8pPr>
+            <a:lvl9pPr marL="3886200" indent="-228600" algn="l" defTabSz="914400" rtl="0" eaLnBrk="1" latinLnBrk="1" hangingPunct="1">
+              <a:lnSpc>
+                <a:spcPct val="90000"/>
+              </a:lnSpc>
+              <a:spcBef>
+                <a:spcPts val="500"/>
+              </a:spcBef>
+              <a:buFont typeface="Arial" panose="020B0604020202020204" pitchFamily="34" charset="0"/>
+              <a:buChar char="•"/>
+              <a:defRPr sz="1800" kern="1200">
+                <a:solidFill>
+                  <a:schemeClr val="tx1"/>
+                </a:solidFill>
+                <a:latin typeface="+mn-lt"/>
+                <a:ea typeface="+mn-ea"/>
+                <a:cs typeface="+mn-cs"/>
+              </a:defRPr>
+            </a:lvl9pPr>
+          </a:lstStyle>
           <a:p>
             <a:pPr>
               <a:lnSpc>
                 <a:spcPct val="150000"/>
               </a:lnSpc>
+              <a:buFont typeface="Wingdings" panose="05000000000000000000" pitchFamily="2" charset="2"/>
+              <a:buChar char="§"/>
             </a:pPr>
             <a:r>
-              <a:rPr lang="en-US" altLang="ko-KR" b="1" dirty="0">
-                <a:solidFill>
-                  <a:srgbClr val="002060"/>
-                </a:solidFill>
-              </a:rPr>
+              <a:rPr lang="en-US" altLang="ko-KR" sz="1800" b="1" dirty="0" smtClean="0"/>
+              <a:t>Book </a:t>
+            </a:r>
+            <a:r>
+              <a:rPr lang="ko-KR" altLang="en-US" sz="1800" b="1" dirty="0" smtClean="0"/>
+              <a:t>클래스</a:t>
+            </a:r>
+            <a:r>
+              <a:rPr lang="ko-KR" altLang="en-US" sz="1800" b="1" dirty="0"/>
+              <a:t>로</a:t>
+            </a:r>
+            <a:r>
+              <a:rPr lang="ko-KR" altLang="en-US" sz="1800" b="1" dirty="0" smtClean="0"/>
               <a:t> </a:t>
             </a:r>
             <a:r>
-              <a:rPr lang="en-US" altLang="ko-KR" b="1" dirty="0" smtClean="0">
-                <a:solidFill>
-                  <a:srgbClr val="002060"/>
-                </a:solidFill>
-              </a:rPr>
-              <a:t>    </a:t>
-            </a:r>
-            <a:r>
-              <a:rPr lang="ko-KR" altLang="en-US" b="1" dirty="0" smtClean="0">
-                <a:solidFill>
-                  <a:srgbClr val="002060"/>
-                </a:solidFill>
-              </a:rPr>
-              <a:t>문제점 </a:t>
-            </a:r>
-            <a:r>
-              <a:rPr lang="en-US" altLang="ko-KR" b="1" dirty="0" smtClean="0">
-                <a:solidFill>
-                  <a:srgbClr val="002060"/>
-                </a:solidFill>
-              </a:rPr>
-              <a:t>: </a:t>
-            </a:r>
-            <a:r>
-              <a:rPr lang="ko-KR" altLang="en-US" b="1" dirty="0" smtClean="0">
-                <a:solidFill>
-                  <a:srgbClr val="002060"/>
-                </a:solidFill>
-              </a:rPr>
-              <a:t>이 클래스는 학생에 대한 클래스인데 과목 변수가 계속 늘어남</a:t>
-            </a:r>
-            <a:endParaRPr lang="en-US" altLang="ko-KR" b="1" dirty="0" smtClean="0">
-              <a:solidFill>
-                <a:srgbClr val="002060"/>
-              </a:solidFill>
-            </a:endParaRPr>
-          </a:p>
-          <a:p>
-            <a:pPr>
-              <a:lnSpc>
-                <a:spcPct val="150000"/>
-              </a:lnSpc>
-            </a:pPr>
-            <a:r>
-              <a:rPr lang="en-US" altLang="ko-KR" b="1" dirty="0">
-                <a:solidFill>
-                  <a:srgbClr val="002060"/>
-                </a:solidFill>
-              </a:rPr>
-              <a:t> </a:t>
-            </a:r>
-            <a:r>
-              <a:rPr lang="en-US" altLang="ko-KR" b="1" dirty="0" smtClean="0">
-                <a:solidFill>
-                  <a:srgbClr val="002060"/>
-                </a:solidFill>
-              </a:rPr>
-              <a:t>    </a:t>
-            </a:r>
-            <a:r>
-              <a:rPr lang="ko-KR" altLang="en-US" b="1" dirty="0" smtClean="0">
-                <a:solidFill>
-                  <a:srgbClr val="002060"/>
-                </a:solidFill>
-              </a:rPr>
-              <a:t>해결책 </a:t>
-            </a:r>
-            <a:r>
-              <a:rPr lang="en-US" altLang="ko-KR" b="1" dirty="0" smtClean="0">
-                <a:solidFill>
-                  <a:srgbClr val="002060"/>
-                </a:solidFill>
-              </a:rPr>
-              <a:t>: </a:t>
-            </a:r>
-            <a:r>
-              <a:rPr lang="ko-KR" altLang="en-US" b="1" dirty="0" smtClean="0">
-                <a:solidFill>
-                  <a:srgbClr val="002060"/>
-                </a:solidFill>
-              </a:rPr>
-              <a:t>과목이름과 성적을 과목</a:t>
-            </a:r>
-            <a:r>
-              <a:rPr lang="en-US" altLang="ko-KR" b="1" dirty="0" smtClean="0">
-                <a:solidFill>
-                  <a:srgbClr val="002060"/>
-                </a:solidFill>
-              </a:rPr>
-              <a:t>(Subject) </a:t>
-            </a:r>
-            <a:r>
-              <a:rPr lang="ko-KR" altLang="en-US" b="1" dirty="0" smtClean="0">
-                <a:solidFill>
-                  <a:srgbClr val="002060"/>
-                </a:solidFill>
-              </a:rPr>
-              <a:t>클래스로 분리함</a:t>
-            </a:r>
-            <a:r>
-              <a:rPr lang="en-US" altLang="ko-KR" b="1" dirty="0" smtClean="0">
-                <a:solidFill>
-                  <a:srgbClr val="002060"/>
-                </a:solidFill>
-              </a:rPr>
-              <a:t>.</a:t>
-            </a:r>
-            <a:endParaRPr lang="en-US" altLang="ko-KR" b="1" dirty="0">
-              <a:solidFill>
-                <a:srgbClr val="002060"/>
-              </a:solidFill>
-            </a:endParaRPr>
-          </a:p>
-        </p:txBody>
-      </p:sp>
-      <p:sp>
-        <p:nvSpPr>
-          <p:cNvPr id="37" name="직사각형 36"/>
-          <p:cNvSpPr/>
+              <a:rPr lang="en-US" altLang="ko-KR" sz="1800" b="1" dirty="0" err="1" smtClean="0"/>
+              <a:t>ArrayList</a:t>
+            </a:r>
+            <a:r>
+              <a:rPr lang="ko-KR" altLang="en-US" sz="1800" b="1" dirty="0"/>
+              <a:t>로</a:t>
+            </a:r>
+            <a:r>
+              <a:rPr lang="ko-KR" altLang="en-US" sz="1800" b="1" dirty="0" smtClean="0"/>
+              <a:t> 구현 </a:t>
+            </a:r>
+            <a:endParaRPr lang="en-US" altLang="ko-KR" sz="1800" b="1" dirty="0" smtClean="0"/>
+          </a:p>
+        </p:txBody>
+      </p:sp>
+      <p:pic>
+        <p:nvPicPr>
+          <p:cNvPr id="4" name="그림 3"/>
+          <p:cNvPicPr>
+            <a:picLocks noChangeAspect="1"/>
+          </p:cNvPicPr>
           <p:nvPr/>
-        </p:nvSpPr>
+        </p:nvPicPr>
+        <p:blipFill>
+          <a:blip r:embed="rId2">
+            <a:extLst>
+              <a:ext uri="{28A0092B-C50C-407E-A947-70E740481C1C}">
+                <a14:useLocalDpi xmlns:a14="http://schemas.microsoft.com/office/drawing/2010/main" val="0"/>
+              </a:ext>
+            </a:extLst>
+          </a:blip>
+          <a:stretch>
+            <a:fillRect/>
+          </a:stretch>
+        </p:blipFill>
         <p:spPr>
           <a:xfrm>
-            <a:off x="3749945" y="3569954"/>
-            <a:ext cx="2160240" cy="1443222"/>
+            <a:off x="1568624" y="1606082"/>
+            <a:ext cx="6018551" cy="4721061"/>
           </a:xfrm>
           <a:prstGeom prst="rect">
             <a:avLst/>
           </a:prstGeom>
-          <a:ln w="19050"/>
-        </p:spPr>
-        <p:style>
-          <a:lnRef idx="2">
-            <a:schemeClr val="accent4"/>
-          </a:lnRef>
-          <a:fillRef idx="1">
-            <a:schemeClr val="lt1"/>
-          </a:fillRef>
-          <a:effectRef idx="0">
-            <a:schemeClr val="accent4"/>
-          </a:effectRef>
-          <a:fontRef idx="minor">
-            <a:schemeClr val="dk1"/>
-          </a:fontRef>
-        </p:style>
-        <p:txBody>
-          <a:bodyPr rtlCol="0" anchor="ctr"/>
-          <a:lstStyle/>
-          <a:p>
-            <a:r>
-              <a:rPr lang="en-US" altLang="ko-KR" sz="1600" dirty="0" smtClean="0">
-                <a:latin typeface="+mn-ea"/>
-              </a:rPr>
-              <a:t> </a:t>
-            </a:r>
-            <a:r>
-              <a:rPr lang="en-US" altLang="ko-KR" sz="1600" dirty="0" err="1" smtClean="0">
-                <a:latin typeface="+mn-ea"/>
-              </a:rPr>
-              <a:t>int</a:t>
-            </a:r>
-            <a:r>
-              <a:rPr lang="en-US" altLang="ko-KR" sz="1600" dirty="0" smtClean="0">
-                <a:latin typeface="+mn-ea"/>
-              </a:rPr>
-              <a:t> </a:t>
-            </a:r>
-            <a:r>
-              <a:rPr lang="en-US" altLang="ko-KR" sz="1600" dirty="0" err="1" smtClean="0">
-                <a:latin typeface="+mn-ea"/>
-              </a:rPr>
-              <a:t>studentID</a:t>
-            </a:r>
-            <a:endParaRPr lang="en-US" altLang="ko-KR" sz="1600" dirty="0" smtClean="0">
-              <a:latin typeface="+mn-ea"/>
-            </a:endParaRPr>
-          </a:p>
-          <a:p>
-            <a:r>
-              <a:rPr lang="en-US" altLang="ko-KR" sz="1600" dirty="0" smtClean="0">
-                <a:latin typeface="+mn-ea"/>
-              </a:rPr>
-              <a:t> String </a:t>
-            </a:r>
-            <a:r>
-              <a:rPr lang="en-US" altLang="ko-KR" sz="1600" dirty="0" err="1" smtClean="0">
-                <a:latin typeface="+mn-ea"/>
-              </a:rPr>
-              <a:t>studentName</a:t>
-            </a:r>
-            <a:endParaRPr lang="en-US" altLang="ko-KR" sz="1600" dirty="0" smtClean="0">
-              <a:latin typeface="+mn-ea"/>
-            </a:endParaRPr>
-          </a:p>
-          <a:p>
-            <a:r>
-              <a:rPr lang="en-US" altLang="ko-KR" sz="1600" dirty="0" smtClean="0">
-                <a:latin typeface="+mn-ea"/>
-              </a:rPr>
-              <a:t> Subject Korean</a:t>
-            </a:r>
-          </a:p>
-          <a:p>
-            <a:r>
-              <a:rPr lang="en-US" altLang="ko-KR" sz="1600" dirty="0" smtClean="0">
-                <a:latin typeface="+mn-ea"/>
-              </a:rPr>
-              <a:t> Subject math</a:t>
-            </a:r>
-          </a:p>
-          <a:p>
-            <a:endParaRPr lang="en-US" altLang="ko-KR" sz="1600" dirty="0" smtClean="0">
-              <a:latin typeface="+mn-ea"/>
-            </a:endParaRPr>
-          </a:p>
-        </p:txBody>
-      </p:sp>
-      <p:sp>
-        <p:nvSpPr>
-          <p:cNvPr id="38" name="TextBox 37"/>
-          <p:cNvSpPr txBox="1"/>
-          <p:nvPr/>
-        </p:nvSpPr>
-        <p:spPr>
-          <a:xfrm>
-            <a:off x="4264603" y="3200622"/>
-            <a:ext cx="976430" cy="338554"/>
-          </a:xfrm>
-          <a:prstGeom prst="rect">
-            <a:avLst/>
-          </a:prstGeom>
-          <a:noFill/>
-          <a:ln w="19050">
+          <a:ln>
             <a:solidFill>
-              <a:schemeClr val="tx1"/>
+              <a:schemeClr val="bg1">
+                <a:lumMod val="85000"/>
+              </a:schemeClr>
             </a:solidFill>
-            <a:prstDash val="sysDot"/>
           </a:ln>
         </p:spPr>
-        <p:txBody>
-          <a:bodyPr wrap="square" rtlCol="0">
-            <a:spAutoFit/>
-          </a:bodyPr>
-          <a:lstStyle/>
-          <a:p>
-            <a:r>
-              <a:rPr lang="en-US" altLang="ko-KR" sz="1600" b="1" dirty="0" smtClean="0"/>
-              <a:t>Student</a:t>
-            </a:r>
-          </a:p>
-        </p:txBody>
-      </p:sp>
-      <p:sp>
-        <p:nvSpPr>
-          <p:cNvPr id="39" name="직사각형 38"/>
-          <p:cNvSpPr/>
-          <p:nvPr/>
-        </p:nvSpPr>
-        <p:spPr>
-          <a:xfrm>
-            <a:off x="6393160" y="3569954"/>
-            <a:ext cx="2160240" cy="1443222"/>
-          </a:xfrm>
-          <a:prstGeom prst="rect">
-            <a:avLst/>
-          </a:prstGeom>
-          <a:ln w="19050"/>
-        </p:spPr>
-        <p:style>
-          <a:lnRef idx="2">
-            <a:schemeClr val="accent4"/>
-          </a:lnRef>
-          <a:fillRef idx="1">
-            <a:schemeClr val="lt1"/>
-          </a:fillRef>
-          <a:effectRef idx="0">
-            <a:schemeClr val="accent4"/>
-          </a:effectRef>
-          <a:fontRef idx="minor">
-            <a:schemeClr val="dk1"/>
-          </a:fontRef>
-        </p:style>
-        <p:txBody>
-          <a:bodyPr rtlCol="0" anchor="ctr"/>
-          <a:lstStyle/>
-          <a:p>
-            <a:r>
-              <a:rPr lang="en-US" altLang="ko-KR" sz="1600" dirty="0" smtClean="0">
-                <a:latin typeface="+mn-ea"/>
-              </a:rPr>
-              <a:t> String </a:t>
-            </a:r>
-            <a:r>
-              <a:rPr lang="en-US" altLang="ko-KR" sz="1600" dirty="0" err="1" smtClean="0">
-                <a:latin typeface="+mn-ea"/>
-              </a:rPr>
-              <a:t>subjectName</a:t>
-            </a:r>
-            <a:endParaRPr lang="en-US" altLang="ko-KR" sz="1600" dirty="0" smtClean="0">
-              <a:latin typeface="+mn-ea"/>
-            </a:endParaRPr>
-          </a:p>
-          <a:p>
-            <a:r>
-              <a:rPr lang="en-US" altLang="ko-KR" sz="1600" dirty="0" smtClean="0">
-                <a:latin typeface="+mn-ea"/>
-              </a:rPr>
-              <a:t> </a:t>
-            </a:r>
-            <a:r>
-              <a:rPr lang="en-US" altLang="ko-KR" sz="1600" dirty="0" err="1" smtClean="0">
-                <a:latin typeface="+mn-ea"/>
-              </a:rPr>
-              <a:t>int</a:t>
-            </a:r>
-            <a:r>
-              <a:rPr lang="en-US" altLang="ko-KR" sz="1600" dirty="0" smtClean="0">
-                <a:latin typeface="+mn-ea"/>
-              </a:rPr>
-              <a:t> </a:t>
-            </a:r>
-            <a:r>
-              <a:rPr lang="en-US" altLang="ko-KR" sz="1600" dirty="0" err="1" smtClean="0">
-                <a:latin typeface="+mn-ea"/>
-              </a:rPr>
-              <a:t>scorePoint</a:t>
-            </a:r>
-            <a:endParaRPr lang="en-US" altLang="ko-KR" sz="1600" dirty="0" smtClean="0">
-              <a:latin typeface="+mn-ea"/>
-            </a:endParaRPr>
-          </a:p>
-          <a:p>
-            <a:endParaRPr lang="en-US" altLang="ko-KR" sz="1600" dirty="0">
-              <a:latin typeface="+mn-ea"/>
-            </a:endParaRPr>
-          </a:p>
-          <a:p>
-            <a:endParaRPr lang="en-US" altLang="ko-KR" sz="1600" dirty="0" smtClean="0">
-              <a:latin typeface="+mn-ea"/>
-            </a:endParaRPr>
-          </a:p>
-          <a:p>
-            <a:endParaRPr lang="ko-KR" altLang="en-US" sz="1600" dirty="0">
-              <a:latin typeface="+mn-ea"/>
-            </a:endParaRPr>
-          </a:p>
-        </p:txBody>
-      </p:sp>
-      <p:sp>
-        <p:nvSpPr>
-          <p:cNvPr id="41" name="TextBox 40"/>
-          <p:cNvSpPr txBox="1"/>
-          <p:nvPr/>
-        </p:nvSpPr>
-        <p:spPr>
-          <a:xfrm>
-            <a:off x="5971143" y="4099137"/>
-            <a:ext cx="365279" cy="338554"/>
-          </a:xfrm>
-          <a:prstGeom prst="rect">
-            <a:avLst/>
-          </a:prstGeom>
-          <a:noFill/>
-          <a:ln w="19050">
-            <a:solidFill>
-              <a:schemeClr val="tx1"/>
-            </a:solidFill>
-            <a:prstDash val="sysDot"/>
-          </a:ln>
-        </p:spPr>
-        <p:txBody>
-          <a:bodyPr wrap="square" rtlCol="0">
-            <a:spAutoFit/>
-          </a:bodyPr>
-          <a:lstStyle/>
-          <a:p>
-            <a:r>
-              <a:rPr lang="en-US" altLang="ko-KR" sz="1600" b="1" dirty="0"/>
-              <a:t>+</a:t>
-            </a:r>
-            <a:endParaRPr lang="en-US" altLang="ko-KR" sz="1600" b="1" dirty="0" smtClean="0"/>
-          </a:p>
-        </p:txBody>
-      </p:sp>
-      <p:cxnSp>
-        <p:nvCxnSpPr>
-          <p:cNvPr id="44" name="직선 화살표 연결선 43"/>
-          <p:cNvCxnSpPr/>
-          <p:nvPr/>
-        </p:nvCxnSpPr>
-        <p:spPr>
-          <a:xfrm flipH="1">
-            <a:off x="5536276" y="3381457"/>
-            <a:ext cx="1356933" cy="970345"/>
-          </a:xfrm>
-          <a:prstGeom prst="straightConnector1">
-            <a:avLst/>
-          </a:prstGeom>
-          <a:ln w="19050">
-            <a:solidFill>
-              <a:srgbClr val="E46C0A"/>
-            </a:solidFill>
-            <a:prstDash val="sysDot"/>
-            <a:tailEnd type="triangle"/>
-          </a:ln>
-        </p:spPr>
-        <p:style>
-          <a:lnRef idx="1">
-            <a:schemeClr val="accent1"/>
-          </a:lnRef>
-          <a:fillRef idx="0">
-            <a:schemeClr val="accent1"/>
-          </a:fillRef>
-          <a:effectRef idx="0">
-            <a:schemeClr val="accent1"/>
-          </a:effectRef>
-          <a:fontRef idx="minor">
-            <a:schemeClr val="tx1"/>
-          </a:fontRef>
-        </p:style>
-      </p:cxnSp>
-      <p:sp>
-        <p:nvSpPr>
-          <p:cNvPr id="45" name="TextBox 44"/>
-          <p:cNvSpPr txBox="1"/>
-          <p:nvPr/>
-        </p:nvSpPr>
-        <p:spPr>
-          <a:xfrm>
-            <a:off x="6846290" y="3200622"/>
-            <a:ext cx="976430" cy="338554"/>
-          </a:xfrm>
-          <a:prstGeom prst="rect">
-            <a:avLst/>
-          </a:prstGeom>
-          <a:noFill/>
-          <a:ln w="19050">
-            <a:solidFill>
-              <a:schemeClr val="tx1"/>
-            </a:solidFill>
-            <a:prstDash val="sysDot"/>
-          </a:ln>
-        </p:spPr>
-        <p:txBody>
-          <a:bodyPr wrap="square" rtlCol="0">
-            <a:spAutoFit/>
-          </a:bodyPr>
-          <a:lstStyle/>
-          <a:p>
-            <a:r>
-              <a:rPr lang="en-US" altLang="ko-KR" sz="1600" b="1" dirty="0" smtClean="0"/>
-              <a:t>Subject</a:t>
-            </a:r>
-          </a:p>
-        </p:txBody>
-      </p:sp>
-      <p:sp>
-        <p:nvSpPr>
-          <p:cNvPr id="46" name="모서리가 둥근 직사각형 45"/>
-          <p:cNvSpPr/>
-          <p:nvPr/>
-        </p:nvSpPr>
-        <p:spPr>
-          <a:xfrm>
-            <a:off x="3847586" y="4175708"/>
-            <a:ext cx="1631952" cy="617943"/>
-          </a:xfrm>
-          <a:prstGeom prst="roundRect">
-            <a:avLst>
-              <a:gd name="adj" fmla="val 13110"/>
-            </a:avLst>
-          </a:prstGeom>
-          <a:noFill/>
-          <a:ln w="19050">
-            <a:solidFill>
-              <a:srgbClr val="E46C0A"/>
-            </a:solidFill>
-            <a:prstDash val="sysDot"/>
-          </a:ln>
-        </p:spPr>
-        <p:style>
-          <a:lnRef idx="2">
-            <a:schemeClr val="accent1">
-              <a:shade val="50000"/>
-            </a:schemeClr>
-          </a:lnRef>
-          <a:fillRef idx="1">
-            <a:schemeClr val="accent1"/>
-          </a:fillRef>
-          <a:effectRef idx="0">
-            <a:schemeClr val="accent1"/>
-          </a:effectRef>
-          <a:fontRef idx="minor">
-            <a:schemeClr val="lt1"/>
-          </a:fontRef>
-        </p:style>
-        <p:txBody>
-          <a:bodyPr rtlCol="0" anchor="ctr"/>
-          <a:lstStyle/>
-          <a:p>
-            <a:pPr algn="ctr"/>
-            <a:endParaRPr lang="ko-KR" altLang="en-US"/>
-          </a:p>
-        </p:txBody>
-      </p:sp>
-      <p:sp>
-        <p:nvSpPr>
-          <p:cNvPr id="47" name="TextBox 46"/>
-          <p:cNvSpPr txBox="1"/>
-          <p:nvPr/>
-        </p:nvSpPr>
-        <p:spPr>
-          <a:xfrm>
-            <a:off x="6943762" y="1180486"/>
-            <a:ext cx="781486" cy="338554"/>
-          </a:xfrm>
-          <a:prstGeom prst="rect">
-            <a:avLst/>
-          </a:prstGeom>
-          <a:noFill/>
-          <a:ln w="19050">
-            <a:solidFill>
-              <a:schemeClr val="tx1"/>
-            </a:solidFill>
-            <a:prstDash val="sysDot"/>
-          </a:ln>
-        </p:spPr>
-        <p:txBody>
-          <a:bodyPr wrap="square" rtlCol="0">
-            <a:spAutoFit/>
-          </a:bodyPr>
-          <a:lstStyle/>
-          <a:p>
-            <a:r>
-              <a:rPr lang="ko-KR" altLang="en-US" sz="1600" dirty="0" smtClean="0"/>
-              <a:t>과목</a:t>
-            </a:r>
-            <a:endParaRPr lang="en-US" altLang="ko-KR" sz="1600" dirty="0" smtClean="0"/>
-          </a:p>
-        </p:txBody>
-      </p:sp>
+      </p:pic>
     </p:spTree>
     <p:extLst>
       <p:ext uri="{BB962C8B-B14F-4D97-AF65-F5344CB8AC3E}">
-        <p14:creationId xmlns:p14="http://schemas.microsoft.com/office/powerpoint/2010/main" val="3923243013"/>
+        <p14:creationId xmlns:p14="http://schemas.microsoft.com/office/powerpoint/2010/main" val="1950272320"/>
       </p:ext>
     </p:extLst>
   </p:cSld>
@@ -10153,28 +9213,21 @@
           <a:p>
             <a:r>
               <a:rPr lang="en-US" altLang="ko-KR" dirty="0" smtClean="0"/>
-              <a:t>  </a:t>
-            </a:r>
-            <a:r>
-              <a:rPr lang="ko-KR" altLang="en-US" dirty="0"/>
+              <a:t> </a:t>
+            </a:r>
+            <a:r>
+              <a:rPr lang="en-US" altLang="ko-KR" dirty="0" err="1" smtClean="0"/>
+              <a:t>ArrayList</a:t>
+            </a:r>
+            <a:r>
+              <a:rPr lang="en-US" altLang="ko-KR" dirty="0" smtClean="0"/>
+              <a:t> </a:t>
+            </a:r>
+            <a:r>
+              <a:rPr lang="ko-KR" altLang="en-US" dirty="0" smtClean="0"/>
               <a:t>클래스</a:t>
             </a:r>
-            <a:r>
-              <a:rPr lang="en-US" altLang="ko-KR" dirty="0"/>
-              <a:t>(</a:t>
-            </a:r>
-            <a:r>
-              <a:rPr lang="ko-KR" altLang="en-US" dirty="0" err="1"/>
-              <a:t>자료형</a:t>
-            </a:r>
-            <a:r>
-              <a:rPr lang="en-US" altLang="ko-KR" dirty="0"/>
-              <a:t>)</a:t>
-            </a:r>
-            <a:r>
-              <a:rPr lang="ko-KR" altLang="en-US" dirty="0"/>
-              <a:t> 참조</a:t>
-            </a:r>
+            <a:endParaRPr lang="ko-KR" altLang="en-US" dirty="0"/>
           </a:p>
         </p:txBody>
       </p:sp>
@@ -10217,8 +9270,8 @@
         </p:nvSpPr>
         <p:spPr>
           <a:xfrm>
-            <a:off x="1136576" y="1031848"/>
-            <a:ext cx="2075768" cy="596952"/>
+            <a:off x="914194" y="1052736"/>
+            <a:ext cx="4830894" cy="576064"/>
           </a:xfrm>
           <a:prstGeom prst="rect">
             <a:avLst/>
@@ -10399,24 +9452,40 @@
               <a:buChar char="§"/>
             </a:pPr>
             <a:r>
-              <a:rPr lang="ko-KR" altLang="en-US" sz="1800" dirty="0" smtClean="0">
-                <a:solidFill>
-                  <a:srgbClr val="002060"/>
-                </a:solidFill>
-              </a:rPr>
-              <a:t>과목 클래스</a:t>
-            </a:r>
-            <a:endParaRPr lang="en-US" altLang="ko-KR" sz="2000" dirty="0">
-              <a:solidFill>
-                <a:srgbClr val="002060"/>
-              </a:solidFill>
-            </a:endParaRPr>
+              <a:rPr lang="en-US" altLang="ko-KR" sz="1800" b="1" dirty="0" smtClean="0"/>
+              <a:t>Book </a:t>
+            </a:r>
+            <a:r>
+              <a:rPr lang="ko-KR" altLang="en-US" sz="1800" b="1" dirty="0" smtClean="0"/>
+              <a:t>클래스</a:t>
+            </a:r>
+            <a:r>
+              <a:rPr lang="ko-KR" altLang="en-US" sz="1800" b="1" dirty="0"/>
+              <a:t>로</a:t>
+            </a:r>
+            <a:r>
+              <a:rPr lang="ko-KR" altLang="en-US" sz="1800" b="1" dirty="0" smtClean="0"/>
+              <a:t> </a:t>
+            </a:r>
+            <a:r>
+              <a:rPr lang="en-US" altLang="ko-KR" sz="1800" b="1" dirty="0" err="1" smtClean="0"/>
+              <a:t>ArrayList</a:t>
+            </a:r>
+            <a:r>
+              <a:rPr lang="ko-KR" altLang="en-US" sz="1800" b="1" dirty="0"/>
+              <a:t>로</a:t>
+            </a:r>
+            <a:r>
+              <a:rPr lang="ko-KR" altLang="en-US" sz="1800" b="1" dirty="0" smtClean="0"/>
+              <a:t> 구현 </a:t>
+            </a:r>
+            <a:endParaRPr lang="en-US" altLang="ko-KR" sz="1800" b="1" dirty="0" smtClean="0"/>
           </a:p>
         </p:txBody>
       </p:sp>
       <p:pic>
         <p:nvPicPr>
-          <p:cNvPr id="4" name="그림 3"/>
+          <p:cNvPr id="2" name="그림 1"/>
           <p:cNvPicPr>
             <a:picLocks noChangeAspect="1"/>
           </p:cNvPicPr>
@@ -10436,8 +9505,8 @@
         </p:blipFill>
         <p:spPr>
           <a:xfrm>
-            <a:off x="1408854" y="1628800"/>
-            <a:ext cx="5577502" cy="3821933"/>
+            <a:off x="1352600" y="1700808"/>
+            <a:ext cx="6911939" cy="4305673"/>
           </a:xfrm>
           <a:prstGeom prst="rect">
             <a:avLst/>
@@ -10454,7 +9523,7 @@
     </p:spTree>
     <p:extLst>
       <p:ext uri="{BB962C8B-B14F-4D97-AF65-F5344CB8AC3E}">
-        <p14:creationId xmlns:p14="http://schemas.microsoft.com/office/powerpoint/2010/main" val="3019811978"/>
+        <p14:creationId xmlns:p14="http://schemas.microsoft.com/office/powerpoint/2010/main" val="4076822996"/>
       </p:ext>
     </p:extLst>
   </p:cSld>
@@ -10917,28 +9986,33 @@
           <a:p>
             <a:r>
               <a:rPr lang="en-US" altLang="ko-KR" dirty="0" smtClean="0"/>
-              <a:t>  </a:t>
+              <a:t> </a:t>
             </a:r>
             <a:r>
               <a:rPr lang="ko-KR" altLang="en-US" dirty="0"/>
+              <a:t> </a:t>
+            </a:r>
+            <a:r>
+              <a:rPr lang="ko-KR" altLang="en-US" dirty="0" smtClean="0"/>
               <a:t>클래스</a:t>
             </a:r>
             <a:r>
-              <a:rPr lang="en-US" altLang="ko-KR" dirty="0"/>
+              <a:rPr lang="en-US" altLang="ko-KR" dirty="0" smtClean="0"/>
               <a:t>(</a:t>
             </a:r>
             <a:r>
-              <a:rPr lang="ko-KR" altLang="en-US" dirty="0" err="1"/>
+              <a:rPr lang="ko-KR" altLang="en-US" dirty="0" err="1" smtClean="0"/>
               <a:t>자료형</a:t>
             </a:r>
             <a:r>
-              <a:rPr lang="en-US" altLang="ko-KR" dirty="0"/>
+              <a:rPr lang="en-US" altLang="ko-KR" dirty="0" smtClean="0"/>
               <a:t>)</a:t>
             </a:r>
             <a:r>
-              <a:rPr lang="ko-KR" altLang="en-US" dirty="0"/>
+              <a:rPr lang="ko-KR" altLang="en-US" dirty="0" smtClean="0"/>
               <a:t> 참조</a:t>
             </a:r>
+            <a:endParaRPr lang="ko-KR" altLang="en-US" dirty="0"/>
           </a:p>
         </p:txBody>
       </p:sp>
@@ -10960,6 +10034,1712 @@
             <a:fld id="{1BDE3FE7-3AEA-4B05-AC5A-802D1816ACF0}" type="slidenum">
               <a:rPr lang="ko-KR" altLang="en-US" smtClean="0"/>
               <a:t>20</a:t>
+            </a:fld>
+            <a:endParaRPr lang="ko-KR" altLang="en-US"/>
+          </a:p>
+        </p:txBody>
+      </p:sp>
+      <p:sp>
+        <p:nvSpPr>
+          <p:cNvPr id="21" name="직사각형 20"/>
+          <p:cNvSpPr/>
+          <p:nvPr/>
+        </p:nvSpPr>
+        <p:spPr>
+          <a:xfrm>
+            <a:off x="1013641" y="3137906"/>
+            <a:ext cx="2160240" cy="1443222"/>
+          </a:xfrm>
+          <a:prstGeom prst="rect">
+            <a:avLst/>
+          </a:prstGeom>
+          <a:ln w="19050"/>
+        </p:spPr>
+        <p:style>
+          <a:lnRef idx="2">
+            <a:schemeClr val="accent4"/>
+          </a:lnRef>
+          <a:fillRef idx="1">
+            <a:schemeClr val="lt1"/>
+          </a:fillRef>
+          <a:effectRef idx="0">
+            <a:schemeClr val="accent4"/>
+          </a:effectRef>
+          <a:fontRef idx="minor">
+            <a:schemeClr val="dk1"/>
+          </a:fontRef>
+        </p:style>
+        <p:txBody>
+          <a:bodyPr rtlCol="0" anchor="ctr"/>
+          <a:lstStyle/>
+          <a:p>
+            <a:r>
+              <a:rPr lang="ko-KR" altLang="en-US" sz="1600" dirty="0" smtClean="0">
+                <a:latin typeface="+mn-ea"/>
+              </a:rPr>
+              <a:t> 학번</a:t>
+            </a:r>
+            <a:endParaRPr lang="en-US" altLang="ko-KR" sz="1600" dirty="0" smtClean="0">
+              <a:latin typeface="+mn-ea"/>
+            </a:endParaRPr>
+          </a:p>
+          <a:p>
+            <a:r>
+              <a:rPr lang="ko-KR" altLang="en-US" sz="1600" dirty="0" smtClean="0">
+                <a:latin typeface="+mn-ea"/>
+              </a:rPr>
+              <a:t> 학생 이름</a:t>
+            </a:r>
+            <a:endParaRPr lang="en-US" altLang="ko-KR" sz="1600" dirty="0" smtClean="0">
+              <a:latin typeface="+mn-ea"/>
+            </a:endParaRPr>
+          </a:p>
+          <a:p>
+            <a:r>
+              <a:rPr lang="ko-KR" altLang="en-US" sz="1600" dirty="0" smtClean="0">
+                <a:latin typeface="+mn-ea"/>
+              </a:rPr>
+              <a:t> 국어 성적</a:t>
+            </a:r>
+            <a:endParaRPr lang="en-US" altLang="ko-KR" sz="1600" dirty="0" smtClean="0">
+              <a:latin typeface="+mn-ea"/>
+            </a:endParaRPr>
+          </a:p>
+          <a:p>
+            <a:r>
+              <a:rPr lang="ko-KR" altLang="en-US" sz="1600" dirty="0" smtClean="0">
+                <a:latin typeface="+mn-ea"/>
+              </a:rPr>
+              <a:t> 수학 성적</a:t>
+            </a:r>
+            <a:endParaRPr lang="en-US" altLang="ko-KR" sz="1600" dirty="0" smtClean="0">
+              <a:latin typeface="+mn-ea"/>
+            </a:endParaRPr>
+          </a:p>
+          <a:p>
+            <a:r>
+              <a:rPr lang="ko-KR" altLang="en-US" sz="1600" dirty="0" smtClean="0">
+                <a:latin typeface="+mn-ea"/>
+              </a:rPr>
+              <a:t> 수강 과목 이름</a:t>
+            </a:r>
+            <a:endParaRPr lang="ko-KR" altLang="en-US" sz="1600" dirty="0">
+              <a:latin typeface="+mn-ea"/>
+            </a:endParaRPr>
+          </a:p>
+        </p:txBody>
+      </p:sp>
+      <p:sp>
+        <p:nvSpPr>
+          <p:cNvPr id="23" name="TextBox 22"/>
+          <p:cNvSpPr txBox="1"/>
+          <p:nvPr/>
+        </p:nvSpPr>
+        <p:spPr>
+          <a:xfrm>
+            <a:off x="1018982" y="2662263"/>
+            <a:ext cx="781486" cy="338554"/>
+          </a:xfrm>
+          <a:prstGeom prst="rect">
+            <a:avLst/>
+          </a:prstGeom>
+          <a:noFill/>
+          <a:ln w="19050">
+            <a:solidFill>
+              <a:schemeClr val="tx1"/>
+            </a:solidFill>
+            <a:prstDash val="sysDot"/>
+          </a:ln>
+        </p:spPr>
+        <p:txBody>
+          <a:bodyPr wrap="square" rtlCol="0">
+            <a:spAutoFit/>
+          </a:bodyPr>
+          <a:lstStyle/>
+          <a:p>
+            <a:r>
+              <a:rPr lang="ko-KR" altLang="en-US" sz="1600" dirty="0" smtClean="0"/>
+              <a:t>학생</a:t>
+            </a:r>
+            <a:endParaRPr lang="en-US" altLang="ko-KR" sz="1600" dirty="0" smtClean="0"/>
+          </a:p>
+        </p:txBody>
+      </p:sp>
+      <p:sp>
+        <p:nvSpPr>
+          <p:cNvPr id="24" name="직사각형 23"/>
+          <p:cNvSpPr/>
+          <p:nvPr/>
+        </p:nvSpPr>
+        <p:spPr>
+          <a:xfrm>
+            <a:off x="4109985" y="3137906"/>
+            <a:ext cx="2160240" cy="1443222"/>
+          </a:xfrm>
+          <a:prstGeom prst="rect">
+            <a:avLst/>
+          </a:prstGeom>
+          <a:ln w="19050"/>
+        </p:spPr>
+        <p:style>
+          <a:lnRef idx="2">
+            <a:schemeClr val="accent4"/>
+          </a:lnRef>
+          <a:fillRef idx="1">
+            <a:schemeClr val="lt1"/>
+          </a:fillRef>
+          <a:effectRef idx="0">
+            <a:schemeClr val="accent4"/>
+          </a:effectRef>
+          <a:fontRef idx="minor">
+            <a:schemeClr val="dk1"/>
+          </a:fontRef>
+        </p:style>
+        <p:txBody>
+          <a:bodyPr rtlCol="0" anchor="ctr"/>
+          <a:lstStyle/>
+          <a:p>
+            <a:r>
+              <a:rPr lang="ko-KR" altLang="en-US" sz="1600" dirty="0" smtClean="0">
+                <a:latin typeface="+mn-ea"/>
+              </a:rPr>
+              <a:t> 학번</a:t>
+            </a:r>
+            <a:endParaRPr lang="en-US" altLang="ko-KR" sz="1600" dirty="0" smtClean="0">
+              <a:latin typeface="+mn-ea"/>
+            </a:endParaRPr>
+          </a:p>
+          <a:p>
+            <a:r>
+              <a:rPr lang="ko-KR" altLang="en-US" sz="1600" dirty="0" smtClean="0">
+                <a:latin typeface="+mn-ea"/>
+              </a:rPr>
+              <a:t> 학생 이름</a:t>
+            </a:r>
+            <a:endParaRPr lang="en-US" altLang="ko-KR" sz="1600" dirty="0" smtClean="0">
+              <a:latin typeface="+mn-ea"/>
+            </a:endParaRPr>
+          </a:p>
+          <a:p>
+            <a:r>
+              <a:rPr lang="ko-KR" altLang="en-US" sz="1600" dirty="0" smtClean="0">
+                <a:latin typeface="+mn-ea"/>
+              </a:rPr>
+              <a:t> 국어 과목</a:t>
+            </a:r>
+            <a:endParaRPr lang="en-US" altLang="ko-KR" sz="1600" dirty="0" smtClean="0">
+              <a:latin typeface="+mn-ea"/>
+            </a:endParaRPr>
+          </a:p>
+          <a:p>
+            <a:r>
+              <a:rPr lang="ko-KR" altLang="en-US" sz="1600" dirty="0" smtClean="0">
+                <a:latin typeface="+mn-ea"/>
+              </a:rPr>
+              <a:t> 수학 과목</a:t>
+            </a:r>
+            <a:endParaRPr lang="en-US" altLang="ko-KR" sz="1600" dirty="0" smtClean="0">
+              <a:latin typeface="+mn-ea"/>
+            </a:endParaRPr>
+          </a:p>
+          <a:p>
+            <a:endParaRPr lang="en-US" altLang="ko-KR" sz="1600" dirty="0" smtClean="0">
+              <a:latin typeface="+mn-ea"/>
+            </a:endParaRPr>
+          </a:p>
+        </p:txBody>
+      </p:sp>
+      <p:sp>
+        <p:nvSpPr>
+          <p:cNvPr id="25" name="TextBox 24"/>
+          <p:cNvSpPr txBox="1"/>
+          <p:nvPr/>
+        </p:nvSpPr>
+        <p:spPr>
+          <a:xfrm>
+            <a:off x="4109985" y="2662263"/>
+            <a:ext cx="781486" cy="338554"/>
+          </a:xfrm>
+          <a:prstGeom prst="rect">
+            <a:avLst/>
+          </a:prstGeom>
+          <a:noFill/>
+          <a:ln w="19050">
+            <a:solidFill>
+              <a:schemeClr val="tx1"/>
+            </a:solidFill>
+            <a:prstDash val="sysDot"/>
+          </a:ln>
+        </p:spPr>
+        <p:txBody>
+          <a:bodyPr wrap="square" rtlCol="0">
+            <a:spAutoFit/>
+          </a:bodyPr>
+          <a:lstStyle/>
+          <a:p>
+            <a:r>
+              <a:rPr lang="ko-KR" altLang="en-US" sz="1600" dirty="0" smtClean="0"/>
+              <a:t>학생</a:t>
+            </a:r>
+            <a:endParaRPr lang="en-US" altLang="ko-KR" sz="1600" dirty="0" smtClean="0"/>
+          </a:p>
+        </p:txBody>
+      </p:sp>
+      <p:sp>
+        <p:nvSpPr>
+          <p:cNvPr id="26" name="직사각형 25"/>
+          <p:cNvSpPr/>
+          <p:nvPr/>
+        </p:nvSpPr>
+        <p:spPr>
+          <a:xfrm>
+            <a:off x="6753200" y="3137906"/>
+            <a:ext cx="2160240" cy="1443222"/>
+          </a:xfrm>
+          <a:prstGeom prst="rect">
+            <a:avLst/>
+          </a:prstGeom>
+          <a:ln w="19050"/>
+        </p:spPr>
+        <p:style>
+          <a:lnRef idx="2">
+            <a:schemeClr val="accent4"/>
+          </a:lnRef>
+          <a:fillRef idx="1">
+            <a:schemeClr val="lt1"/>
+          </a:fillRef>
+          <a:effectRef idx="0">
+            <a:schemeClr val="accent4"/>
+          </a:effectRef>
+          <a:fontRef idx="minor">
+            <a:schemeClr val="dk1"/>
+          </a:fontRef>
+        </p:style>
+        <p:txBody>
+          <a:bodyPr rtlCol="0" anchor="ctr"/>
+          <a:lstStyle/>
+          <a:p>
+            <a:r>
+              <a:rPr lang="ko-KR" altLang="en-US" sz="1600" dirty="0" smtClean="0">
+                <a:latin typeface="+mn-ea"/>
+              </a:rPr>
+              <a:t> 과목 이름</a:t>
+            </a:r>
+            <a:endParaRPr lang="en-US" altLang="ko-KR" sz="1600" dirty="0" smtClean="0">
+              <a:latin typeface="+mn-ea"/>
+            </a:endParaRPr>
+          </a:p>
+          <a:p>
+            <a:r>
+              <a:rPr lang="ko-KR" altLang="en-US" sz="1600" dirty="0" smtClean="0">
+                <a:latin typeface="+mn-ea"/>
+              </a:rPr>
+              <a:t> 과목 점수</a:t>
+            </a:r>
+            <a:endParaRPr lang="en-US" altLang="ko-KR" sz="1600" dirty="0" smtClean="0">
+              <a:latin typeface="+mn-ea"/>
+            </a:endParaRPr>
+          </a:p>
+          <a:p>
+            <a:endParaRPr lang="en-US" altLang="ko-KR" sz="1600" dirty="0">
+              <a:latin typeface="+mn-ea"/>
+            </a:endParaRPr>
+          </a:p>
+          <a:p>
+            <a:endParaRPr lang="en-US" altLang="ko-KR" sz="1600" dirty="0" smtClean="0">
+              <a:latin typeface="+mn-ea"/>
+            </a:endParaRPr>
+          </a:p>
+          <a:p>
+            <a:endParaRPr lang="ko-KR" altLang="en-US" sz="1600" dirty="0">
+              <a:latin typeface="+mn-ea"/>
+            </a:endParaRPr>
+          </a:p>
+        </p:txBody>
+      </p:sp>
+      <p:sp>
+        <p:nvSpPr>
+          <p:cNvPr id="28" name="아래쪽 화살표 27"/>
+          <p:cNvSpPr/>
+          <p:nvPr/>
+        </p:nvSpPr>
+        <p:spPr>
+          <a:xfrm rot="16200000">
+            <a:off x="3555002" y="3642224"/>
+            <a:ext cx="192406" cy="434585"/>
+          </a:xfrm>
+          <a:prstGeom prst="downArrow">
+            <a:avLst/>
+          </a:prstGeom>
+          <a:solidFill>
+            <a:srgbClr val="FFC000"/>
+          </a:solidFill>
+          <a:ln w="19050">
+            <a:solidFill>
+              <a:schemeClr val="tx1"/>
+            </a:solidFill>
+          </a:ln>
+        </p:spPr>
+        <p:style>
+          <a:lnRef idx="2">
+            <a:schemeClr val="accent1">
+              <a:shade val="50000"/>
+            </a:schemeClr>
+          </a:lnRef>
+          <a:fillRef idx="1">
+            <a:schemeClr val="accent1"/>
+          </a:fillRef>
+          <a:effectRef idx="0">
+            <a:schemeClr val="accent1"/>
+          </a:effectRef>
+          <a:fontRef idx="minor">
+            <a:schemeClr val="lt1"/>
+          </a:fontRef>
+        </p:style>
+        <p:txBody>
+          <a:bodyPr rtlCol="0" anchor="ctr"/>
+          <a:lstStyle/>
+          <a:p>
+            <a:pPr algn="ctr"/>
+            <a:endParaRPr lang="ko-KR" altLang="en-US" sz="1600"/>
+          </a:p>
+        </p:txBody>
+      </p:sp>
+      <p:sp>
+        <p:nvSpPr>
+          <p:cNvPr id="29" name="TextBox 28"/>
+          <p:cNvSpPr txBox="1"/>
+          <p:nvPr/>
+        </p:nvSpPr>
+        <p:spPr>
+          <a:xfrm>
+            <a:off x="6331183" y="3667089"/>
+            <a:ext cx="365279" cy="400110"/>
+          </a:xfrm>
+          <a:prstGeom prst="rect">
+            <a:avLst/>
+          </a:prstGeom>
+          <a:noFill/>
+          <a:ln w="19050">
+            <a:noFill/>
+            <a:prstDash val="sysDot"/>
+          </a:ln>
+        </p:spPr>
+        <p:txBody>
+          <a:bodyPr wrap="square" rtlCol="0">
+            <a:spAutoFit/>
+          </a:bodyPr>
+          <a:lstStyle/>
+          <a:p>
+            <a:r>
+              <a:rPr lang="en-US" altLang="ko-KR" sz="2000" b="1" dirty="0"/>
+              <a:t>+</a:t>
+            </a:r>
+            <a:endParaRPr lang="en-US" altLang="ko-KR" sz="2000" b="1" dirty="0" smtClean="0"/>
+          </a:p>
+        </p:txBody>
+      </p:sp>
+      <p:sp>
+        <p:nvSpPr>
+          <p:cNvPr id="34" name="직사각형 33"/>
+          <p:cNvSpPr/>
+          <p:nvPr/>
+        </p:nvSpPr>
+        <p:spPr>
+          <a:xfrm>
+            <a:off x="563114" y="1314992"/>
+            <a:ext cx="7702254" cy="923330"/>
+          </a:xfrm>
+          <a:prstGeom prst="rect">
+            <a:avLst/>
+          </a:prstGeom>
+        </p:spPr>
+        <p:txBody>
+          <a:bodyPr wrap="square">
+            <a:spAutoFit/>
+          </a:bodyPr>
+          <a:lstStyle/>
+          <a:p>
+            <a:pPr>
+              <a:lnSpc>
+                <a:spcPct val="150000"/>
+              </a:lnSpc>
+            </a:pPr>
+            <a:r>
+              <a:rPr lang="en-US" altLang="ko-KR" b="1" dirty="0">
+                <a:solidFill>
+                  <a:srgbClr val="002060"/>
+                </a:solidFill>
+              </a:rPr>
+              <a:t> </a:t>
+            </a:r>
+            <a:r>
+              <a:rPr lang="en-US" altLang="ko-KR" b="1" dirty="0" smtClean="0">
+                <a:solidFill>
+                  <a:srgbClr val="002060"/>
+                </a:solidFill>
+              </a:rPr>
+              <a:t>    </a:t>
+            </a:r>
+            <a:r>
+              <a:rPr lang="en-US" altLang="ko-KR" b="1" dirty="0" smtClean="0">
+                <a:solidFill>
+                  <a:srgbClr val="002060"/>
+                </a:solidFill>
+              </a:rPr>
+              <a:t>- </a:t>
+            </a:r>
+            <a:r>
+              <a:rPr lang="ko-KR" altLang="en-US" b="1" dirty="0" smtClean="0">
+                <a:solidFill>
+                  <a:srgbClr val="002060"/>
+                </a:solidFill>
+              </a:rPr>
+              <a:t>문제점 </a:t>
+            </a:r>
+            <a:r>
+              <a:rPr lang="en-US" altLang="ko-KR" b="1" dirty="0" smtClean="0">
+                <a:solidFill>
+                  <a:srgbClr val="002060"/>
+                </a:solidFill>
+              </a:rPr>
+              <a:t>: </a:t>
+            </a:r>
+            <a:r>
+              <a:rPr lang="ko-KR" altLang="en-US" b="1" dirty="0" smtClean="0">
+                <a:solidFill>
+                  <a:srgbClr val="002060"/>
+                </a:solidFill>
+              </a:rPr>
+              <a:t>학생 클래스의 수강 과목이 </a:t>
+            </a:r>
+            <a:r>
+              <a:rPr lang="ko-KR" altLang="en-US" b="1" dirty="0" smtClean="0">
+                <a:solidFill>
+                  <a:srgbClr val="002060"/>
+                </a:solidFill>
+              </a:rPr>
+              <a:t>계속 </a:t>
+            </a:r>
+            <a:r>
+              <a:rPr lang="ko-KR" altLang="en-US" b="1" dirty="0" smtClean="0">
+                <a:solidFill>
+                  <a:srgbClr val="002060"/>
+                </a:solidFill>
+              </a:rPr>
+              <a:t>늘어나 </a:t>
+            </a:r>
+            <a:r>
+              <a:rPr lang="ko-KR" altLang="en-US" b="1" dirty="0" err="1" smtClean="0">
+                <a:solidFill>
+                  <a:srgbClr val="002060"/>
+                </a:solidFill>
+              </a:rPr>
+              <a:t>복잡해짐</a:t>
+            </a:r>
+            <a:r>
+              <a:rPr lang="en-US" altLang="ko-KR" b="1" dirty="0" smtClean="0">
+                <a:solidFill>
+                  <a:srgbClr val="002060"/>
+                </a:solidFill>
+              </a:rPr>
+              <a:t>.</a:t>
+            </a:r>
+            <a:endParaRPr lang="en-US" altLang="ko-KR" b="1" dirty="0" smtClean="0">
+              <a:solidFill>
+                <a:srgbClr val="002060"/>
+              </a:solidFill>
+            </a:endParaRPr>
+          </a:p>
+          <a:p>
+            <a:pPr>
+              <a:lnSpc>
+                <a:spcPct val="150000"/>
+              </a:lnSpc>
+            </a:pPr>
+            <a:r>
+              <a:rPr lang="en-US" altLang="ko-KR" b="1" dirty="0">
+                <a:solidFill>
+                  <a:srgbClr val="002060"/>
+                </a:solidFill>
+              </a:rPr>
+              <a:t> </a:t>
+            </a:r>
+            <a:r>
+              <a:rPr lang="en-US" altLang="ko-KR" b="1" dirty="0" smtClean="0">
+                <a:solidFill>
+                  <a:srgbClr val="002060"/>
+                </a:solidFill>
+              </a:rPr>
+              <a:t>    </a:t>
+            </a:r>
+            <a:r>
+              <a:rPr lang="en-US" altLang="ko-KR" b="1" dirty="0" smtClean="0">
+                <a:solidFill>
+                  <a:srgbClr val="002060"/>
+                </a:solidFill>
+              </a:rPr>
+              <a:t>- </a:t>
+            </a:r>
+            <a:r>
+              <a:rPr lang="ko-KR" altLang="en-US" b="1" dirty="0" smtClean="0">
+                <a:solidFill>
+                  <a:srgbClr val="002060"/>
+                </a:solidFill>
+              </a:rPr>
+              <a:t>해결책 </a:t>
+            </a:r>
+            <a:r>
+              <a:rPr lang="en-US" altLang="ko-KR" b="1" dirty="0" smtClean="0">
+                <a:solidFill>
+                  <a:srgbClr val="002060"/>
+                </a:solidFill>
+              </a:rPr>
+              <a:t>: </a:t>
+            </a:r>
+            <a:r>
+              <a:rPr lang="ko-KR" altLang="en-US" b="1" dirty="0" smtClean="0">
+                <a:solidFill>
+                  <a:srgbClr val="002060"/>
+                </a:solidFill>
+              </a:rPr>
+              <a:t>과목 성적과 이름을 과목</a:t>
+            </a:r>
+            <a:r>
+              <a:rPr lang="en-US" altLang="ko-KR" b="1" dirty="0" smtClean="0">
+                <a:solidFill>
+                  <a:srgbClr val="002060"/>
+                </a:solidFill>
+              </a:rPr>
+              <a:t>(Subject) </a:t>
+            </a:r>
+            <a:r>
+              <a:rPr lang="ko-KR" altLang="en-US" b="1" dirty="0" smtClean="0">
+                <a:solidFill>
+                  <a:srgbClr val="002060"/>
+                </a:solidFill>
+              </a:rPr>
+              <a:t>클래스로 </a:t>
+            </a:r>
+            <a:r>
+              <a:rPr lang="ko-KR" altLang="en-US" b="1" dirty="0" smtClean="0">
+                <a:solidFill>
+                  <a:srgbClr val="002060"/>
+                </a:solidFill>
+              </a:rPr>
+              <a:t>분리함</a:t>
+            </a:r>
+            <a:endParaRPr lang="en-US" altLang="ko-KR" b="1" dirty="0">
+              <a:solidFill>
+                <a:srgbClr val="002060"/>
+              </a:solidFill>
+            </a:endParaRPr>
+          </a:p>
+        </p:txBody>
+      </p:sp>
+      <p:sp>
+        <p:nvSpPr>
+          <p:cNvPr id="47" name="TextBox 46"/>
+          <p:cNvSpPr txBox="1"/>
+          <p:nvPr/>
+        </p:nvSpPr>
+        <p:spPr>
+          <a:xfrm>
+            <a:off x="6753200" y="2662263"/>
+            <a:ext cx="781486" cy="338554"/>
+          </a:xfrm>
+          <a:prstGeom prst="rect">
+            <a:avLst/>
+          </a:prstGeom>
+          <a:noFill/>
+          <a:ln w="19050">
+            <a:solidFill>
+              <a:schemeClr val="tx1"/>
+            </a:solidFill>
+            <a:prstDash val="sysDot"/>
+          </a:ln>
+        </p:spPr>
+        <p:txBody>
+          <a:bodyPr wrap="square" rtlCol="0">
+            <a:spAutoFit/>
+          </a:bodyPr>
+          <a:lstStyle/>
+          <a:p>
+            <a:r>
+              <a:rPr lang="ko-KR" altLang="en-US" sz="1600" dirty="0" smtClean="0"/>
+              <a:t>과목</a:t>
+            </a:r>
+            <a:endParaRPr lang="en-US" altLang="ko-KR" sz="1600" dirty="0" smtClean="0"/>
+          </a:p>
+        </p:txBody>
+      </p:sp>
+    </p:spTree>
+    <p:extLst>
+      <p:ext uri="{BB962C8B-B14F-4D97-AF65-F5344CB8AC3E}">
+        <p14:creationId xmlns:p14="http://schemas.microsoft.com/office/powerpoint/2010/main" val="3923243013"/>
+      </p:ext>
+    </p:extLst>
+  </p:cSld>
+  <p:clrMapOvr>
+    <a:masterClrMapping/>
+  </p:clrMapOvr>
+  <p:timing>
+    <p:tnLst>
+      <p:par>
+        <p:cTn id="1" dur="indefinite" restart="never" nodeType="tmRoot"/>
+      </p:par>
+    </p:tnLst>
+  </p:timing>
+</p:sld>
+</file>
+
+<file path=ppt/slides/slide21.xml><?xml version="1.0" encoding="utf-8"?>
+<p:sld xmlns:a="http://schemas.openxmlformats.org/drawingml/2006/main" xmlns:r="http://schemas.openxmlformats.org/officeDocument/2006/relationships" xmlns:p="http://schemas.openxmlformats.org/presentationml/2006/main">
+  <p:cSld>
+    <p:spTree>
+      <p:nvGrpSpPr>
+        <p:cNvPr id="1" name=""/>
+        <p:cNvGrpSpPr/>
+        <p:nvPr/>
+      </p:nvGrpSpPr>
+      <p:grpSpPr>
+        <a:xfrm>
+          <a:off x="0" y="0"/>
+          <a:ext cx="0" cy="0"/>
+          <a:chOff x="0" y="0"/>
+          <a:chExt cx="0" cy="0"/>
+        </a:xfrm>
+      </p:grpSpPr>
+      <p:sp>
+        <p:nvSpPr>
+          <p:cNvPr id="6" name="제목 5"/>
+          <p:cNvSpPr>
+            <a:spLocks noGrp="1"/>
+          </p:cNvSpPr>
+          <p:nvPr>
+            <p:ph type="title"/>
+          </p:nvPr>
+        </p:nvSpPr>
+        <p:spPr/>
+        <p:txBody>
+          <a:bodyPr/>
+          <a:lstStyle/>
+          <a:p>
+            <a:r>
+              <a:rPr lang="en-US" altLang="ko-KR" dirty="0" smtClean="0"/>
+              <a:t> </a:t>
+            </a:r>
+            <a:r>
+              <a:rPr lang="ko-KR" altLang="en-US" dirty="0"/>
+              <a:t> </a:t>
+            </a:r>
+            <a:r>
+              <a:rPr lang="ko-KR" altLang="en-US" dirty="0" smtClean="0"/>
+              <a:t>클래스</a:t>
+            </a:r>
+            <a:r>
+              <a:rPr lang="en-US" altLang="ko-KR" dirty="0" smtClean="0"/>
+              <a:t>(</a:t>
+            </a:r>
+            <a:r>
+              <a:rPr lang="ko-KR" altLang="en-US" dirty="0" err="1" smtClean="0"/>
+              <a:t>자료형</a:t>
+            </a:r>
+            <a:r>
+              <a:rPr lang="en-US" altLang="ko-KR" dirty="0" smtClean="0"/>
+              <a:t>)</a:t>
+            </a:r>
+            <a:r>
+              <a:rPr lang="ko-KR" altLang="en-US" dirty="0" smtClean="0"/>
+              <a:t> 참조</a:t>
+            </a:r>
+            <a:endParaRPr lang="ko-KR" altLang="en-US" dirty="0"/>
+          </a:p>
+        </p:txBody>
+      </p:sp>
+      <p:sp>
+        <p:nvSpPr>
+          <p:cNvPr id="5" name="슬라이드 번호 개체 틀 4"/>
+          <p:cNvSpPr>
+            <a:spLocks noGrp="1"/>
+          </p:cNvSpPr>
+          <p:nvPr>
+            <p:ph type="sldNum" sz="quarter" idx="12"/>
+          </p:nvPr>
+        </p:nvSpPr>
+        <p:spPr/>
+        <p:txBody>
+          <a:bodyPr/>
+          <a:lstStyle/>
+          <a:p>
+            <a:fld id="{1BDE3FE7-3AEA-4B05-AC5A-802D1816ACF0}" type="slidenum">
+              <a:rPr lang="ko-KR" altLang="en-US" smtClean="0"/>
+              <a:t>21</a:t>
+            </a:fld>
+            <a:endParaRPr lang="ko-KR" altLang="en-US"/>
+          </a:p>
+        </p:txBody>
+      </p:sp>
+      <p:sp>
+        <p:nvSpPr>
+          <p:cNvPr id="37" name="직사각형 36"/>
+          <p:cNvSpPr/>
+          <p:nvPr/>
+        </p:nvSpPr>
+        <p:spPr>
+          <a:xfrm>
+            <a:off x="1486014" y="2142959"/>
+            <a:ext cx="2818914" cy="2078941"/>
+          </a:xfrm>
+          <a:prstGeom prst="rect">
+            <a:avLst/>
+          </a:prstGeom>
+          <a:ln w="19050"/>
+        </p:spPr>
+        <p:style>
+          <a:lnRef idx="2">
+            <a:schemeClr val="accent4"/>
+          </a:lnRef>
+          <a:fillRef idx="1">
+            <a:schemeClr val="lt1"/>
+          </a:fillRef>
+          <a:effectRef idx="0">
+            <a:schemeClr val="accent4"/>
+          </a:effectRef>
+          <a:fontRef idx="minor">
+            <a:schemeClr val="dk1"/>
+          </a:fontRef>
+        </p:style>
+        <p:txBody>
+          <a:bodyPr rtlCol="0" anchor="ctr"/>
+          <a:lstStyle/>
+          <a:p>
+            <a:pPr>
+              <a:lnSpc>
+                <a:spcPct val="150000"/>
+              </a:lnSpc>
+            </a:pPr>
+            <a:r>
+              <a:rPr lang="en-US" altLang="ko-KR" dirty="0" smtClean="0">
+                <a:latin typeface="+mn-ea"/>
+              </a:rPr>
+              <a:t> </a:t>
+            </a:r>
+            <a:r>
+              <a:rPr lang="en-US" altLang="ko-KR" dirty="0" smtClean="0">
+                <a:latin typeface="+mn-ea"/>
+              </a:rPr>
+              <a:t> </a:t>
+            </a:r>
+            <a:r>
+              <a:rPr lang="en-US" altLang="ko-KR" dirty="0" err="1" smtClean="0">
+                <a:latin typeface="+mn-ea"/>
+              </a:rPr>
+              <a:t>int</a:t>
+            </a:r>
+            <a:r>
+              <a:rPr lang="en-US" altLang="ko-KR" dirty="0" smtClean="0">
+                <a:latin typeface="+mn-ea"/>
+              </a:rPr>
+              <a:t> </a:t>
+            </a:r>
+            <a:r>
+              <a:rPr lang="en-US" altLang="ko-KR" dirty="0" err="1" smtClean="0">
+                <a:latin typeface="+mn-ea"/>
+              </a:rPr>
+              <a:t>studentID</a:t>
+            </a:r>
+            <a:endParaRPr lang="en-US" altLang="ko-KR" dirty="0" smtClean="0">
+              <a:latin typeface="+mn-ea"/>
+            </a:endParaRPr>
+          </a:p>
+          <a:p>
+            <a:pPr>
+              <a:lnSpc>
+                <a:spcPct val="150000"/>
+              </a:lnSpc>
+            </a:pPr>
+            <a:r>
+              <a:rPr lang="en-US" altLang="ko-KR" dirty="0" smtClean="0">
+                <a:latin typeface="+mn-ea"/>
+              </a:rPr>
+              <a:t> </a:t>
+            </a:r>
+            <a:r>
+              <a:rPr lang="en-US" altLang="ko-KR" dirty="0" smtClean="0">
+                <a:latin typeface="+mn-ea"/>
+              </a:rPr>
+              <a:t> String </a:t>
+            </a:r>
+            <a:r>
+              <a:rPr lang="en-US" altLang="ko-KR" dirty="0" err="1" smtClean="0">
+                <a:latin typeface="+mn-ea"/>
+              </a:rPr>
+              <a:t>studentName</a:t>
+            </a:r>
+            <a:endParaRPr lang="en-US" altLang="ko-KR" dirty="0" smtClean="0">
+              <a:latin typeface="+mn-ea"/>
+            </a:endParaRPr>
+          </a:p>
+          <a:p>
+            <a:pPr>
+              <a:lnSpc>
+                <a:spcPct val="150000"/>
+              </a:lnSpc>
+            </a:pPr>
+            <a:r>
+              <a:rPr lang="en-US" altLang="ko-KR" dirty="0" smtClean="0">
+                <a:latin typeface="+mn-ea"/>
+              </a:rPr>
+              <a:t> </a:t>
+            </a:r>
+            <a:r>
+              <a:rPr lang="en-US" altLang="ko-KR" dirty="0" smtClean="0">
+                <a:latin typeface="+mn-ea"/>
+              </a:rPr>
+              <a:t> Subject </a:t>
+            </a:r>
+            <a:r>
+              <a:rPr lang="en-US" altLang="ko-KR" dirty="0" smtClean="0">
+                <a:latin typeface="+mn-ea"/>
+              </a:rPr>
+              <a:t>Korean</a:t>
+            </a:r>
+          </a:p>
+          <a:p>
+            <a:pPr>
+              <a:lnSpc>
+                <a:spcPct val="150000"/>
+              </a:lnSpc>
+            </a:pPr>
+            <a:r>
+              <a:rPr lang="en-US" altLang="ko-KR" dirty="0" smtClean="0">
+                <a:latin typeface="+mn-ea"/>
+              </a:rPr>
+              <a:t> </a:t>
+            </a:r>
+            <a:r>
+              <a:rPr lang="en-US" altLang="ko-KR" dirty="0" smtClean="0">
+                <a:latin typeface="+mn-ea"/>
+              </a:rPr>
+              <a:t> Subject </a:t>
+            </a:r>
+            <a:r>
+              <a:rPr lang="en-US" altLang="ko-KR" dirty="0" smtClean="0">
+                <a:latin typeface="+mn-ea"/>
+              </a:rPr>
+              <a:t>math</a:t>
+            </a:r>
+          </a:p>
+          <a:p>
+            <a:pPr>
+              <a:lnSpc>
+                <a:spcPct val="150000"/>
+              </a:lnSpc>
+            </a:pPr>
+            <a:endParaRPr lang="en-US" altLang="ko-KR" dirty="0" smtClean="0">
+              <a:latin typeface="+mn-ea"/>
+            </a:endParaRPr>
+          </a:p>
+        </p:txBody>
+      </p:sp>
+      <p:sp>
+        <p:nvSpPr>
+          <p:cNvPr id="38" name="TextBox 37"/>
+          <p:cNvSpPr txBox="1"/>
+          <p:nvPr/>
+        </p:nvSpPr>
+        <p:spPr>
+          <a:xfrm>
+            <a:off x="1486014" y="1572761"/>
+            <a:ext cx="1171424" cy="369332"/>
+          </a:xfrm>
+          <a:prstGeom prst="rect">
+            <a:avLst/>
+          </a:prstGeom>
+          <a:noFill/>
+          <a:ln w="19050">
+            <a:solidFill>
+              <a:schemeClr val="tx1"/>
+            </a:solidFill>
+            <a:prstDash val="sysDot"/>
+          </a:ln>
+        </p:spPr>
+        <p:txBody>
+          <a:bodyPr wrap="square" rtlCol="0">
+            <a:spAutoFit/>
+          </a:bodyPr>
+          <a:lstStyle/>
+          <a:p>
+            <a:r>
+              <a:rPr lang="en-US" altLang="ko-KR" b="1" dirty="0" smtClean="0"/>
+              <a:t>Student</a:t>
+            </a:r>
+          </a:p>
+        </p:txBody>
+      </p:sp>
+      <p:sp>
+        <p:nvSpPr>
+          <p:cNvPr id="39" name="직사각형 38"/>
+          <p:cNvSpPr/>
+          <p:nvPr/>
+        </p:nvSpPr>
+        <p:spPr>
+          <a:xfrm>
+            <a:off x="5385048" y="2142148"/>
+            <a:ext cx="2664296" cy="2079752"/>
+          </a:xfrm>
+          <a:prstGeom prst="rect">
+            <a:avLst/>
+          </a:prstGeom>
+          <a:ln w="19050"/>
+        </p:spPr>
+        <p:style>
+          <a:lnRef idx="2">
+            <a:schemeClr val="accent4"/>
+          </a:lnRef>
+          <a:fillRef idx="1">
+            <a:schemeClr val="lt1"/>
+          </a:fillRef>
+          <a:effectRef idx="0">
+            <a:schemeClr val="accent4"/>
+          </a:effectRef>
+          <a:fontRef idx="minor">
+            <a:schemeClr val="dk1"/>
+          </a:fontRef>
+        </p:style>
+        <p:txBody>
+          <a:bodyPr rtlCol="0" anchor="ctr"/>
+          <a:lstStyle/>
+          <a:p>
+            <a:pPr>
+              <a:lnSpc>
+                <a:spcPct val="150000"/>
+              </a:lnSpc>
+            </a:pPr>
+            <a:r>
+              <a:rPr lang="en-US" altLang="ko-KR" dirty="0" smtClean="0">
+                <a:latin typeface="+mn-ea"/>
+              </a:rPr>
+              <a:t> </a:t>
+            </a:r>
+            <a:endParaRPr lang="en-US" altLang="ko-KR" dirty="0" smtClean="0">
+              <a:latin typeface="+mn-ea"/>
+            </a:endParaRPr>
+          </a:p>
+          <a:p>
+            <a:pPr>
+              <a:lnSpc>
+                <a:spcPct val="150000"/>
+              </a:lnSpc>
+            </a:pPr>
+            <a:r>
+              <a:rPr lang="en-US" altLang="ko-KR" dirty="0">
+                <a:latin typeface="+mn-ea"/>
+              </a:rPr>
+              <a:t> </a:t>
+            </a:r>
+            <a:r>
+              <a:rPr lang="en-US" altLang="ko-KR" dirty="0" smtClean="0">
+                <a:latin typeface="+mn-ea"/>
+              </a:rPr>
+              <a:t> </a:t>
+            </a:r>
+            <a:r>
+              <a:rPr lang="en-US" altLang="ko-KR" dirty="0" smtClean="0">
+                <a:latin typeface="+mn-ea"/>
+              </a:rPr>
+              <a:t>String </a:t>
+            </a:r>
+            <a:r>
+              <a:rPr lang="en-US" altLang="ko-KR" dirty="0" err="1" smtClean="0">
+                <a:latin typeface="+mn-ea"/>
+              </a:rPr>
+              <a:t>subjectName</a:t>
+            </a:r>
+            <a:endParaRPr lang="en-US" altLang="ko-KR" dirty="0" smtClean="0">
+              <a:latin typeface="+mn-ea"/>
+            </a:endParaRPr>
+          </a:p>
+          <a:p>
+            <a:pPr>
+              <a:lnSpc>
+                <a:spcPct val="150000"/>
+              </a:lnSpc>
+            </a:pPr>
+            <a:r>
+              <a:rPr lang="en-US" altLang="ko-KR" dirty="0" smtClean="0">
+                <a:latin typeface="+mn-ea"/>
+              </a:rPr>
+              <a:t> </a:t>
+            </a:r>
+            <a:r>
+              <a:rPr lang="en-US" altLang="ko-KR" dirty="0" smtClean="0">
+                <a:latin typeface="+mn-ea"/>
+              </a:rPr>
+              <a:t> </a:t>
+            </a:r>
+            <a:r>
+              <a:rPr lang="en-US" altLang="ko-KR" dirty="0" err="1" smtClean="0">
+                <a:latin typeface="+mn-ea"/>
+              </a:rPr>
+              <a:t>int</a:t>
+            </a:r>
+            <a:r>
+              <a:rPr lang="en-US" altLang="ko-KR" dirty="0" smtClean="0">
+                <a:latin typeface="+mn-ea"/>
+              </a:rPr>
+              <a:t> </a:t>
+            </a:r>
+            <a:r>
+              <a:rPr lang="en-US" altLang="ko-KR" dirty="0" err="1" smtClean="0">
+                <a:latin typeface="+mn-ea"/>
+              </a:rPr>
+              <a:t>scorePoint</a:t>
+            </a:r>
+            <a:endParaRPr lang="en-US" altLang="ko-KR" dirty="0" smtClean="0">
+              <a:latin typeface="+mn-ea"/>
+            </a:endParaRPr>
+          </a:p>
+          <a:p>
+            <a:pPr>
+              <a:lnSpc>
+                <a:spcPct val="150000"/>
+              </a:lnSpc>
+            </a:pPr>
+            <a:endParaRPr lang="en-US" altLang="ko-KR" dirty="0">
+              <a:latin typeface="+mn-ea"/>
+            </a:endParaRPr>
+          </a:p>
+          <a:p>
+            <a:pPr>
+              <a:lnSpc>
+                <a:spcPct val="150000"/>
+              </a:lnSpc>
+            </a:pPr>
+            <a:endParaRPr lang="en-US" altLang="ko-KR" dirty="0" smtClean="0">
+              <a:latin typeface="+mn-ea"/>
+            </a:endParaRPr>
+          </a:p>
+          <a:p>
+            <a:pPr>
+              <a:lnSpc>
+                <a:spcPct val="150000"/>
+              </a:lnSpc>
+            </a:pPr>
+            <a:endParaRPr lang="ko-KR" altLang="en-US" dirty="0">
+              <a:latin typeface="+mn-ea"/>
+            </a:endParaRPr>
+          </a:p>
+        </p:txBody>
+      </p:sp>
+      <p:sp>
+        <p:nvSpPr>
+          <p:cNvPr id="41" name="TextBox 40"/>
+          <p:cNvSpPr txBox="1"/>
+          <p:nvPr/>
+        </p:nvSpPr>
+        <p:spPr>
+          <a:xfrm>
+            <a:off x="4731737" y="2905205"/>
+            <a:ext cx="365279" cy="400110"/>
+          </a:xfrm>
+          <a:prstGeom prst="rect">
+            <a:avLst/>
+          </a:prstGeom>
+          <a:noFill/>
+          <a:ln w="19050">
+            <a:noFill/>
+            <a:prstDash val="sysDot"/>
+          </a:ln>
+        </p:spPr>
+        <p:txBody>
+          <a:bodyPr wrap="square" rtlCol="0">
+            <a:spAutoFit/>
+          </a:bodyPr>
+          <a:lstStyle/>
+          <a:p>
+            <a:r>
+              <a:rPr lang="en-US" altLang="ko-KR" sz="2000" b="1" dirty="0"/>
+              <a:t>+</a:t>
+            </a:r>
+            <a:endParaRPr lang="en-US" altLang="ko-KR" sz="2000" b="1" dirty="0" smtClean="0"/>
+          </a:p>
+        </p:txBody>
+      </p:sp>
+      <p:cxnSp>
+        <p:nvCxnSpPr>
+          <p:cNvPr id="44" name="직선 화살표 연결선 43"/>
+          <p:cNvCxnSpPr>
+            <a:stCxn id="45" idx="1"/>
+            <a:endCxn id="46" idx="3"/>
+          </p:cNvCxnSpPr>
+          <p:nvPr/>
+        </p:nvCxnSpPr>
+        <p:spPr>
+          <a:xfrm flipH="1">
+            <a:off x="3475944" y="1788205"/>
+            <a:ext cx="1909104" cy="1753453"/>
+          </a:xfrm>
+          <a:prstGeom prst="straightConnector1">
+            <a:avLst/>
+          </a:prstGeom>
+          <a:ln w="19050">
+            <a:solidFill>
+              <a:srgbClr val="E46C0A"/>
+            </a:solidFill>
+            <a:prstDash val="sysDot"/>
+            <a:tailEnd type="triangle"/>
+          </a:ln>
+        </p:spPr>
+        <p:style>
+          <a:lnRef idx="1">
+            <a:schemeClr val="accent1"/>
+          </a:lnRef>
+          <a:fillRef idx="0">
+            <a:schemeClr val="accent1"/>
+          </a:fillRef>
+          <a:effectRef idx="0">
+            <a:schemeClr val="accent1"/>
+          </a:effectRef>
+          <a:fontRef idx="minor">
+            <a:schemeClr val="tx1"/>
+          </a:fontRef>
+        </p:style>
+      </p:cxnSp>
+      <p:sp>
+        <p:nvSpPr>
+          <p:cNvPr id="45" name="TextBox 44"/>
+          <p:cNvSpPr txBox="1"/>
+          <p:nvPr/>
+        </p:nvSpPr>
+        <p:spPr>
+          <a:xfrm>
+            <a:off x="5385048" y="1603539"/>
+            <a:ext cx="1152128" cy="369332"/>
+          </a:xfrm>
+          <a:prstGeom prst="rect">
+            <a:avLst/>
+          </a:prstGeom>
+          <a:noFill/>
+          <a:ln w="19050">
+            <a:solidFill>
+              <a:schemeClr val="tx1"/>
+            </a:solidFill>
+            <a:prstDash val="sysDot"/>
+          </a:ln>
+        </p:spPr>
+        <p:txBody>
+          <a:bodyPr wrap="square" rtlCol="0">
+            <a:spAutoFit/>
+          </a:bodyPr>
+          <a:lstStyle/>
+          <a:p>
+            <a:r>
+              <a:rPr lang="en-US" altLang="ko-KR" b="1" dirty="0" smtClean="0"/>
+              <a:t>Subject</a:t>
+            </a:r>
+          </a:p>
+        </p:txBody>
+      </p:sp>
+      <p:sp>
+        <p:nvSpPr>
+          <p:cNvPr id="46" name="모서리가 둥근 직사각형 45"/>
+          <p:cNvSpPr/>
+          <p:nvPr/>
+        </p:nvSpPr>
+        <p:spPr>
+          <a:xfrm>
+            <a:off x="1675744" y="3076819"/>
+            <a:ext cx="1800200" cy="929677"/>
+          </a:xfrm>
+          <a:prstGeom prst="roundRect">
+            <a:avLst>
+              <a:gd name="adj" fmla="val 13110"/>
+            </a:avLst>
+          </a:prstGeom>
+          <a:noFill/>
+          <a:ln w="19050">
+            <a:solidFill>
+              <a:srgbClr val="E46C0A"/>
+            </a:solidFill>
+            <a:prstDash val="sysDot"/>
+          </a:ln>
+        </p:spPr>
+        <p:style>
+          <a:lnRef idx="2">
+            <a:schemeClr val="accent1">
+              <a:shade val="50000"/>
+            </a:schemeClr>
+          </a:lnRef>
+          <a:fillRef idx="1">
+            <a:schemeClr val="accent1"/>
+          </a:fillRef>
+          <a:effectRef idx="0">
+            <a:schemeClr val="accent1"/>
+          </a:effectRef>
+          <a:fontRef idx="minor">
+            <a:schemeClr val="lt1"/>
+          </a:fontRef>
+        </p:style>
+        <p:txBody>
+          <a:bodyPr rtlCol="0" anchor="ctr"/>
+          <a:lstStyle/>
+          <a:p>
+            <a:pPr algn="ctr"/>
+            <a:endParaRPr lang="ko-KR" altLang="en-US"/>
+          </a:p>
+        </p:txBody>
+      </p:sp>
+    </p:spTree>
+    <p:extLst>
+      <p:ext uri="{BB962C8B-B14F-4D97-AF65-F5344CB8AC3E}">
+        <p14:creationId xmlns:p14="http://schemas.microsoft.com/office/powerpoint/2010/main" val="471680061"/>
+      </p:ext>
+    </p:extLst>
+  </p:cSld>
+  <p:clrMapOvr>
+    <a:masterClrMapping/>
+  </p:clrMapOvr>
+  <p:timing>
+    <p:tnLst>
+      <p:par>
+        <p:cTn id="1" dur="indefinite" restart="never" nodeType="tmRoot"/>
+      </p:par>
+    </p:tnLst>
+  </p:timing>
+</p:sld>
+</file>
+
+<file path=ppt/slides/slide22.xml><?xml version="1.0" encoding="utf-8"?>
+<p:sld xmlns:a="http://schemas.openxmlformats.org/drawingml/2006/main" xmlns:r="http://schemas.openxmlformats.org/officeDocument/2006/relationships" xmlns:p="http://schemas.openxmlformats.org/presentationml/2006/main">
+  <p:cSld>
+    <p:spTree>
+      <p:nvGrpSpPr>
+        <p:cNvPr id="1" name=""/>
+        <p:cNvGrpSpPr/>
+        <p:nvPr/>
+      </p:nvGrpSpPr>
+      <p:grpSpPr>
+        <a:xfrm>
+          <a:off x="0" y="0"/>
+          <a:ext cx="0" cy="0"/>
+          <a:chOff x="0" y="0"/>
+          <a:chExt cx="0" cy="0"/>
+        </a:xfrm>
+      </p:grpSpPr>
+      <p:sp>
+        <p:nvSpPr>
+          <p:cNvPr id="6" name="제목 5"/>
+          <p:cNvSpPr>
+            <a:spLocks noGrp="1"/>
+          </p:cNvSpPr>
+          <p:nvPr>
+            <p:ph type="title"/>
+          </p:nvPr>
+        </p:nvSpPr>
+        <p:spPr/>
+        <p:txBody>
+          <a:bodyPr/>
+          <a:lstStyle/>
+          <a:p>
+            <a:r>
+              <a:rPr lang="en-US" altLang="ko-KR" dirty="0" smtClean="0"/>
+              <a:t>  </a:t>
+            </a:r>
+            <a:r>
+              <a:rPr lang="ko-KR" altLang="en-US" dirty="0"/>
+              <a:t>클래스</a:t>
+            </a:r>
+            <a:r>
+              <a:rPr lang="en-US" altLang="ko-KR" dirty="0"/>
+              <a:t>(</a:t>
+            </a:r>
+            <a:r>
+              <a:rPr lang="ko-KR" altLang="en-US" dirty="0" err="1"/>
+              <a:t>자료형</a:t>
+            </a:r>
+            <a:r>
+              <a:rPr lang="en-US" altLang="ko-KR" dirty="0"/>
+              <a:t>)</a:t>
+            </a:r>
+            <a:r>
+              <a:rPr lang="ko-KR" altLang="en-US" dirty="0"/>
+              <a:t> 참조</a:t>
+            </a:r>
+          </a:p>
+        </p:txBody>
+      </p:sp>
+      <p:sp>
+        <p:nvSpPr>
+          <p:cNvPr id="5" name="슬라이드 번호 개체 틀 4"/>
+          <p:cNvSpPr>
+            <a:spLocks noGrp="1"/>
+          </p:cNvSpPr>
+          <p:nvPr>
+            <p:ph type="sldNum" sz="quarter" idx="12"/>
+          </p:nvPr>
+        </p:nvSpPr>
+        <p:spPr/>
+        <p:txBody>
+          <a:bodyPr/>
+          <a:lstStyle/>
+          <a:p>
+            <a:fld id="{1BDE3FE7-3AEA-4B05-AC5A-802D1816ACF0}" type="slidenum">
+              <a:rPr lang="ko-KR" altLang="en-US" smtClean="0"/>
+              <a:t>22</a:t>
+            </a:fld>
+            <a:endParaRPr lang="ko-KR" altLang="en-US"/>
+          </a:p>
+        </p:txBody>
+      </p:sp>
+      <p:sp>
+        <p:nvSpPr>
+          <p:cNvPr id="7" name="내용 개체 틀 2">
+            <a:extLst>
+              <a:ext uri="{FF2B5EF4-FFF2-40B4-BE49-F238E27FC236}">
+                <a16:creationId xmlns:a16="http://schemas.microsoft.com/office/drawing/2014/main" id="{98AF3A4E-7D90-4241-89FE-799D6F9D5A94}"/>
+              </a:ext>
+            </a:extLst>
+          </p:cNvPr>
+          <p:cNvSpPr txBox="1">
+            <a:spLocks/>
+          </p:cNvSpPr>
+          <p:nvPr/>
+        </p:nvSpPr>
+        <p:spPr>
+          <a:xfrm>
+            <a:off x="1136576" y="1031848"/>
+            <a:ext cx="2075768" cy="596952"/>
+          </a:xfrm>
+          <a:prstGeom prst="rect">
+            <a:avLst/>
+          </a:prstGeom>
+        </p:spPr>
+        <p:txBody>
+          <a:bodyPr/>
+          <a:lstStyle>
+            <a:lvl1pPr marL="228600" indent="-228600" algn="l" defTabSz="914400" rtl="0" eaLnBrk="1" latinLnBrk="1" hangingPunct="1">
+              <a:lnSpc>
+                <a:spcPct val="90000"/>
+              </a:lnSpc>
+              <a:spcBef>
+                <a:spcPts val="1000"/>
+              </a:spcBef>
+              <a:buFont typeface="Arial" panose="020B0604020202020204" pitchFamily="34" charset="0"/>
+              <a:buChar char="•"/>
+              <a:defRPr sz="2800" kern="1200">
+                <a:solidFill>
+                  <a:schemeClr val="tx1"/>
+                </a:solidFill>
+                <a:latin typeface="+mn-lt"/>
+                <a:ea typeface="+mn-ea"/>
+                <a:cs typeface="+mn-cs"/>
+              </a:defRPr>
+            </a:lvl1pPr>
+            <a:lvl2pPr marL="685800" indent="-228600" algn="l" defTabSz="914400" rtl="0" eaLnBrk="1" latinLnBrk="1" hangingPunct="1">
+              <a:lnSpc>
+                <a:spcPct val="90000"/>
+              </a:lnSpc>
+              <a:spcBef>
+                <a:spcPts val="500"/>
+              </a:spcBef>
+              <a:buFont typeface="Arial" panose="020B0604020202020204" pitchFamily="34" charset="0"/>
+              <a:buChar char="•"/>
+              <a:defRPr sz="2400" kern="1200">
+                <a:solidFill>
+                  <a:schemeClr val="tx1"/>
+                </a:solidFill>
+                <a:latin typeface="+mn-lt"/>
+                <a:ea typeface="+mn-ea"/>
+                <a:cs typeface="+mn-cs"/>
+              </a:defRPr>
+            </a:lvl2pPr>
+            <a:lvl3pPr marL="1143000" indent="-228600" algn="l" defTabSz="914400" rtl="0" eaLnBrk="1" latinLnBrk="1" hangingPunct="1">
+              <a:lnSpc>
+                <a:spcPct val="90000"/>
+              </a:lnSpc>
+              <a:spcBef>
+                <a:spcPts val="500"/>
+              </a:spcBef>
+              <a:buFont typeface="Arial" panose="020B0604020202020204" pitchFamily="34" charset="0"/>
+              <a:buChar char="•"/>
+              <a:defRPr sz="2000" kern="1200">
+                <a:solidFill>
+                  <a:schemeClr val="tx1"/>
+                </a:solidFill>
+                <a:latin typeface="+mn-lt"/>
+                <a:ea typeface="+mn-ea"/>
+                <a:cs typeface="+mn-cs"/>
+              </a:defRPr>
+            </a:lvl3pPr>
+            <a:lvl4pPr marL="1600200" indent="-228600" algn="l" defTabSz="914400" rtl="0" eaLnBrk="1" latinLnBrk="1" hangingPunct="1">
+              <a:lnSpc>
+                <a:spcPct val="90000"/>
+              </a:lnSpc>
+              <a:spcBef>
+                <a:spcPts val="500"/>
+              </a:spcBef>
+              <a:buFont typeface="Arial" panose="020B0604020202020204" pitchFamily="34" charset="0"/>
+              <a:buChar char="•"/>
+              <a:defRPr sz="1800" kern="1200">
+                <a:solidFill>
+                  <a:schemeClr val="tx1"/>
+                </a:solidFill>
+                <a:latin typeface="+mn-lt"/>
+                <a:ea typeface="+mn-ea"/>
+                <a:cs typeface="+mn-cs"/>
+              </a:defRPr>
+            </a:lvl4pPr>
+            <a:lvl5pPr marL="2057400" indent="-228600" algn="l" defTabSz="914400" rtl="0" eaLnBrk="1" latinLnBrk="1" hangingPunct="1">
+              <a:lnSpc>
+                <a:spcPct val="90000"/>
+              </a:lnSpc>
+              <a:spcBef>
+                <a:spcPts val="500"/>
+              </a:spcBef>
+              <a:buFont typeface="Arial" panose="020B0604020202020204" pitchFamily="34" charset="0"/>
+              <a:buChar char="•"/>
+              <a:defRPr sz="1800" kern="1200">
+                <a:solidFill>
+                  <a:schemeClr val="tx1"/>
+                </a:solidFill>
+                <a:latin typeface="+mn-lt"/>
+                <a:ea typeface="+mn-ea"/>
+                <a:cs typeface="+mn-cs"/>
+              </a:defRPr>
+            </a:lvl5pPr>
+            <a:lvl6pPr marL="2514600" indent="-228600" algn="l" defTabSz="914400" rtl="0" eaLnBrk="1" latinLnBrk="1" hangingPunct="1">
+              <a:lnSpc>
+                <a:spcPct val="90000"/>
+              </a:lnSpc>
+              <a:spcBef>
+                <a:spcPts val="500"/>
+              </a:spcBef>
+              <a:buFont typeface="Arial" panose="020B0604020202020204" pitchFamily="34" charset="0"/>
+              <a:buChar char="•"/>
+              <a:defRPr sz="1800" kern="1200">
+                <a:solidFill>
+                  <a:schemeClr val="tx1"/>
+                </a:solidFill>
+                <a:latin typeface="+mn-lt"/>
+                <a:ea typeface="+mn-ea"/>
+                <a:cs typeface="+mn-cs"/>
+              </a:defRPr>
+            </a:lvl6pPr>
+            <a:lvl7pPr marL="2971800" indent="-228600" algn="l" defTabSz="914400" rtl="0" eaLnBrk="1" latinLnBrk="1" hangingPunct="1">
+              <a:lnSpc>
+                <a:spcPct val="90000"/>
+              </a:lnSpc>
+              <a:spcBef>
+                <a:spcPts val="500"/>
+              </a:spcBef>
+              <a:buFont typeface="Arial" panose="020B0604020202020204" pitchFamily="34" charset="0"/>
+              <a:buChar char="•"/>
+              <a:defRPr sz="1800" kern="1200">
+                <a:solidFill>
+                  <a:schemeClr val="tx1"/>
+                </a:solidFill>
+                <a:latin typeface="+mn-lt"/>
+                <a:ea typeface="+mn-ea"/>
+                <a:cs typeface="+mn-cs"/>
+              </a:defRPr>
+            </a:lvl7pPr>
+            <a:lvl8pPr marL="3429000" indent="-228600" algn="l" defTabSz="914400" rtl="0" eaLnBrk="1" latinLnBrk="1" hangingPunct="1">
+              <a:lnSpc>
+                <a:spcPct val="90000"/>
+              </a:lnSpc>
+              <a:spcBef>
+                <a:spcPts val="500"/>
+              </a:spcBef>
+              <a:buFont typeface="Arial" panose="020B0604020202020204" pitchFamily="34" charset="0"/>
+              <a:buChar char="•"/>
+              <a:defRPr sz="1800" kern="1200">
+                <a:solidFill>
+                  <a:schemeClr val="tx1"/>
+                </a:solidFill>
+                <a:latin typeface="+mn-lt"/>
+                <a:ea typeface="+mn-ea"/>
+                <a:cs typeface="+mn-cs"/>
+              </a:defRPr>
+            </a:lvl8pPr>
+            <a:lvl9pPr marL="3886200" indent="-228600" algn="l" defTabSz="914400" rtl="0" eaLnBrk="1" latinLnBrk="1" hangingPunct="1">
+              <a:lnSpc>
+                <a:spcPct val="90000"/>
+              </a:lnSpc>
+              <a:spcBef>
+                <a:spcPts val="500"/>
+              </a:spcBef>
+              <a:buFont typeface="Arial" panose="020B0604020202020204" pitchFamily="34" charset="0"/>
+              <a:buChar char="•"/>
+              <a:defRPr sz="1800" kern="1200">
+                <a:solidFill>
+                  <a:schemeClr val="tx1"/>
+                </a:solidFill>
+                <a:latin typeface="+mn-lt"/>
+                <a:ea typeface="+mn-ea"/>
+                <a:cs typeface="+mn-cs"/>
+              </a:defRPr>
+            </a:lvl9pPr>
+          </a:lstStyle>
+          <a:p>
+            <a:pPr>
+              <a:lnSpc>
+                <a:spcPct val="150000"/>
+              </a:lnSpc>
+              <a:buFont typeface="Wingdings" panose="05000000000000000000" pitchFamily="2" charset="2"/>
+              <a:buChar char="§"/>
+            </a:pPr>
+            <a:r>
+              <a:rPr lang="ko-KR" altLang="en-US" sz="1800" dirty="0" smtClean="0">
+                <a:solidFill>
+                  <a:srgbClr val="002060"/>
+                </a:solidFill>
+              </a:rPr>
+              <a:t>과목 클래스</a:t>
+            </a:r>
+            <a:endParaRPr lang="en-US" altLang="ko-KR" sz="2000" dirty="0">
+              <a:solidFill>
+                <a:srgbClr val="002060"/>
+              </a:solidFill>
+            </a:endParaRPr>
+          </a:p>
+        </p:txBody>
+      </p:sp>
+      <p:pic>
+        <p:nvPicPr>
+          <p:cNvPr id="2" name="그림 1"/>
+          <p:cNvPicPr>
+            <a:picLocks noChangeAspect="1"/>
+          </p:cNvPicPr>
+          <p:nvPr/>
+        </p:nvPicPr>
+        <p:blipFill>
+          <a:blip r:embed="rId2">
+            <a:extLst>
+              <a:ext uri="{28A0092B-C50C-407E-A947-70E740481C1C}">
+                <a14:useLocalDpi xmlns:a14="http://schemas.microsoft.com/office/drawing/2010/main" val="0"/>
+              </a:ext>
+            </a:extLst>
+          </a:blip>
+          <a:stretch>
+            <a:fillRect/>
+          </a:stretch>
+        </p:blipFill>
+        <p:spPr>
+          <a:xfrm>
+            <a:off x="1496616" y="1556792"/>
+            <a:ext cx="6226080" cy="4557155"/>
+          </a:xfrm>
+          <a:prstGeom prst="rect">
+            <a:avLst/>
+          </a:prstGeom>
+          <a:ln>
+            <a:solidFill>
+              <a:schemeClr val="bg1">
+                <a:lumMod val="85000"/>
+              </a:schemeClr>
+            </a:solidFill>
+          </a:ln>
+        </p:spPr>
+      </p:pic>
+    </p:spTree>
+    <p:extLst>
+      <p:ext uri="{BB962C8B-B14F-4D97-AF65-F5344CB8AC3E}">
+        <p14:creationId xmlns:p14="http://schemas.microsoft.com/office/powerpoint/2010/main" val="3019811978"/>
+      </p:ext>
+    </p:extLst>
+  </p:cSld>
+  <p:clrMapOvr>
+    <a:masterClrMapping/>
+  </p:clrMapOvr>
+  <p:timing>
+    <p:tnLst>
+      <p:par>
+        <p:cTn id="1" dur="indefinite" restart="never" nodeType="tmRoot"/>
+      </p:par>
+    </p:tnLst>
+  </p:timing>
+</p:sld>
+</file>
+
+<file path=ppt/slides/slide23.xml><?xml version="1.0" encoding="utf-8"?>
+<p:sld xmlns:a="http://schemas.openxmlformats.org/drawingml/2006/main" xmlns:r="http://schemas.openxmlformats.org/officeDocument/2006/relationships" xmlns:p="http://schemas.openxmlformats.org/presentationml/2006/main">
+  <p:cSld>
+    <p:spTree>
+      <p:nvGrpSpPr>
+        <p:cNvPr id="1" name=""/>
+        <p:cNvGrpSpPr/>
+        <p:nvPr/>
+      </p:nvGrpSpPr>
+      <p:grpSpPr>
+        <a:xfrm>
+          <a:off x="0" y="0"/>
+          <a:ext cx="0" cy="0"/>
+          <a:chOff x="0" y="0"/>
+          <a:chExt cx="0" cy="0"/>
+        </a:xfrm>
+      </p:grpSpPr>
+      <p:sp>
+        <p:nvSpPr>
+          <p:cNvPr id="6" name="제목 5"/>
+          <p:cNvSpPr>
+            <a:spLocks noGrp="1"/>
+          </p:cNvSpPr>
+          <p:nvPr>
+            <p:ph type="title"/>
+          </p:nvPr>
+        </p:nvSpPr>
+        <p:spPr/>
+        <p:txBody>
+          <a:bodyPr/>
+          <a:lstStyle/>
+          <a:p>
+            <a:r>
+              <a:rPr lang="en-US" altLang="ko-KR" dirty="0" smtClean="0"/>
+              <a:t>  </a:t>
+            </a:r>
+            <a:r>
+              <a:rPr lang="ko-KR" altLang="en-US" dirty="0"/>
+              <a:t>클래스</a:t>
+            </a:r>
+            <a:r>
+              <a:rPr lang="en-US" altLang="ko-KR" dirty="0"/>
+              <a:t>(</a:t>
+            </a:r>
+            <a:r>
+              <a:rPr lang="ko-KR" altLang="en-US" dirty="0" err="1"/>
+              <a:t>자료형</a:t>
+            </a:r>
+            <a:r>
+              <a:rPr lang="en-US" altLang="ko-KR" dirty="0"/>
+              <a:t>)</a:t>
+            </a:r>
+            <a:r>
+              <a:rPr lang="ko-KR" altLang="en-US" dirty="0"/>
+              <a:t> 참조</a:t>
+            </a:r>
+          </a:p>
+        </p:txBody>
+      </p:sp>
+      <p:sp>
+        <p:nvSpPr>
+          <p:cNvPr id="5" name="슬라이드 번호 개체 틀 4"/>
+          <p:cNvSpPr>
+            <a:spLocks noGrp="1"/>
+          </p:cNvSpPr>
+          <p:nvPr>
+            <p:ph type="sldNum" sz="quarter" idx="12"/>
+          </p:nvPr>
+        </p:nvSpPr>
+        <p:spPr/>
+        <p:txBody>
+          <a:bodyPr/>
+          <a:lstStyle/>
+          <a:p>
+            <a:fld id="{1BDE3FE7-3AEA-4B05-AC5A-802D1816ACF0}" type="slidenum">
+              <a:rPr lang="ko-KR" altLang="en-US" smtClean="0"/>
+              <a:t>23</a:t>
             </a:fld>
             <a:endParaRPr lang="ko-KR" altLang="en-US"/>
           </a:p>
@@ -11196,13 +11976,13 @@
       </p:sp>
       <p:pic>
         <p:nvPicPr>
-          <p:cNvPr id="3" name="그림 2"/>
+          <p:cNvPr id="2" name="그림 1"/>
           <p:cNvPicPr>
             <a:picLocks noChangeAspect="1"/>
           </p:cNvPicPr>
           <p:nvPr/>
         </p:nvPicPr>
-        <p:blipFill rotWithShape="1">
+        <p:blipFill>
           <a:blip r:embed="rId2">
             <a:extLst>
               <a:ext uri="{28A0092B-C50C-407E-A947-70E740481C1C}">
@@ -11210,13 +11990,14 @@
               </a:ext>
             </a:extLst>
           </a:blip>
-          <a:srcRect r="11647" b="55517"/>
-          <a:stretch/>
+          <a:stretch>
+            <a:fillRect/>
+          </a:stretch>
         </p:blipFill>
         <p:spPr>
           <a:xfrm>
-            <a:off x="968151" y="1743706"/>
-            <a:ext cx="7930415" cy="2952328"/>
+            <a:off x="1352600" y="1727885"/>
+            <a:ext cx="6492803" cy="3475021"/>
           </a:xfrm>
           <a:prstGeom prst="rect">
             <a:avLst/>
@@ -11250,7 +12031,7 @@
 </p:sld>
 </file>
 
-<file path=ppt/slides/slide21.xml><?xml version="1.0" encoding="utf-8"?>
+<file path=ppt/slides/slide24.xml><?xml version="1.0" encoding="utf-8"?>
 <p:sld xmlns:a="http://schemas.openxmlformats.org/drawingml/2006/main" xmlns:r="http://schemas.openxmlformats.org/officeDocument/2006/relationships" xmlns:p="http://schemas.openxmlformats.org/presentationml/2006/main">
   <p:cSld>
     <p:spTree>
@@ -11326,244 +12107,15 @@
           <a:p>
             <a:fld id="{1BDE3FE7-3AEA-4B05-AC5A-802D1816ACF0}" type="slidenum">
               <a:rPr lang="ko-KR" altLang="en-US" smtClean="0"/>
-              <a:t>21</a:t>
+              <a:t>24</a:t>
             </a:fld>
             <a:endParaRPr lang="ko-KR" altLang="en-US"/>
           </a:p>
         </p:txBody>
       </p:sp>
-      <p:sp>
-        <p:nvSpPr>
-          <p:cNvPr id="11" name="내용 개체 틀 2">
-            <a:extLst>
-              <a:ext uri="{FF2B5EF4-FFF2-40B4-BE49-F238E27FC236}">
-                <a16:creationId xmlns:a16="http://schemas.microsoft.com/office/drawing/2014/main" id="{98AF3A4E-7D90-4241-89FE-799D6F9D5A94}"/>
-              </a:ext>
-            </a:extLst>
-          </p:cNvPr>
-          <p:cNvSpPr txBox="1">
-            <a:spLocks/>
-          </p:cNvSpPr>
-          <p:nvPr/>
-        </p:nvSpPr>
-        <p:spPr>
-          <a:xfrm>
-            <a:off x="920552" y="1103856"/>
-            <a:ext cx="1800200" cy="596952"/>
-          </a:xfrm>
-          <a:prstGeom prst="rect">
-            <a:avLst/>
-          </a:prstGeom>
-        </p:spPr>
-        <p:txBody>
-          <a:bodyPr/>
-          <a:lstStyle>
-            <a:lvl1pPr marL="228600" indent="-228600" algn="l" defTabSz="914400" rtl="0" eaLnBrk="1" latinLnBrk="1" hangingPunct="1">
-              <a:lnSpc>
-                <a:spcPct val="90000"/>
-              </a:lnSpc>
-              <a:spcBef>
-                <a:spcPts val="1000"/>
-              </a:spcBef>
-              <a:buFont typeface="Arial" panose="020B0604020202020204" pitchFamily="34" charset="0"/>
-              <a:buChar char="•"/>
-              <a:defRPr sz="2800" kern="1200">
-                <a:solidFill>
-                  <a:schemeClr val="tx1"/>
-                </a:solidFill>
-                <a:latin typeface="+mn-lt"/>
-                <a:ea typeface="+mn-ea"/>
-                <a:cs typeface="+mn-cs"/>
-              </a:defRPr>
-            </a:lvl1pPr>
-            <a:lvl2pPr marL="685800" indent="-228600" algn="l" defTabSz="914400" rtl="0" eaLnBrk="1" latinLnBrk="1" hangingPunct="1">
-              <a:lnSpc>
-                <a:spcPct val="90000"/>
-              </a:lnSpc>
-              <a:spcBef>
-                <a:spcPts val="500"/>
-              </a:spcBef>
-              <a:buFont typeface="Arial" panose="020B0604020202020204" pitchFamily="34" charset="0"/>
-              <a:buChar char="•"/>
-              <a:defRPr sz="2400" kern="1200">
-                <a:solidFill>
-                  <a:schemeClr val="tx1"/>
-                </a:solidFill>
-                <a:latin typeface="+mn-lt"/>
-                <a:ea typeface="+mn-ea"/>
-                <a:cs typeface="+mn-cs"/>
-              </a:defRPr>
-            </a:lvl2pPr>
-            <a:lvl3pPr marL="1143000" indent="-228600" algn="l" defTabSz="914400" rtl="0" eaLnBrk="1" latinLnBrk="1" hangingPunct="1">
-              <a:lnSpc>
-                <a:spcPct val="90000"/>
-              </a:lnSpc>
-              <a:spcBef>
-                <a:spcPts val="500"/>
-              </a:spcBef>
-              <a:buFont typeface="Arial" panose="020B0604020202020204" pitchFamily="34" charset="0"/>
-              <a:buChar char="•"/>
-              <a:defRPr sz="2000" kern="1200">
-                <a:solidFill>
-                  <a:schemeClr val="tx1"/>
-                </a:solidFill>
-                <a:latin typeface="+mn-lt"/>
-                <a:ea typeface="+mn-ea"/>
-                <a:cs typeface="+mn-cs"/>
-              </a:defRPr>
-            </a:lvl3pPr>
-            <a:lvl4pPr marL="1600200" indent="-228600" algn="l" defTabSz="914400" rtl="0" eaLnBrk="1" latinLnBrk="1" hangingPunct="1">
-              <a:lnSpc>
-                <a:spcPct val="90000"/>
-              </a:lnSpc>
-              <a:spcBef>
-                <a:spcPts val="500"/>
-              </a:spcBef>
-              <a:buFont typeface="Arial" panose="020B0604020202020204" pitchFamily="34" charset="0"/>
-              <a:buChar char="•"/>
-              <a:defRPr sz="1800" kern="1200">
-                <a:solidFill>
-                  <a:schemeClr val="tx1"/>
-                </a:solidFill>
-                <a:latin typeface="+mn-lt"/>
-                <a:ea typeface="+mn-ea"/>
-                <a:cs typeface="+mn-cs"/>
-              </a:defRPr>
-            </a:lvl4pPr>
-            <a:lvl5pPr marL="2057400" indent="-228600" algn="l" defTabSz="914400" rtl="0" eaLnBrk="1" latinLnBrk="1" hangingPunct="1">
-              <a:lnSpc>
-                <a:spcPct val="90000"/>
-              </a:lnSpc>
-              <a:spcBef>
-                <a:spcPts val="500"/>
-              </a:spcBef>
-              <a:buFont typeface="Arial" panose="020B0604020202020204" pitchFamily="34" charset="0"/>
-              <a:buChar char="•"/>
-              <a:defRPr sz="1800" kern="1200">
-                <a:solidFill>
-                  <a:schemeClr val="tx1"/>
-                </a:solidFill>
-                <a:latin typeface="+mn-lt"/>
-                <a:ea typeface="+mn-ea"/>
-                <a:cs typeface="+mn-cs"/>
-              </a:defRPr>
-            </a:lvl5pPr>
-            <a:lvl6pPr marL="2514600" indent="-228600" algn="l" defTabSz="914400" rtl="0" eaLnBrk="1" latinLnBrk="1" hangingPunct="1">
-              <a:lnSpc>
-                <a:spcPct val="90000"/>
-              </a:lnSpc>
-              <a:spcBef>
-                <a:spcPts val="500"/>
-              </a:spcBef>
-              <a:buFont typeface="Arial" panose="020B0604020202020204" pitchFamily="34" charset="0"/>
-              <a:buChar char="•"/>
-              <a:defRPr sz="1800" kern="1200">
-                <a:solidFill>
-                  <a:schemeClr val="tx1"/>
-                </a:solidFill>
-                <a:latin typeface="+mn-lt"/>
-                <a:ea typeface="+mn-ea"/>
-                <a:cs typeface="+mn-cs"/>
-              </a:defRPr>
-            </a:lvl6pPr>
-            <a:lvl7pPr marL="2971800" indent="-228600" algn="l" defTabSz="914400" rtl="0" eaLnBrk="1" latinLnBrk="1" hangingPunct="1">
-              <a:lnSpc>
-                <a:spcPct val="90000"/>
-              </a:lnSpc>
-              <a:spcBef>
-                <a:spcPts val="500"/>
-              </a:spcBef>
-              <a:buFont typeface="Arial" panose="020B0604020202020204" pitchFamily="34" charset="0"/>
-              <a:buChar char="•"/>
-              <a:defRPr sz="1800" kern="1200">
-                <a:solidFill>
-                  <a:schemeClr val="tx1"/>
-                </a:solidFill>
-                <a:latin typeface="+mn-lt"/>
-                <a:ea typeface="+mn-ea"/>
-                <a:cs typeface="+mn-cs"/>
-              </a:defRPr>
-            </a:lvl7pPr>
-            <a:lvl8pPr marL="3429000" indent="-228600" algn="l" defTabSz="914400" rtl="0" eaLnBrk="1" latinLnBrk="1" hangingPunct="1">
-              <a:lnSpc>
-                <a:spcPct val="90000"/>
-              </a:lnSpc>
-              <a:spcBef>
-                <a:spcPts val="500"/>
-              </a:spcBef>
-              <a:buFont typeface="Arial" panose="020B0604020202020204" pitchFamily="34" charset="0"/>
-              <a:buChar char="•"/>
-              <a:defRPr sz="1800" kern="1200">
-                <a:solidFill>
-                  <a:schemeClr val="tx1"/>
-                </a:solidFill>
-                <a:latin typeface="+mn-lt"/>
-                <a:ea typeface="+mn-ea"/>
-                <a:cs typeface="+mn-cs"/>
-              </a:defRPr>
-            </a:lvl8pPr>
-            <a:lvl9pPr marL="3886200" indent="-228600" algn="l" defTabSz="914400" rtl="0" eaLnBrk="1" latinLnBrk="1" hangingPunct="1">
-              <a:lnSpc>
-                <a:spcPct val="90000"/>
-              </a:lnSpc>
-              <a:spcBef>
-                <a:spcPts val="500"/>
-              </a:spcBef>
-              <a:buFont typeface="Arial" panose="020B0604020202020204" pitchFamily="34" charset="0"/>
-              <a:buChar char="•"/>
-              <a:defRPr sz="1800" kern="1200">
-                <a:solidFill>
-                  <a:schemeClr val="tx1"/>
-                </a:solidFill>
-                <a:latin typeface="+mn-lt"/>
-                <a:ea typeface="+mn-ea"/>
-                <a:cs typeface="+mn-cs"/>
-              </a:defRPr>
-            </a:lvl9pPr>
-          </a:lstStyle>
-          <a:p>
-            <a:pPr>
-              <a:lnSpc>
-                <a:spcPct val="150000"/>
-              </a:lnSpc>
-              <a:buFont typeface="Wingdings" panose="05000000000000000000" pitchFamily="2" charset="2"/>
-              <a:buChar char="§"/>
-            </a:pPr>
-            <a:r>
-              <a:rPr lang="ko-KR" altLang="en-US" sz="1800" dirty="0" smtClean="0">
-                <a:solidFill>
-                  <a:srgbClr val="002060"/>
-                </a:solidFill>
-              </a:rPr>
-              <a:t>학</a:t>
-            </a:r>
-            <a:r>
-              <a:rPr lang="ko-KR" altLang="en-US" sz="1800" dirty="0">
-                <a:solidFill>
-                  <a:srgbClr val="002060"/>
-                </a:solidFill>
-              </a:rPr>
-              <a:t>생</a:t>
-            </a:r>
-            <a:r>
-              <a:rPr lang="ko-KR" altLang="en-US" sz="1800" dirty="0" smtClean="0">
-                <a:solidFill>
-                  <a:srgbClr val="002060"/>
-                </a:solidFill>
-              </a:rPr>
-              <a:t> 클래스</a:t>
-            </a:r>
-            <a:endParaRPr lang="en-US" altLang="ko-KR" sz="2000" dirty="0">
-              <a:solidFill>
-                <a:srgbClr val="002060"/>
-              </a:solidFill>
-            </a:endParaRPr>
-          </a:p>
-        </p:txBody>
-      </p:sp>
       <p:pic>
         <p:nvPicPr>
-          <p:cNvPr id="2" name="그림 1"/>
+          <p:cNvPr id="3" name="그림 2"/>
           <p:cNvPicPr>
             <a:picLocks noChangeAspect="1"/>
           </p:cNvPicPr>
@@ -11583,8 +12135,8 @@
         </p:blipFill>
         <p:spPr>
           <a:xfrm>
-            <a:off x="597792" y="1700808"/>
-            <a:ext cx="9076255" cy="3312368"/>
+            <a:off x="754016" y="1306646"/>
+            <a:ext cx="8397968" cy="4244708"/>
           </a:xfrm>
           <a:prstGeom prst="rect">
             <a:avLst/>
@@ -11618,7 +12170,7 @@
 </p:sld>
 </file>
 
-<file path=ppt/slides/slide22.xml><?xml version="1.0" encoding="utf-8"?>
+<file path=ppt/slides/slide25.xml><?xml version="1.0" encoding="utf-8"?>
 <p:sld xmlns:a="http://schemas.openxmlformats.org/drawingml/2006/main" xmlns:r="http://schemas.openxmlformats.org/officeDocument/2006/relationships" xmlns:p="http://schemas.openxmlformats.org/presentationml/2006/main">
   <p:cSld>
     <p:spTree>
@@ -11694,7 +12246,7 @@
           <a:p>
             <a:fld id="{1BDE3FE7-3AEA-4B05-AC5A-802D1816ACF0}" type="slidenum">
               <a:rPr lang="ko-KR" altLang="en-US" smtClean="0"/>
-              <a:t>22</a:t>
+              <a:t>25</a:t>
             </a:fld>
             <a:endParaRPr lang="ko-KR" altLang="en-US"/>
           </a:p>
@@ -12014,7 +12566,7 @@
 </p:sld>
 </file>
 
-<file path=ppt/slides/slide23.xml><?xml version="1.0" encoding="utf-8"?>
+<file path=ppt/slides/slide26.xml><?xml version="1.0" encoding="utf-8"?>
 <p:sld xmlns:a="http://schemas.openxmlformats.org/drawingml/2006/main" xmlns:r="http://schemas.openxmlformats.org/officeDocument/2006/relationships" xmlns:p="http://schemas.openxmlformats.org/presentationml/2006/main">
   <p:cSld>
     <p:spTree>
@@ -12082,7 +12634,7 @@
           <a:p>
             <a:fld id="{1BDE3FE7-3AEA-4B05-AC5A-802D1816ACF0}" type="slidenum">
               <a:rPr lang="ko-KR" altLang="en-US" smtClean="0"/>
-              <a:t>23</a:t>
+              <a:t>26</a:t>
             </a:fld>
             <a:endParaRPr lang="ko-KR" altLang="en-US"/>
           </a:p>
@@ -12351,7 +12903,7 @@
       </p:sp>
       <p:pic>
         <p:nvPicPr>
-          <p:cNvPr id="3" name="그림 2"/>
+          <p:cNvPr id="2" name="그림 1"/>
           <p:cNvPicPr>
             <a:picLocks noChangeAspect="1"/>
           </p:cNvPicPr>
@@ -12371,8 +12923,8 @@
         </p:blipFill>
         <p:spPr>
           <a:xfrm>
-            <a:off x="1352600" y="1700808"/>
-            <a:ext cx="6297062" cy="3744416"/>
+            <a:off x="1424608" y="1557119"/>
+            <a:ext cx="5836401" cy="4864777"/>
           </a:xfrm>
           <a:prstGeom prst="rect">
             <a:avLst/>
@@ -12406,7 +12958,7 @@
 </p:sld>
 </file>
 
-<file path=ppt/slides/slide24.xml><?xml version="1.0" encoding="utf-8"?>
+<file path=ppt/slides/slide27.xml><?xml version="1.0" encoding="utf-8"?>
 <p:sld xmlns:a="http://schemas.openxmlformats.org/drawingml/2006/main" xmlns:r="http://schemas.openxmlformats.org/officeDocument/2006/relationships" xmlns:p="http://schemas.openxmlformats.org/presentationml/2006/main">
   <p:cSld>
     <p:spTree>
@@ -12474,7 +13026,7 @@
           <a:p>
             <a:fld id="{1BDE3FE7-3AEA-4B05-AC5A-802D1816ACF0}" type="slidenum">
               <a:rPr lang="ko-KR" altLang="en-US" smtClean="0"/>
-              <a:t>24</a:t>
+              <a:t>27</a:t>
             </a:fld>
             <a:endParaRPr lang="ko-KR" altLang="en-US"/>
           </a:p>
@@ -12482,7 +13034,7 @@
       </p:sp>
       <p:pic>
         <p:nvPicPr>
-          <p:cNvPr id="3" name="그림 2"/>
+          <p:cNvPr id="2" name="그림 1"/>
           <p:cNvPicPr>
             <a:picLocks noChangeAspect="1"/>
           </p:cNvPicPr>
@@ -12502,8 +13054,8 @@
         </p:blipFill>
         <p:spPr>
           <a:xfrm>
-            <a:off x="1064568" y="908720"/>
-            <a:ext cx="7699654" cy="5472608"/>
+            <a:off x="273914" y="1295215"/>
+            <a:ext cx="9358171" cy="4267570"/>
           </a:xfrm>
           <a:prstGeom prst="rect">
             <a:avLst/>
@@ -12537,7 +13089,7 @@
 </p:sld>
 </file>
 
-<file path=ppt/slides/slide25.xml><?xml version="1.0" encoding="utf-8"?>
+<file path=ppt/slides/slide28.xml><?xml version="1.0" encoding="utf-8"?>
 <p:sld xmlns:a="http://schemas.openxmlformats.org/drawingml/2006/main" xmlns:r="http://schemas.openxmlformats.org/officeDocument/2006/relationships" xmlns:p="http://schemas.openxmlformats.org/presentationml/2006/main">
   <p:cSld>
     <p:spTree>
@@ -12605,7 +13157,7 @@
           <a:p>
             <a:fld id="{1BDE3FE7-3AEA-4B05-AC5A-802D1816ACF0}" type="slidenum">
               <a:rPr lang="ko-KR" altLang="en-US" smtClean="0"/>
-              <a:t>25</a:t>
+              <a:t>28</a:t>
             </a:fld>
             <a:endParaRPr lang="ko-KR" altLang="en-US"/>
           </a:p>
@@ -12613,7 +13165,7 @@
       </p:sp>
       <p:pic>
         <p:nvPicPr>
-          <p:cNvPr id="3" name="그림 2"/>
+          <p:cNvPr id="2" name="그림 1"/>
           <p:cNvPicPr>
             <a:picLocks noChangeAspect="1"/>
           </p:cNvPicPr>
@@ -12633,8 +13185,8 @@
         </p:blipFill>
         <p:spPr>
           <a:xfrm>
-            <a:off x="1136576" y="1196752"/>
-            <a:ext cx="6569010" cy="4046571"/>
+            <a:off x="920552" y="1196752"/>
+            <a:ext cx="5478188" cy="3816424"/>
           </a:xfrm>
           <a:prstGeom prst="rect">
             <a:avLst/>
@@ -12650,7 +13202,7 @@
       </p:pic>
       <p:pic>
         <p:nvPicPr>
-          <p:cNvPr id="7" name="그림 6"/>
+          <p:cNvPr id="4" name="그림 3"/>
           <p:cNvPicPr>
             <a:picLocks noChangeAspect="1"/>
           </p:cNvPicPr>
@@ -12670,8 +13222,8 @@
         </p:blipFill>
         <p:spPr>
           <a:xfrm>
-            <a:off x="4953000" y="3933056"/>
-            <a:ext cx="4541914" cy="1996613"/>
+            <a:off x="3728864" y="4365104"/>
+            <a:ext cx="4968552" cy="1917912"/>
           </a:xfrm>
           <a:prstGeom prst="rect">
             <a:avLst/>
@@ -12705,7 +13257,7 @@
 </p:sld>
 </file>
 
-<file path=ppt/slides/slide26.xml><?xml version="1.0" encoding="utf-8"?>
+<file path=ppt/slides/slide29.xml><?xml version="1.0" encoding="utf-8"?>
 <p:sld xmlns:a="http://schemas.openxmlformats.org/drawingml/2006/main" xmlns:r="http://schemas.openxmlformats.org/officeDocument/2006/relationships" xmlns:p="http://schemas.openxmlformats.org/presentationml/2006/main">
   <p:cSld>
     <p:spTree>
@@ -12773,7 +13325,7 @@
           <a:p>
             <a:fld id="{1BDE3FE7-3AEA-4B05-AC5A-802D1816ACF0}" type="slidenum">
               <a:rPr lang="ko-KR" altLang="en-US" smtClean="0"/>
-              <a:t>26</a:t>
+              <a:t>29</a:t>
             </a:fld>
             <a:endParaRPr lang="ko-KR" altLang="en-US"/>
           </a:p>
@@ -13236,7 +13788,7 @@
 </p:sld>
 </file>
 
-<file path=ppt/slides/slide27.xml><?xml version="1.0" encoding="utf-8"?>
+<file path=ppt/slides/slide3.xml><?xml version="1.0" encoding="utf-8"?>
 <p:sld xmlns:a="http://schemas.openxmlformats.org/drawingml/2006/main" xmlns:r="http://schemas.openxmlformats.org/officeDocument/2006/relationships" xmlns:p="http://schemas.openxmlformats.org/presentationml/2006/main">
   <p:cSld>
     <p:spTree>
@@ -13273,17 +13825,10 @@
               <a:t> </a:t>
             </a:r>
             <a:r>
-              <a:rPr lang="en-US" altLang="ko-KR" dirty="0" err="1"/>
-              <a:t>ArrayList</a:t>
-            </a:r>
-            <a:r>
-              <a:rPr lang="en-US" altLang="ko-KR" dirty="0"/>
-              <a:t> </a:t>
-            </a:r>
-            <a:r>
-              <a:rPr lang="ko-KR" altLang="en-US" dirty="0"/>
-              <a:t>응용 프로그램</a:t>
-            </a:r>
+              <a:rPr lang="ko-KR" altLang="en-US" dirty="0" smtClean="0"/>
+              <a:t>객체 배열 만들기</a:t>
+            </a:r>
+            <a:endParaRPr lang="ko-KR" altLang="en-US" dirty="0"/>
           </a:p>
         </p:txBody>
       </p:sp>
@@ -13304,7 +13849,426 @@
           <a:p>
             <a:fld id="{1BDE3FE7-3AEA-4B05-AC5A-802D1816ACF0}" type="slidenum">
               <a:rPr lang="ko-KR" altLang="en-US" smtClean="0"/>
-              <a:t>27</a:t>
+              <a:t>3</a:t>
+            </a:fld>
+            <a:endParaRPr lang="ko-KR" altLang="en-US"/>
+          </a:p>
+        </p:txBody>
+      </p:sp>
+      <p:sp>
+        <p:nvSpPr>
+          <p:cNvPr id="7" name="내용 개체 틀 2">
+            <a:extLst>
+              <a:ext uri="{FF2B5EF4-FFF2-40B4-BE49-F238E27FC236}">
+                <a16:creationId xmlns:a16="http://schemas.microsoft.com/office/drawing/2014/main" id="{98AF3A4E-7D90-4241-89FE-799D6F9D5A94}"/>
+              </a:ext>
+            </a:extLst>
+          </p:cNvPr>
+          <p:cNvSpPr txBox="1">
+            <a:spLocks/>
+          </p:cNvSpPr>
+          <p:nvPr/>
+        </p:nvSpPr>
+        <p:spPr>
+          <a:xfrm>
+            <a:off x="877255" y="1117775"/>
+            <a:ext cx="2059521" cy="432048"/>
+          </a:xfrm>
+          <a:prstGeom prst="rect">
+            <a:avLst/>
+          </a:prstGeom>
+        </p:spPr>
+        <p:txBody>
+          <a:bodyPr/>
+          <a:lstStyle>
+            <a:lvl1pPr marL="228600" indent="-228600" algn="l" defTabSz="914400" rtl="0" eaLnBrk="1" latinLnBrk="1" hangingPunct="1">
+              <a:lnSpc>
+                <a:spcPct val="90000"/>
+              </a:lnSpc>
+              <a:spcBef>
+                <a:spcPts val="1000"/>
+              </a:spcBef>
+              <a:buFont typeface="Arial" panose="020B0604020202020204" pitchFamily="34" charset="0"/>
+              <a:buChar char="•"/>
+              <a:defRPr sz="2800" kern="1200">
+                <a:solidFill>
+                  <a:schemeClr val="tx1"/>
+                </a:solidFill>
+                <a:latin typeface="+mn-lt"/>
+                <a:ea typeface="+mn-ea"/>
+                <a:cs typeface="+mn-cs"/>
+              </a:defRPr>
+            </a:lvl1pPr>
+            <a:lvl2pPr marL="685800" indent="-228600" algn="l" defTabSz="914400" rtl="0" eaLnBrk="1" latinLnBrk="1" hangingPunct="1">
+              <a:lnSpc>
+                <a:spcPct val="90000"/>
+              </a:lnSpc>
+              <a:spcBef>
+                <a:spcPts val="500"/>
+              </a:spcBef>
+              <a:buFont typeface="Arial" panose="020B0604020202020204" pitchFamily="34" charset="0"/>
+              <a:buChar char="•"/>
+              <a:defRPr sz="2400" kern="1200">
+                <a:solidFill>
+                  <a:schemeClr val="tx1"/>
+                </a:solidFill>
+                <a:latin typeface="+mn-lt"/>
+                <a:ea typeface="+mn-ea"/>
+                <a:cs typeface="+mn-cs"/>
+              </a:defRPr>
+            </a:lvl2pPr>
+            <a:lvl3pPr marL="1143000" indent="-228600" algn="l" defTabSz="914400" rtl="0" eaLnBrk="1" latinLnBrk="1" hangingPunct="1">
+              <a:lnSpc>
+                <a:spcPct val="90000"/>
+              </a:lnSpc>
+              <a:spcBef>
+                <a:spcPts val="500"/>
+              </a:spcBef>
+              <a:buFont typeface="Arial" panose="020B0604020202020204" pitchFamily="34" charset="0"/>
+              <a:buChar char="•"/>
+              <a:defRPr sz="2000" kern="1200">
+                <a:solidFill>
+                  <a:schemeClr val="tx1"/>
+                </a:solidFill>
+                <a:latin typeface="+mn-lt"/>
+                <a:ea typeface="+mn-ea"/>
+                <a:cs typeface="+mn-cs"/>
+              </a:defRPr>
+            </a:lvl3pPr>
+            <a:lvl4pPr marL="1600200" indent="-228600" algn="l" defTabSz="914400" rtl="0" eaLnBrk="1" latinLnBrk="1" hangingPunct="1">
+              <a:lnSpc>
+                <a:spcPct val="90000"/>
+              </a:lnSpc>
+              <a:spcBef>
+                <a:spcPts val="500"/>
+              </a:spcBef>
+              <a:buFont typeface="Arial" panose="020B0604020202020204" pitchFamily="34" charset="0"/>
+              <a:buChar char="•"/>
+              <a:defRPr sz="1800" kern="1200">
+                <a:solidFill>
+                  <a:schemeClr val="tx1"/>
+                </a:solidFill>
+                <a:latin typeface="+mn-lt"/>
+                <a:ea typeface="+mn-ea"/>
+                <a:cs typeface="+mn-cs"/>
+              </a:defRPr>
+            </a:lvl4pPr>
+            <a:lvl5pPr marL="2057400" indent="-228600" algn="l" defTabSz="914400" rtl="0" eaLnBrk="1" latinLnBrk="1" hangingPunct="1">
+              <a:lnSpc>
+                <a:spcPct val="90000"/>
+              </a:lnSpc>
+              <a:spcBef>
+                <a:spcPts val="500"/>
+              </a:spcBef>
+              <a:buFont typeface="Arial" panose="020B0604020202020204" pitchFamily="34" charset="0"/>
+              <a:buChar char="•"/>
+              <a:defRPr sz="1800" kern="1200">
+                <a:solidFill>
+                  <a:schemeClr val="tx1"/>
+                </a:solidFill>
+                <a:latin typeface="+mn-lt"/>
+                <a:ea typeface="+mn-ea"/>
+                <a:cs typeface="+mn-cs"/>
+              </a:defRPr>
+            </a:lvl5pPr>
+            <a:lvl6pPr marL="2514600" indent="-228600" algn="l" defTabSz="914400" rtl="0" eaLnBrk="1" latinLnBrk="1" hangingPunct="1">
+              <a:lnSpc>
+                <a:spcPct val="90000"/>
+              </a:lnSpc>
+              <a:spcBef>
+                <a:spcPts val="500"/>
+              </a:spcBef>
+              <a:buFont typeface="Arial" panose="020B0604020202020204" pitchFamily="34" charset="0"/>
+              <a:buChar char="•"/>
+              <a:defRPr sz="1800" kern="1200">
+                <a:solidFill>
+                  <a:schemeClr val="tx1"/>
+                </a:solidFill>
+                <a:latin typeface="+mn-lt"/>
+                <a:ea typeface="+mn-ea"/>
+                <a:cs typeface="+mn-cs"/>
+              </a:defRPr>
+            </a:lvl6pPr>
+            <a:lvl7pPr marL="2971800" indent="-228600" algn="l" defTabSz="914400" rtl="0" eaLnBrk="1" latinLnBrk="1" hangingPunct="1">
+              <a:lnSpc>
+                <a:spcPct val="90000"/>
+              </a:lnSpc>
+              <a:spcBef>
+                <a:spcPts val="500"/>
+              </a:spcBef>
+              <a:buFont typeface="Arial" panose="020B0604020202020204" pitchFamily="34" charset="0"/>
+              <a:buChar char="•"/>
+              <a:defRPr sz="1800" kern="1200">
+                <a:solidFill>
+                  <a:schemeClr val="tx1"/>
+                </a:solidFill>
+                <a:latin typeface="+mn-lt"/>
+                <a:ea typeface="+mn-ea"/>
+                <a:cs typeface="+mn-cs"/>
+              </a:defRPr>
+            </a:lvl7pPr>
+            <a:lvl8pPr marL="3429000" indent="-228600" algn="l" defTabSz="914400" rtl="0" eaLnBrk="1" latinLnBrk="1" hangingPunct="1">
+              <a:lnSpc>
+                <a:spcPct val="90000"/>
+              </a:lnSpc>
+              <a:spcBef>
+                <a:spcPts val="500"/>
+              </a:spcBef>
+              <a:buFont typeface="Arial" panose="020B0604020202020204" pitchFamily="34" charset="0"/>
+              <a:buChar char="•"/>
+              <a:defRPr sz="1800" kern="1200">
+                <a:solidFill>
+                  <a:schemeClr val="tx1"/>
+                </a:solidFill>
+                <a:latin typeface="+mn-lt"/>
+                <a:ea typeface="+mn-ea"/>
+                <a:cs typeface="+mn-cs"/>
+              </a:defRPr>
+            </a:lvl8pPr>
+            <a:lvl9pPr marL="3886200" indent="-228600" algn="l" defTabSz="914400" rtl="0" eaLnBrk="1" latinLnBrk="1" hangingPunct="1">
+              <a:lnSpc>
+                <a:spcPct val="90000"/>
+              </a:lnSpc>
+              <a:spcBef>
+                <a:spcPts val="500"/>
+              </a:spcBef>
+              <a:buFont typeface="Arial" panose="020B0604020202020204" pitchFamily="34" charset="0"/>
+              <a:buChar char="•"/>
+              <a:defRPr sz="1800" kern="1200">
+                <a:solidFill>
+                  <a:schemeClr val="tx1"/>
+                </a:solidFill>
+                <a:latin typeface="+mn-lt"/>
+                <a:ea typeface="+mn-ea"/>
+                <a:cs typeface="+mn-cs"/>
+              </a:defRPr>
+            </a:lvl9pPr>
+          </a:lstStyle>
+          <a:p>
+            <a:pPr>
+              <a:lnSpc>
+                <a:spcPct val="150000"/>
+              </a:lnSpc>
+              <a:buFont typeface="Wingdings" panose="05000000000000000000" pitchFamily="2" charset="2"/>
+              <a:buChar char="§"/>
+            </a:pPr>
+            <a:r>
+              <a:rPr lang="ko-KR" altLang="en-US" sz="2000" b="1" dirty="0" smtClean="0">
+                <a:solidFill>
+                  <a:srgbClr val="C00000"/>
+                </a:solidFill>
+              </a:rPr>
+              <a:t>객체 배열</a:t>
+            </a:r>
+            <a:endParaRPr lang="en-US" altLang="ko-KR" sz="2000" b="1" dirty="0" smtClean="0">
+              <a:solidFill>
+                <a:srgbClr val="C00000"/>
+              </a:solidFill>
+            </a:endParaRPr>
+          </a:p>
+        </p:txBody>
+      </p:sp>
+      <p:sp>
+        <p:nvSpPr>
+          <p:cNvPr id="24" name="TextBox 23"/>
+          <p:cNvSpPr txBox="1"/>
+          <p:nvPr/>
+        </p:nvSpPr>
+        <p:spPr>
+          <a:xfrm>
+            <a:off x="1136576" y="1575597"/>
+            <a:ext cx="7848872" cy="923330"/>
+          </a:xfrm>
+          <a:prstGeom prst="rect">
+            <a:avLst/>
+          </a:prstGeom>
+          <a:noFill/>
+        </p:spPr>
+        <p:txBody>
+          <a:bodyPr wrap="square" rtlCol="0">
+            <a:spAutoFit/>
+          </a:bodyPr>
+          <a:lstStyle/>
+          <a:p>
+            <a:pPr>
+              <a:lnSpc>
+                <a:spcPct val="150000"/>
+              </a:lnSpc>
+            </a:pPr>
+            <a:r>
+              <a:rPr lang="ko-KR" altLang="en-US" dirty="0" smtClean="0"/>
+              <a:t>동일한 기본 </a:t>
+            </a:r>
+            <a:r>
+              <a:rPr lang="ko-KR" altLang="en-US" dirty="0" err="1" smtClean="0"/>
+              <a:t>자료형</a:t>
+            </a:r>
+            <a:r>
+              <a:rPr lang="en-US" altLang="ko-KR" dirty="0" smtClean="0"/>
+              <a:t>(</a:t>
+            </a:r>
+            <a:r>
+              <a:rPr lang="en-US" altLang="ko-KR" dirty="0" err="1" smtClean="0"/>
+              <a:t>int</a:t>
+            </a:r>
+            <a:r>
+              <a:rPr lang="en-US" altLang="ko-KR" dirty="0" smtClean="0"/>
+              <a:t> </a:t>
+            </a:r>
+            <a:r>
+              <a:rPr lang="ko-KR" altLang="en-US" dirty="0" smtClean="0"/>
+              <a:t>등</a:t>
+            </a:r>
+            <a:r>
+              <a:rPr lang="en-US" altLang="ko-KR" dirty="0" smtClean="0"/>
+              <a:t>) </a:t>
+            </a:r>
+            <a:r>
+              <a:rPr lang="ko-KR" altLang="en-US" dirty="0" smtClean="0"/>
+              <a:t>변수 여러 개를 배열로 사용할 수 있듯이 참조 </a:t>
+            </a:r>
+            <a:r>
+              <a:rPr lang="ko-KR" altLang="en-US" dirty="0" err="1" smtClean="0"/>
+              <a:t>자료형</a:t>
+            </a:r>
+            <a:r>
+              <a:rPr lang="ko-KR" altLang="en-US" dirty="0" smtClean="0"/>
+              <a:t> 변수도 여러 개를 배열로 사용할 수 있다</a:t>
+            </a:r>
+            <a:r>
+              <a:rPr lang="en-US" altLang="ko-KR" dirty="0" smtClean="0"/>
+              <a:t>.</a:t>
+            </a:r>
+            <a:endParaRPr lang="ko-KR" altLang="en-US" dirty="0"/>
+          </a:p>
+        </p:txBody>
+      </p:sp>
+      <p:pic>
+        <p:nvPicPr>
+          <p:cNvPr id="2" name="그림 1"/>
+          <p:cNvPicPr>
+            <a:picLocks noChangeAspect="1"/>
+          </p:cNvPicPr>
+          <p:nvPr/>
+        </p:nvPicPr>
+        <p:blipFill>
+          <a:blip r:embed="rId2">
+            <a:extLst>
+              <a:ext uri="{28A0092B-C50C-407E-A947-70E740481C1C}">
+                <a14:useLocalDpi xmlns:a14="http://schemas.microsoft.com/office/drawing/2010/main" val="0"/>
+              </a:ext>
+            </a:extLst>
+          </a:blip>
+          <a:stretch>
+            <a:fillRect/>
+          </a:stretch>
+        </p:blipFill>
+        <p:spPr>
+          <a:xfrm>
+            <a:off x="2000672" y="2636912"/>
+            <a:ext cx="5086326" cy="3312368"/>
+          </a:xfrm>
+          <a:prstGeom prst="rect">
+            <a:avLst/>
+          </a:prstGeom>
+          <a:ln>
+            <a:solidFill>
+              <a:schemeClr val="bg1">
+                <a:lumMod val="75000"/>
+              </a:schemeClr>
+            </a:solidFill>
+          </a:ln>
+        </p:spPr>
+      </p:pic>
+    </p:spTree>
+    <p:extLst>
+      <p:ext uri="{BB962C8B-B14F-4D97-AF65-F5344CB8AC3E}">
+        <p14:creationId xmlns:p14="http://schemas.microsoft.com/office/powerpoint/2010/main" val="2387636528"/>
+      </p:ext>
+    </p:extLst>
+  </p:cSld>
+  <p:clrMapOvr>
+    <a:masterClrMapping/>
+  </p:clrMapOvr>
+  <p:timing>
+    <p:tnLst>
+      <p:par>
+        <p:cTn id="1" dur="indefinite" restart="never" nodeType="tmRoot"/>
+      </p:par>
+    </p:tnLst>
+  </p:timing>
+</p:sld>
+</file>
+
+<file path=ppt/slides/slide30.xml><?xml version="1.0" encoding="utf-8"?>
+<p:sld xmlns:a="http://schemas.openxmlformats.org/drawingml/2006/main" xmlns:r="http://schemas.openxmlformats.org/officeDocument/2006/relationships" xmlns:p="http://schemas.openxmlformats.org/presentationml/2006/main">
+  <p:cSld>
+    <p:spTree>
+      <p:nvGrpSpPr>
+        <p:cNvPr id="1" name=""/>
+        <p:cNvGrpSpPr/>
+        <p:nvPr/>
+      </p:nvGrpSpPr>
+      <p:grpSpPr>
+        <a:xfrm>
+          <a:off x="0" y="0"/>
+          <a:ext cx="0" cy="0"/>
+          <a:chOff x="0" y="0"/>
+          <a:chExt cx="0" cy="0"/>
+        </a:xfrm>
+      </p:grpSpPr>
+      <p:sp>
+        <p:nvSpPr>
+          <p:cNvPr id="6" name="제목 5"/>
+          <p:cNvSpPr>
+            <a:spLocks noGrp="1"/>
+          </p:cNvSpPr>
+          <p:nvPr>
+            <p:ph type="title"/>
+          </p:nvPr>
+        </p:nvSpPr>
+        <p:spPr/>
+        <p:txBody>
+          <a:bodyPr/>
+          <a:lstStyle/>
+          <a:p>
+            <a:r>
+              <a:rPr lang="en-US" altLang="ko-KR" dirty="0" smtClean="0"/>
+              <a:t> </a:t>
+            </a:r>
+            <a:r>
+              <a:rPr lang="en-US" altLang="ko-KR" dirty="0" err="1"/>
+              <a:t>ArrayList</a:t>
+            </a:r>
+            <a:r>
+              <a:rPr lang="en-US" altLang="ko-KR" dirty="0"/>
+              <a:t> </a:t>
+            </a:r>
+            <a:r>
+              <a:rPr lang="ko-KR" altLang="en-US" dirty="0"/>
+              <a:t>응용 프로그램</a:t>
+            </a:r>
+          </a:p>
+        </p:txBody>
+      </p:sp>
+      <p:sp>
+        <p:nvSpPr>
+          <p:cNvPr id="5" name="슬라이드 번호 개체 틀 4"/>
+          <p:cNvSpPr>
+            <a:spLocks noGrp="1"/>
+          </p:cNvSpPr>
+          <p:nvPr>
+            <p:ph type="sldNum" sz="quarter" idx="12"/>
+          </p:nvPr>
+        </p:nvSpPr>
+        <p:spPr/>
+        <p:txBody>
+          <a:bodyPr/>
+          <a:lstStyle/>
+          <a:p>
+            <a:fld id="{1BDE3FE7-3AEA-4B05-AC5A-802D1816ACF0}" type="slidenum">
+              <a:rPr lang="ko-KR" altLang="en-US" smtClean="0"/>
+              <a:t>30</a:t>
             </a:fld>
             <a:endParaRPr lang="ko-KR" altLang="en-US"/>
           </a:p>
@@ -13366,7 +14330,7 @@
 </p:sld>
 </file>
 
-<file path=ppt/slides/slide28.xml><?xml version="1.0" encoding="utf-8"?>
+<file path=ppt/slides/slide31.xml><?xml version="1.0" encoding="utf-8"?>
 <p:sld xmlns:a="http://schemas.openxmlformats.org/drawingml/2006/main" xmlns:r="http://schemas.openxmlformats.org/officeDocument/2006/relationships" xmlns:p="http://schemas.openxmlformats.org/presentationml/2006/main">
   <p:cSld>
     <p:spTree>
@@ -13434,7 +14398,7 @@
           <a:p>
             <a:fld id="{1BDE3FE7-3AEA-4B05-AC5A-802D1816ACF0}" type="slidenum">
               <a:rPr lang="ko-KR" altLang="en-US" smtClean="0"/>
-              <a:t>28</a:t>
+              <a:t>31</a:t>
             </a:fld>
             <a:endParaRPr lang="ko-KR" altLang="en-US"/>
           </a:p>
@@ -13534,7 +14498,7 @@
 </p:sld>
 </file>
 
-<file path=ppt/slides/slide29.xml><?xml version="1.0" encoding="utf-8"?>
+<file path=ppt/slides/slide32.xml><?xml version="1.0" encoding="utf-8"?>
 <p:sld xmlns:a="http://schemas.openxmlformats.org/drawingml/2006/main" xmlns:r="http://schemas.openxmlformats.org/officeDocument/2006/relationships" xmlns:p="http://schemas.openxmlformats.org/presentationml/2006/main">
   <p:cSld>
     <p:spTree>
@@ -13602,7 +14566,7 @@
           <a:p>
             <a:fld id="{1BDE3FE7-3AEA-4B05-AC5A-802D1816ACF0}" type="slidenum">
               <a:rPr lang="ko-KR" altLang="en-US" smtClean="0"/>
-              <a:t>29</a:t>
+              <a:t>32</a:t>
             </a:fld>
             <a:endParaRPr lang="ko-KR" altLang="en-US"/>
           </a:p>
@@ -13649,418 +14613,6 @@
     <p:extLst>
       <p:ext uri="{BB962C8B-B14F-4D97-AF65-F5344CB8AC3E}">
         <p14:creationId xmlns:p14="http://schemas.microsoft.com/office/powerpoint/2010/main" val="3104923"/>
-      </p:ext>
-    </p:extLst>
-  </p:cSld>
-  <p:clrMapOvr>
-    <a:masterClrMapping/>
-  </p:clrMapOvr>
-  <p:timing>
-    <p:tnLst>
-      <p:par>
-        <p:cTn id="1" dur="indefinite" restart="never" nodeType="tmRoot"/>
-      </p:par>
-    </p:tnLst>
-  </p:timing>
-</p:sld>
-</file>
-
-<file path=ppt/slides/slide3.xml><?xml version="1.0" encoding="utf-8"?>
-<p:sld xmlns:a="http://schemas.openxmlformats.org/drawingml/2006/main" xmlns:r="http://schemas.openxmlformats.org/officeDocument/2006/relationships" xmlns:p="http://schemas.openxmlformats.org/presentationml/2006/main">
-  <p:cSld>
-    <p:spTree>
-      <p:nvGrpSpPr>
-        <p:cNvPr id="1" name=""/>
-        <p:cNvGrpSpPr/>
-        <p:nvPr/>
-      </p:nvGrpSpPr>
-      <p:grpSpPr>
-        <a:xfrm>
-          <a:off x="0" y="0"/>
-          <a:ext cx="0" cy="0"/>
-          <a:chOff x="0" y="0"/>
-          <a:chExt cx="0" cy="0"/>
-        </a:xfrm>
-      </p:grpSpPr>
-      <p:sp>
-        <p:nvSpPr>
-          <p:cNvPr id="6" name="제목 5"/>
-          <p:cNvSpPr>
-            <a:spLocks noGrp="1"/>
-          </p:cNvSpPr>
-          <p:nvPr>
-            <p:ph type="title"/>
-          </p:nvPr>
-        </p:nvSpPr>
-        <p:spPr/>
-        <p:txBody>
-          <a:bodyPr/>
-          <a:lstStyle/>
-          <a:p>
-            <a:r>
-              <a:rPr lang="en-US" altLang="ko-KR" dirty="0" smtClean="0"/>
-              <a:t> </a:t>
-            </a:r>
-            <a:r>
-              <a:rPr lang="ko-KR" altLang="en-US" dirty="0" smtClean="0"/>
-              <a:t>객체 배열 만들기</a:t>
-            </a:r>
-            <a:endParaRPr lang="ko-KR" altLang="en-US" dirty="0"/>
-          </a:p>
-        </p:txBody>
-      </p:sp>
-      <p:sp>
-        <p:nvSpPr>
-          <p:cNvPr id="5" name="슬라이드 번호 개체 틀 4"/>
-          <p:cNvSpPr>
-            <a:spLocks noGrp="1"/>
-          </p:cNvSpPr>
-          <p:nvPr>
-            <p:ph type="sldNum" sz="quarter" idx="12"/>
-          </p:nvPr>
-        </p:nvSpPr>
-        <p:spPr/>
-        <p:txBody>
-          <a:bodyPr/>
-          <a:lstStyle/>
-          <a:p>
-            <a:fld id="{1BDE3FE7-3AEA-4B05-AC5A-802D1816ACF0}" type="slidenum">
-              <a:rPr lang="ko-KR" altLang="en-US" smtClean="0"/>
-              <a:t>3</a:t>
-            </a:fld>
-            <a:endParaRPr lang="ko-KR" altLang="en-US"/>
-          </a:p>
-        </p:txBody>
-      </p:sp>
-      <p:sp>
-        <p:nvSpPr>
-          <p:cNvPr id="7" name="내용 개체 틀 2">
-            <a:extLst>
-              <a:ext uri="{FF2B5EF4-FFF2-40B4-BE49-F238E27FC236}">
-                <a16:creationId xmlns:a16="http://schemas.microsoft.com/office/drawing/2014/main" id="{98AF3A4E-7D90-4241-89FE-799D6F9D5A94}"/>
-              </a:ext>
-            </a:extLst>
-          </p:cNvPr>
-          <p:cNvSpPr txBox="1">
-            <a:spLocks/>
-          </p:cNvSpPr>
-          <p:nvPr/>
-        </p:nvSpPr>
-        <p:spPr>
-          <a:xfrm>
-            <a:off x="877255" y="1117775"/>
-            <a:ext cx="2059521" cy="432048"/>
-          </a:xfrm>
-          <a:prstGeom prst="rect">
-            <a:avLst/>
-          </a:prstGeom>
-        </p:spPr>
-        <p:txBody>
-          <a:bodyPr/>
-          <a:lstStyle>
-            <a:lvl1pPr marL="228600" indent="-228600" algn="l" defTabSz="914400" rtl="0" eaLnBrk="1" latinLnBrk="1" hangingPunct="1">
-              <a:lnSpc>
-                <a:spcPct val="90000"/>
-              </a:lnSpc>
-              <a:spcBef>
-                <a:spcPts val="1000"/>
-              </a:spcBef>
-              <a:buFont typeface="Arial" panose="020B0604020202020204" pitchFamily="34" charset="0"/>
-              <a:buChar char="•"/>
-              <a:defRPr sz="2800" kern="1200">
-                <a:solidFill>
-                  <a:schemeClr val="tx1"/>
-                </a:solidFill>
-                <a:latin typeface="+mn-lt"/>
-                <a:ea typeface="+mn-ea"/>
-                <a:cs typeface="+mn-cs"/>
-              </a:defRPr>
-            </a:lvl1pPr>
-            <a:lvl2pPr marL="685800" indent="-228600" algn="l" defTabSz="914400" rtl="0" eaLnBrk="1" latinLnBrk="1" hangingPunct="1">
-              <a:lnSpc>
-                <a:spcPct val="90000"/>
-              </a:lnSpc>
-              <a:spcBef>
-                <a:spcPts val="500"/>
-              </a:spcBef>
-              <a:buFont typeface="Arial" panose="020B0604020202020204" pitchFamily="34" charset="0"/>
-              <a:buChar char="•"/>
-              <a:defRPr sz="2400" kern="1200">
-                <a:solidFill>
-                  <a:schemeClr val="tx1"/>
-                </a:solidFill>
-                <a:latin typeface="+mn-lt"/>
-                <a:ea typeface="+mn-ea"/>
-                <a:cs typeface="+mn-cs"/>
-              </a:defRPr>
-            </a:lvl2pPr>
-            <a:lvl3pPr marL="1143000" indent="-228600" algn="l" defTabSz="914400" rtl="0" eaLnBrk="1" latinLnBrk="1" hangingPunct="1">
-              <a:lnSpc>
-                <a:spcPct val="90000"/>
-              </a:lnSpc>
-              <a:spcBef>
-                <a:spcPts val="500"/>
-              </a:spcBef>
-              <a:buFont typeface="Arial" panose="020B0604020202020204" pitchFamily="34" charset="0"/>
-              <a:buChar char="•"/>
-              <a:defRPr sz="2000" kern="1200">
-                <a:solidFill>
-                  <a:schemeClr val="tx1"/>
-                </a:solidFill>
-                <a:latin typeface="+mn-lt"/>
-                <a:ea typeface="+mn-ea"/>
-                <a:cs typeface="+mn-cs"/>
-              </a:defRPr>
-            </a:lvl3pPr>
-            <a:lvl4pPr marL="1600200" indent="-228600" algn="l" defTabSz="914400" rtl="0" eaLnBrk="1" latinLnBrk="1" hangingPunct="1">
-              <a:lnSpc>
-                <a:spcPct val="90000"/>
-              </a:lnSpc>
-              <a:spcBef>
-                <a:spcPts val="500"/>
-              </a:spcBef>
-              <a:buFont typeface="Arial" panose="020B0604020202020204" pitchFamily="34" charset="0"/>
-              <a:buChar char="•"/>
-              <a:defRPr sz="1800" kern="1200">
-                <a:solidFill>
-                  <a:schemeClr val="tx1"/>
-                </a:solidFill>
-                <a:latin typeface="+mn-lt"/>
-                <a:ea typeface="+mn-ea"/>
-                <a:cs typeface="+mn-cs"/>
-              </a:defRPr>
-            </a:lvl4pPr>
-            <a:lvl5pPr marL="2057400" indent="-228600" algn="l" defTabSz="914400" rtl="0" eaLnBrk="1" latinLnBrk="1" hangingPunct="1">
-              <a:lnSpc>
-                <a:spcPct val="90000"/>
-              </a:lnSpc>
-              <a:spcBef>
-                <a:spcPts val="500"/>
-              </a:spcBef>
-              <a:buFont typeface="Arial" panose="020B0604020202020204" pitchFamily="34" charset="0"/>
-              <a:buChar char="•"/>
-              <a:defRPr sz="1800" kern="1200">
-                <a:solidFill>
-                  <a:schemeClr val="tx1"/>
-                </a:solidFill>
-                <a:latin typeface="+mn-lt"/>
-                <a:ea typeface="+mn-ea"/>
-                <a:cs typeface="+mn-cs"/>
-              </a:defRPr>
-            </a:lvl5pPr>
-            <a:lvl6pPr marL="2514600" indent="-228600" algn="l" defTabSz="914400" rtl="0" eaLnBrk="1" latinLnBrk="1" hangingPunct="1">
-              <a:lnSpc>
-                <a:spcPct val="90000"/>
-              </a:lnSpc>
-              <a:spcBef>
-                <a:spcPts val="500"/>
-              </a:spcBef>
-              <a:buFont typeface="Arial" panose="020B0604020202020204" pitchFamily="34" charset="0"/>
-              <a:buChar char="•"/>
-              <a:defRPr sz="1800" kern="1200">
-                <a:solidFill>
-                  <a:schemeClr val="tx1"/>
-                </a:solidFill>
-                <a:latin typeface="+mn-lt"/>
-                <a:ea typeface="+mn-ea"/>
-                <a:cs typeface="+mn-cs"/>
-              </a:defRPr>
-            </a:lvl6pPr>
-            <a:lvl7pPr marL="2971800" indent="-228600" algn="l" defTabSz="914400" rtl="0" eaLnBrk="1" latinLnBrk="1" hangingPunct="1">
-              <a:lnSpc>
-                <a:spcPct val="90000"/>
-              </a:lnSpc>
-              <a:spcBef>
-                <a:spcPts val="500"/>
-              </a:spcBef>
-              <a:buFont typeface="Arial" panose="020B0604020202020204" pitchFamily="34" charset="0"/>
-              <a:buChar char="•"/>
-              <a:defRPr sz="1800" kern="1200">
-                <a:solidFill>
-                  <a:schemeClr val="tx1"/>
-                </a:solidFill>
-                <a:latin typeface="+mn-lt"/>
-                <a:ea typeface="+mn-ea"/>
-                <a:cs typeface="+mn-cs"/>
-              </a:defRPr>
-            </a:lvl7pPr>
-            <a:lvl8pPr marL="3429000" indent="-228600" algn="l" defTabSz="914400" rtl="0" eaLnBrk="1" latinLnBrk="1" hangingPunct="1">
-              <a:lnSpc>
-                <a:spcPct val="90000"/>
-              </a:lnSpc>
-              <a:spcBef>
-                <a:spcPts val="500"/>
-              </a:spcBef>
-              <a:buFont typeface="Arial" panose="020B0604020202020204" pitchFamily="34" charset="0"/>
-              <a:buChar char="•"/>
-              <a:defRPr sz="1800" kern="1200">
-                <a:solidFill>
-                  <a:schemeClr val="tx1"/>
-                </a:solidFill>
-                <a:latin typeface="+mn-lt"/>
-                <a:ea typeface="+mn-ea"/>
-                <a:cs typeface="+mn-cs"/>
-              </a:defRPr>
-            </a:lvl8pPr>
-            <a:lvl9pPr marL="3886200" indent="-228600" algn="l" defTabSz="914400" rtl="0" eaLnBrk="1" latinLnBrk="1" hangingPunct="1">
-              <a:lnSpc>
-                <a:spcPct val="90000"/>
-              </a:lnSpc>
-              <a:spcBef>
-                <a:spcPts val="500"/>
-              </a:spcBef>
-              <a:buFont typeface="Arial" panose="020B0604020202020204" pitchFamily="34" charset="0"/>
-              <a:buChar char="•"/>
-              <a:defRPr sz="1800" kern="1200">
-                <a:solidFill>
-                  <a:schemeClr val="tx1"/>
-                </a:solidFill>
-                <a:latin typeface="+mn-lt"/>
-                <a:ea typeface="+mn-ea"/>
-                <a:cs typeface="+mn-cs"/>
-              </a:defRPr>
-            </a:lvl9pPr>
-          </a:lstStyle>
-          <a:p>
-            <a:pPr>
-              <a:lnSpc>
-                <a:spcPct val="150000"/>
-              </a:lnSpc>
-              <a:buFont typeface="Wingdings" panose="05000000000000000000" pitchFamily="2" charset="2"/>
-              <a:buChar char="§"/>
-            </a:pPr>
-            <a:r>
-              <a:rPr lang="ko-KR" altLang="en-US" sz="2000" b="1" dirty="0" smtClean="0">
-                <a:solidFill>
-                  <a:srgbClr val="C00000"/>
-                </a:solidFill>
-              </a:rPr>
-              <a:t>객체 배열</a:t>
-            </a:r>
-            <a:endParaRPr lang="en-US" altLang="ko-KR" sz="2000" b="1" dirty="0" smtClean="0">
-              <a:solidFill>
-                <a:srgbClr val="C00000"/>
-              </a:solidFill>
-            </a:endParaRPr>
-          </a:p>
-        </p:txBody>
-      </p:sp>
-      <p:sp>
-        <p:nvSpPr>
-          <p:cNvPr id="24" name="TextBox 23"/>
-          <p:cNvSpPr txBox="1"/>
-          <p:nvPr/>
-        </p:nvSpPr>
-        <p:spPr>
-          <a:xfrm>
-            <a:off x="1136576" y="1575597"/>
-            <a:ext cx="7848872" cy="923330"/>
-          </a:xfrm>
-          <a:prstGeom prst="rect">
-            <a:avLst/>
-          </a:prstGeom>
-          <a:noFill/>
-        </p:spPr>
-        <p:txBody>
-          <a:bodyPr wrap="square" rtlCol="0">
-            <a:spAutoFit/>
-          </a:bodyPr>
-          <a:lstStyle/>
-          <a:p>
-            <a:pPr>
-              <a:lnSpc>
-                <a:spcPct val="150000"/>
-              </a:lnSpc>
-            </a:pPr>
-            <a:r>
-              <a:rPr lang="ko-KR" altLang="en-US" dirty="0" smtClean="0"/>
-              <a:t>동일한 기본 </a:t>
-            </a:r>
-            <a:r>
-              <a:rPr lang="ko-KR" altLang="en-US" dirty="0" err="1" smtClean="0"/>
-              <a:t>자료형</a:t>
-            </a:r>
-            <a:r>
-              <a:rPr lang="en-US" altLang="ko-KR" dirty="0" smtClean="0"/>
-              <a:t>(</a:t>
-            </a:r>
-            <a:r>
-              <a:rPr lang="en-US" altLang="ko-KR" dirty="0" err="1" smtClean="0"/>
-              <a:t>int</a:t>
-            </a:r>
-            <a:r>
-              <a:rPr lang="en-US" altLang="ko-KR" dirty="0" smtClean="0"/>
-              <a:t> </a:t>
-            </a:r>
-            <a:r>
-              <a:rPr lang="ko-KR" altLang="en-US" dirty="0" smtClean="0"/>
-              <a:t>등</a:t>
-            </a:r>
-            <a:r>
-              <a:rPr lang="en-US" altLang="ko-KR" dirty="0" smtClean="0"/>
-              <a:t>) </a:t>
-            </a:r>
-            <a:r>
-              <a:rPr lang="ko-KR" altLang="en-US" dirty="0" smtClean="0"/>
-              <a:t>변수 여러 개를 배열로 사용할 수 있듯이 참조 </a:t>
-            </a:r>
-            <a:r>
-              <a:rPr lang="ko-KR" altLang="en-US" dirty="0" err="1" smtClean="0"/>
-              <a:t>자료형</a:t>
-            </a:r>
-            <a:r>
-              <a:rPr lang="ko-KR" altLang="en-US" dirty="0" smtClean="0"/>
-              <a:t> 변수도 여러 개를 배열로 사용할 수 있다</a:t>
-            </a:r>
-            <a:r>
-              <a:rPr lang="en-US" altLang="ko-KR" dirty="0" smtClean="0"/>
-              <a:t>.</a:t>
-            </a:r>
-            <a:endParaRPr lang="ko-KR" altLang="en-US" dirty="0"/>
-          </a:p>
-        </p:txBody>
-      </p:sp>
-      <p:pic>
-        <p:nvPicPr>
-          <p:cNvPr id="2" name="그림 1"/>
-          <p:cNvPicPr>
-            <a:picLocks noChangeAspect="1"/>
-          </p:cNvPicPr>
-          <p:nvPr/>
-        </p:nvPicPr>
-        <p:blipFill>
-          <a:blip r:embed="rId2">
-            <a:extLst>
-              <a:ext uri="{28A0092B-C50C-407E-A947-70E740481C1C}">
-                <a14:useLocalDpi xmlns:a14="http://schemas.microsoft.com/office/drawing/2010/main" val="0"/>
-              </a:ext>
-            </a:extLst>
-          </a:blip>
-          <a:stretch>
-            <a:fillRect/>
-          </a:stretch>
-        </p:blipFill>
-        <p:spPr>
-          <a:xfrm>
-            <a:off x="2000672" y="2636912"/>
-            <a:ext cx="5086326" cy="3312368"/>
-          </a:xfrm>
-          <a:prstGeom prst="rect">
-            <a:avLst/>
-          </a:prstGeom>
-          <a:ln>
-            <a:solidFill>
-              <a:schemeClr val="bg1">
-                <a:lumMod val="75000"/>
-              </a:schemeClr>
-            </a:solidFill>
-          </a:ln>
-        </p:spPr>
-      </p:pic>
-    </p:spTree>
-    <p:extLst>
-      <p:ext uri="{BB962C8B-B14F-4D97-AF65-F5344CB8AC3E}">
-        <p14:creationId xmlns:p14="http://schemas.microsoft.com/office/powerpoint/2010/main" val="2387636528"/>
       </p:ext>
     </p:extLst>
   </p:cSld>
